--- a/doc/Presentation .pptx
+++ b/doc/Presentation .pptx
@@ -1926,7 +1926,7 @@
           <a:p>
             <a:fld id="{4E7438E1-117D-44FB-AC24-B79D899BA877}" type="datetimeFigureOut">
               <a:rPr lang="he-IL" smtClean="0"/>
-              <a:t>ד'/אדר א/תשע"ו</a:t>
+              <a:t>ו'/אדר א/תשע"ו</a:t>
             </a:fld>
             <a:endParaRPr lang="he-IL"/>
           </a:p>
@@ -2107,7 +2107,7 @@
           <a:p>
             <a:fld id="{4E7438E1-117D-44FB-AC24-B79D899BA877}" type="datetimeFigureOut">
               <a:rPr lang="he-IL" smtClean="0"/>
-              <a:t>ד'/אדר א/תשע"ו</a:t>
+              <a:t>ו'/אדר א/תשע"ו</a:t>
             </a:fld>
             <a:endParaRPr lang="he-IL"/>
           </a:p>
@@ -2258,7 +2258,7 @@
           <a:p>
             <a:fld id="{4E7438E1-117D-44FB-AC24-B79D899BA877}" type="datetimeFigureOut">
               <a:rPr lang="he-IL" smtClean="0"/>
-              <a:t>ד'/אדר א/תשע"ו</a:t>
+              <a:t>ו'/אדר א/תשע"ו</a:t>
             </a:fld>
             <a:endParaRPr lang="he-IL"/>
           </a:p>
@@ -4084,7 +4084,7 @@
           <a:p>
             <a:fld id="{4E7438E1-117D-44FB-AC24-B79D899BA877}" type="datetimeFigureOut">
               <a:rPr lang="he-IL" smtClean="0"/>
-              <a:t>ד'/אדר א/תשע"ו</a:t>
+              <a:t>ו'/אדר א/תשע"ו</a:t>
             </a:fld>
             <a:endParaRPr lang="he-IL"/>
           </a:p>
@@ -5954,7 +5954,7 @@
           <a:p>
             <a:fld id="{4E7438E1-117D-44FB-AC24-B79D899BA877}" type="datetimeFigureOut">
               <a:rPr lang="he-IL" smtClean="0"/>
-              <a:t>ד'/אדר א/תשע"ו</a:t>
+              <a:t>ו'/אדר א/תשע"ו</a:t>
             </a:fld>
             <a:endParaRPr lang="he-IL"/>
           </a:p>
@@ -6067,7 +6067,7 @@
           <a:p>
             <a:fld id="{4E7438E1-117D-44FB-AC24-B79D899BA877}" type="datetimeFigureOut">
               <a:rPr lang="he-IL" smtClean="0"/>
-              <a:t>ד'/אדר א/תשע"ו</a:t>
+              <a:t>ו'/אדר א/תשע"ו</a:t>
             </a:fld>
             <a:endParaRPr lang="he-IL"/>
           </a:p>
@@ -6608,7 +6608,7 @@
           <a:p>
             <a:fld id="{4E7438E1-117D-44FB-AC24-B79D899BA877}" type="datetimeFigureOut">
               <a:rPr lang="he-IL" smtClean="0"/>
-              <a:t>ד'/אדר א/תשע"ו</a:t>
+              <a:t>ו'/אדר א/תשע"ו</a:t>
             </a:fld>
             <a:endParaRPr lang="he-IL"/>
           </a:p>
@@ -6721,7 +6721,7 @@
           <a:p>
             <a:fld id="{4E7438E1-117D-44FB-AC24-B79D899BA877}" type="datetimeFigureOut">
               <a:rPr lang="he-IL" smtClean="0"/>
-              <a:t>ד'/אדר א/תשע"ו</a:t>
+              <a:t>ו'/אדר א/תשע"ו</a:t>
             </a:fld>
             <a:endParaRPr lang="he-IL"/>
           </a:p>
@@ -8432,7 +8432,7 @@
           <a:p>
             <a:fld id="{4E7438E1-117D-44FB-AC24-B79D899BA877}" type="datetimeFigureOut">
               <a:rPr lang="he-IL" smtClean="0"/>
-              <a:t>ד'/אדר א/תשע"ו</a:t>
+              <a:t>ו'/אדר א/תשע"ו</a:t>
             </a:fld>
             <a:endParaRPr lang="he-IL"/>
           </a:p>
@@ -8583,7 +8583,7 @@
           <a:p>
             <a:fld id="{4E7438E1-117D-44FB-AC24-B79D899BA877}" type="datetimeFigureOut">
               <a:rPr lang="he-IL" smtClean="0"/>
-              <a:t>ד'/אדר א/תשע"ו</a:t>
+              <a:t>ו'/אדר א/תשע"ו</a:t>
             </a:fld>
             <a:endParaRPr lang="he-IL"/>
           </a:p>
@@ -12198,7 +12198,7 @@
           <a:p>
             <a:fld id="{4E7438E1-117D-44FB-AC24-B79D899BA877}" type="datetimeFigureOut">
               <a:rPr lang="he-IL" smtClean="0"/>
-              <a:t>ד'/אדר א/תשע"ו</a:t>
+              <a:t>ו'/אדר א/תשע"ו</a:t>
             </a:fld>
             <a:endParaRPr lang="he-IL"/>
           </a:p>
@@ -14057,7 +14057,7 @@
           <a:p>
             <a:fld id="{4E7438E1-117D-44FB-AC24-B79D899BA877}" type="datetimeFigureOut">
               <a:rPr lang="he-IL" smtClean="0"/>
-              <a:t>ד'/אדר א/תשע"ו</a:t>
+              <a:t>ו'/אדר א/תשע"ו</a:t>
             </a:fld>
             <a:endParaRPr lang="he-IL"/>
           </a:p>
@@ -15436,7 +15436,21 @@
                 <a:latin typeface="David" panose="020E0502060401010101" pitchFamily="34" charset="-79"/>
                 <a:cs typeface="David" panose="020E0502060401010101" pitchFamily="34" charset="-79"/>
               </a:rPr>
-              <a:t>בדיקת מיקום עדכני בעזרת תהליך שרץ הרקע (</a:t>
+              <a:t>בדיקת מיקום עדכני בעזרת תהליך שרץ </a:t>
+            </a:r>
+            <a:r>
+              <a:rPr lang="he-IL" dirty="0" smtClean="0">
+                <a:latin typeface="David" panose="020E0502060401010101" pitchFamily="34" charset="-79"/>
+                <a:cs typeface="David" panose="020E0502060401010101" pitchFamily="34" charset="-79"/>
+              </a:rPr>
+              <a:t>ברקע </a:t>
+            </a:r>
+            <a:r>
+              <a:rPr lang="he-IL" dirty="0" smtClean="0">
+                <a:latin typeface="David" panose="020E0502060401010101" pitchFamily="34" charset="-79"/>
+                <a:cs typeface="David" panose="020E0502060401010101" pitchFamily="34" charset="-79"/>
+              </a:rPr>
+              <a:t>(</a:t>
             </a:r>
             <a:r>
               <a:rPr lang="en-US" dirty="0" smtClean="0">
@@ -15674,7 +15688,14 @@
                 <a:latin typeface="David" panose="020E0502060401010101" pitchFamily="34" charset="-79"/>
                 <a:cs typeface="David" panose="020E0502060401010101" pitchFamily="34" charset="-79"/>
               </a:rPr>
-              <a:t>תכונות במכשיר</a:t>
+              <a:t>תכונות </a:t>
+            </a:r>
+            <a:r>
+              <a:rPr lang="he-IL" dirty="0" smtClean="0">
+                <a:latin typeface="David" panose="020E0502060401010101" pitchFamily="34" charset="-79"/>
+                <a:cs typeface="David" panose="020E0502060401010101" pitchFamily="34" charset="-79"/>
+              </a:rPr>
+              <a:t>בשימוש</a:t>
             </a:r>
             <a:endParaRPr lang="he-IL" dirty="0">
               <a:latin typeface="David" panose="020E0502060401010101" pitchFamily="34" charset="-79"/>
@@ -15846,8 +15867,19 @@
                 <a:latin typeface="David" panose="020E0502060401010101" pitchFamily="34" charset="-79"/>
                 <a:cs typeface="David" panose="020E0502060401010101" pitchFamily="34" charset="-79"/>
               </a:rPr>
-              <a:t>הוספת מפה דינאמית</a:t>
+              <a:t>הוספת מפה </a:t>
             </a:r>
+            <a:r>
+              <a:rPr lang="he-IL" dirty="0" smtClean="0">
+                <a:latin typeface="David" panose="020E0502060401010101" pitchFamily="34" charset="-79"/>
+                <a:cs typeface="David" panose="020E0502060401010101" pitchFamily="34" charset="-79"/>
+              </a:rPr>
+              <a:t>דינאמית</a:t>
+            </a:r>
+            <a:endParaRPr lang="he-IL" dirty="0" smtClean="0">
+              <a:latin typeface="David" panose="020E0502060401010101" pitchFamily="34" charset="-79"/>
+              <a:cs typeface="David" panose="020E0502060401010101" pitchFamily="34" charset="-79"/>
+            </a:endParaRPr>
           </a:p>
           <a:p>
             <a:endParaRPr lang="he-IL" dirty="0" smtClean="0">

--- a/doc/Presentation .pptx
+++ b/doc/Presentation .pptx
@@ -1926,7 +1926,7 @@
           <a:p>
             <a:fld id="{4E7438E1-117D-44FB-AC24-B79D899BA877}" type="datetimeFigureOut">
               <a:rPr lang="he-IL" smtClean="0"/>
-              <a:t>ו'/אדר א/תשע"ו</a:t>
+              <a:t>י'/אדר א/תשע"ו</a:t>
             </a:fld>
             <a:endParaRPr lang="he-IL"/>
           </a:p>
@@ -2107,7 +2107,7 @@
           <a:p>
             <a:fld id="{4E7438E1-117D-44FB-AC24-B79D899BA877}" type="datetimeFigureOut">
               <a:rPr lang="he-IL" smtClean="0"/>
-              <a:t>ו'/אדר א/תשע"ו</a:t>
+              <a:t>י'/אדר א/תשע"ו</a:t>
             </a:fld>
             <a:endParaRPr lang="he-IL"/>
           </a:p>
@@ -2258,7 +2258,7 @@
           <a:p>
             <a:fld id="{4E7438E1-117D-44FB-AC24-B79D899BA877}" type="datetimeFigureOut">
               <a:rPr lang="he-IL" smtClean="0"/>
-              <a:t>ו'/אדר א/תשע"ו</a:t>
+              <a:t>י'/אדר א/תשע"ו</a:t>
             </a:fld>
             <a:endParaRPr lang="he-IL"/>
           </a:p>
@@ -4084,7 +4084,7 @@
           <a:p>
             <a:fld id="{4E7438E1-117D-44FB-AC24-B79D899BA877}" type="datetimeFigureOut">
               <a:rPr lang="he-IL" smtClean="0"/>
-              <a:t>ו'/אדר א/תשע"ו</a:t>
+              <a:t>י'/אדר א/תשע"ו</a:t>
             </a:fld>
             <a:endParaRPr lang="he-IL"/>
           </a:p>
@@ -5954,7 +5954,7 @@
           <a:p>
             <a:fld id="{4E7438E1-117D-44FB-AC24-B79D899BA877}" type="datetimeFigureOut">
               <a:rPr lang="he-IL" smtClean="0"/>
-              <a:t>ו'/אדר א/תשע"ו</a:t>
+              <a:t>י'/אדר א/תשע"ו</a:t>
             </a:fld>
             <a:endParaRPr lang="he-IL"/>
           </a:p>
@@ -6067,7 +6067,7 @@
           <a:p>
             <a:fld id="{4E7438E1-117D-44FB-AC24-B79D899BA877}" type="datetimeFigureOut">
               <a:rPr lang="he-IL" smtClean="0"/>
-              <a:t>ו'/אדר א/תשע"ו</a:t>
+              <a:t>י'/אדר א/תשע"ו</a:t>
             </a:fld>
             <a:endParaRPr lang="he-IL"/>
           </a:p>
@@ -6608,7 +6608,7 @@
           <a:p>
             <a:fld id="{4E7438E1-117D-44FB-AC24-B79D899BA877}" type="datetimeFigureOut">
               <a:rPr lang="he-IL" smtClean="0"/>
-              <a:t>ו'/אדר א/תשע"ו</a:t>
+              <a:t>י'/אדר א/תשע"ו</a:t>
             </a:fld>
             <a:endParaRPr lang="he-IL"/>
           </a:p>
@@ -6721,7 +6721,7 @@
           <a:p>
             <a:fld id="{4E7438E1-117D-44FB-AC24-B79D899BA877}" type="datetimeFigureOut">
               <a:rPr lang="he-IL" smtClean="0"/>
-              <a:t>ו'/אדר א/תשע"ו</a:t>
+              <a:t>י'/אדר א/תשע"ו</a:t>
             </a:fld>
             <a:endParaRPr lang="he-IL"/>
           </a:p>
@@ -8432,7 +8432,7 @@
           <a:p>
             <a:fld id="{4E7438E1-117D-44FB-AC24-B79D899BA877}" type="datetimeFigureOut">
               <a:rPr lang="he-IL" smtClean="0"/>
-              <a:t>ו'/אדר א/תשע"ו</a:t>
+              <a:t>י'/אדר א/תשע"ו</a:t>
             </a:fld>
             <a:endParaRPr lang="he-IL"/>
           </a:p>
@@ -8583,7 +8583,7 @@
           <a:p>
             <a:fld id="{4E7438E1-117D-44FB-AC24-B79D899BA877}" type="datetimeFigureOut">
               <a:rPr lang="he-IL" smtClean="0"/>
-              <a:t>ו'/אדר א/תשע"ו</a:t>
+              <a:t>י'/אדר א/תשע"ו</a:t>
             </a:fld>
             <a:endParaRPr lang="he-IL"/>
           </a:p>
@@ -12198,7 +12198,7 @@
           <a:p>
             <a:fld id="{4E7438E1-117D-44FB-AC24-B79D899BA877}" type="datetimeFigureOut">
               <a:rPr lang="he-IL" smtClean="0"/>
-              <a:t>ו'/אדר א/תשע"ו</a:t>
+              <a:t>י'/אדר א/תשע"ו</a:t>
             </a:fld>
             <a:endParaRPr lang="he-IL"/>
           </a:p>
@@ -14057,7 +14057,7 @@
           <a:p>
             <a:fld id="{4E7438E1-117D-44FB-AC24-B79D899BA877}" type="datetimeFigureOut">
               <a:rPr lang="he-IL" smtClean="0"/>
-              <a:t>ו'/אדר א/תשע"ו</a:t>
+              <a:t>י'/אדר א/תשע"ו</a:t>
             </a:fld>
             <a:endParaRPr lang="he-IL"/>
           </a:p>
@@ -14817,7 +14817,21 @@
                 <a:latin typeface="David" panose="020E0502060401010101" pitchFamily="34" charset="-79"/>
                 <a:cs typeface="David" panose="020E0502060401010101" pitchFamily="34" charset="-79"/>
               </a:rPr>
-              <a:t>התראה על הגעה תחנת אוטובוס</a:t>
+              <a:t>התראה על הגעה </a:t>
+            </a:r>
+            <a:r>
+              <a:rPr lang="he-IL" dirty="0" smtClean="0">
+                <a:latin typeface="David" panose="020E0502060401010101" pitchFamily="34" charset="-79"/>
+                <a:cs typeface="David" panose="020E0502060401010101" pitchFamily="34" charset="-79"/>
+              </a:rPr>
+              <a:t>לתחנת </a:t>
+            </a:r>
+            <a:r>
+              <a:rPr lang="he-IL" dirty="0" smtClean="0">
+                <a:latin typeface="David" panose="020E0502060401010101" pitchFamily="34" charset="-79"/>
+                <a:cs typeface="David" panose="020E0502060401010101" pitchFamily="34" charset="-79"/>
+              </a:rPr>
+              <a:t>אוטובוס</a:t>
             </a:r>
           </a:p>
           <a:p>
@@ -15022,7 +15036,7 @@
           <a:bodyPr/>
           <a:lstStyle/>
           <a:p>
-            <a:endParaRPr lang="he-IL"/>
+            <a:endParaRPr lang="he-IL" dirty="0"/>
           </a:p>
         </p:txBody>
       </p:sp>
@@ -15349,7 +15363,7 @@
         </p:nvSpPr>
         <p:spPr>
           <a:xfrm>
-            <a:off x="35496" y="2431429"/>
+            <a:off x="35496" y="2719461"/>
             <a:ext cx="8723312" cy="4309939"/>
           </a:xfrm>
         </p:spPr>
@@ -15436,21 +15450,14 @@
                 <a:latin typeface="David" panose="020E0502060401010101" pitchFamily="34" charset="-79"/>
                 <a:cs typeface="David" panose="020E0502060401010101" pitchFamily="34" charset="-79"/>
               </a:rPr>
-              <a:t>בדיקת מיקום עדכני בעזרת תהליך שרץ </a:t>
+              <a:t>הפעלת התראה: בדיקת </a:t>
             </a:r>
             <a:r>
               <a:rPr lang="he-IL" dirty="0" smtClean="0">
                 <a:latin typeface="David" panose="020E0502060401010101" pitchFamily="34" charset="-79"/>
                 <a:cs typeface="David" panose="020E0502060401010101" pitchFamily="34" charset="-79"/>
               </a:rPr>
-              <a:t>ברקע </a:t>
-            </a:r>
-            <a:r>
-              <a:rPr lang="he-IL" dirty="0" smtClean="0">
-                <a:latin typeface="David" panose="020E0502060401010101" pitchFamily="34" charset="-79"/>
-                <a:cs typeface="David" panose="020E0502060401010101" pitchFamily="34" charset="-79"/>
-              </a:rPr>
-              <a:t>(</a:t>
+              <a:t>מיקום עדכני בעזרת תהליך שרץ ברקע (</a:t>
             </a:r>
             <a:r>
               <a:rPr lang="en-US" dirty="0" smtClean="0">
@@ -15467,7 +15474,14 @@
                 <a:latin typeface="David" panose="020E0502060401010101" pitchFamily="34" charset="-79"/>
                 <a:cs typeface="David" panose="020E0502060401010101" pitchFamily="34" charset="-79"/>
               </a:rPr>
-              <a:t>שליחת התראה למשתמש (צלצול או/וגם התראה)</a:t>
+              <a:t>הגעה לתחנה: שליחת </a:t>
+            </a:r>
+            <a:r>
+              <a:rPr lang="he-IL" dirty="0" smtClean="0">
+                <a:latin typeface="David" panose="020E0502060401010101" pitchFamily="34" charset="-79"/>
+                <a:cs typeface="David" panose="020E0502060401010101" pitchFamily="34" charset="-79"/>
+              </a:rPr>
+              <a:t>התראה למשתמש (צלצול או/וגם התראה)</a:t>
             </a:r>
           </a:p>
         </p:txBody>
@@ -15575,6 +15589,47 @@
           </a:extLst>
         </p:spPr>
       </p:pic>
+      <p:pic>
+        <p:nvPicPr>
+          <p:cNvPr id="1028" name="Picture 4" descr="http://bikeshopmanager.com/wp-content/uploads/2013/09/google-app-engine-trans.png"/>
+          <p:cNvPicPr>
+            <a:picLocks noChangeAspect="1" noChangeArrowheads="1"/>
+          </p:cNvPicPr>
+          <p:nvPr/>
+        </p:nvPicPr>
+        <p:blipFill>
+          <a:blip r:embed="rId4" cstate="print">
+            <a:extLst>
+              <a:ext uri="{28A0092B-C50C-407E-A947-70E740481C1C}">
+                <a14:useLocalDpi xmlns:a14="http://schemas.microsoft.com/office/drawing/2010/main" val="0"/>
+              </a:ext>
+            </a:extLst>
+          </a:blip>
+          <a:srcRect/>
+          <a:stretch>
+            <a:fillRect/>
+          </a:stretch>
+        </p:blipFill>
+        <p:spPr bwMode="auto">
+          <a:xfrm>
+            <a:off x="-42503" y="2564904"/>
+            <a:ext cx="1308125" cy="872084"/>
+          </a:xfrm>
+          <a:prstGeom prst="rect">
+            <a:avLst/>
+          </a:prstGeom>
+          <a:noFill/>
+          <a:extLst>
+            <a:ext uri="{909E8E84-426E-40DD-AFC4-6F175D3DCCD1}">
+              <a14:hiddenFill xmlns:a14="http://schemas.microsoft.com/office/drawing/2010/main">
+                <a:solidFill>
+                  <a:srgbClr val="FFFFFF"/>
+                </a:solidFill>
+              </a14:hiddenFill>
+            </a:ext>
+          </a:extLst>
+        </p:spPr>
+      </p:pic>
     </p:spTree>
     <p:extLst>
       <p:ext uri="{BB962C8B-B14F-4D97-AF65-F5344CB8AC3E}">
@@ -15622,39 +15677,169 @@
             <p:ph idx="1"/>
           </p:nvPr>
         </p:nvSpPr>
-        <p:spPr/>
+        <p:spPr>
+          <a:xfrm>
+            <a:off x="323528" y="2564904"/>
+            <a:ext cx="8244904" cy="3561259"/>
+          </a:xfrm>
+        </p:spPr>
         <p:txBody>
-          <a:bodyPr/>
+          <a:bodyPr>
+            <a:normAutofit fontScale="92500" lnSpcReduction="10000"/>
+          </a:bodyPr>
           <a:lstStyle/>
           <a:p>
             <a:r>
               <a:rPr lang="en-US" dirty="0" smtClean="0"/>
               <a:t>GPS</a:t>
             </a:r>
+            <a:r>
+              <a:rPr lang="he-IL" dirty="0" smtClean="0"/>
+              <a:t>- </a:t>
+            </a:r>
+            <a:r>
+              <a:rPr lang="he-IL" dirty="0" smtClean="0">
+                <a:latin typeface="David" panose="020E0502060401010101" pitchFamily="34" charset="-79"/>
+                <a:cs typeface="David" panose="020E0502060401010101" pitchFamily="34" charset="-79"/>
+              </a:rPr>
+              <a:t>קבלת מיקום של המשתמש</a:t>
+            </a:r>
+            <a:endParaRPr lang="en-US" dirty="0" smtClean="0">
+              <a:latin typeface="David" panose="020E0502060401010101" pitchFamily="34" charset="-79"/>
+              <a:cs typeface="David" panose="020E0502060401010101" pitchFamily="34" charset="-79"/>
+            </a:endParaRPr>
           </a:p>
           <a:p>
             <a:r>
               <a:rPr lang="en-US" dirty="0" smtClean="0"/>
               <a:t>Service</a:t>
             </a:r>
+            <a:r>
+              <a:rPr lang="he-IL" dirty="0" smtClean="0"/>
+              <a:t>- </a:t>
+            </a:r>
+            <a:r>
+              <a:rPr lang="he-IL" dirty="0" smtClean="0">
+                <a:latin typeface="David" panose="020E0502060401010101" pitchFamily="34" charset="-79"/>
+                <a:cs typeface="David" panose="020E0502060401010101" pitchFamily="34" charset="-79"/>
+              </a:rPr>
+              <a:t>הרצת 'תהליך' ברקע (גם אם </a:t>
+            </a:r>
+            <a:r>
+              <a:rPr lang="en-US" dirty="0" smtClean="0">
+                <a:latin typeface="David" panose="020E0502060401010101" pitchFamily="34" charset="-79"/>
+                <a:cs typeface="David" panose="020E0502060401010101" pitchFamily="34" charset="-79"/>
+              </a:rPr>
+              <a:t> </a:t>
+            </a:r>
+            <a:r>
+              <a:rPr lang="en-US" dirty="0" err="1" smtClean="0">
+                <a:latin typeface="David" panose="020E0502060401010101" pitchFamily="34" charset="-79"/>
+                <a:cs typeface="David" panose="020E0502060401010101" pitchFamily="34" charset="-79"/>
+              </a:rPr>
+              <a:t>MainActivity</a:t>
+            </a:r>
+            <a:r>
+              <a:rPr lang="he-IL" dirty="0" smtClean="0">
+                <a:latin typeface="David" panose="020E0502060401010101" pitchFamily="34" charset="-79"/>
+                <a:cs typeface="David" panose="020E0502060401010101" pitchFamily="34" charset="-79"/>
+              </a:rPr>
+              <a:t>נסגר)</a:t>
+            </a:r>
+            <a:endParaRPr lang="en-US" dirty="0" smtClean="0">
+              <a:latin typeface="David" panose="020E0502060401010101" pitchFamily="34" charset="-79"/>
+              <a:cs typeface="David" panose="020E0502060401010101" pitchFamily="34" charset="-79"/>
+            </a:endParaRPr>
           </a:p>
           <a:p>
             <a:r>
               <a:rPr lang="en-US" dirty="0" smtClean="0"/>
               <a:t>Notification</a:t>
             </a:r>
+            <a:r>
+              <a:rPr lang="he-IL" dirty="0" smtClean="0"/>
+              <a:t>- </a:t>
+            </a:r>
+            <a:r>
+              <a:rPr lang="he-IL" dirty="0" smtClean="0">
+                <a:latin typeface="David" panose="020E0502060401010101" pitchFamily="34" charset="-79"/>
+                <a:cs typeface="David" panose="020E0502060401010101" pitchFamily="34" charset="-79"/>
+              </a:rPr>
+              <a:t>התראה למשתמש</a:t>
+            </a:r>
+          </a:p>
+          <a:p>
+            <a:r>
+              <a:rPr lang="en-US" dirty="0" smtClean="0">
+                <a:latin typeface="David" panose="020E0502060401010101" pitchFamily="34" charset="-79"/>
+                <a:cs typeface="David" panose="020E0502060401010101" pitchFamily="34" charset="-79"/>
+              </a:rPr>
+              <a:t>Media Player</a:t>
+            </a:r>
+            <a:r>
+              <a:rPr lang="he-IL" dirty="0" smtClean="0">
+                <a:latin typeface="David" panose="020E0502060401010101" pitchFamily="34" charset="-79"/>
+                <a:cs typeface="David" panose="020E0502060401010101" pitchFamily="34" charset="-79"/>
+              </a:rPr>
+              <a:t>- השמעת צלצול</a:t>
+            </a:r>
+            <a:endParaRPr lang="en-US" dirty="0" smtClean="0">
+              <a:latin typeface="David" panose="020E0502060401010101" pitchFamily="34" charset="-79"/>
+              <a:cs typeface="David" panose="020E0502060401010101" pitchFamily="34" charset="-79"/>
+            </a:endParaRPr>
           </a:p>
           <a:p>
             <a:r>
               <a:rPr lang="en-US" dirty="0" smtClean="0"/>
-              <a:t>Shared Preferences</a:t>
+              <a:t>Shared </a:t>
             </a:r>
+            <a:r>
+              <a:rPr lang="en-US" dirty="0" smtClean="0"/>
+              <a:t>Preferences</a:t>
+            </a:r>
+            <a:r>
+              <a:rPr lang="he-IL" dirty="0" smtClean="0"/>
+              <a:t>- </a:t>
+            </a:r>
+            <a:r>
+              <a:rPr lang="he-IL" dirty="0" smtClean="0">
+                <a:latin typeface="David" panose="020E0502060401010101" pitchFamily="34" charset="-79"/>
+                <a:cs typeface="David" panose="020E0502060401010101" pitchFamily="34" charset="-79"/>
+              </a:rPr>
+              <a:t>'זיכרון משותף' – להגדרות האפליקציה</a:t>
+            </a:r>
+            <a:endParaRPr lang="en-US" dirty="0" smtClean="0">
+              <a:latin typeface="David" panose="020E0502060401010101" pitchFamily="34" charset="-79"/>
+              <a:cs typeface="David" panose="020E0502060401010101" pitchFamily="34" charset="-79"/>
+            </a:endParaRPr>
           </a:p>
           <a:p>
             <a:r>
               <a:rPr lang="en-US" dirty="0" smtClean="0"/>
               <a:t>Volley Request</a:t>
             </a:r>
+            <a:r>
+              <a:rPr lang="he-IL" dirty="0" smtClean="0"/>
+              <a:t>- </a:t>
+            </a:r>
+            <a:r>
+              <a:rPr lang="he-IL" dirty="0" smtClean="0">
+                <a:latin typeface="David" panose="020E0502060401010101" pitchFamily="34" charset="-79"/>
+                <a:cs typeface="David" panose="020E0502060401010101" pitchFamily="34" charset="-79"/>
+              </a:rPr>
+              <a:t>שליחת בקשות </a:t>
+            </a:r>
+            <a:r>
+              <a:rPr lang="en-US" dirty="0" smtClean="0">
+                <a:latin typeface="David" panose="020E0502060401010101" pitchFamily="34" charset="-79"/>
+                <a:cs typeface="David" panose="020E0502060401010101" pitchFamily="34" charset="-79"/>
+              </a:rPr>
+              <a:t>API</a:t>
+            </a:r>
+            <a:endParaRPr lang="he-IL" dirty="0" smtClean="0">
+              <a:latin typeface="David" panose="020E0502060401010101" pitchFamily="34" charset="-79"/>
+              <a:cs typeface="David" panose="020E0502060401010101" pitchFamily="34" charset="-79"/>
+            </a:endParaRPr>
           </a:p>
           <a:p>
             <a:endParaRPr lang="en-US" dirty="0"/>
@@ -15662,9 +15847,42 @@
           <a:p>
             <a:r>
               <a:rPr lang="en-US" dirty="0" smtClean="0"/>
-              <a:t>API (use GAE)</a:t>
+              <a:t>API (use </a:t>
             </a:r>
-            <a:endParaRPr lang="he-IL" dirty="0"/>
+            <a:r>
+              <a:rPr lang="en-US" dirty="0" smtClean="0"/>
+              <a:t>GAE)</a:t>
+            </a:r>
+            <a:r>
+              <a:rPr lang="he-IL" dirty="0" smtClean="0"/>
+              <a:t>- </a:t>
+            </a:r>
+            <a:r>
+              <a:rPr lang="he-IL" dirty="0" smtClean="0">
+                <a:latin typeface="David" panose="020E0502060401010101" pitchFamily="34" charset="-79"/>
+                <a:cs typeface="David" panose="020E0502060401010101" pitchFamily="34" charset="-79"/>
+              </a:rPr>
+              <a:t>בניית שרת שמכיל את מבנה הנתונים של:</a:t>
+            </a:r>
+          </a:p>
+          <a:p>
+            <a:pPr marL="0" indent="0">
+              <a:buNone/>
+            </a:pPr>
+            <a:r>
+              <a:rPr lang="he-IL" dirty="0">
+                <a:latin typeface="David" panose="020E0502060401010101" pitchFamily="34" charset="-79"/>
+                <a:cs typeface="David" panose="020E0502060401010101" pitchFamily="34" charset="-79"/>
+              </a:rPr>
+              <a:t>	</a:t>
+            </a:r>
+            <a:r>
+              <a:rPr lang="he-IL" dirty="0" smtClean="0">
+                <a:latin typeface="David" panose="020E0502060401010101" pitchFamily="34" charset="-79"/>
+                <a:cs typeface="David" panose="020E0502060401010101" pitchFamily="34" charset="-79"/>
+              </a:rPr>
+              <a:t>חברות תחבורה/מסלולי אוטובוסים/תחנות עצירה</a:t>
+            </a:r>
           </a:p>
         </p:txBody>
       </p:sp>
@@ -15695,7 +15913,7 @@
                 <a:latin typeface="David" panose="020E0502060401010101" pitchFamily="34" charset="-79"/>
                 <a:cs typeface="David" panose="020E0502060401010101" pitchFamily="34" charset="-79"/>
               </a:rPr>
-              <a:t>בשימוש</a:t>
+              <a:t>האפליקציה</a:t>
             </a:r>
             <a:endParaRPr lang="he-IL" dirty="0">
               <a:latin typeface="David" panose="020E0502060401010101" pitchFamily="34" charset="-79"/>
@@ -15876,6 +16094,17 @@
               </a:rPr>
               <a:t>דינאמית</a:t>
             </a:r>
+          </a:p>
+          <a:p>
+            <a:r>
+              <a:rPr lang="he-IL" dirty="0" smtClean="0">
+                <a:latin typeface="David" panose="020E0502060401010101" pitchFamily="34" charset="-79"/>
+                <a:cs typeface="David" panose="020E0502060401010101" pitchFamily="34" charset="-79"/>
+              </a:rPr>
+              <a:t>אפשרות לבחירת צלצול התראה</a:t>
+            </a:r>
+          </a:p>
+          <a:p>
             <a:endParaRPr lang="he-IL" dirty="0" smtClean="0">
               <a:latin typeface="David" panose="020E0502060401010101" pitchFamily="34" charset="-79"/>
               <a:cs typeface="David" panose="020E0502060401010101" pitchFamily="34" charset="-79"/>

--- a/doc/Presentation .pptx
+++ b/doc/Presentation .pptx
@@ -7,8 +7,8 @@
   <p:sldIdLst>
     <p:sldId id="256" r:id="rId2"/>
     <p:sldId id="257" r:id="rId3"/>
-    <p:sldId id="258" r:id="rId4"/>
-    <p:sldId id="262" r:id="rId5"/>
+    <p:sldId id="264" r:id="rId4"/>
+    <p:sldId id="258" r:id="rId5"/>
     <p:sldId id="259" r:id="rId6"/>
     <p:sldId id="260" r:id="rId7"/>
     <p:sldId id="261" r:id="rId8"/>
@@ -112,6 +112,6953 @@
     </a:lvl9pPr>
   </p:defaultTextStyle>
 </p:presentation>
+</file>
+
+<file path=ppt/diagrams/colors1.xml><?xml version="1.0" encoding="utf-8"?>
+<dgm:colorsDef xmlns:dgm="http://schemas.openxmlformats.org/drawingml/2006/diagram" xmlns:a="http://schemas.openxmlformats.org/drawingml/2006/main" uniqueId="urn:microsoft.com/office/officeart/2005/8/colors/accent1_2">
+  <dgm:title val=""/>
+  <dgm:desc val=""/>
+  <dgm:catLst>
+    <dgm:cat type="accent1" pri="11200"/>
+  </dgm:catLst>
+  <dgm:styleLbl name="node0">
+    <dgm:fillClrLst meth="repeat">
+      <a:schemeClr val="accent1"/>
+    </dgm:fillClrLst>
+    <dgm:linClrLst meth="repeat">
+      <a:schemeClr val="lt1"/>
+    </dgm:linClrLst>
+    <dgm:effectClrLst/>
+    <dgm:txLinClrLst/>
+    <dgm:txFillClrLst/>
+    <dgm:txEffectClrLst/>
+  </dgm:styleLbl>
+  <dgm:styleLbl name="alignNode1">
+    <dgm:fillClrLst meth="repeat">
+      <a:schemeClr val="accent1"/>
+    </dgm:fillClrLst>
+    <dgm:linClrLst meth="repeat">
+      <a:schemeClr val="accent1"/>
+    </dgm:linClrLst>
+    <dgm:effectClrLst/>
+    <dgm:txLinClrLst/>
+    <dgm:txFillClrLst/>
+    <dgm:txEffectClrLst/>
+  </dgm:styleLbl>
+  <dgm:styleLbl name="node1">
+    <dgm:fillClrLst meth="repeat">
+      <a:schemeClr val="accent1"/>
+    </dgm:fillClrLst>
+    <dgm:linClrLst meth="repeat">
+      <a:schemeClr val="lt1"/>
+    </dgm:linClrLst>
+    <dgm:effectClrLst/>
+    <dgm:txLinClrLst/>
+    <dgm:txFillClrLst/>
+    <dgm:txEffectClrLst/>
+  </dgm:styleLbl>
+  <dgm:styleLbl name="lnNode1">
+    <dgm:fillClrLst meth="repeat">
+      <a:schemeClr val="accent1"/>
+    </dgm:fillClrLst>
+    <dgm:linClrLst meth="repeat">
+      <a:schemeClr val="lt1"/>
+    </dgm:linClrLst>
+    <dgm:effectClrLst/>
+    <dgm:txLinClrLst/>
+    <dgm:txFillClrLst/>
+    <dgm:txEffectClrLst/>
+  </dgm:styleLbl>
+  <dgm:styleLbl name="vennNode1">
+    <dgm:fillClrLst meth="repeat">
+      <a:schemeClr val="accent1">
+        <a:alpha val="50000"/>
+      </a:schemeClr>
+    </dgm:fillClrLst>
+    <dgm:linClrLst meth="repeat">
+      <a:schemeClr val="lt1"/>
+    </dgm:linClrLst>
+    <dgm:effectClrLst/>
+    <dgm:txLinClrLst/>
+    <dgm:txFillClrLst/>
+    <dgm:txEffectClrLst/>
+  </dgm:styleLbl>
+  <dgm:styleLbl name="node2">
+    <dgm:fillClrLst meth="repeat">
+      <a:schemeClr val="accent1"/>
+    </dgm:fillClrLst>
+    <dgm:linClrLst meth="repeat">
+      <a:schemeClr val="lt1"/>
+    </dgm:linClrLst>
+    <dgm:effectClrLst/>
+    <dgm:txLinClrLst/>
+    <dgm:txFillClrLst/>
+    <dgm:txEffectClrLst/>
+  </dgm:styleLbl>
+  <dgm:styleLbl name="node3">
+    <dgm:fillClrLst meth="repeat">
+      <a:schemeClr val="accent1"/>
+    </dgm:fillClrLst>
+    <dgm:linClrLst meth="repeat">
+      <a:schemeClr val="lt1"/>
+    </dgm:linClrLst>
+    <dgm:effectClrLst/>
+    <dgm:txLinClrLst/>
+    <dgm:txFillClrLst/>
+    <dgm:txEffectClrLst/>
+  </dgm:styleLbl>
+  <dgm:styleLbl name="node4">
+    <dgm:fillClrLst meth="repeat">
+      <a:schemeClr val="accent1"/>
+    </dgm:fillClrLst>
+    <dgm:linClrLst meth="repeat">
+      <a:schemeClr val="lt1"/>
+    </dgm:linClrLst>
+    <dgm:effectClrLst/>
+    <dgm:txLinClrLst/>
+    <dgm:txFillClrLst/>
+    <dgm:txEffectClrLst/>
+  </dgm:styleLbl>
+  <dgm:styleLbl name="fgImgPlace1">
+    <dgm:fillClrLst meth="repeat">
+      <a:schemeClr val="accent1">
+        <a:tint val="50000"/>
+      </a:schemeClr>
+    </dgm:fillClrLst>
+    <dgm:linClrLst meth="repeat">
+      <a:schemeClr val="lt1"/>
+    </dgm:linClrLst>
+    <dgm:effectClrLst/>
+    <dgm:txLinClrLst/>
+    <dgm:txFillClrLst meth="repeat">
+      <a:schemeClr val="lt1"/>
+    </dgm:txFillClrLst>
+    <dgm:txEffectClrLst/>
+  </dgm:styleLbl>
+  <dgm:styleLbl name="alignImgPlace1">
+    <dgm:fillClrLst meth="repeat">
+      <a:schemeClr val="accent1">
+        <a:tint val="50000"/>
+      </a:schemeClr>
+    </dgm:fillClrLst>
+    <dgm:linClrLst meth="repeat">
+      <a:schemeClr val="lt1"/>
+    </dgm:linClrLst>
+    <dgm:effectClrLst/>
+    <dgm:txLinClrLst/>
+    <dgm:txFillClrLst meth="repeat">
+      <a:schemeClr val="lt1"/>
+    </dgm:txFillClrLst>
+    <dgm:txEffectClrLst/>
+  </dgm:styleLbl>
+  <dgm:styleLbl name="bgImgPlace1">
+    <dgm:fillClrLst meth="repeat">
+      <a:schemeClr val="accent1">
+        <a:tint val="50000"/>
+      </a:schemeClr>
+    </dgm:fillClrLst>
+    <dgm:linClrLst meth="repeat">
+      <a:schemeClr val="lt1"/>
+    </dgm:linClrLst>
+    <dgm:effectClrLst/>
+    <dgm:txLinClrLst/>
+    <dgm:txFillClrLst meth="repeat">
+      <a:schemeClr val="lt1"/>
+    </dgm:txFillClrLst>
+    <dgm:txEffectClrLst/>
+  </dgm:styleLbl>
+  <dgm:styleLbl name="sibTrans2D1">
+    <dgm:fillClrLst meth="repeat">
+      <a:schemeClr val="accent1">
+        <a:tint val="60000"/>
+      </a:schemeClr>
+    </dgm:fillClrLst>
+    <dgm:linClrLst meth="repeat">
+      <a:schemeClr val="accent1">
+        <a:tint val="60000"/>
+      </a:schemeClr>
+    </dgm:linClrLst>
+    <dgm:effectClrLst/>
+    <dgm:txLinClrLst/>
+    <dgm:txFillClrLst/>
+    <dgm:txEffectClrLst/>
+  </dgm:styleLbl>
+  <dgm:styleLbl name="fgSibTrans2D1">
+    <dgm:fillClrLst meth="repeat">
+      <a:schemeClr val="accent1">
+        <a:tint val="60000"/>
+      </a:schemeClr>
+    </dgm:fillClrLst>
+    <dgm:linClrLst meth="repeat">
+      <a:schemeClr val="accent1">
+        <a:tint val="60000"/>
+      </a:schemeClr>
+    </dgm:linClrLst>
+    <dgm:effectClrLst/>
+    <dgm:txLinClrLst/>
+    <dgm:txFillClrLst/>
+    <dgm:txEffectClrLst/>
+  </dgm:styleLbl>
+  <dgm:styleLbl name="bgSibTrans2D1">
+    <dgm:fillClrLst meth="repeat">
+      <a:schemeClr val="accent1">
+        <a:tint val="60000"/>
+      </a:schemeClr>
+    </dgm:fillClrLst>
+    <dgm:linClrLst meth="repeat">
+      <a:schemeClr val="accent1">
+        <a:tint val="60000"/>
+      </a:schemeClr>
+    </dgm:linClrLst>
+    <dgm:effectClrLst/>
+    <dgm:txLinClrLst/>
+    <dgm:txFillClrLst/>
+    <dgm:txEffectClrLst/>
+  </dgm:styleLbl>
+  <dgm:styleLbl name="sibTrans1D1">
+    <dgm:fillClrLst meth="repeat">
+      <a:schemeClr val="accent1"/>
+    </dgm:fillClrLst>
+    <dgm:linClrLst meth="repeat">
+      <a:schemeClr val="accent1"/>
+    </dgm:linClrLst>
+    <dgm:effectClrLst/>
+    <dgm:txLinClrLst/>
+    <dgm:txFillClrLst meth="repeat">
+      <a:schemeClr val="tx1"/>
+    </dgm:txFillClrLst>
+    <dgm:txEffectClrLst/>
+  </dgm:styleLbl>
+  <dgm:styleLbl name="callout">
+    <dgm:fillClrLst meth="repeat">
+      <a:schemeClr val="accent1"/>
+    </dgm:fillClrLst>
+    <dgm:linClrLst meth="repeat">
+      <a:schemeClr val="accent1">
+        <a:tint val="50000"/>
+      </a:schemeClr>
+    </dgm:linClrLst>
+    <dgm:effectClrLst/>
+    <dgm:txLinClrLst/>
+    <dgm:txFillClrLst meth="repeat">
+      <a:schemeClr val="tx1"/>
+    </dgm:txFillClrLst>
+    <dgm:txEffectClrLst/>
+  </dgm:styleLbl>
+  <dgm:styleLbl name="asst0">
+    <dgm:fillClrLst meth="repeat">
+      <a:schemeClr val="accent1"/>
+    </dgm:fillClrLst>
+    <dgm:linClrLst meth="repeat">
+      <a:schemeClr val="lt1"/>
+    </dgm:linClrLst>
+    <dgm:effectClrLst/>
+    <dgm:txLinClrLst/>
+    <dgm:txFillClrLst/>
+    <dgm:txEffectClrLst/>
+  </dgm:styleLbl>
+  <dgm:styleLbl name="asst1">
+    <dgm:fillClrLst meth="repeat">
+      <a:schemeClr val="accent1"/>
+    </dgm:fillClrLst>
+    <dgm:linClrLst meth="repeat">
+      <a:schemeClr val="lt1"/>
+    </dgm:linClrLst>
+    <dgm:effectClrLst/>
+    <dgm:txLinClrLst/>
+    <dgm:txFillClrLst/>
+    <dgm:txEffectClrLst/>
+  </dgm:styleLbl>
+  <dgm:styleLbl name="asst2">
+    <dgm:fillClrLst meth="repeat">
+      <a:schemeClr val="accent1"/>
+    </dgm:fillClrLst>
+    <dgm:linClrLst meth="repeat">
+      <a:schemeClr val="lt1"/>
+    </dgm:linClrLst>
+    <dgm:effectClrLst/>
+    <dgm:txLinClrLst/>
+    <dgm:txFillClrLst/>
+    <dgm:txEffectClrLst/>
+  </dgm:styleLbl>
+  <dgm:styleLbl name="asst3">
+    <dgm:fillClrLst meth="repeat">
+      <a:schemeClr val="accent1"/>
+    </dgm:fillClrLst>
+    <dgm:linClrLst meth="repeat">
+      <a:schemeClr val="lt1"/>
+    </dgm:linClrLst>
+    <dgm:effectClrLst/>
+    <dgm:txLinClrLst/>
+    <dgm:txFillClrLst/>
+    <dgm:txEffectClrLst/>
+  </dgm:styleLbl>
+  <dgm:styleLbl name="asst4">
+    <dgm:fillClrLst meth="repeat">
+      <a:schemeClr val="accent1"/>
+    </dgm:fillClrLst>
+    <dgm:linClrLst meth="repeat">
+      <a:schemeClr val="lt1"/>
+    </dgm:linClrLst>
+    <dgm:effectClrLst/>
+    <dgm:txLinClrLst/>
+    <dgm:txFillClrLst/>
+    <dgm:txEffectClrLst/>
+  </dgm:styleLbl>
+  <dgm:styleLbl name="parChTrans2D1">
+    <dgm:fillClrLst meth="repeat">
+      <a:schemeClr val="accent1">
+        <a:tint val="60000"/>
+      </a:schemeClr>
+    </dgm:fillClrLst>
+    <dgm:linClrLst meth="repeat">
+      <a:schemeClr val="accent1">
+        <a:tint val="60000"/>
+      </a:schemeClr>
+    </dgm:linClrLst>
+    <dgm:effectClrLst/>
+    <dgm:txLinClrLst/>
+    <dgm:txFillClrLst meth="repeat">
+      <a:schemeClr val="lt1"/>
+    </dgm:txFillClrLst>
+    <dgm:txEffectClrLst/>
+  </dgm:styleLbl>
+  <dgm:styleLbl name="parChTrans2D2">
+    <dgm:fillClrLst meth="repeat">
+      <a:schemeClr val="accent1"/>
+    </dgm:fillClrLst>
+    <dgm:linClrLst meth="repeat">
+      <a:schemeClr val="accent1"/>
+    </dgm:linClrLst>
+    <dgm:effectClrLst/>
+    <dgm:txLinClrLst/>
+    <dgm:txFillClrLst meth="repeat">
+      <a:schemeClr val="lt1"/>
+    </dgm:txFillClrLst>
+    <dgm:txEffectClrLst/>
+  </dgm:styleLbl>
+  <dgm:styleLbl name="parChTrans2D3">
+    <dgm:fillClrLst meth="repeat">
+      <a:schemeClr val="accent1"/>
+    </dgm:fillClrLst>
+    <dgm:linClrLst meth="repeat">
+      <a:schemeClr val="accent1"/>
+    </dgm:linClrLst>
+    <dgm:effectClrLst/>
+    <dgm:txLinClrLst/>
+    <dgm:txFillClrLst meth="repeat">
+      <a:schemeClr val="lt1"/>
+    </dgm:txFillClrLst>
+    <dgm:txEffectClrLst/>
+  </dgm:styleLbl>
+  <dgm:styleLbl name="parChTrans2D4">
+    <dgm:fillClrLst meth="repeat">
+      <a:schemeClr val="accent1"/>
+    </dgm:fillClrLst>
+    <dgm:linClrLst meth="repeat">
+      <a:schemeClr val="accent1"/>
+    </dgm:linClrLst>
+    <dgm:effectClrLst/>
+    <dgm:txLinClrLst/>
+    <dgm:txFillClrLst meth="repeat">
+      <a:schemeClr val="lt1"/>
+    </dgm:txFillClrLst>
+    <dgm:txEffectClrLst/>
+  </dgm:styleLbl>
+  <dgm:styleLbl name="parChTrans1D1">
+    <dgm:fillClrLst meth="repeat">
+      <a:schemeClr val="accent1"/>
+    </dgm:fillClrLst>
+    <dgm:linClrLst meth="repeat">
+      <a:schemeClr val="accent1">
+        <a:shade val="60000"/>
+      </a:schemeClr>
+    </dgm:linClrLst>
+    <dgm:effectClrLst/>
+    <dgm:txLinClrLst/>
+    <dgm:txFillClrLst meth="repeat">
+      <a:schemeClr val="tx1"/>
+    </dgm:txFillClrLst>
+    <dgm:txEffectClrLst/>
+  </dgm:styleLbl>
+  <dgm:styleLbl name="parChTrans1D2">
+    <dgm:fillClrLst meth="repeat">
+      <a:schemeClr val="accent1"/>
+    </dgm:fillClrLst>
+    <dgm:linClrLst meth="repeat">
+      <a:schemeClr val="accent1">
+        <a:shade val="60000"/>
+      </a:schemeClr>
+    </dgm:linClrLst>
+    <dgm:effectClrLst/>
+    <dgm:txLinClrLst/>
+    <dgm:txFillClrLst meth="repeat">
+      <a:schemeClr val="tx1"/>
+    </dgm:txFillClrLst>
+    <dgm:txEffectClrLst/>
+  </dgm:styleLbl>
+  <dgm:styleLbl name="parChTrans1D3">
+    <dgm:fillClrLst meth="repeat">
+      <a:schemeClr val="accent1"/>
+    </dgm:fillClrLst>
+    <dgm:linClrLst meth="repeat">
+      <a:schemeClr val="accent1">
+        <a:shade val="80000"/>
+      </a:schemeClr>
+    </dgm:linClrLst>
+    <dgm:effectClrLst/>
+    <dgm:txLinClrLst/>
+    <dgm:txFillClrLst meth="repeat">
+      <a:schemeClr val="tx1"/>
+    </dgm:txFillClrLst>
+    <dgm:txEffectClrLst/>
+  </dgm:styleLbl>
+  <dgm:styleLbl name="parChTrans1D4">
+    <dgm:fillClrLst meth="repeat">
+      <a:schemeClr val="accent1"/>
+    </dgm:fillClrLst>
+    <dgm:linClrLst meth="repeat">
+      <a:schemeClr val="accent1">
+        <a:shade val="80000"/>
+      </a:schemeClr>
+    </dgm:linClrLst>
+    <dgm:effectClrLst/>
+    <dgm:txLinClrLst/>
+    <dgm:txFillClrLst meth="repeat">
+      <a:schemeClr val="tx1"/>
+    </dgm:txFillClrLst>
+    <dgm:txEffectClrLst/>
+  </dgm:styleLbl>
+  <dgm:styleLbl name="fgAcc1">
+    <dgm:fillClrLst meth="repeat">
+      <a:schemeClr val="lt1">
+        <a:alpha val="90000"/>
+      </a:schemeClr>
+    </dgm:fillClrLst>
+    <dgm:linClrLst meth="repeat">
+      <a:schemeClr val="accent1"/>
+    </dgm:linClrLst>
+    <dgm:effectClrLst/>
+    <dgm:txLinClrLst/>
+    <dgm:txFillClrLst meth="repeat">
+      <a:schemeClr val="dk1"/>
+    </dgm:txFillClrLst>
+    <dgm:txEffectClrLst/>
+  </dgm:styleLbl>
+  <dgm:styleLbl name="conFgAcc1">
+    <dgm:fillClrLst meth="repeat">
+      <a:schemeClr val="lt1">
+        <a:alpha val="90000"/>
+      </a:schemeClr>
+    </dgm:fillClrLst>
+    <dgm:linClrLst meth="repeat">
+      <a:schemeClr val="accent1"/>
+    </dgm:linClrLst>
+    <dgm:effectClrLst/>
+    <dgm:txLinClrLst/>
+    <dgm:txFillClrLst meth="repeat">
+      <a:schemeClr val="dk1"/>
+    </dgm:txFillClrLst>
+    <dgm:txEffectClrLst/>
+  </dgm:styleLbl>
+  <dgm:styleLbl name="alignAcc1">
+    <dgm:fillClrLst meth="repeat">
+      <a:schemeClr val="lt1">
+        <a:alpha val="90000"/>
+      </a:schemeClr>
+    </dgm:fillClrLst>
+    <dgm:linClrLst meth="repeat">
+      <a:schemeClr val="accent1"/>
+    </dgm:linClrLst>
+    <dgm:effectClrLst/>
+    <dgm:txLinClrLst/>
+    <dgm:txFillClrLst meth="repeat">
+      <a:schemeClr val="dk1"/>
+    </dgm:txFillClrLst>
+    <dgm:txEffectClrLst/>
+  </dgm:styleLbl>
+  <dgm:styleLbl name="trAlignAcc1">
+    <dgm:fillClrLst meth="repeat">
+      <a:schemeClr val="lt1">
+        <a:alpha val="40000"/>
+      </a:schemeClr>
+    </dgm:fillClrLst>
+    <dgm:linClrLst meth="repeat">
+      <a:schemeClr val="accent1"/>
+    </dgm:linClrLst>
+    <dgm:effectClrLst/>
+    <dgm:txLinClrLst/>
+    <dgm:txFillClrLst meth="repeat">
+      <a:schemeClr val="dk1"/>
+    </dgm:txFillClrLst>
+    <dgm:txEffectClrLst/>
+  </dgm:styleLbl>
+  <dgm:styleLbl name="bgAcc1">
+    <dgm:fillClrLst meth="repeat">
+      <a:schemeClr val="lt1">
+        <a:alpha val="90000"/>
+      </a:schemeClr>
+    </dgm:fillClrLst>
+    <dgm:linClrLst meth="repeat">
+      <a:schemeClr val="accent1"/>
+    </dgm:linClrLst>
+    <dgm:effectClrLst/>
+    <dgm:txLinClrLst/>
+    <dgm:txFillClrLst meth="repeat">
+      <a:schemeClr val="dk1"/>
+    </dgm:txFillClrLst>
+    <dgm:txEffectClrLst/>
+  </dgm:styleLbl>
+  <dgm:styleLbl name="solidFgAcc1">
+    <dgm:fillClrLst meth="repeat">
+      <a:schemeClr val="lt1"/>
+    </dgm:fillClrLst>
+    <dgm:linClrLst meth="repeat">
+      <a:schemeClr val="accent1"/>
+    </dgm:linClrLst>
+    <dgm:effectClrLst/>
+    <dgm:txLinClrLst/>
+    <dgm:txFillClrLst meth="repeat">
+      <a:schemeClr val="dk1"/>
+    </dgm:txFillClrLst>
+    <dgm:txEffectClrLst/>
+  </dgm:styleLbl>
+  <dgm:styleLbl name="solidAlignAcc1">
+    <dgm:fillClrLst meth="repeat">
+      <a:schemeClr val="lt1"/>
+    </dgm:fillClrLst>
+    <dgm:linClrLst meth="repeat">
+      <a:schemeClr val="accent1"/>
+    </dgm:linClrLst>
+    <dgm:effectClrLst/>
+    <dgm:txLinClrLst/>
+    <dgm:txFillClrLst meth="repeat">
+      <a:schemeClr val="dk1"/>
+    </dgm:txFillClrLst>
+    <dgm:txEffectClrLst/>
+  </dgm:styleLbl>
+  <dgm:styleLbl name="solidBgAcc1">
+    <dgm:fillClrLst meth="repeat">
+      <a:schemeClr val="lt1"/>
+    </dgm:fillClrLst>
+    <dgm:linClrLst meth="repeat">
+      <a:schemeClr val="accent1"/>
+    </dgm:linClrLst>
+    <dgm:effectClrLst/>
+    <dgm:txLinClrLst/>
+    <dgm:txFillClrLst meth="repeat">
+      <a:schemeClr val="dk1"/>
+    </dgm:txFillClrLst>
+    <dgm:txEffectClrLst/>
+  </dgm:styleLbl>
+  <dgm:styleLbl name="fgAccFollowNode1">
+    <dgm:fillClrLst meth="repeat">
+      <a:schemeClr val="accent1">
+        <a:alpha val="90000"/>
+        <a:tint val="40000"/>
+      </a:schemeClr>
+    </dgm:fillClrLst>
+    <dgm:linClrLst meth="repeat">
+      <a:schemeClr val="accent1">
+        <a:alpha val="90000"/>
+        <a:tint val="40000"/>
+      </a:schemeClr>
+    </dgm:linClrLst>
+    <dgm:effectClrLst/>
+    <dgm:txLinClrLst/>
+    <dgm:txFillClrLst meth="repeat">
+      <a:schemeClr val="dk1"/>
+    </dgm:txFillClrLst>
+    <dgm:txEffectClrLst/>
+  </dgm:styleLbl>
+  <dgm:styleLbl name="alignAccFollowNode1">
+    <dgm:fillClrLst meth="repeat">
+      <a:schemeClr val="accent1">
+        <a:alpha val="90000"/>
+        <a:tint val="40000"/>
+      </a:schemeClr>
+    </dgm:fillClrLst>
+    <dgm:linClrLst meth="repeat">
+      <a:schemeClr val="accent1">
+        <a:alpha val="90000"/>
+        <a:tint val="40000"/>
+      </a:schemeClr>
+    </dgm:linClrLst>
+    <dgm:effectClrLst/>
+    <dgm:txLinClrLst/>
+    <dgm:txFillClrLst meth="repeat">
+      <a:schemeClr val="dk1"/>
+    </dgm:txFillClrLst>
+    <dgm:txEffectClrLst/>
+  </dgm:styleLbl>
+  <dgm:styleLbl name="bgAccFollowNode1">
+    <dgm:fillClrLst meth="repeat">
+      <a:schemeClr val="accent1">
+        <a:alpha val="90000"/>
+        <a:tint val="40000"/>
+      </a:schemeClr>
+    </dgm:fillClrLst>
+    <dgm:linClrLst meth="repeat">
+      <a:schemeClr val="accent1">
+        <a:alpha val="90000"/>
+        <a:tint val="40000"/>
+      </a:schemeClr>
+    </dgm:linClrLst>
+    <dgm:effectClrLst/>
+    <dgm:txLinClrLst/>
+    <dgm:txFillClrLst meth="repeat">
+      <a:schemeClr val="dk1"/>
+    </dgm:txFillClrLst>
+    <dgm:txEffectClrLst/>
+  </dgm:styleLbl>
+  <dgm:styleLbl name="fgAcc0">
+    <dgm:fillClrLst meth="repeat">
+      <a:schemeClr val="lt1">
+        <a:alpha val="90000"/>
+      </a:schemeClr>
+    </dgm:fillClrLst>
+    <dgm:linClrLst meth="repeat">
+      <a:schemeClr val="accent1"/>
+    </dgm:linClrLst>
+    <dgm:effectClrLst/>
+    <dgm:txLinClrLst/>
+    <dgm:txFillClrLst meth="repeat">
+      <a:schemeClr val="dk1"/>
+    </dgm:txFillClrLst>
+    <dgm:txEffectClrLst/>
+  </dgm:styleLbl>
+  <dgm:styleLbl name="fgAcc2">
+    <dgm:fillClrLst meth="repeat">
+      <a:schemeClr val="lt1">
+        <a:alpha val="90000"/>
+      </a:schemeClr>
+    </dgm:fillClrLst>
+    <dgm:linClrLst meth="repeat">
+      <a:schemeClr val="accent1"/>
+    </dgm:linClrLst>
+    <dgm:effectClrLst/>
+    <dgm:txLinClrLst/>
+    <dgm:txFillClrLst meth="repeat">
+      <a:schemeClr val="dk1"/>
+    </dgm:txFillClrLst>
+    <dgm:txEffectClrLst/>
+  </dgm:styleLbl>
+  <dgm:styleLbl name="fgAcc3">
+    <dgm:fillClrLst meth="repeat">
+      <a:schemeClr val="lt1">
+        <a:alpha val="90000"/>
+      </a:schemeClr>
+    </dgm:fillClrLst>
+    <dgm:linClrLst meth="repeat">
+      <a:schemeClr val="accent1"/>
+    </dgm:linClrLst>
+    <dgm:effectClrLst/>
+    <dgm:txLinClrLst/>
+    <dgm:txFillClrLst meth="repeat">
+      <a:schemeClr val="dk1"/>
+    </dgm:txFillClrLst>
+    <dgm:txEffectClrLst/>
+  </dgm:styleLbl>
+  <dgm:styleLbl name="fgAcc4">
+    <dgm:fillClrLst meth="repeat">
+      <a:schemeClr val="lt1">
+        <a:alpha val="90000"/>
+      </a:schemeClr>
+    </dgm:fillClrLst>
+    <dgm:linClrLst meth="repeat">
+      <a:schemeClr val="accent1"/>
+    </dgm:linClrLst>
+    <dgm:effectClrLst/>
+    <dgm:txLinClrLst/>
+    <dgm:txFillClrLst meth="repeat">
+      <a:schemeClr val="dk1"/>
+    </dgm:txFillClrLst>
+    <dgm:txEffectClrLst/>
+  </dgm:styleLbl>
+  <dgm:styleLbl name="bgShp">
+    <dgm:fillClrLst meth="repeat">
+      <a:schemeClr val="accent1">
+        <a:tint val="40000"/>
+      </a:schemeClr>
+    </dgm:fillClrLst>
+    <dgm:linClrLst meth="repeat">
+      <a:schemeClr val="accent1"/>
+    </dgm:linClrLst>
+    <dgm:effectClrLst/>
+    <dgm:txLinClrLst/>
+    <dgm:txFillClrLst meth="repeat">
+      <a:schemeClr val="dk1"/>
+    </dgm:txFillClrLst>
+    <dgm:txEffectClrLst/>
+  </dgm:styleLbl>
+  <dgm:styleLbl name="dkBgShp">
+    <dgm:fillClrLst meth="repeat">
+      <a:schemeClr val="accent1">
+        <a:shade val="80000"/>
+      </a:schemeClr>
+    </dgm:fillClrLst>
+    <dgm:linClrLst meth="repeat">
+      <a:schemeClr val="accent1"/>
+    </dgm:linClrLst>
+    <dgm:effectClrLst/>
+    <dgm:txLinClrLst/>
+    <dgm:txFillClrLst meth="repeat">
+      <a:schemeClr val="lt1"/>
+    </dgm:txFillClrLst>
+    <dgm:txEffectClrLst/>
+  </dgm:styleLbl>
+  <dgm:styleLbl name="trBgShp">
+    <dgm:fillClrLst meth="repeat">
+      <a:schemeClr val="accent1">
+        <a:tint val="50000"/>
+        <a:alpha val="40000"/>
+      </a:schemeClr>
+    </dgm:fillClrLst>
+    <dgm:linClrLst meth="repeat">
+      <a:schemeClr val="accent1"/>
+    </dgm:linClrLst>
+    <dgm:effectClrLst/>
+    <dgm:txLinClrLst/>
+    <dgm:txFillClrLst meth="repeat">
+      <a:schemeClr val="lt1"/>
+    </dgm:txFillClrLst>
+    <dgm:txEffectClrLst/>
+  </dgm:styleLbl>
+  <dgm:styleLbl name="fgShp">
+    <dgm:fillClrLst meth="repeat">
+      <a:schemeClr val="accent1">
+        <a:tint val="60000"/>
+      </a:schemeClr>
+    </dgm:fillClrLst>
+    <dgm:linClrLst meth="repeat">
+      <a:schemeClr val="lt1"/>
+    </dgm:linClrLst>
+    <dgm:effectClrLst/>
+    <dgm:txLinClrLst/>
+    <dgm:txFillClrLst meth="repeat">
+      <a:schemeClr val="dk1"/>
+    </dgm:txFillClrLst>
+    <dgm:txEffectClrLst/>
+  </dgm:styleLbl>
+  <dgm:styleLbl name="revTx">
+    <dgm:fillClrLst meth="repeat">
+      <a:schemeClr val="lt1">
+        <a:alpha val="0"/>
+      </a:schemeClr>
+    </dgm:fillClrLst>
+    <dgm:linClrLst meth="repeat">
+      <a:schemeClr val="dk1">
+        <a:alpha val="0"/>
+      </a:schemeClr>
+    </dgm:linClrLst>
+    <dgm:effectClrLst/>
+    <dgm:txLinClrLst/>
+    <dgm:txFillClrLst meth="repeat">
+      <a:schemeClr val="tx1"/>
+    </dgm:txFillClrLst>
+    <dgm:txEffectClrLst/>
+  </dgm:styleLbl>
+</dgm:colorsDef>
+</file>
+
+<file path=ppt/diagrams/colors2.xml><?xml version="1.0" encoding="utf-8"?>
+<dgm:colorsDef xmlns:dgm="http://schemas.openxmlformats.org/drawingml/2006/diagram" xmlns:a="http://schemas.openxmlformats.org/drawingml/2006/main" uniqueId="urn:microsoft.com/office/officeart/2005/8/colors/accent5_2">
+  <dgm:title val=""/>
+  <dgm:desc val=""/>
+  <dgm:catLst>
+    <dgm:cat type="accent5" pri="11200"/>
+  </dgm:catLst>
+  <dgm:styleLbl name="node0">
+    <dgm:fillClrLst meth="repeat">
+      <a:schemeClr val="accent5"/>
+    </dgm:fillClrLst>
+    <dgm:linClrLst meth="repeat">
+      <a:schemeClr val="lt1"/>
+    </dgm:linClrLst>
+    <dgm:effectClrLst/>
+    <dgm:txLinClrLst/>
+    <dgm:txFillClrLst/>
+    <dgm:txEffectClrLst/>
+  </dgm:styleLbl>
+  <dgm:styleLbl name="node1">
+    <dgm:fillClrLst meth="repeat">
+      <a:schemeClr val="accent5"/>
+    </dgm:fillClrLst>
+    <dgm:linClrLst meth="repeat">
+      <a:schemeClr val="lt1"/>
+    </dgm:linClrLst>
+    <dgm:effectClrLst/>
+    <dgm:txLinClrLst/>
+    <dgm:txFillClrLst/>
+    <dgm:txEffectClrLst/>
+  </dgm:styleLbl>
+  <dgm:styleLbl name="alignNode1">
+    <dgm:fillClrLst meth="repeat">
+      <a:schemeClr val="accent5"/>
+    </dgm:fillClrLst>
+    <dgm:linClrLst meth="repeat">
+      <a:schemeClr val="accent5"/>
+    </dgm:linClrLst>
+    <dgm:effectClrLst/>
+    <dgm:txLinClrLst/>
+    <dgm:txFillClrLst/>
+    <dgm:txEffectClrLst/>
+  </dgm:styleLbl>
+  <dgm:styleLbl name="lnNode1">
+    <dgm:fillClrLst meth="repeat">
+      <a:schemeClr val="accent5"/>
+    </dgm:fillClrLst>
+    <dgm:linClrLst meth="repeat">
+      <a:schemeClr val="lt1"/>
+    </dgm:linClrLst>
+    <dgm:effectClrLst/>
+    <dgm:txLinClrLst/>
+    <dgm:txFillClrLst/>
+    <dgm:txEffectClrLst/>
+  </dgm:styleLbl>
+  <dgm:styleLbl name="vennNode1">
+    <dgm:fillClrLst meth="repeat">
+      <a:schemeClr val="accent5">
+        <a:alpha val="50000"/>
+      </a:schemeClr>
+    </dgm:fillClrLst>
+    <dgm:linClrLst meth="repeat">
+      <a:schemeClr val="lt1"/>
+    </dgm:linClrLst>
+    <dgm:effectClrLst/>
+    <dgm:txLinClrLst/>
+    <dgm:txFillClrLst/>
+    <dgm:txEffectClrLst/>
+  </dgm:styleLbl>
+  <dgm:styleLbl name="node2">
+    <dgm:fillClrLst meth="repeat">
+      <a:schemeClr val="accent5"/>
+    </dgm:fillClrLst>
+    <dgm:linClrLst meth="repeat">
+      <a:schemeClr val="lt1"/>
+    </dgm:linClrLst>
+    <dgm:effectClrLst/>
+    <dgm:txLinClrLst/>
+    <dgm:txFillClrLst/>
+    <dgm:txEffectClrLst/>
+  </dgm:styleLbl>
+  <dgm:styleLbl name="node3">
+    <dgm:fillClrLst meth="repeat">
+      <a:schemeClr val="accent5"/>
+    </dgm:fillClrLst>
+    <dgm:linClrLst meth="repeat">
+      <a:schemeClr val="lt1"/>
+    </dgm:linClrLst>
+    <dgm:effectClrLst/>
+    <dgm:txLinClrLst/>
+    <dgm:txFillClrLst/>
+    <dgm:txEffectClrLst/>
+  </dgm:styleLbl>
+  <dgm:styleLbl name="node4">
+    <dgm:fillClrLst meth="repeat">
+      <a:schemeClr val="accent5"/>
+    </dgm:fillClrLst>
+    <dgm:linClrLst meth="repeat">
+      <a:schemeClr val="lt1"/>
+    </dgm:linClrLst>
+    <dgm:effectClrLst/>
+    <dgm:txLinClrLst/>
+    <dgm:txFillClrLst/>
+    <dgm:txEffectClrLst/>
+  </dgm:styleLbl>
+  <dgm:styleLbl name="fgImgPlace1">
+    <dgm:fillClrLst meth="repeat">
+      <a:schemeClr val="accent5">
+        <a:tint val="50000"/>
+      </a:schemeClr>
+    </dgm:fillClrLst>
+    <dgm:linClrLst meth="repeat">
+      <a:schemeClr val="lt1"/>
+    </dgm:linClrLst>
+    <dgm:effectClrLst/>
+    <dgm:txLinClrLst/>
+    <dgm:txFillClrLst meth="repeat">
+      <a:schemeClr val="lt1"/>
+    </dgm:txFillClrLst>
+    <dgm:txEffectClrLst/>
+  </dgm:styleLbl>
+  <dgm:styleLbl name="alignImgPlace1">
+    <dgm:fillClrLst meth="repeat">
+      <a:schemeClr val="accent5">
+        <a:tint val="50000"/>
+      </a:schemeClr>
+    </dgm:fillClrLst>
+    <dgm:linClrLst meth="repeat">
+      <a:schemeClr val="lt1"/>
+    </dgm:linClrLst>
+    <dgm:effectClrLst/>
+    <dgm:txLinClrLst/>
+    <dgm:txFillClrLst meth="repeat">
+      <a:schemeClr val="lt1"/>
+    </dgm:txFillClrLst>
+    <dgm:txEffectClrLst/>
+  </dgm:styleLbl>
+  <dgm:styleLbl name="bgImgPlace1">
+    <dgm:fillClrLst meth="repeat">
+      <a:schemeClr val="accent5">
+        <a:tint val="50000"/>
+      </a:schemeClr>
+    </dgm:fillClrLst>
+    <dgm:linClrLst meth="repeat">
+      <a:schemeClr val="lt1"/>
+    </dgm:linClrLst>
+    <dgm:effectClrLst/>
+    <dgm:txLinClrLst/>
+    <dgm:txFillClrLst meth="repeat">
+      <a:schemeClr val="lt1"/>
+    </dgm:txFillClrLst>
+    <dgm:txEffectClrLst/>
+  </dgm:styleLbl>
+  <dgm:styleLbl name="sibTrans2D1">
+    <dgm:fillClrLst meth="repeat">
+      <a:schemeClr val="accent5">
+        <a:tint val="60000"/>
+      </a:schemeClr>
+    </dgm:fillClrLst>
+    <dgm:linClrLst meth="repeat">
+      <a:schemeClr val="accent5">
+        <a:tint val="60000"/>
+      </a:schemeClr>
+    </dgm:linClrLst>
+    <dgm:effectClrLst/>
+    <dgm:txLinClrLst/>
+    <dgm:txFillClrLst/>
+    <dgm:txEffectClrLst/>
+  </dgm:styleLbl>
+  <dgm:styleLbl name="fgSibTrans2D1">
+    <dgm:fillClrLst meth="repeat">
+      <a:schemeClr val="accent5">
+        <a:tint val="60000"/>
+      </a:schemeClr>
+    </dgm:fillClrLst>
+    <dgm:linClrLst meth="repeat">
+      <a:schemeClr val="accent5">
+        <a:tint val="60000"/>
+      </a:schemeClr>
+    </dgm:linClrLst>
+    <dgm:effectClrLst/>
+    <dgm:txLinClrLst/>
+    <dgm:txFillClrLst/>
+    <dgm:txEffectClrLst/>
+  </dgm:styleLbl>
+  <dgm:styleLbl name="bgSibTrans2D1">
+    <dgm:fillClrLst meth="repeat">
+      <a:schemeClr val="accent5">
+        <a:tint val="60000"/>
+      </a:schemeClr>
+    </dgm:fillClrLst>
+    <dgm:linClrLst meth="repeat">
+      <a:schemeClr val="accent5">
+        <a:tint val="60000"/>
+      </a:schemeClr>
+    </dgm:linClrLst>
+    <dgm:effectClrLst/>
+    <dgm:txLinClrLst/>
+    <dgm:txFillClrLst/>
+    <dgm:txEffectClrLst/>
+  </dgm:styleLbl>
+  <dgm:styleLbl name="sibTrans1D1">
+    <dgm:fillClrLst meth="repeat">
+      <a:schemeClr val="accent5"/>
+    </dgm:fillClrLst>
+    <dgm:linClrLst meth="repeat">
+      <a:schemeClr val="accent5"/>
+    </dgm:linClrLst>
+    <dgm:effectClrLst/>
+    <dgm:txLinClrLst/>
+    <dgm:txFillClrLst meth="repeat">
+      <a:schemeClr val="tx1"/>
+    </dgm:txFillClrLst>
+    <dgm:txEffectClrLst/>
+  </dgm:styleLbl>
+  <dgm:styleLbl name="callout">
+    <dgm:fillClrLst meth="repeat">
+      <a:schemeClr val="accent5"/>
+    </dgm:fillClrLst>
+    <dgm:linClrLst meth="repeat">
+      <a:schemeClr val="accent5">
+        <a:tint val="50000"/>
+      </a:schemeClr>
+    </dgm:linClrLst>
+    <dgm:effectClrLst/>
+    <dgm:txLinClrLst/>
+    <dgm:txFillClrLst meth="repeat">
+      <a:schemeClr val="tx1"/>
+    </dgm:txFillClrLst>
+    <dgm:txEffectClrLst/>
+  </dgm:styleLbl>
+  <dgm:styleLbl name="asst0">
+    <dgm:fillClrLst meth="repeat">
+      <a:schemeClr val="accent5"/>
+    </dgm:fillClrLst>
+    <dgm:linClrLst meth="repeat">
+      <a:schemeClr val="lt1"/>
+    </dgm:linClrLst>
+    <dgm:effectClrLst/>
+    <dgm:txLinClrLst/>
+    <dgm:txFillClrLst/>
+    <dgm:txEffectClrLst/>
+  </dgm:styleLbl>
+  <dgm:styleLbl name="asst1">
+    <dgm:fillClrLst meth="repeat">
+      <a:schemeClr val="accent5"/>
+    </dgm:fillClrLst>
+    <dgm:linClrLst meth="repeat">
+      <a:schemeClr val="lt1"/>
+    </dgm:linClrLst>
+    <dgm:effectClrLst/>
+    <dgm:txLinClrLst/>
+    <dgm:txFillClrLst/>
+    <dgm:txEffectClrLst/>
+  </dgm:styleLbl>
+  <dgm:styleLbl name="asst2">
+    <dgm:fillClrLst meth="repeat">
+      <a:schemeClr val="accent5"/>
+    </dgm:fillClrLst>
+    <dgm:linClrLst meth="repeat">
+      <a:schemeClr val="lt1"/>
+    </dgm:linClrLst>
+    <dgm:effectClrLst/>
+    <dgm:txLinClrLst/>
+    <dgm:txFillClrLst/>
+    <dgm:txEffectClrLst/>
+  </dgm:styleLbl>
+  <dgm:styleLbl name="asst3">
+    <dgm:fillClrLst meth="repeat">
+      <a:schemeClr val="accent5"/>
+    </dgm:fillClrLst>
+    <dgm:linClrLst meth="repeat">
+      <a:schemeClr val="lt1"/>
+    </dgm:linClrLst>
+    <dgm:effectClrLst/>
+    <dgm:txLinClrLst/>
+    <dgm:txFillClrLst/>
+    <dgm:txEffectClrLst/>
+  </dgm:styleLbl>
+  <dgm:styleLbl name="asst4">
+    <dgm:fillClrLst meth="repeat">
+      <a:schemeClr val="accent5"/>
+    </dgm:fillClrLst>
+    <dgm:linClrLst meth="repeat">
+      <a:schemeClr val="lt1"/>
+    </dgm:linClrLst>
+    <dgm:effectClrLst/>
+    <dgm:txLinClrLst/>
+    <dgm:txFillClrLst/>
+    <dgm:txEffectClrLst/>
+  </dgm:styleLbl>
+  <dgm:styleLbl name="parChTrans2D1">
+    <dgm:fillClrLst meth="repeat">
+      <a:schemeClr val="accent5">
+        <a:tint val="60000"/>
+      </a:schemeClr>
+    </dgm:fillClrLst>
+    <dgm:linClrLst meth="repeat">
+      <a:schemeClr val="accent5">
+        <a:tint val="60000"/>
+      </a:schemeClr>
+    </dgm:linClrLst>
+    <dgm:effectClrLst/>
+    <dgm:txLinClrLst/>
+    <dgm:txFillClrLst meth="repeat">
+      <a:schemeClr val="lt1"/>
+    </dgm:txFillClrLst>
+    <dgm:txEffectClrLst/>
+  </dgm:styleLbl>
+  <dgm:styleLbl name="parChTrans2D2">
+    <dgm:fillClrLst meth="repeat">
+      <a:schemeClr val="accent5"/>
+    </dgm:fillClrLst>
+    <dgm:linClrLst meth="repeat">
+      <a:schemeClr val="accent5"/>
+    </dgm:linClrLst>
+    <dgm:effectClrLst/>
+    <dgm:txLinClrLst/>
+    <dgm:txFillClrLst meth="repeat">
+      <a:schemeClr val="lt1"/>
+    </dgm:txFillClrLst>
+    <dgm:txEffectClrLst/>
+  </dgm:styleLbl>
+  <dgm:styleLbl name="parChTrans2D3">
+    <dgm:fillClrLst meth="repeat">
+      <a:schemeClr val="accent5"/>
+    </dgm:fillClrLst>
+    <dgm:linClrLst meth="repeat">
+      <a:schemeClr val="accent5"/>
+    </dgm:linClrLst>
+    <dgm:effectClrLst/>
+    <dgm:txLinClrLst/>
+    <dgm:txFillClrLst meth="repeat">
+      <a:schemeClr val="lt1"/>
+    </dgm:txFillClrLst>
+    <dgm:txEffectClrLst/>
+  </dgm:styleLbl>
+  <dgm:styleLbl name="parChTrans2D4">
+    <dgm:fillClrLst meth="repeat">
+      <a:schemeClr val="accent5"/>
+    </dgm:fillClrLst>
+    <dgm:linClrLst meth="repeat">
+      <a:schemeClr val="accent5"/>
+    </dgm:linClrLst>
+    <dgm:effectClrLst/>
+    <dgm:txLinClrLst/>
+    <dgm:txFillClrLst meth="repeat">
+      <a:schemeClr val="lt1"/>
+    </dgm:txFillClrLst>
+    <dgm:txEffectClrLst/>
+  </dgm:styleLbl>
+  <dgm:styleLbl name="parChTrans1D1">
+    <dgm:fillClrLst meth="repeat">
+      <a:schemeClr val="accent5"/>
+    </dgm:fillClrLst>
+    <dgm:linClrLst meth="repeat">
+      <a:schemeClr val="accent5">
+        <a:shade val="60000"/>
+      </a:schemeClr>
+    </dgm:linClrLst>
+    <dgm:effectClrLst/>
+    <dgm:txLinClrLst/>
+    <dgm:txFillClrLst meth="repeat">
+      <a:schemeClr val="tx1"/>
+    </dgm:txFillClrLst>
+    <dgm:txEffectClrLst/>
+  </dgm:styleLbl>
+  <dgm:styleLbl name="parChTrans1D2">
+    <dgm:fillClrLst meth="repeat">
+      <a:schemeClr val="accent5"/>
+    </dgm:fillClrLst>
+    <dgm:linClrLst meth="repeat">
+      <a:schemeClr val="accent5">
+        <a:shade val="60000"/>
+      </a:schemeClr>
+    </dgm:linClrLst>
+    <dgm:effectClrLst/>
+    <dgm:txLinClrLst/>
+    <dgm:txFillClrLst meth="repeat">
+      <a:schemeClr val="tx1"/>
+    </dgm:txFillClrLst>
+    <dgm:txEffectClrLst/>
+  </dgm:styleLbl>
+  <dgm:styleLbl name="parChTrans1D3">
+    <dgm:fillClrLst meth="repeat">
+      <a:schemeClr val="accent5"/>
+    </dgm:fillClrLst>
+    <dgm:linClrLst meth="repeat">
+      <a:schemeClr val="accent5">
+        <a:shade val="80000"/>
+      </a:schemeClr>
+    </dgm:linClrLst>
+    <dgm:effectClrLst/>
+    <dgm:txLinClrLst/>
+    <dgm:txFillClrLst meth="repeat">
+      <a:schemeClr val="tx1"/>
+    </dgm:txFillClrLst>
+    <dgm:txEffectClrLst/>
+  </dgm:styleLbl>
+  <dgm:styleLbl name="parChTrans1D4">
+    <dgm:fillClrLst meth="repeat">
+      <a:schemeClr val="accent5"/>
+    </dgm:fillClrLst>
+    <dgm:linClrLst meth="repeat">
+      <a:schemeClr val="accent5">
+        <a:shade val="80000"/>
+      </a:schemeClr>
+    </dgm:linClrLst>
+    <dgm:effectClrLst/>
+    <dgm:txLinClrLst/>
+    <dgm:txFillClrLst meth="repeat">
+      <a:schemeClr val="tx1"/>
+    </dgm:txFillClrLst>
+    <dgm:txEffectClrLst/>
+  </dgm:styleLbl>
+  <dgm:styleLbl name="fgAcc1">
+    <dgm:fillClrLst meth="repeat">
+      <a:schemeClr val="lt1">
+        <a:alpha val="90000"/>
+      </a:schemeClr>
+    </dgm:fillClrLst>
+    <dgm:linClrLst meth="repeat">
+      <a:schemeClr val="accent5"/>
+    </dgm:linClrLst>
+    <dgm:effectClrLst/>
+    <dgm:txLinClrLst/>
+    <dgm:txFillClrLst meth="repeat">
+      <a:schemeClr val="dk1"/>
+    </dgm:txFillClrLst>
+    <dgm:txEffectClrLst/>
+  </dgm:styleLbl>
+  <dgm:styleLbl name="conFgAcc1">
+    <dgm:fillClrLst meth="repeat">
+      <a:schemeClr val="lt1">
+        <a:alpha val="90000"/>
+      </a:schemeClr>
+    </dgm:fillClrLst>
+    <dgm:linClrLst meth="repeat">
+      <a:schemeClr val="accent5"/>
+    </dgm:linClrLst>
+    <dgm:effectClrLst/>
+    <dgm:txLinClrLst/>
+    <dgm:txFillClrLst meth="repeat">
+      <a:schemeClr val="dk1"/>
+    </dgm:txFillClrLst>
+    <dgm:txEffectClrLst/>
+  </dgm:styleLbl>
+  <dgm:styleLbl name="alignAcc1">
+    <dgm:fillClrLst meth="repeat">
+      <a:schemeClr val="lt1">
+        <a:alpha val="90000"/>
+      </a:schemeClr>
+    </dgm:fillClrLst>
+    <dgm:linClrLst meth="repeat">
+      <a:schemeClr val="accent5"/>
+    </dgm:linClrLst>
+    <dgm:effectClrLst/>
+    <dgm:txLinClrLst/>
+    <dgm:txFillClrLst meth="repeat">
+      <a:schemeClr val="dk1"/>
+    </dgm:txFillClrLst>
+    <dgm:txEffectClrLst/>
+  </dgm:styleLbl>
+  <dgm:styleLbl name="trAlignAcc1">
+    <dgm:fillClrLst meth="repeat">
+      <a:schemeClr val="lt1">
+        <a:alpha val="40000"/>
+      </a:schemeClr>
+    </dgm:fillClrLst>
+    <dgm:linClrLst meth="repeat">
+      <a:schemeClr val="accent5"/>
+    </dgm:linClrLst>
+    <dgm:effectClrLst/>
+    <dgm:txLinClrLst/>
+    <dgm:txFillClrLst meth="repeat">
+      <a:schemeClr val="dk1"/>
+    </dgm:txFillClrLst>
+    <dgm:txEffectClrLst/>
+  </dgm:styleLbl>
+  <dgm:styleLbl name="bgAcc1">
+    <dgm:fillClrLst meth="repeat">
+      <a:schemeClr val="lt1">
+        <a:alpha val="90000"/>
+      </a:schemeClr>
+    </dgm:fillClrLst>
+    <dgm:linClrLst meth="repeat">
+      <a:schemeClr val="accent5"/>
+    </dgm:linClrLst>
+    <dgm:effectClrLst/>
+    <dgm:txLinClrLst/>
+    <dgm:txFillClrLst meth="repeat">
+      <a:schemeClr val="dk1"/>
+    </dgm:txFillClrLst>
+    <dgm:txEffectClrLst/>
+  </dgm:styleLbl>
+  <dgm:styleLbl name="solidFgAcc1">
+    <dgm:fillClrLst meth="repeat">
+      <a:schemeClr val="lt1"/>
+    </dgm:fillClrLst>
+    <dgm:linClrLst meth="repeat">
+      <a:schemeClr val="accent5"/>
+    </dgm:linClrLst>
+    <dgm:effectClrLst/>
+    <dgm:txLinClrLst/>
+    <dgm:txFillClrLst meth="repeat">
+      <a:schemeClr val="dk1"/>
+    </dgm:txFillClrLst>
+    <dgm:txEffectClrLst/>
+  </dgm:styleLbl>
+  <dgm:styleLbl name="solidAlignAcc1">
+    <dgm:fillClrLst meth="repeat">
+      <a:schemeClr val="lt1"/>
+    </dgm:fillClrLst>
+    <dgm:linClrLst meth="repeat">
+      <a:schemeClr val="accent5"/>
+    </dgm:linClrLst>
+    <dgm:effectClrLst/>
+    <dgm:txLinClrLst/>
+    <dgm:txFillClrLst meth="repeat">
+      <a:schemeClr val="dk1"/>
+    </dgm:txFillClrLst>
+    <dgm:txEffectClrLst/>
+  </dgm:styleLbl>
+  <dgm:styleLbl name="solidBgAcc1">
+    <dgm:fillClrLst meth="repeat">
+      <a:schemeClr val="lt1"/>
+    </dgm:fillClrLst>
+    <dgm:linClrLst meth="repeat">
+      <a:schemeClr val="accent5"/>
+    </dgm:linClrLst>
+    <dgm:effectClrLst/>
+    <dgm:txLinClrLst/>
+    <dgm:txFillClrLst meth="repeat">
+      <a:schemeClr val="dk1"/>
+    </dgm:txFillClrLst>
+    <dgm:txEffectClrLst/>
+  </dgm:styleLbl>
+  <dgm:styleLbl name="fgAccFollowNode1">
+    <dgm:fillClrLst meth="repeat">
+      <a:schemeClr val="accent5">
+        <a:alpha val="90000"/>
+        <a:tint val="40000"/>
+      </a:schemeClr>
+    </dgm:fillClrLst>
+    <dgm:linClrLst meth="repeat">
+      <a:schemeClr val="accent5">
+        <a:alpha val="90000"/>
+        <a:tint val="40000"/>
+      </a:schemeClr>
+    </dgm:linClrLst>
+    <dgm:effectClrLst/>
+    <dgm:txLinClrLst/>
+    <dgm:txFillClrLst meth="repeat">
+      <a:schemeClr val="dk1"/>
+    </dgm:txFillClrLst>
+    <dgm:txEffectClrLst/>
+  </dgm:styleLbl>
+  <dgm:styleLbl name="alignAccFollowNode1">
+    <dgm:fillClrLst meth="repeat">
+      <a:schemeClr val="accent5">
+        <a:alpha val="90000"/>
+        <a:tint val="40000"/>
+      </a:schemeClr>
+    </dgm:fillClrLst>
+    <dgm:linClrLst meth="repeat">
+      <a:schemeClr val="accent5">
+        <a:alpha val="90000"/>
+        <a:tint val="40000"/>
+      </a:schemeClr>
+    </dgm:linClrLst>
+    <dgm:effectClrLst/>
+    <dgm:txLinClrLst/>
+    <dgm:txFillClrLst meth="repeat">
+      <a:schemeClr val="dk1"/>
+    </dgm:txFillClrLst>
+    <dgm:txEffectClrLst/>
+  </dgm:styleLbl>
+  <dgm:styleLbl name="bgAccFollowNode1">
+    <dgm:fillClrLst meth="repeat">
+      <a:schemeClr val="accent5">
+        <a:alpha val="90000"/>
+        <a:tint val="40000"/>
+      </a:schemeClr>
+    </dgm:fillClrLst>
+    <dgm:linClrLst meth="repeat">
+      <a:schemeClr val="accent5">
+        <a:alpha val="90000"/>
+        <a:tint val="40000"/>
+      </a:schemeClr>
+    </dgm:linClrLst>
+    <dgm:effectClrLst/>
+    <dgm:txLinClrLst/>
+    <dgm:txFillClrLst meth="repeat">
+      <a:schemeClr val="dk1"/>
+    </dgm:txFillClrLst>
+    <dgm:txEffectClrLst/>
+  </dgm:styleLbl>
+  <dgm:styleLbl name="fgAcc0">
+    <dgm:fillClrLst meth="repeat">
+      <a:schemeClr val="lt1">
+        <a:alpha val="90000"/>
+      </a:schemeClr>
+    </dgm:fillClrLst>
+    <dgm:linClrLst meth="repeat">
+      <a:schemeClr val="accent5"/>
+    </dgm:linClrLst>
+    <dgm:effectClrLst/>
+    <dgm:txLinClrLst/>
+    <dgm:txFillClrLst meth="repeat">
+      <a:schemeClr val="dk1"/>
+    </dgm:txFillClrLst>
+    <dgm:txEffectClrLst/>
+  </dgm:styleLbl>
+  <dgm:styleLbl name="fgAcc2">
+    <dgm:fillClrLst meth="repeat">
+      <a:schemeClr val="lt1">
+        <a:alpha val="90000"/>
+      </a:schemeClr>
+    </dgm:fillClrLst>
+    <dgm:linClrLst meth="repeat">
+      <a:schemeClr val="accent5"/>
+    </dgm:linClrLst>
+    <dgm:effectClrLst/>
+    <dgm:txLinClrLst/>
+    <dgm:txFillClrLst meth="repeat">
+      <a:schemeClr val="dk1"/>
+    </dgm:txFillClrLst>
+    <dgm:txEffectClrLst/>
+  </dgm:styleLbl>
+  <dgm:styleLbl name="fgAcc3">
+    <dgm:fillClrLst meth="repeat">
+      <a:schemeClr val="lt1">
+        <a:alpha val="90000"/>
+      </a:schemeClr>
+    </dgm:fillClrLst>
+    <dgm:linClrLst meth="repeat">
+      <a:schemeClr val="accent5"/>
+    </dgm:linClrLst>
+    <dgm:effectClrLst/>
+    <dgm:txLinClrLst/>
+    <dgm:txFillClrLst meth="repeat">
+      <a:schemeClr val="dk1"/>
+    </dgm:txFillClrLst>
+    <dgm:txEffectClrLst/>
+  </dgm:styleLbl>
+  <dgm:styleLbl name="fgAcc4">
+    <dgm:fillClrLst meth="repeat">
+      <a:schemeClr val="lt1">
+        <a:alpha val="90000"/>
+      </a:schemeClr>
+    </dgm:fillClrLst>
+    <dgm:linClrLst meth="repeat">
+      <a:schemeClr val="accent5"/>
+    </dgm:linClrLst>
+    <dgm:effectClrLst/>
+    <dgm:txLinClrLst/>
+    <dgm:txFillClrLst meth="repeat">
+      <a:schemeClr val="dk1"/>
+    </dgm:txFillClrLst>
+    <dgm:txEffectClrLst/>
+  </dgm:styleLbl>
+  <dgm:styleLbl name="bgShp">
+    <dgm:fillClrLst meth="repeat">
+      <a:schemeClr val="accent5">
+        <a:tint val="40000"/>
+      </a:schemeClr>
+    </dgm:fillClrLst>
+    <dgm:linClrLst meth="repeat">
+      <a:schemeClr val="accent5"/>
+    </dgm:linClrLst>
+    <dgm:effectClrLst/>
+    <dgm:txLinClrLst/>
+    <dgm:txFillClrLst meth="repeat">
+      <a:schemeClr val="dk1"/>
+    </dgm:txFillClrLst>
+    <dgm:txEffectClrLst/>
+  </dgm:styleLbl>
+  <dgm:styleLbl name="dkBgShp">
+    <dgm:fillClrLst meth="repeat">
+      <a:schemeClr val="accent5">
+        <a:shade val="80000"/>
+      </a:schemeClr>
+    </dgm:fillClrLst>
+    <dgm:linClrLst meth="repeat">
+      <a:schemeClr val="accent5"/>
+    </dgm:linClrLst>
+    <dgm:effectClrLst/>
+    <dgm:txLinClrLst/>
+    <dgm:txFillClrLst meth="repeat">
+      <a:schemeClr val="lt1"/>
+    </dgm:txFillClrLst>
+    <dgm:txEffectClrLst/>
+  </dgm:styleLbl>
+  <dgm:styleLbl name="trBgShp">
+    <dgm:fillClrLst meth="repeat">
+      <a:schemeClr val="accent5">
+        <a:tint val="50000"/>
+        <a:alpha val="40000"/>
+      </a:schemeClr>
+    </dgm:fillClrLst>
+    <dgm:linClrLst meth="repeat">
+      <a:schemeClr val="accent5"/>
+    </dgm:linClrLst>
+    <dgm:effectClrLst/>
+    <dgm:txLinClrLst/>
+    <dgm:txFillClrLst meth="repeat">
+      <a:schemeClr val="lt1"/>
+    </dgm:txFillClrLst>
+    <dgm:txEffectClrLst/>
+  </dgm:styleLbl>
+  <dgm:styleLbl name="fgShp">
+    <dgm:fillClrLst meth="repeat">
+      <a:schemeClr val="accent5">
+        <a:tint val="60000"/>
+      </a:schemeClr>
+    </dgm:fillClrLst>
+    <dgm:linClrLst meth="repeat">
+      <a:schemeClr val="lt1"/>
+    </dgm:linClrLst>
+    <dgm:effectClrLst/>
+    <dgm:txLinClrLst/>
+    <dgm:txFillClrLst meth="repeat">
+      <a:schemeClr val="dk1"/>
+    </dgm:txFillClrLst>
+    <dgm:txEffectClrLst/>
+  </dgm:styleLbl>
+  <dgm:styleLbl name="revTx">
+    <dgm:fillClrLst meth="repeat">
+      <a:schemeClr val="lt1">
+        <a:alpha val="0"/>
+      </a:schemeClr>
+    </dgm:fillClrLst>
+    <dgm:linClrLst meth="repeat">
+      <a:schemeClr val="dk1">
+        <a:alpha val="0"/>
+      </a:schemeClr>
+    </dgm:linClrLst>
+    <dgm:effectClrLst/>
+    <dgm:txLinClrLst/>
+    <dgm:txFillClrLst meth="repeat">
+      <a:schemeClr val="tx1"/>
+    </dgm:txFillClrLst>
+    <dgm:txEffectClrLst/>
+  </dgm:styleLbl>
+</dgm:colorsDef>
+</file>
+
+<file path=ppt/diagrams/data1.xml><?xml version="1.0" encoding="utf-8"?>
+<dgm:dataModel xmlns:dgm="http://schemas.openxmlformats.org/drawingml/2006/diagram" xmlns:a="http://schemas.openxmlformats.org/drawingml/2006/main">
+  <dgm:ptLst>
+    <dgm:pt modelId="{371A5CCC-E4C1-412B-A774-3738C908E6D5}" type="doc">
+      <dgm:prSet loTypeId="urn:microsoft.com/office/officeart/2005/8/layout/process1" loCatId="process" qsTypeId="urn:microsoft.com/office/officeart/2005/8/quickstyle/simple5" qsCatId="simple" csTypeId="urn:microsoft.com/office/officeart/2005/8/colors/accent1_2" csCatId="accent1" phldr="1"/>
+      <dgm:spPr/>
+    </dgm:pt>
+    <dgm:pt modelId="{EA4D2A9A-34DC-47DF-AE54-289D5503A4FC}">
+      <dgm:prSet phldrT="[טקסט]"/>
+      <dgm:spPr/>
+      <dgm:t>
+        <a:bodyPr/>
+        <a:lstStyle/>
+        <a:p>
+          <a:pPr rtl="1"/>
+          <a:r>
+            <a:rPr lang="he-IL" dirty="0" smtClean="0">
+              <a:latin typeface="David" panose="020E0502060401010101" pitchFamily="34" charset="-79"/>
+              <a:cs typeface="David" panose="020E0502060401010101" pitchFamily="34" charset="-79"/>
+            </a:rPr>
+            <a:t>בחירת חברה</a:t>
+          </a:r>
+          <a:endParaRPr lang="he-IL" dirty="0">
+            <a:latin typeface="David" panose="020E0502060401010101" pitchFamily="34" charset="-79"/>
+            <a:cs typeface="David" panose="020E0502060401010101" pitchFamily="34" charset="-79"/>
+          </a:endParaRPr>
+        </a:p>
+      </dgm:t>
+    </dgm:pt>
+    <dgm:pt modelId="{5EEF8B5C-7868-4676-B05E-873284980401}" type="parTrans" cxnId="{06B2EC4F-4DAA-47B9-BADC-4FDDDD10AF03}">
+      <dgm:prSet/>
+      <dgm:spPr/>
+      <dgm:t>
+        <a:bodyPr/>
+        <a:lstStyle/>
+        <a:p>
+          <a:pPr rtl="1"/>
+          <a:endParaRPr lang="he-IL">
+            <a:latin typeface="David" panose="020E0502060401010101" pitchFamily="34" charset="-79"/>
+            <a:cs typeface="David" panose="020E0502060401010101" pitchFamily="34" charset="-79"/>
+          </a:endParaRPr>
+        </a:p>
+      </dgm:t>
+    </dgm:pt>
+    <dgm:pt modelId="{37937ED7-C6D8-4B19-AE3F-509C57E3EFAA}" type="sibTrans" cxnId="{06B2EC4F-4DAA-47B9-BADC-4FDDDD10AF03}">
+      <dgm:prSet/>
+      <dgm:spPr/>
+      <dgm:t>
+        <a:bodyPr/>
+        <a:lstStyle/>
+        <a:p>
+          <a:pPr rtl="1"/>
+          <a:endParaRPr lang="he-IL">
+            <a:latin typeface="David" panose="020E0502060401010101" pitchFamily="34" charset="-79"/>
+            <a:cs typeface="David" panose="020E0502060401010101" pitchFamily="34" charset="-79"/>
+          </a:endParaRPr>
+        </a:p>
+      </dgm:t>
+    </dgm:pt>
+    <dgm:pt modelId="{F786BA8F-E734-45E0-8847-36149B0AB95C}">
+      <dgm:prSet phldrT="[טקסט]"/>
+      <dgm:spPr/>
+      <dgm:t>
+        <a:bodyPr/>
+        <a:lstStyle/>
+        <a:p>
+          <a:pPr rtl="1"/>
+          <a:r>
+            <a:rPr lang="he-IL" dirty="0" smtClean="0">
+              <a:latin typeface="David" panose="020E0502060401010101" pitchFamily="34" charset="-79"/>
+              <a:cs typeface="David" panose="020E0502060401010101" pitchFamily="34" charset="-79"/>
+            </a:rPr>
+            <a:t>בחירת עיר</a:t>
+          </a:r>
+          <a:endParaRPr lang="he-IL" dirty="0">
+            <a:latin typeface="David" panose="020E0502060401010101" pitchFamily="34" charset="-79"/>
+            <a:cs typeface="David" panose="020E0502060401010101" pitchFamily="34" charset="-79"/>
+          </a:endParaRPr>
+        </a:p>
+      </dgm:t>
+    </dgm:pt>
+    <dgm:pt modelId="{B4079C45-CC95-400D-BA1A-D8030084FC5C}" type="parTrans" cxnId="{3AB4BA1E-46B0-430C-95F0-43FEB0621DE9}">
+      <dgm:prSet/>
+      <dgm:spPr/>
+      <dgm:t>
+        <a:bodyPr/>
+        <a:lstStyle/>
+        <a:p>
+          <a:pPr rtl="1"/>
+          <a:endParaRPr lang="he-IL">
+            <a:latin typeface="David" panose="020E0502060401010101" pitchFamily="34" charset="-79"/>
+            <a:cs typeface="David" panose="020E0502060401010101" pitchFamily="34" charset="-79"/>
+          </a:endParaRPr>
+        </a:p>
+      </dgm:t>
+    </dgm:pt>
+    <dgm:pt modelId="{0759841B-4DAB-4BBF-AD79-46466E1584C8}" type="sibTrans" cxnId="{3AB4BA1E-46B0-430C-95F0-43FEB0621DE9}">
+      <dgm:prSet/>
+      <dgm:spPr/>
+      <dgm:t>
+        <a:bodyPr/>
+        <a:lstStyle/>
+        <a:p>
+          <a:pPr rtl="1"/>
+          <a:endParaRPr lang="he-IL">
+            <a:latin typeface="David" panose="020E0502060401010101" pitchFamily="34" charset="-79"/>
+            <a:cs typeface="David" panose="020E0502060401010101" pitchFamily="34" charset="-79"/>
+          </a:endParaRPr>
+        </a:p>
+      </dgm:t>
+    </dgm:pt>
+    <dgm:pt modelId="{FB79CA26-0E8D-47B9-9E57-6AFD05380E08}">
+      <dgm:prSet phldrT="[טקסט]"/>
+      <dgm:spPr/>
+      <dgm:t>
+        <a:bodyPr/>
+        <a:lstStyle/>
+        <a:p>
+          <a:pPr rtl="1"/>
+          <a:r>
+            <a:rPr lang="he-IL" dirty="0" smtClean="0">
+              <a:latin typeface="David" panose="020E0502060401010101" pitchFamily="34" charset="-79"/>
+              <a:cs typeface="David" panose="020E0502060401010101" pitchFamily="34" charset="-79"/>
+            </a:rPr>
+            <a:t>בחירת קו</a:t>
+          </a:r>
+          <a:endParaRPr lang="he-IL" dirty="0">
+            <a:latin typeface="David" panose="020E0502060401010101" pitchFamily="34" charset="-79"/>
+            <a:cs typeface="David" panose="020E0502060401010101" pitchFamily="34" charset="-79"/>
+          </a:endParaRPr>
+        </a:p>
+      </dgm:t>
+    </dgm:pt>
+    <dgm:pt modelId="{6EE6FC0D-4E0A-46AD-B7A6-FC0B6B28C3C9}" type="parTrans" cxnId="{DEF1A0E3-31E5-4165-A4B5-F11BEA0915AA}">
+      <dgm:prSet/>
+      <dgm:spPr/>
+      <dgm:t>
+        <a:bodyPr/>
+        <a:lstStyle/>
+        <a:p>
+          <a:pPr rtl="1"/>
+          <a:endParaRPr lang="he-IL">
+            <a:latin typeface="David" panose="020E0502060401010101" pitchFamily="34" charset="-79"/>
+            <a:cs typeface="David" panose="020E0502060401010101" pitchFamily="34" charset="-79"/>
+          </a:endParaRPr>
+        </a:p>
+      </dgm:t>
+    </dgm:pt>
+    <dgm:pt modelId="{9D013F34-C636-4CBF-B545-A98D3D8F1514}" type="sibTrans" cxnId="{DEF1A0E3-31E5-4165-A4B5-F11BEA0915AA}">
+      <dgm:prSet/>
+      <dgm:spPr/>
+      <dgm:t>
+        <a:bodyPr/>
+        <a:lstStyle/>
+        <a:p>
+          <a:pPr rtl="1"/>
+          <a:endParaRPr lang="he-IL">
+            <a:latin typeface="David" panose="020E0502060401010101" pitchFamily="34" charset="-79"/>
+            <a:cs typeface="David" panose="020E0502060401010101" pitchFamily="34" charset="-79"/>
+          </a:endParaRPr>
+        </a:p>
+      </dgm:t>
+    </dgm:pt>
+    <dgm:pt modelId="{030666B9-7559-4D51-8693-5FA1C9B257B5}">
+      <dgm:prSet phldrT="[טקסט]"/>
+      <dgm:spPr/>
+      <dgm:t>
+        <a:bodyPr/>
+        <a:lstStyle/>
+        <a:p>
+          <a:pPr rtl="1"/>
+          <a:r>
+            <a:rPr lang="he-IL" dirty="0" smtClean="0">
+              <a:latin typeface="David" panose="020E0502060401010101" pitchFamily="34" charset="-79"/>
+              <a:cs typeface="David" panose="020E0502060401010101" pitchFamily="34" charset="-79"/>
+            </a:rPr>
+            <a:t>בחירת תחנת ירידה</a:t>
+          </a:r>
+          <a:endParaRPr lang="he-IL" dirty="0">
+            <a:latin typeface="David" panose="020E0502060401010101" pitchFamily="34" charset="-79"/>
+            <a:cs typeface="David" panose="020E0502060401010101" pitchFamily="34" charset="-79"/>
+          </a:endParaRPr>
+        </a:p>
+      </dgm:t>
+    </dgm:pt>
+    <dgm:pt modelId="{3AFC0611-B4F9-4F04-8BE5-37CB459B4F59}" type="parTrans" cxnId="{0F7C6647-C5BB-488A-B29B-2F3AD22AB62C}">
+      <dgm:prSet/>
+      <dgm:spPr/>
+      <dgm:t>
+        <a:bodyPr/>
+        <a:lstStyle/>
+        <a:p>
+          <a:pPr rtl="1"/>
+          <a:endParaRPr lang="he-IL">
+            <a:latin typeface="David" panose="020E0502060401010101" pitchFamily="34" charset="-79"/>
+            <a:cs typeface="David" panose="020E0502060401010101" pitchFamily="34" charset="-79"/>
+          </a:endParaRPr>
+        </a:p>
+      </dgm:t>
+    </dgm:pt>
+    <dgm:pt modelId="{B95F5B0F-66CF-4803-9201-5D3CF1B3EC34}" type="sibTrans" cxnId="{0F7C6647-C5BB-488A-B29B-2F3AD22AB62C}">
+      <dgm:prSet/>
+      <dgm:spPr/>
+      <dgm:t>
+        <a:bodyPr/>
+        <a:lstStyle/>
+        <a:p>
+          <a:pPr rtl="1"/>
+          <a:endParaRPr lang="he-IL">
+            <a:latin typeface="David" panose="020E0502060401010101" pitchFamily="34" charset="-79"/>
+            <a:cs typeface="David" panose="020E0502060401010101" pitchFamily="34" charset="-79"/>
+          </a:endParaRPr>
+        </a:p>
+      </dgm:t>
+    </dgm:pt>
+    <dgm:pt modelId="{C1D21C33-7992-4FFA-901D-FFDA2CD7B5A6}">
+      <dgm:prSet phldrT="[טקסט]"/>
+      <dgm:spPr/>
+      <dgm:t>
+        <a:bodyPr/>
+        <a:lstStyle/>
+        <a:p>
+          <a:pPr rtl="1"/>
+          <a:r>
+            <a:rPr lang="en-US" dirty="0" smtClean="0">
+              <a:latin typeface="David" panose="020E0502060401010101" pitchFamily="34" charset="-79"/>
+              <a:cs typeface="David" panose="020E0502060401010101" pitchFamily="34" charset="-79"/>
+            </a:rPr>
+            <a:t>Start</a:t>
+          </a:r>
+          <a:endParaRPr lang="he-IL" dirty="0">
+            <a:latin typeface="David" panose="020E0502060401010101" pitchFamily="34" charset="-79"/>
+            <a:cs typeface="David" panose="020E0502060401010101" pitchFamily="34" charset="-79"/>
+          </a:endParaRPr>
+        </a:p>
+      </dgm:t>
+    </dgm:pt>
+    <dgm:pt modelId="{D774C58F-1292-4F98-B9AB-6B4208DA33E5}" type="sibTrans" cxnId="{737E06C6-5591-4DC2-82F4-B2B7D381ED65}">
+      <dgm:prSet/>
+      <dgm:spPr/>
+      <dgm:t>
+        <a:bodyPr/>
+        <a:lstStyle/>
+        <a:p>
+          <a:pPr rtl="1"/>
+          <a:endParaRPr lang="he-IL">
+            <a:latin typeface="David" panose="020E0502060401010101" pitchFamily="34" charset="-79"/>
+            <a:cs typeface="David" panose="020E0502060401010101" pitchFamily="34" charset="-79"/>
+          </a:endParaRPr>
+        </a:p>
+      </dgm:t>
+    </dgm:pt>
+    <dgm:pt modelId="{B4E9D805-CF65-4ADA-9D7C-784F012EFE5E}" type="parTrans" cxnId="{737E06C6-5591-4DC2-82F4-B2B7D381ED65}">
+      <dgm:prSet/>
+      <dgm:spPr/>
+      <dgm:t>
+        <a:bodyPr/>
+        <a:lstStyle/>
+        <a:p>
+          <a:pPr rtl="1"/>
+          <a:endParaRPr lang="he-IL">
+            <a:latin typeface="David" panose="020E0502060401010101" pitchFamily="34" charset="-79"/>
+            <a:cs typeface="David" panose="020E0502060401010101" pitchFamily="34" charset="-79"/>
+          </a:endParaRPr>
+        </a:p>
+      </dgm:t>
+    </dgm:pt>
+    <dgm:pt modelId="{34CAF373-0EB1-40FB-9599-77955D0AD59C}" type="pres">
+      <dgm:prSet presAssocID="{371A5CCC-E4C1-412B-A774-3738C908E6D5}" presName="Name0" presStyleCnt="0">
+        <dgm:presLayoutVars>
+          <dgm:dir/>
+          <dgm:resizeHandles val="exact"/>
+        </dgm:presLayoutVars>
+      </dgm:prSet>
+      <dgm:spPr/>
+    </dgm:pt>
+    <dgm:pt modelId="{D74B4A32-50F4-4B74-83AB-CB19076FB67E}" type="pres">
+      <dgm:prSet presAssocID="{C1D21C33-7992-4FFA-901D-FFDA2CD7B5A6}" presName="node" presStyleLbl="node1" presStyleIdx="0" presStyleCnt="5" custScaleY="56460">
+        <dgm:presLayoutVars>
+          <dgm:bulletEnabled val="1"/>
+        </dgm:presLayoutVars>
+      </dgm:prSet>
+      <dgm:spPr/>
+      <dgm:t>
+        <a:bodyPr/>
+        <a:lstStyle/>
+        <a:p>
+          <a:pPr rtl="1"/>
+          <a:endParaRPr lang="he-IL"/>
+        </a:p>
+      </dgm:t>
+    </dgm:pt>
+    <dgm:pt modelId="{61EEC78E-8D47-4EBD-B33F-3A3DB2A5A5D9}" type="pres">
+      <dgm:prSet presAssocID="{D774C58F-1292-4F98-B9AB-6B4208DA33E5}" presName="sibTrans" presStyleLbl="sibTrans2D1" presStyleIdx="0" presStyleCnt="4"/>
+      <dgm:spPr/>
+    </dgm:pt>
+    <dgm:pt modelId="{CD996461-7C20-4BB5-9003-3EF0E64071F9}" type="pres">
+      <dgm:prSet presAssocID="{D774C58F-1292-4F98-B9AB-6B4208DA33E5}" presName="connectorText" presStyleLbl="sibTrans2D1" presStyleIdx="0" presStyleCnt="4"/>
+      <dgm:spPr/>
+    </dgm:pt>
+    <dgm:pt modelId="{C06557A4-F42F-4BDC-8277-7CC25C539788}" type="pres">
+      <dgm:prSet presAssocID="{EA4D2A9A-34DC-47DF-AE54-289D5503A4FC}" presName="node" presStyleLbl="node1" presStyleIdx="1" presStyleCnt="5">
+        <dgm:presLayoutVars>
+          <dgm:bulletEnabled val="1"/>
+        </dgm:presLayoutVars>
+      </dgm:prSet>
+      <dgm:spPr/>
+    </dgm:pt>
+    <dgm:pt modelId="{023BECFB-48CF-479D-9A71-1C0C39EA83D5}" type="pres">
+      <dgm:prSet presAssocID="{37937ED7-C6D8-4B19-AE3F-509C57E3EFAA}" presName="sibTrans" presStyleLbl="sibTrans2D1" presStyleIdx="1" presStyleCnt="4"/>
+      <dgm:spPr/>
+    </dgm:pt>
+    <dgm:pt modelId="{FC2D822C-890F-4460-A754-EFC60E528D2F}" type="pres">
+      <dgm:prSet presAssocID="{37937ED7-C6D8-4B19-AE3F-509C57E3EFAA}" presName="connectorText" presStyleLbl="sibTrans2D1" presStyleIdx="1" presStyleCnt="4"/>
+      <dgm:spPr/>
+    </dgm:pt>
+    <dgm:pt modelId="{A9B2B3FD-45E7-4BC5-ACE3-2E9C84A5DFAB}" type="pres">
+      <dgm:prSet presAssocID="{F786BA8F-E734-45E0-8847-36149B0AB95C}" presName="node" presStyleLbl="node1" presStyleIdx="2" presStyleCnt="5">
+        <dgm:presLayoutVars>
+          <dgm:bulletEnabled val="1"/>
+        </dgm:presLayoutVars>
+      </dgm:prSet>
+      <dgm:spPr/>
+      <dgm:t>
+        <a:bodyPr/>
+        <a:lstStyle/>
+        <a:p>
+          <a:pPr rtl="1"/>
+          <a:endParaRPr lang="he-IL"/>
+        </a:p>
+      </dgm:t>
+    </dgm:pt>
+    <dgm:pt modelId="{D972C6C0-3A00-4D31-89BF-679D107545CF}" type="pres">
+      <dgm:prSet presAssocID="{0759841B-4DAB-4BBF-AD79-46466E1584C8}" presName="sibTrans" presStyleLbl="sibTrans2D1" presStyleIdx="2" presStyleCnt="4"/>
+      <dgm:spPr/>
+    </dgm:pt>
+    <dgm:pt modelId="{D54D2DD0-4D72-4C03-A974-B7C431E46920}" type="pres">
+      <dgm:prSet presAssocID="{0759841B-4DAB-4BBF-AD79-46466E1584C8}" presName="connectorText" presStyleLbl="sibTrans2D1" presStyleIdx="2" presStyleCnt="4"/>
+      <dgm:spPr/>
+    </dgm:pt>
+    <dgm:pt modelId="{C44936DA-AB42-49AB-8D9C-5B75F5B74446}" type="pres">
+      <dgm:prSet presAssocID="{FB79CA26-0E8D-47B9-9E57-6AFD05380E08}" presName="node" presStyleLbl="node1" presStyleIdx="3" presStyleCnt="5">
+        <dgm:presLayoutVars>
+          <dgm:bulletEnabled val="1"/>
+        </dgm:presLayoutVars>
+      </dgm:prSet>
+      <dgm:spPr/>
+    </dgm:pt>
+    <dgm:pt modelId="{57906DA0-FE68-4CD6-A859-D5F06B30C945}" type="pres">
+      <dgm:prSet presAssocID="{9D013F34-C636-4CBF-B545-A98D3D8F1514}" presName="sibTrans" presStyleLbl="sibTrans2D1" presStyleIdx="3" presStyleCnt="4"/>
+      <dgm:spPr/>
+    </dgm:pt>
+    <dgm:pt modelId="{C8204ED0-5A02-4FC2-A1D2-CA665C5DBC61}" type="pres">
+      <dgm:prSet presAssocID="{9D013F34-C636-4CBF-B545-A98D3D8F1514}" presName="connectorText" presStyleLbl="sibTrans2D1" presStyleIdx="3" presStyleCnt="4"/>
+      <dgm:spPr/>
+    </dgm:pt>
+    <dgm:pt modelId="{4A5D6149-2FC1-4AB9-ACCB-2A2DAE2E8D0A}" type="pres">
+      <dgm:prSet presAssocID="{030666B9-7559-4D51-8693-5FA1C9B257B5}" presName="node" presStyleLbl="node1" presStyleIdx="4" presStyleCnt="5">
+        <dgm:presLayoutVars>
+          <dgm:bulletEnabled val="1"/>
+        </dgm:presLayoutVars>
+      </dgm:prSet>
+      <dgm:spPr/>
+      <dgm:t>
+        <a:bodyPr/>
+        <a:lstStyle/>
+        <a:p>
+          <a:pPr rtl="1"/>
+          <a:endParaRPr lang="he-IL"/>
+        </a:p>
+      </dgm:t>
+    </dgm:pt>
+  </dgm:ptLst>
+  <dgm:cxnLst>
+    <dgm:cxn modelId="{3AB4BA1E-46B0-430C-95F0-43FEB0621DE9}" srcId="{371A5CCC-E4C1-412B-A774-3738C908E6D5}" destId="{F786BA8F-E734-45E0-8847-36149B0AB95C}" srcOrd="2" destOrd="0" parTransId="{B4079C45-CC95-400D-BA1A-D8030084FC5C}" sibTransId="{0759841B-4DAB-4BBF-AD79-46466E1584C8}"/>
+    <dgm:cxn modelId="{5D9E9BD0-2510-4053-BD8B-E24C13374340}" type="presOf" srcId="{FB79CA26-0E8D-47B9-9E57-6AFD05380E08}" destId="{C44936DA-AB42-49AB-8D9C-5B75F5B74446}" srcOrd="0" destOrd="0" presId="urn:microsoft.com/office/officeart/2005/8/layout/process1"/>
+    <dgm:cxn modelId="{AFB6DAF9-214D-4164-BF58-A7503484278C}" type="presOf" srcId="{9D013F34-C636-4CBF-B545-A98D3D8F1514}" destId="{57906DA0-FE68-4CD6-A859-D5F06B30C945}" srcOrd="0" destOrd="0" presId="urn:microsoft.com/office/officeart/2005/8/layout/process1"/>
+    <dgm:cxn modelId="{DB4664A9-390B-4B22-8772-C2963AA3D712}" type="presOf" srcId="{9D013F34-C636-4CBF-B545-A98D3D8F1514}" destId="{C8204ED0-5A02-4FC2-A1D2-CA665C5DBC61}" srcOrd="1" destOrd="0" presId="urn:microsoft.com/office/officeart/2005/8/layout/process1"/>
+    <dgm:cxn modelId="{BCC0E320-C31F-49D4-A0B4-40449BB4C4D1}" type="presOf" srcId="{D774C58F-1292-4F98-B9AB-6B4208DA33E5}" destId="{61EEC78E-8D47-4EBD-B33F-3A3DB2A5A5D9}" srcOrd="0" destOrd="0" presId="urn:microsoft.com/office/officeart/2005/8/layout/process1"/>
+    <dgm:cxn modelId="{0775C84F-139A-4553-9805-DF23BD2FD044}" type="presOf" srcId="{EA4D2A9A-34DC-47DF-AE54-289D5503A4FC}" destId="{C06557A4-F42F-4BDC-8277-7CC25C539788}" srcOrd="0" destOrd="0" presId="urn:microsoft.com/office/officeart/2005/8/layout/process1"/>
+    <dgm:cxn modelId="{DEE0E86A-2191-4032-A31B-F59AC7B15A12}" type="presOf" srcId="{0759841B-4DAB-4BBF-AD79-46466E1584C8}" destId="{D54D2DD0-4D72-4C03-A974-B7C431E46920}" srcOrd="1" destOrd="0" presId="urn:microsoft.com/office/officeart/2005/8/layout/process1"/>
+    <dgm:cxn modelId="{06B2EC4F-4DAA-47B9-BADC-4FDDDD10AF03}" srcId="{371A5CCC-E4C1-412B-A774-3738C908E6D5}" destId="{EA4D2A9A-34DC-47DF-AE54-289D5503A4FC}" srcOrd="1" destOrd="0" parTransId="{5EEF8B5C-7868-4676-B05E-873284980401}" sibTransId="{37937ED7-C6D8-4B19-AE3F-509C57E3EFAA}"/>
+    <dgm:cxn modelId="{A0D5C05F-C2D5-49D7-9268-5B39A7B1A2F8}" type="presOf" srcId="{030666B9-7559-4D51-8693-5FA1C9B257B5}" destId="{4A5D6149-2FC1-4AB9-ACCB-2A2DAE2E8D0A}" srcOrd="0" destOrd="0" presId="urn:microsoft.com/office/officeart/2005/8/layout/process1"/>
+    <dgm:cxn modelId="{0CEC3D15-9917-40C5-BC6F-DB9B85D36709}" type="presOf" srcId="{D774C58F-1292-4F98-B9AB-6B4208DA33E5}" destId="{CD996461-7C20-4BB5-9003-3EF0E64071F9}" srcOrd="1" destOrd="0" presId="urn:microsoft.com/office/officeart/2005/8/layout/process1"/>
+    <dgm:cxn modelId="{9F11B5FB-F267-4EC7-B1F8-60B0FD46B608}" type="presOf" srcId="{0759841B-4DAB-4BBF-AD79-46466E1584C8}" destId="{D972C6C0-3A00-4D31-89BF-679D107545CF}" srcOrd="0" destOrd="0" presId="urn:microsoft.com/office/officeart/2005/8/layout/process1"/>
+    <dgm:cxn modelId="{0511F289-2953-4CC2-92FC-41EECB86635A}" type="presOf" srcId="{F786BA8F-E734-45E0-8847-36149B0AB95C}" destId="{A9B2B3FD-45E7-4BC5-ACE3-2E9C84A5DFAB}" srcOrd="0" destOrd="0" presId="urn:microsoft.com/office/officeart/2005/8/layout/process1"/>
+    <dgm:cxn modelId="{0F7C6647-C5BB-488A-B29B-2F3AD22AB62C}" srcId="{371A5CCC-E4C1-412B-A774-3738C908E6D5}" destId="{030666B9-7559-4D51-8693-5FA1C9B257B5}" srcOrd="4" destOrd="0" parTransId="{3AFC0611-B4F9-4F04-8BE5-37CB459B4F59}" sibTransId="{B95F5B0F-66CF-4803-9201-5D3CF1B3EC34}"/>
+    <dgm:cxn modelId="{737E06C6-5591-4DC2-82F4-B2B7D381ED65}" srcId="{371A5CCC-E4C1-412B-A774-3738C908E6D5}" destId="{C1D21C33-7992-4FFA-901D-FFDA2CD7B5A6}" srcOrd="0" destOrd="0" parTransId="{B4E9D805-CF65-4ADA-9D7C-784F012EFE5E}" sibTransId="{D774C58F-1292-4F98-B9AB-6B4208DA33E5}"/>
+    <dgm:cxn modelId="{A7B321F4-1091-4A78-9D20-B10361F40A83}" type="presOf" srcId="{C1D21C33-7992-4FFA-901D-FFDA2CD7B5A6}" destId="{D74B4A32-50F4-4B74-83AB-CB19076FB67E}" srcOrd="0" destOrd="0" presId="urn:microsoft.com/office/officeart/2005/8/layout/process1"/>
+    <dgm:cxn modelId="{3E005A17-5439-4F4D-89F3-B50352C1E1FA}" type="presOf" srcId="{37937ED7-C6D8-4B19-AE3F-509C57E3EFAA}" destId="{FC2D822C-890F-4460-A754-EFC60E528D2F}" srcOrd="1" destOrd="0" presId="urn:microsoft.com/office/officeart/2005/8/layout/process1"/>
+    <dgm:cxn modelId="{31CA3978-F80A-4F8D-A3F1-363194E0E83D}" type="presOf" srcId="{37937ED7-C6D8-4B19-AE3F-509C57E3EFAA}" destId="{023BECFB-48CF-479D-9A71-1C0C39EA83D5}" srcOrd="0" destOrd="0" presId="urn:microsoft.com/office/officeart/2005/8/layout/process1"/>
+    <dgm:cxn modelId="{A4470809-715F-41AA-AC88-5EF0AE018E47}" type="presOf" srcId="{371A5CCC-E4C1-412B-A774-3738C908E6D5}" destId="{34CAF373-0EB1-40FB-9599-77955D0AD59C}" srcOrd="0" destOrd="0" presId="urn:microsoft.com/office/officeart/2005/8/layout/process1"/>
+    <dgm:cxn modelId="{DEF1A0E3-31E5-4165-A4B5-F11BEA0915AA}" srcId="{371A5CCC-E4C1-412B-A774-3738C908E6D5}" destId="{FB79CA26-0E8D-47B9-9E57-6AFD05380E08}" srcOrd="3" destOrd="0" parTransId="{6EE6FC0D-4E0A-46AD-B7A6-FC0B6B28C3C9}" sibTransId="{9D013F34-C636-4CBF-B545-A98D3D8F1514}"/>
+    <dgm:cxn modelId="{9623D19A-1921-4C1C-A985-33AC6285CFCF}" type="presParOf" srcId="{34CAF373-0EB1-40FB-9599-77955D0AD59C}" destId="{D74B4A32-50F4-4B74-83AB-CB19076FB67E}" srcOrd="0" destOrd="0" presId="urn:microsoft.com/office/officeart/2005/8/layout/process1"/>
+    <dgm:cxn modelId="{0893DE40-7150-42DD-BE2F-F05EBE49B274}" type="presParOf" srcId="{34CAF373-0EB1-40FB-9599-77955D0AD59C}" destId="{61EEC78E-8D47-4EBD-B33F-3A3DB2A5A5D9}" srcOrd="1" destOrd="0" presId="urn:microsoft.com/office/officeart/2005/8/layout/process1"/>
+    <dgm:cxn modelId="{574EC876-B9D6-4AAC-8CF7-5FC2E064438B}" type="presParOf" srcId="{61EEC78E-8D47-4EBD-B33F-3A3DB2A5A5D9}" destId="{CD996461-7C20-4BB5-9003-3EF0E64071F9}" srcOrd="0" destOrd="0" presId="urn:microsoft.com/office/officeart/2005/8/layout/process1"/>
+    <dgm:cxn modelId="{35322E3C-EF89-4B56-AD29-FE2D91A8B7C3}" type="presParOf" srcId="{34CAF373-0EB1-40FB-9599-77955D0AD59C}" destId="{C06557A4-F42F-4BDC-8277-7CC25C539788}" srcOrd="2" destOrd="0" presId="urn:microsoft.com/office/officeart/2005/8/layout/process1"/>
+    <dgm:cxn modelId="{E4C39B2F-3A44-412E-8E92-007C38651132}" type="presParOf" srcId="{34CAF373-0EB1-40FB-9599-77955D0AD59C}" destId="{023BECFB-48CF-479D-9A71-1C0C39EA83D5}" srcOrd="3" destOrd="0" presId="urn:microsoft.com/office/officeart/2005/8/layout/process1"/>
+    <dgm:cxn modelId="{6AE3B20D-82F0-4F36-93A8-F632BEC71F5D}" type="presParOf" srcId="{023BECFB-48CF-479D-9A71-1C0C39EA83D5}" destId="{FC2D822C-890F-4460-A754-EFC60E528D2F}" srcOrd="0" destOrd="0" presId="urn:microsoft.com/office/officeart/2005/8/layout/process1"/>
+    <dgm:cxn modelId="{C5A9DF19-40B7-4B87-8211-6A9F05D0918B}" type="presParOf" srcId="{34CAF373-0EB1-40FB-9599-77955D0AD59C}" destId="{A9B2B3FD-45E7-4BC5-ACE3-2E9C84A5DFAB}" srcOrd="4" destOrd="0" presId="urn:microsoft.com/office/officeart/2005/8/layout/process1"/>
+    <dgm:cxn modelId="{BD11AFDD-D4C7-4822-9EF7-44F8EC9BFFC2}" type="presParOf" srcId="{34CAF373-0EB1-40FB-9599-77955D0AD59C}" destId="{D972C6C0-3A00-4D31-89BF-679D107545CF}" srcOrd="5" destOrd="0" presId="urn:microsoft.com/office/officeart/2005/8/layout/process1"/>
+    <dgm:cxn modelId="{B4588815-7AEB-46D9-ADAD-259816EDDB12}" type="presParOf" srcId="{D972C6C0-3A00-4D31-89BF-679D107545CF}" destId="{D54D2DD0-4D72-4C03-A974-B7C431E46920}" srcOrd="0" destOrd="0" presId="urn:microsoft.com/office/officeart/2005/8/layout/process1"/>
+    <dgm:cxn modelId="{E53CC774-47C7-4847-8518-9A7072002F62}" type="presParOf" srcId="{34CAF373-0EB1-40FB-9599-77955D0AD59C}" destId="{C44936DA-AB42-49AB-8D9C-5B75F5B74446}" srcOrd="6" destOrd="0" presId="urn:microsoft.com/office/officeart/2005/8/layout/process1"/>
+    <dgm:cxn modelId="{97590B1A-ADFE-4705-8D1B-D9A38AF1E3A6}" type="presParOf" srcId="{34CAF373-0EB1-40FB-9599-77955D0AD59C}" destId="{57906DA0-FE68-4CD6-A859-D5F06B30C945}" srcOrd="7" destOrd="0" presId="urn:microsoft.com/office/officeart/2005/8/layout/process1"/>
+    <dgm:cxn modelId="{0B200DC2-BF48-47E6-836F-B778ABD60D1C}" type="presParOf" srcId="{57906DA0-FE68-4CD6-A859-D5F06B30C945}" destId="{C8204ED0-5A02-4FC2-A1D2-CA665C5DBC61}" srcOrd="0" destOrd="0" presId="urn:microsoft.com/office/officeart/2005/8/layout/process1"/>
+    <dgm:cxn modelId="{DB655AD0-B91D-41D1-9349-42881BC8ECAC}" type="presParOf" srcId="{34CAF373-0EB1-40FB-9599-77955D0AD59C}" destId="{4A5D6149-2FC1-4AB9-ACCB-2A2DAE2E8D0A}" srcOrd="8" destOrd="0" presId="urn:microsoft.com/office/officeart/2005/8/layout/process1"/>
+  </dgm:cxnLst>
+  <dgm:bg/>
+  <dgm:whole/>
+  <dgm:extLst>
+    <a:ext uri="http://schemas.microsoft.com/office/drawing/2008/diagram">
+      <dsp:dataModelExt xmlns:dsp="http://schemas.microsoft.com/office/drawing/2008/diagram" relId="rId6" minVer="http://schemas.openxmlformats.org/drawingml/2006/diagram"/>
+    </a:ext>
+  </dgm:extLst>
+</dgm:dataModel>
+</file>
+
+<file path=ppt/diagrams/data2.xml><?xml version="1.0" encoding="utf-8"?>
+<dgm:dataModel xmlns:dgm="http://schemas.openxmlformats.org/drawingml/2006/diagram" xmlns:a="http://schemas.openxmlformats.org/drawingml/2006/main">
+  <dgm:ptLst>
+    <dgm:pt modelId="{51340FF2-2746-47ED-B19F-DAE2C57DE910}" type="doc">
+      <dgm:prSet loTypeId="urn:microsoft.com/office/officeart/2005/8/layout/process1" loCatId="process" qsTypeId="urn:microsoft.com/office/officeart/2005/8/quickstyle/simple5" qsCatId="simple" csTypeId="urn:microsoft.com/office/officeart/2005/8/colors/accent5_2" csCatId="accent5" phldr="1"/>
+      <dgm:spPr/>
+    </dgm:pt>
+    <dgm:pt modelId="{94ED414D-38F3-4B66-8754-AED19FB6D5E9}">
+      <dgm:prSet phldrT="[טקסט]" custT="1"/>
+      <dgm:spPr/>
+      <dgm:t>
+        <a:bodyPr/>
+        <a:lstStyle/>
+        <a:p>
+          <a:pPr rtl="1"/>
+          <a:r>
+            <a:rPr lang="en-US" sz="1800" dirty="0" smtClean="0">
+              <a:solidFill>
+                <a:schemeClr val="tx1"/>
+              </a:solidFill>
+              <a:latin typeface="David" panose="020E0502060401010101" pitchFamily="34" charset="-79"/>
+              <a:cs typeface="David" panose="020E0502060401010101" pitchFamily="34" charset="-79"/>
+            </a:rPr>
+            <a:t>Destroy device</a:t>
+          </a:r>
+          <a:endParaRPr lang="he-IL" sz="1800" dirty="0">
+            <a:solidFill>
+              <a:schemeClr val="tx1"/>
+            </a:solidFill>
+            <a:latin typeface="David" panose="020E0502060401010101" pitchFamily="34" charset="-79"/>
+            <a:cs typeface="David" panose="020E0502060401010101" pitchFamily="34" charset="-79"/>
+          </a:endParaRPr>
+        </a:p>
+      </dgm:t>
+    </dgm:pt>
+    <dgm:pt modelId="{3D7F8948-2E54-463E-B269-ED5F7304FD15}" type="parTrans" cxnId="{E2D760C2-B5E4-4811-86C6-457AEA3B180E}">
+      <dgm:prSet/>
+      <dgm:spPr/>
+      <dgm:t>
+        <a:bodyPr/>
+        <a:lstStyle/>
+        <a:p>
+          <a:pPr rtl="1"/>
+          <a:endParaRPr lang="he-IL" sz="1800">
+            <a:solidFill>
+              <a:sysClr val="windowText" lastClr="000000"/>
+            </a:solidFill>
+            <a:latin typeface="David" panose="020E0502060401010101" pitchFamily="34" charset="-79"/>
+            <a:cs typeface="David" panose="020E0502060401010101" pitchFamily="34" charset="-79"/>
+          </a:endParaRPr>
+        </a:p>
+      </dgm:t>
+    </dgm:pt>
+    <dgm:pt modelId="{68064CA7-89FB-4F7B-B270-6BA1C900544A}" type="sibTrans" cxnId="{E2D760C2-B5E4-4811-86C6-457AEA3B180E}">
+      <dgm:prSet custT="1"/>
+      <dgm:spPr/>
+      <dgm:t>
+        <a:bodyPr/>
+        <a:lstStyle/>
+        <a:p>
+          <a:pPr rtl="1"/>
+          <a:endParaRPr lang="he-IL" sz="1800">
+            <a:solidFill>
+              <a:sysClr val="windowText" lastClr="000000"/>
+            </a:solidFill>
+            <a:latin typeface="David" panose="020E0502060401010101" pitchFamily="34" charset="-79"/>
+            <a:cs typeface="David" panose="020E0502060401010101" pitchFamily="34" charset="-79"/>
+          </a:endParaRPr>
+        </a:p>
+      </dgm:t>
+    </dgm:pt>
+    <dgm:pt modelId="{65986335-B2DC-4B12-A5F8-4F8B6FBEB059}">
+      <dgm:prSet phldrT="[טקסט]" custT="1"/>
+      <dgm:spPr>
+        <a:noFill/>
+      </dgm:spPr>
+      <dgm:t>
+        <a:bodyPr/>
+        <a:lstStyle/>
+        <a:p>
+          <a:pPr rtl="1"/>
+          <a:r>
+            <a:rPr lang="en-US" sz="1800" dirty="0" smtClean="0">
+              <a:solidFill>
+                <a:schemeClr val="tx1"/>
+              </a:solidFill>
+              <a:latin typeface="David" panose="020E0502060401010101" pitchFamily="34" charset="-79"/>
+              <a:cs typeface="David" panose="020E0502060401010101" pitchFamily="34" charset="-79"/>
+            </a:rPr>
+            <a:t>Start alert</a:t>
+          </a:r>
+          <a:endParaRPr lang="he-IL" sz="1800" dirty="0">
+            <a:solidFill>
+              <a:schemeClr val="tx1"/>
+            </a:solidFill>
+            <a:latin typeface="David" panose="020E0502060401010101" pitchFamily="34" charset="-79"/>
+            <a:cs typeface="David" panose="020E0502060401010101" pitchFamily="34" charset="-79"/>
+          </a:endParaRPr>
+        </a:p>
+      </dgm:t>
+    </dgm:pt>
+    <dgm:pt modelId="{532DF96C-4BDB-4A98-9C6B-8FB9557E7207}" type="parTrans" cxnId="{7A601337-2BCF-468D-8F2C-DA0D98A9C043}">
+      <dgm:prSet/>
+      <dgm:spPr/>
+      <dgm:t>
+        <a:bodyPr/>
+        <a:lstStyle/>
+        <a:p>
+          <a:pPr rtl="1"/>
+          <a:endParaRPr lang="he-IL" sz="1800">
+            <a:solidFill>
+              <a:sysClr val="windowText" lastClr="000000"/>
+            </a:solidFill>
+            <a:latin typeface="David" panose="020E0502060401010101" pitchFamily="34" charset="-79"/>
+            <a:cs typeface="David" panose="020E0502060401010101" pitchFamily="34" charset="-79"/>
+          </a:endParaRPr>
+        </a:p>
+      </dgm:t>
+    </dgm:pt>
+    <dgm:pt modelId="{DF2E413A-C47C-4E47-85DE-25D912CB31B0}" type="sibTrans" cxnId="{7A601337-2BCF-468D-8F2C-DA0D98A9C043}">
+      <dgm:prSet custT="1"/>
+      <dgm:spPr/>
+      <dgm:t>
+        <a:bodyPr/>
+        <a:lstStyle/>
+        <a:p>
+          <a:pPr rtl="1"/>
+          <a:endParaRPr lang="he-IL" sz="1800">
+            <a:solidFill>
+              <a:sysClr val="windowText" lastClr="000000"/>
+            </a:solidFill>
+            <a:latin typeface="David" panose="020E0502060401010101" pitchFamily="34" charset="-79"/>
+            <a:cs typeface="David" panose="020E0502060401010101" pitchFamily="34" charset="-79"/>
+          </a:endParaRPr>
+        </a:p>
+      </dgm:t>
+    </dgm:pt>
+    <dgm:pt modelId="{DDB6DFDF-92AF-41A7-9E25-1231673C29DE}">
+      <dgm:prSet phldrT="[טקסט]" custT="1"/>
+      <dgm:spPr/>
+      <dgm:t>
+        <a:bodyPr/>
+        <a:lstStyle/>
+        <a:p>
+          <a:pPr rtl="1"/>
+          <a:r>
+            <a:rPr lang="he-IL" sz="1800" dirty="0" smtClean="0">
+              <a:solidFill>
+                <a:schemeClr val="tx1"/>
+              </a:solidFill>
+              <a:latin typeface="David" panose="020E0502060401010101" pitchFamily="34" charset="-79"/>
+              <a:cs typeface="David" panose="020E0502060401010101" pitchFamily="34" charset="-79"/>
+            </a:rPr>
+            <a:t>הגיע לתחנה?</a:t>
+          </a:r>
+          <a:endParaRPr lang="he-IL" sz="1800" dirty="0">
+            <a:solidFill>
+              <a:schemeClr val="tx1"/>
+            </a:solidFill>
+            <a:latin typeface="David" panose="020E0502060401010101" pitchFamily="34" charset="-79"/>
+            <a:cs typeface="David" panose="020E0502060401010101" pitchFamily="34" charset="-79"/>
+          </a:endParaRPr>
+        </a:p>
+      </dgm:t>
+    </dgm:pt>
+    <dgm:pt modelId="{FCAE133C-9395-421D-8D9A-B2FC0456915F}" type="parTrans" cxnId="{40615861-3D53-4ADA-B43C-F407C87C74D2}">
+      <dgm:prSet/>
+      <dgm:spPr/>
+      <dgm:t>
+        <a:bodyPr/>
+        <a:lstStyle/>
+        <a:p>
+          <a:pPr rtl="1"/>
+          <a:endParaRPr lang="he-IL" sz="1800">
+            <a:solidFill>
+              <a:sysClr val="windowText" lastClr="000000"/>
+            </a:solidFill>
+            <a:latin typeface="David" panose="020E0502060401010101" pitchFamily="34" charset="-79"/>
+            <a:cs typeface="David" panose="020E0502060401010101" pitchFamily="34" charset="-79"/>
+          </a:endParaRPr>
+        </a:p>
+      </dgm:t>
+    </dgm:pt>
+    <dgm:pt modelId="{95CBF607-3D0E-4D2C-8286-5636F908FE6E}" type="sibTrans" cxnId="{40615861-3D53-4ADA-B43C-F407C87C74D2}">
+      <dgm:prSet custT="1"/>
+      <dgm:spPr/>
+      <dgm:t>
+        <a:bodyPr/>
+        <a:lstStyle/>
+        <a:p>
+          <a:pPr rtl="1"/>
+          <a:endParaRPr lang="he-IL" sz="1800">
+            <a:solidFill>
+              <a:sysClr val="windowText" lastClr="000000"/>
+            </a:solidFill>
+            <a:latin typeface="David" panose="020E0502060401010101" pitchFamily="34" charset="-79"/>
+            <a:cs typeface="David" panose="020E0502060401010101" pitchFamily="34" charset="-79"/>
+          </a:endParaRPr>
+        </a:p>
+      </dgm:t>
+    </dgm:pt>
+    <dgm:pt modelId="{8E8B330C-05B9-4EDF-8DAF-A313B5E8DE34}">
+      <dgm:prSet phldrT="[טקסט]" custT="1"/>
+      <dgm:spPr>
+        <a:noFill/>
+      </dgm:spPr>
+      <dgm:t>
+        <a:bodyPr/>
+        <a:lstStyle/>
+        <a:p>
+          <a:pPr rtl="1"/>
+          <a:r>
+            <a:rPr lang="en-US" sz="1800" dirty="0" smtClean="0">
+              <a:solidFill>
+                <a:schemeClr val="tx1"/>
+              </a:solidFill>
+              <a:latin typeface="David" panose="020E0502060401010101" pitchFamily="34" charset="-79"/>
+              <a:cs typeface="David" panose="020E0502060401010101" pitchFamily="34" charset="-79"/>
+            </a:rPr>
+            <a:t>Start service</a:t>
+          </a:r>
+          <a:endParaRPr lang="he-IL" sz="1800" dirty="0">
+            <a:solidFill>
+              <a:schemeClr val="tx1"/>
+            </a:solidFill>
+            <a:latin typeface="David" panose="020E0502060401010101" pitchFamily="34" charset="-79"/>
+            <a:cs typeface="David" panose="020E0502060401010101" pitchFamily="34" charset="-79"/>
+          </a:endParaRPr>
+        </a:p>
+      </dgm:t>
+    </dgm:pt>
+    <dgm:pt modelId="{F21A4F72-706A-492C-8F81-BCBDB26277A5}" type="parTrans" cxnId="{A2643968-0FA5-4BE0-A7CB-F9917192FD0F}">
+      <dgm:prSet/>
+      <dgm:spPr/>
+      <dgm:t>
+        <a:bodyPr/>
+        <a:lstStyle/>
+        <a:p>
+          <a:pPr rtl="1"/>
+          <a:endParaRPr lang="he-IL" sz="1800">
+            <a:solidFill>
+              <a:sysClr val="windowText" lastClr="000000"/>
+            </a:solidFill>
+            <a:latin typeface="David" panose="020E0502060401010101" pitchFamily="34" charset="-79"/>
+            <a:cs typeface="David" panose="020E0502060401010101" pitchFamily="34" charset="-79"/>
+          </a:endParaRPr>
+        </a:p>
+      </dgm:t>
+    </dgm:pt>
+    <dgm:pt modelId="{D53F36C9-90CC-4E55-A2EB-A05670DC9E25}" type="sibTrans" cxnId="{A2643968-0FA5-4BE0-A7CB-F9917192FD0F}">
+      <dgm:prSet custT="1"/>
+      <dgm:spPr/>
+      <dgm:t>
+        <a:bodyPr/>
+        <a:lstStyle/>
+        <a:p>
+          <a:pPr rtl="1"/>
+          <a:endParaRPr lang="he-IL" sz="1800">
+            <a:solidFill>
+              <a:sysClr val="windowText" lastClr="000000"/>
+            </a:solidFill>
+            <a:latin typeface="David" panose="020E0502060401010101" pitchFamily="34" charset="-79"/>
+            <a:cs typeface="David" panose="020E0502060401010101" pitchFamily="34" charset="-79"/>
+          </a:endParaRPr>
+        </a:p>
+      </dgm:t>
+    </dgm:pt>
+    <dgm:pt modelId="{0EFCF82F-D55E-4B7F-820D-280B669276FC}">
+      <dgm:prSet phldrT="[טקסט]" custT="1"/>
+      <dgm:spPr/>
+      <dgm:t>
+        <a:bodyPr/>
+        <a:lstStyle/>
+        <a:p>
+          <a:pPr rtl="1"/>
+          <a:r>
+            <a:rPr lang="en-US" sz="1800" dirty="0" smtClean="0">
+              <a:solidFill>
+                <a:schemeClr val="tx1"/>
+              </a:solidFill>
+              <a:latin typeface="David" panose="020E0502060401010101" pitchFamily="34" charset="-79"/>
+              <a:cs typeface="David" panose="020E0502060401010101" pitchFamily="34" charset="-79"/>
+            </a:rPr>
+            <a:t>GPS is on?</a:t>
+          </a:r>
+          <a:endParaRPr lang="he-IL" sz="1800" dirty="0">
+            <a:solidFill>
+              <a:schemeClr val="tx1"/>
+            </a:solidFill>
+            <a:latin typeface="David" panose="020E0502060401010101" pitchFamily="34" charset="-79"/>
+            <a:cs typeface="David" panose="020E0502060401010101" pitchFamily="34" charset="-79"/>
+          </a:endParaRPr>
+        </a:p>
+      </dgm:t>
+    </dgm:pt>
+    <dgm:pt modelId="{B116B004-9E6C-4426-8434-30A938605AA9}" type="parTrans" cxnId="{C6BF0CB5-2E1A-4885-A5E9-839EE3F3F6A8}">
+      <dgm:prSet/>
+      <dgm:spPr/>
+      <dgm:t>
+        <a:bodyPr/>
+        <a:lstStyle/>
+        <a:p>
+          <a:pPr rtl="1"/>
+          <a:endParaRPr lang="he-IL" sz="1800">
+            <a:solidFill>
+              <a:sysClr val="windowText" lastClr="000000"/>
+            </a:solidFill>
+            <a:latin typeface="David" panose="020E0502060401010101" pitchFamily="34" charset="-79"/>
+            <a:cs typeface="David" panose="020E0502060401010101" pitchFamily="34" charset="-79"/>
+          </a:endParaRPr>
+        </a:p>
+      </dgm:t>
+    </dgm:pt>
+    <dgm:pt modelId="{E32F069C-EFFC-4022-BEEE-E6F866B09E10}" type="sibTrans" cxnId="{C6BF0CB5-2E1A-4885-A5E9-839EE3F3F6A8}">
+      <dgm:prSet/>
+      <dgm:spPr/>
+      <dgm:t>
+        <a:bodyPr/>
+        <a:lstStyle/>
+        <a:p>
+          <a:pPr rtl="1"/>
+          <a:endParaRPr lang="he-IL" sz="1800">
+            <a:solidFill>
+              <a:sysClr val="windowText" lastClr="000000"/>
+            </a:solidFill>
+            <a:latin typeface="David" panose="020E0502060401010101" pitchFamily="34" charset="-79"/>
+            <a:cs typeface="David" panose="020E0502060401010101" pitchFamily="34" charset="-79"/>
+          </a:endParaRPr>
+        </a:p>
+      </dgm:t>
+    </dgm:pt>
+    <dgm:pt modelId="{AEADF85E-6158-46EB-85CC-A95D330017BC}" type="pres">
+      <dgm:prSet presAssocID="{51340FF2-2746-47ED-B19F-DAE2C57DE910}" presName="Name0" presStyleCnt="0">
+        <dgm:presLayoutVars>
+          <dgm:dir/>
+          <dgm:resizeHandles val="exact"/>
+        </dgm:presLayoutVars>
+      </dgm:prSet>
+      <dgm:spPr/>
+    </dgm:pt>
+    <dgm:pt modelId="{489280F4-81F2-47F0-85AF-356A7FE35D41}" type="pres">
+      <dgm:prSet presAssocID="{94ED414D-38F3-4B66-8754-AED19FB6D5E9}" presName="node" presStyleLbl="node1" presStyleIdx="0" presStyleCnt="5">
+        <dgm:presLayoutVars>
+          <dgm:bulletEnabled val="1"/>
+        </dgm:presLayoutVars>
+      </dgm:prSet>
+      <dgm:spPr/>
+      <dgm:t>
+        <a:bodyPr/>
+        <a:lstStyle/>
+        <a:p>
+          <a:pPr rtl="1"/>
+          <a:endParaRPr lang="he-IL"/>
+        </a:p>
+      </dgm:t>
+    </dgm:pt>
+    <dgm:pt modelId="{5E5560A1-1977-4438-812B-072FEB4D6CA7}" type="pres">
+      <dgm:prSet presAssocID="{68064CA7-89FB-4F7B-B270-6BA1C900544A}" presName="sibTrans" presStyleLbl="sibTrans2D1" presStyleIdx="0" presStyleCnt="4" custAng="10800000"/>
+      <dgm:spPr/>
+    </dgm:pt>
+    <dgm:pt modelId="{21CA2B2B-EE06-4753-B362-4A339D5AEFF3}" type="pres">
+      <dgm:prSet presAssocID="{68064CA7-89FB-4F7B-B270-6BA1C900544A}" presName="connectorText" presStyleLbl="sibTrans2D1" presStyleIdx="0" presStyleCnt="4"/>
+      <dgm:spPr/>
+    </dgm:pt>
+    <dgm:pt modelId="{D32B9571-BC94-47DB-B145-1BED7BB93F25}" type="pres">
+      <dgm:prSet presAssocID="{65986335-B2DC-4B12-A5F8-4F8B6FBEB059}" presName="node" presStyleLbl="node1" presStyleIdx="1" presStyleCnt="5" custScaleX="115682" custScaleY="66199">
+        <dgm:presLayoutVars>
+          <dgm:bulletEnabled val="1"/>
+        </dgm:presLayoutVars>
+      </dgm:prSet>
+      <dgm:spPr/>
+    </dgm:pt>
+    <dgm:pt modelId="{E5C0CF59-00F9-4277-B1EF-3901C736C367}" type="pres">
+      <dgm:prSet presAssocID="{DF2E413A-C47C-4E47-85DE-25D912CB31B0}" presName="sibTrans" presStyleLbl="sibTrans2D1" presStyleIdx="1" presStyleCnt="4" custAng="10800000"/>
+      <dgm:spPr/>
+    </dgm:pt>
+    <dgm:pt modelId="{14E15D40-CF05-43C1-B80F-7EAAEEFE4DCD}" type="pres">
+      <dgm:prSet presAssocID="{DF2E413A-C47C-4E47-85DE-25D912CB31B0}" presName="connectorText" presStyleLbl="sibTrans2D1" presStyleIdx="1" presStyleCnt="4"/>
+      <dgm:spPr/>
+    </dgm:pt>
+    <dgm:pt modelId="{83F88A07-475B-4EB3-9D78-65D777B440A4}" type="pres">
+      <dgm:prSet presAssocID="{DDB6DFDF-92AF-41A7-9E25-1231673C29DE}" presName="node" presStyleLbl="node1" presStyleIdx="2" presStyleCnt="5" custScaleX="144243" custScaleY="97578">
+        <dgm:presLayoutVars>
+          <dgm:bulletEnabled val="1"/>
+        </dgm:presLayoutVars>
+      </dgm:prSet>
+      <dgm:spPr>
+        <a:prstGeom prst="diamond">
+          <a:avLst/>
+        </a:prstGeom>
+      </dgm:spPr>
+    </dgm:pt>
+    <dgm:pt modelId="{C0029861-8E26-4112-AF7E-A99B681FA76E}" type="pres">
+      <dgm:prSet presAssocID="{95CBF607-3D0E-4D2C-8286-5636F908FE6E}" presName="sibTrans" presStyleLbl="sibTrans2D1" presStyleIdx="2" presStyleCnt="4" custAng="10800000"/>
+      <dgm:spPr/>
+    </dgm:pt>
+    <dgm:pt modelId="{2868399A-8A3D-47D3-9BAC-6B1339E87E04}" type="pres">
+      <dgm:prSet presAssocID="{95CBF607-3D0E-4D2C-8286-5636F908FE6E}" presName="connectorText" presStyleLbl="sibTrans2D1" presStyleIdx="2" presStyleCnt="4"/>
+      <dgm:spPr/>
+    </dgm:pt>
+    <dgm:pt modelId="{31D34D25-A549-4679-9A51-88CF5F4EF902}" type="pres">
+      <dgm:prSet presAssocID="{8E8B330C-05B9-4EDF-8DAF-A313B5E8DE34}" presName="node" presStyleLbl="node1" presStyleIdx="3" presStyleCnt="5" custScaleX="112142" custScaleY="50510">
+        <dgm:presLayoutVars>
+          <dgm:bulletEnabled val="1"/>
+        </dgm:presLayoutVars>
+      </dgm:prSet>
+      <dgm:spPr/>
+      <dgm:t>
+        <a:bodyPr/>
+        <a:lstStyle/>
+        <a:p>
+          <a:pPr rtl="1"/>
+          <a:endParaRPr lang="he-IL"/>
+        </a:p>
+      </dgm:t>
+    </dgm:pt>
+    <dgm:pt modelId="{B17F2437-680A-455C-BEBF-156A9B6AC60C}" type="pres">
+      <dgm:prSet presAssocID="{D53F36C9-90CC-4E55-A2EB-A05670DC9E25}" presName="sibTrans" presStyleLbl="sibTrans2D1" presStyleIdx="3" presStyleCnt="4" custAng="10800000"/>
+      <dgm:spPr/>
+    </dgm:pt>
+    <dgm:pt modelId="{4AEE6375-A72B-4ABF-806F-2BDCDBD106AF}" type="pres">
+      <dgm:prSet presAssocID="{D53F36C9-90CC-4E55-A2EB-A05670DC9E25}" presName="connectorText" presStyleLbl="sibTrans2D1" presStyleIdx="3" presStyleCnt="4"/>
+      <dgm:spPr/>
+    </dgm:pt>
+    <dgm:pt modelId="{BCAEAF41-B335-417D-871A-20364F5390EA}" type="pres">
+      <dgm:prSet presAssocID="{0EFCF82F-D55E-4B7F-820D-280B669276FC}" presName="node" presStyleLbl="node1" presStyleIdx="4" presStyleCnt="5" custScaleX="111072" custScaleY="97578">
+        <dgm:presLayoutVars>
+          <dgm:bulletEnabled val="1"/>
+        </dgm:presLayoutVars>
+      </dgm:prSet>
+      <dgm:spPr>
+        <a:prstGeom prst="diamond">
+          <a:avLst/>
+        </a:prstGeom>
+      </dgm:spPr>
+      <dgm:t>
+        <a:bodyPr/>
+        <a:lstStyle/>
+        <a:p>
+          <a:pPr rtl="1"/>
+          <a:endParaRPr lang="he-IL"/>
+        </a:p>
+      </dgm:t>
+    </dgm:pt>
+  </dgm:ptLst>
+  <dgm:cxnLst>
+    <dgm:cxn modelId="{E2D760C2-B5E4-4811-86C6-457AEA3B180E}" srcId="{51340FF2-2746-47ED-B19F-DAE2C57DE910}" destId="{94ED414D-38F3-4B66-8754-AED19FB6D5E9}" srcOrd="0" destOrd="0" parTransId="{3D7F8948-2E54-463E-B269-ED5F7304FD15}" sibTransId="{68064CA7-89FB-4F7B-B270-6BA1C900544A}"/>
+    <dgm:cxn modelId="{27C4CD9A-2EC1-42A2-B29A-20D01DC8EFBD}" type="presOf" srcId="{0EFCF82F-D55E-4B7F-820D-280B669276FC}" destId="{BCAEAF41-B335-417D-871A-20364F5390EA}" srcOrd="0" destOrd="0" presId="urn:microsoft.com/office/officeart/2005/8/layout/process1"/>
+    <dgm:cxn modelId="{E74F095A-2076-421A-8076-55B7A3F5578B}" type="presOf" srcId="{68064CA7-89FB-4F7B-B270-6BA1C900544A}" destId="{21CA2B2B-EE06-4753-B362-4A339D5AEFF3}" srcOrd="1" destOrd="0" presId="urn:microsoft.com/office/officeart/2005/8/layout/process1"/>
+    <dgm:cxn modelId="{15C3F184-76CD-44CC-8BBB-A9DBA590FCAC}" type="presOf" srcId="{68064CA7-89FB-4F7B-B270-6BA1C900544A}" destId="{5E5560A1-1977-4438-812B-072FEB4D6CA7}" srcOrd="0" destOrd="0" presId="urn:microsoft.com/office/officeart/2005/8/layout/process1"/>
+    <dgm:cxn modelId="{21732E25-E8E2-4F47-9AA8-F9367EEE5A0D}" type="presOf" srcId="{65986335-B2DC-4B12-A5F8-4F8B6FBEB059}" destId="{D32B9571-BC94-47DB-B145-1BED7BB93F25}" srcOrd="0" destOrd="0" presId="urn:microsoft.com/office/officeart/2005/8/layout/process1"/>
+    <dgm:cxn modelId="{40615861-3D53-4ADA-B43C-F407C87C74D2}" srcId="{51340FF2-2746-47ED-B19F-DAE2C57DE910}" destId="{DDB6DFDF-92AF-41A7-9E25-1231673C29DE}" srcOrd="2" destOrd="0" parTransId="{FCAE133C-9395-421D-8D9A-B2FC0456915F}" sibTransId="{95CBF607-3D0E-4D2C-8286-5636F908FE6E}"/>
+    <dgm:cxn modelId="{AB3F3FB5-BEBF-4278-BAAA-FEE2CFAE1745}" type="presOf" srcId="{DF2E413A-C47C-4E47-85DE-25D912CB31B0}" destId="{14E15D40-CF05-43C1-B80F-7EAAEEFE4DCD}" srcOrd="1" destOrd="0" presId="urn:microsoft.com/office/officeart/2005/8/layout/process1"/>
+    <dgm:cxn modelId="{9948473D-3DB8-4F25-A960-C58FF794A3CC}" type="presOf" srcId="{DDB6DFDF-92AF-41A7-9E25-1231673C29DE}" destId="{83F88A07-475B-4EB3-9D78-65D777B440A4}" srcOrd="0" destOrd="0" presId="urn:microsoft.com/office/officeart/2005/8/layout/process1"/>
+    <dgm:cxn modelId="{31C117C5-CDD5-49DF-AAE3-29ADCED2179F}" type="presOf" srcId="{95CBF607-3D0E-4D2C-8286-5636F908FE6E}" destId="{2868399A-8A3D-47D3-9BAC-6B1339E87E04}" srcOrd="1" destOrd="0" presId="urn:microsoft.com/office/officeart/2005/8/layout/process1"/>
+    <dgm:cxn modelId="{C6BF0CB5-2E1A-4885-A5E9-839EE3F3F6A8}" srcId="{51340FF2-2746-47ED-B19F-DAE2C57DE910}" destId="{0EFCF82F-D55E-4B7F-820D-280B669276FC}" srcOrd="4" destOrd="0" parTransId="{B116B004-9E6C-4426-8434-30A938605AA9}" sibTransId="{E32F069C-EFFC-4022-BEEE-E6F866B09E10}"/>
+    <dgm:cxn modelId="{9C294FEC-4036-4DFB-A687-0F008C8DC5D9}" type="presOf" srcId="{D53F36C9-90CC-4E55-A2EB-A05670DC9E25}" destId="{B17F2437-680A-455C-BEBF-156A9B6AC60C}" srcOrd="0" destOrd="0" presId="urn:microsoft.com/office/officeart/2005/8/layout/process1"/>
+    <dgm:cxn modelId="{7A601337-2BCF-468D-8F2C-DA0D98A9C043}" srcId="{51340FF2-2746-47ED-B19F-DAE2C57DE910}" destId="{65986335-B2DC-4B12-A5F8-4F8B6FBEB059}" srcOrd="1" destOrd="0" parTransId="{532DF96C-4BDB-4A98-9C6B-8FB9557E7207}" sibTransId="{DF2E413A-C47C-4E47-85DE-25D912CB31B0}"/>
+    <dgm:cxn modelId="{724CCE10-2A78-4907-AF47-CB2C96EB9F68}" type="presOf" srcId="{8E8B330C-05B9-4EDF-8DAF-A313B5E8DE34}" destId="{31D34D25-A549-4679-9A51-88CF5F4EF902}" srcOrd="0" destOrd="0" presId="urn:microsoft.com/office/officeart/2005/8/layout/process1"/>
+    <dgm:cxn modelId="{82EAB440-F9EA-4B58-BAAF-C4F879A30E19}" type="presOf" srcId="{94ED414D-38F3-4B66-8754-AED19FB6D5E9}" destId="{489280F4-81F2-47F0-85AF-356A7FE35D41}" srcOrd="0" destOrd="0" presId="urn:microsoft.com/office/officeart/2005/8/layout/process1"/>
+    <dgm:cxn modelId="{58274878-4C7F-423A-9424-0C4143A1BC01}" type="presOf" srcId="{D53F36C9-90CC-4E55-A2EB-A05670DC9E25}" destId="{4AEE6375-A72B-4ABF-806F-2BDCDBD106AF}" srcOrd="1" destOrd="0" presId="urn:microsoft.com/office/officeart/2005/8/layout/process1"/>
+    <dgm:cxn modelId="{E77E0080-D931-499D-88E1-2424E9EC4C84}" type="presOf" srcId="{DF2E413A-C47C-4E47-85DE-25D912CB31B0}" destId="{E5C0CF59-00F9-4277-B1EF-3901C736C367}" srcOrd="0" destOrd="0" presId="urn:microsoft.com/office/officeart/2005/8/layout/process1"/>
+    <dgm:cxn modelId="{9DF4EA5B-159C-4936-BC0E-D0E1A02FA449}" type="presOf" srcId="{51340FF2-2746-47ED-B19F-DAE2C57DE910}" destId="{AEADF85E-6158-46EB-85CC-A95D330017BC}" srcOrd="0" destOrd="0" presId="urn:microsoft.com/office/officeart/2005/8/layout/process1"/>
+    <dgm:cxn modelId="{A2643968-0FA5-4BE0-A7CB-F9917192FD0F}" srcId="{51340FF2-2746-47ED-B19F-DAE2C57DE910}" destId="{8E8B330C-05B9-4EDF-8DAF-A313B5E8DE34}" srcOrd="3" destOrd="0" parTransId="{F21A4F72-706A-492C-8F81-BCBDB26277A5}" sibTransId="{D53F36C9-90CC-4E55-A2EB-A05670DC9E25}"/>
+    <dgm:cxn modelId="{D5A5374E-C86F-42C7-997F-80FB1D55AF00}" type="presOf" srcId="{95CBF607-3D0E-4D2C-8286-5636F908FE6E}" destId="{C0029861-8E26-4112-AF7E-A99B681FA76E}" srcOrd="0" destOrd="0" presId="urn:microsoft.com/office/officeart/2005/8/layout/process1"/>
+    <dgm:cxn modelId="{47EDD380-8CEB-4968-A6C3-D7B7CC15A500}" type="presParOf" srcId="{AEADF85E-6158-46EB-85CC-A95D330017BC}" destId="{489280F4-81F2-47F0-85AF-356A7FE35D41}" srcOrd="0" destOrd="0" presId="urn:microsoft.com/office/officeart/2005/8/layout/process1"/>
+    <dgm:cxn modelId="{A80BB2D1-989C-41E1-98B6-FEE72AF5F9F9}" type="presParOf" srcId="{AEADF85E-6158-46EB-85CC-A95D330017BC}" destId="{5E5560A1-1977-4438-812B-072FEB4D6CA7}" srcOrd="1" destOrd="0" presId="urn:microsoft.com/office/officeart/2005/8/layout/process1"/>
+    <dgm:cxn modelId="{B5EF0C57-BFEC-46B9-BE50-56EDA4DC83E5}" type="presParOf" srcId="{5E5560A1-1977-4438-812B-072FEB4D6CA7}" destId="{21CA2B2B-EE06-4753-B362-4A339D5AEFF3}" srcOrd="0" destOrd="0" presId="urn:microsoft.com/office/officeart/2005/8/layout/process1"/>
+    <dgm:cxn modelId="{72E43ABA-DE15-422F-89D8-41A5F5FFB7F7}" type="presParOf" srcId="{AEADF85E-6158-46EB-85CC-A95D330017BC}" destId="{D32B9571-BC94-47DB-B145-1BED7BB93F25}" srcOrd="2" destOrd="0" presId="urn:microsoft.com/office/officeart/2005/8/layout/process1"/>
+    <dgm:cxn modelId="{0CABC505-1570-4C61-B4AB-6CBA69F61915}" type="presParOf" srcId="{AEADF85E-6158-46EB-85CC-A95D330017BC}" destId="{E5C0CF59-00F9-4277-B1EF-3901C736C367}" srcOrd="3" destOrd="0" presId="urn:microsoft.com/office/officeart/2005/8/layout/process1"/>
+    <dgm:cxn modelId="{BCA588CC-BA89-44E0-B1AC-51A1255E6F4D}" type="presParOf" srcId="{E5C0CF59-00F9-4277-B1EF-3901C736C367}" destId="{14E15D40-CF05-43C1-B80F-7EAAEEFE4DCD}" srcOrd="0" destOrd="0" presId="urn:microsoft.com/office/officeart/2005/8/layout/process1"/>
+    <dgm:cxn modelId="{9A5D6AE8-E5AB-4592-BCAC-86020B2B144F}" type="presParOf" srcId="{AEADF85E-6158-46EB-85CC-A95D330017BC}" destId="{83F88A07-475B-4EB3-9D78-65D777B440A4}" srcOrd="4" destOrd="0" presId="urn:microsoft.com/office/officeart/2005/8/layout/process1"/>
+    <dgm:cxn modelId="{27B4E485-F8BA-42BE-A590-86B90ACB0EE1}" type="presParOf" srcId="{AEADF85E-6158-46EB-85CC-A95D330017BC}" destId="{C0029861-8E26-4112-AF7E-A99B681FA76E}" srcOrd="5" destOrd="0" presId="urn:microsoft.com/office/officeart/2005/8/layout/process1"/>
+    <dgm:cxn modelId="{BA71B77D-CB28-4E07-8D90-DDA5F50D80C7}" type="presParOf" srcId="{C0029861-8E26-4112-AF7E-A99B681FA76E}" destId="{2868399A-8A3D-47D3-9BAC-6B1339E87E04}" srcOrd="0" destOrd="0" presId="urn:microsoft.com/office/officeart/2005/8/layout/process1"/>
+    <dgm:cxn modelId="{B2C6F6B5-5129-4616-BBAE-077C23D5BA3B}" type="presParOf" srcId="{AEADF85E-6158-46EB-85CC-A95D330017BC}" destId="{31D34D25-A549-4679-9A51-88CF5F4EF902}" srcOrd="6" destOrd="0" presId="urn:microsoft.com/office/officeart/2005/8/layout/process1"/>
+    <dgm:cxn modelId="{278127CB-047C-4ED5-82D0-0D78E39C3707}" type="presParOf" srcId="{AEADF85E-6158-46EB-85CC-A95D330017BC}" destId="{B17F2437-680A-455C-BEBF-156A9B6AC60C}" srcOrd="7" destOrd="0" presId="urn:microsoft.com/office/officeart/2005/8/layout/process1"/>
+    <dgm:cxn modelId="{3DE04960-7720-454D-8624-FF01460FF44E}" type="presParOf" srcId="{B17F2437-680A-455C-BEBF-156A9B6AC60C}" destId="{4AEE6375-A72B-4ABF-806F-2BDCDBD106AF}" srcOrd="0" destOrd="0" presId="urn:microsoft.com/office/officeart/2005/8/layout/process1"/>
+    <dgm:cxn modelId="{36E8C86E-E6C4-43AB-AF38-6D8BFCB8FDC4}" type="presParOf" srcId="{AEADF85E-6158-46EB-85CC-A95D330017BC}" destId="{BCAEAF41-B335-417D-871A-20364F5390EA}" srcOrd="8" destOrd="0" presId="urn:microsoft.com/office/officeart/2005/8/layout/process1"/>
+  </dgm:cxnLst>
+  <dgm:bg/>
+  <dgm:whole/>
+  <dgm:extLst>
+    <a:ext uri="http://schemas.microsoft.com/office/drawing/2008/diagram">
+      <dsp:dataModelExt xmlns:dsp="http://schemas.microsoft.com/office/drawing/2008/diagram" relId="rId11" minVer="http://schemas.openxmlformats.org/drawingml/2006/diagram"/>
+    </a:ext>
+    <a:ext uri="{C62137D5-CB1D-491B-B009-E17868A290BF}">
+      <dgm14:recolorImg xmlns:dgm14="http://schemas.microsoft.com/office/drawing/2010/diagram" val="1"/>
+    </a:ext>
+  </dgm:extLst>
+</dgm:dataModel>
+</file>
+
+<file path=ppt/diagrams/drawing1.xml><?xml version="1.0" encoding="utf-8"?>
+<dsp:drawing xmlns:dgm="http://schemas.openxmlformats.org/drawingml/2006/diagram" xmlns:dsp="http://schemas.microsoft.com/office/drawing/2008/diagram" xmlns:a="http://schemas.openxmlformats.org/drawingml/2006/main">
+  <dsp:spTree>
+    <dsp:nvGrpSpPr>
+      <dsp:cNvPr id="0" name=""/>
+      <dsp:cNvGrpSpPr/>
+    </dsp:nvGrpSpPr>
+    <dsp:grpSpPr/>
+    <dsp:sp modelId="{D74B4A32-50F4-4B74-83AB-CB19076FB67E}">
+      <dsp:nvSpPr>
+        <dsp:cNvPr id="0" name=""/>
+        <dsp:cNvSpPr/>
+      </dsp:nvSpPr>
+      <dsp:spPr>
+        <a:xfrm>
+          <a:off x="3576" y="1800202"/>
+          <a:ext cx="1108664" cy="463595"/>
+        </a:xfrm>
+        <a:prstGeom prst="roundRect">
+          <a:avLst>
+            <a:gd name="adj" fmla="val 10000"/>
+          </a:avLst>
+        </a:prstGeom>
+        <a:gradFill rotWithShape="0">
+          <a:gsLst>
+            <a:gs pos="0">
+              <a:schemeClr val="accent1">
+                <a:hueOff val="0"/>
+                <a:satOff val="0"/>
+                <a:lumOff val="0"/>
+                <a:alphaOff val="0"/>
+                <a:tint val="96000"/>
+                <a:satMod val="120000"/>
+                <a:lumMod val="120000"/>
+              </a:schemeClr>
+            </a:gs>
+            <a:gs pos="100000">
+              <a:schemeClr val="accent1">
+                <a:hueOff val="0"/>
+                <a:satOff val="0"/>
+                <a:lumOff val="0"/>
+                <a:alphaOff val="0"/>
+                <a:shade val="89000"/>
+                <a:lumMod val="90000"/>
+              </a:schemeClr>
+            </a:gs>
+          </a:gsLst>
+          <a:lin ang="5400000" scaled="0"/>
+        </a:gradFill>
+        <a:ln>
+          <a:noFill/>
+        </a:ln>
+        <a:effectLst>
+          <a:outerShdw blurRad="50800" dist="25400" dir="5400000" rotWithShape="0">
+            <a:srgbClr val="000000">
+              <a:alpha val="38000"/>
+            </a:srgbClr>
+          </a:outerShdw>
+        </a:effectLst>
+        <a:scene3d>
+          <a:camera prst="orthographicFront">
+            <a:rot lat="0" lon="0" rev="0"/>
+          </a:camera>
+          <a:lightRig rig="flat" dir="tl">
+            <a:rot lat="0" lon="0" rev="6360000"/>
+          </a:lightRig>
+        </a:scene3d>
+        <a:sp3d contourW="19050" prstMaterial="flat">
+          <a:bevelT w="63500" h="63500"/>
+          <a:contourClr>
+            <a:schemeClr val="accent1">
+              <a:hueOff val="0"/>
+              <a:satOff val="0"/>
+              <a:lumOff val="0"/>
+              <a:alphaOff val="0"/>
+              <a:shade val="25000"/>
+              <a:satMod val="180000"/>
+            </a:schemeClr>
+          </a:contourClr>
+        </a:sp3d>
+      </dsp:spPr>
+      <dsp:style>
+        <a:lnRef idx="0">
+          <a:scrgbClr r="0" g="0" b="0"/>
+        </a:lnRef>
+        <a:fillRef idx="3">
+          <a:scrgbClr r="0" g="0" b="0"/>
+        </a:fillRef>
+        <a:effectRef idx="3">
+          <a:scrgbClr r="0" g="0" b="0"/>
+        </a:effectRef>
+        <a:fontRef idx="minor">
+          <a:schemeClr val="lt1"/>
+        </a:fontRef>
+      </dsp:style>
+      <dsp:txBody>
+        <a:bodyPr spcFirstLastPara="0" vert="horz" wrap="square" lIns="68580" tIns="68580" rIns="68580" bIns="68580" numCol="1" spcCol="1270" anchor="ctr" anchorCtr="0">
+          <a:noAutofit/>
+        </a:bodyPr>
+        <a:lstStyle/>
+        <a:p>
+          <a:pPr lvl="0" algn="ctr" defTabSz="800100" rtl="1">
+            <a:lnSpc>
+              <a:spcPct val="90000"/>
+            </a:lnSpc>
+            <a:spcBef>
+              <a:spcPct val="0"/>
+            </a:spcBef>
+            <a:spcAft>
+              <a:spcPct val="35000"/>
+            </a:spcAft>
+          </a:pPr>
+          <a:r>
+            <a:rPr lang="en-US" sz="1800" kern="1200" dirty="0" smtClean="0">
+              <a:latin typeface="David" panose="020E0502060401010101" pitchFamily="34" charset="-79"/>
+              <a:cs typeface="David" panose="020E0502060401010101" pitchFamily="34" charset="-79"/>
+            </a:rPr>
+            <a:t>Start</a:t>
+          </a:r>
+          <a:endParaRPr lang="he-IL" sz="1800" kern="1200" dirty="0">
+            <a:latin typeface="David" panose="020E0502060401010101" pitchFamily="34" charset="-79"/>
+            <a:cs typeface="David" panose="020E0502060401010101" pitchFamily="34" charset="-79"/>
+          </a:endParaRPr>
+        </a:p>
+      </dsp:txBody>
+      <dsp:txXfrm>
+        <a:off x="17154" y="1813780"/>
+        <a:ext cx="1081508" cy="436439"/>
+      </dsp:txXfrm>
+    </dsp:sp>
+    <dsp:sp modelId="{61EEC78E-8D47-4EBD-B33F-3A3DB2A5A5D9}">
+      <dsp:nvSpPr>
+        <dsp:cNvPr id="0" name=""/>
+        <dsp:cNvSpPr/>
+      </dsp:nvSpPr>
+      <dsp:spPr>
+        <a:xfrm>
+          <a:off x="1223106" y="1894525"/>
+          <a:ext cx="235036" cy="274948"/>
+        </a:xfrm>
+        <a:prstGeom prst="rightArrow">
+          <a:avLst>
+            <a:gd name="adj1" fmla="val 60000"/>
+            <a:gd name="adj2" fmla="val 50000"/>
+          </a:avLst>
+        </a:prstGeom>
+        <a:gradFill rotWithShape="0">
+          <a:gsLst>
+            <a:gs pos="0">
+              <a:schemeClr val="accent1">
+                <a:tint val="60000"/>
+                <a:hueOff val="0"/>
+                <a:satOff val="0"/>
+                <a:lumOff val="0"/>
+                <a:alphaOff val="0"/>
+                <a:tint val="96000"/>
+                <a:satMod val="120000"/>
+                <a:lumMod val="120000"/>
+              </a:schemeClr>
+            </a:gs>
+            <a:gs pos="100000">
+              <a:schemeClr val="accent1">
+                <a:tint val="60000"/>
+                <a:hueOff val="0"/>
+                <a:satOff val="0"/>
+                <a:lumOff val="0"/>
+                <a:alphaOff val="0"/>
+                <a:shade val="89000"/>
+                <a:lumMod val="90000"/>
+              </a:schemeClr>
+            </a:gs>
+          </a:gsLst>
+          <a:lin ang="5400000" scaled="0"/>
+        </a:gradFill>
+        <a:ln>
+          <a:noFill/>
+        </a:ln>
+        <a:effectLst>
+          <a:outerShdw blurRad="50800" dist="25400" dir="5400000" rotWithShape="0">
+            <a:srgbClr val="000000">
+              <a:alpha val="38000"/>
+            </a:srgbClr>
+          </a:outerShdw>
+        </a:effectLst>
+        <a:scene3d>
+          <a:camera prst="orthographicFront">
+            <a:rot lat="0" lon="0" rev="0"/>
+          </a:camera>
+          <a:lightRig rig="flat" dir="tl">
+            <a:rot lat="0" lon="0" rev="6360000"/>
+          </a:lightRig>
+        </a:scene3d>
+        <a:sp3d contourW="19050" prstMaterial="flat">
+          <a:bevelT w="63500" h="63500"/>
+          <a:contourClr>
+            <a:schemeClr val="accent1">
+              <a:tint val="60000"/>
+              <a:hueOff val="0"/>
+              <a:satOff val="0"/>
+              <a:lumOff val="0"/>
+              <a:alphaOff val="0"/>
+              <a:shade val="25000"/>
+              <a:satMod val="180000"/>
+            </a:schemeClr>
+          </a:contourClr>
+        </a:sp3d>
+      </dsp:spPr>
+      <dsp:style>
+        <a:lnRef idx="0">
+          <a:scrgbClr r="0" g="0" b="0"/>
+        </a:lnRef>
+        <a:fillRef idx="3">
+          <a:scrgbClr r="0" g="0" b="0"/>
+        </a:fillRef>
+        <a:effectRef idx="3">
+          <a:scrgbClr r="0" g="0" b="0"/>
+        </a:effectRef>
+        <a:fontRef idx="minor">
+          <a:schemeClr val="lt1"/>
+        </a:fontRef>
+      </dsp:style>
+      <dsp:txBody>
+        <a:bodyPr spcFirstLastPara="0" vert="horz" wrap="square" lIns="0" tIns="0" rIns="0" bIns="0" numCol="1" spcCol="1270" anchor="ctr" anchorCtr="0">
+          <a:noAutofit/>
+        </a:bodyPr>
+        <a:lstStyle/>
+        <a:p>
+          <a:pPr lvl="0" algn="ctr" defTabSz="622300" rtl="1">
+            <a:lnSpc>
+              <a:spcPct val="90000"/>
+            </a:lnSpc>
+            <a:spcBef>
+              <a:spcPct val="0"/>
+            </a:spcBef>
+            <a:spcAft>
+              <a:spcPct val="35000"/>
+            </a:spcAft>
+          </a:pPr>
+          <a:endParaRPr lang="he-IL" sz="1400" kern="1200">
+            <a:latin typeface="David" panose="020E0502060401010101" pitchFamily="34" charset="-79"/>
+            <a:cs typeface="David" panose="020E0502060401010101" pitchFamily="34" charset="-79"/>
+          </a:endParaRPr>
+        </a:p>
+      </dsp:txBody>
+      <dsp:txXfrm>
+        <a:off x="1223106" y="1949515"/>
+        <a:ext cx="164525" cy="164968"/>
+      </dsp:txXfrm>
+    </dsp:sp>
+    <dsp:sp modelId="{C06557A4-F42F-4BDC-8277-7CC25C539788}">
+      <dsp:nvSpPr>
+        <dsp:cNvPr id="0" name=""/>
+        <dsp:cNvSpPr/>
+      </dsp:nvSpPr>
+      <dsp:spPr>
+        <a:xfrm>
+          <a:off x="1555706" y="1621447"/>
+          <a:ext cx="1108664" cy="821104"/>
+        </a:xfrm>
+        <a:prstGeom prst="roundRect">
+          <a:avLst>
+            <a:gd name="adj" fmla="val 10000"/>
+          </a:avLst>
+        </a:prstGeom>
+        <a:gradFill rotWithShape="0">
+          <a:gsLst>
+            <a:gs pos="0">
+              <a:schemeClr val="accent1">
+                <a:hueOff val="0"/>
+                <a:satOff val="0"/>
+                <a:lumOff val="0"/>
+                <a:alphaOff val="0"/>
+                <a:tint val="96000"/>
+                <a:satMod val="120000"/>
+                <a:lumMod val="120000"/>
+              </a:schemeClr>
+            </a:gs>
+            <a:gs pos="100000">
+              <a:schemeClr val="accent1">
+                <a:hueOff val="0"/>
+                <a:satOff val="0"/>
+                <a:lumOff val="0"/>
+                <a:alphaOff val="0"/>
+                <a:shade val="89000"/>
+                <a:lumMod val="90000"/>
+              </a:schemeClr>
+            </a:gs>
+          </a:gsLst>
+          <a:lin ang="5400000" scaled="0"/>
+        </a:gradFill>
+        <a:ln>
+          <a:noFill/>
+        </a:ln>
+        <a:effectLst>
+          <a:outerShdw blurRad="50800" dist="25400" dir="5400000" rotWithShape="0">
+            <a:srgbClr val="000000">
+              <a:alpha val="38000"/>
+            </a:srgbClr>
+          </a:outerShdw>
+        </a:effectLst>
+        <a:scene3d>
+          <a:camera prst="orthographicFront">
+            <a:rot lat="0" lon="0" rev="0"/>
+          </a:camera>
+          <a:lightRig rig="flat" dir="tl">
+            <a:rot lat="0" lon="0" rev="6360000"/>
+          </a:lightRig>
+        </a:scene3d>
+        <a:sp3d contourW="19050" prstMaterial="flat">
+          <a:bevelT w="63500" h="63500"/>
+          <a:contourClr>
+            <a:schemeClr val="accent1">
+              <a:hueOff val="0"/>
+              <a:satOff val="0"/>
+              <a:lumOff val="0"/>
+              <a:alphaOff val="0"/>
+              <a:shade val="25000"/>
+              <a:satMod val="180000"/>
+            </a:schemeClr>
+          </a:contourClr>
+        </a:sp3d>
+      </dsp:spPr>
+      <dsp:style>
+        <a:lnRef idx="0">
+          <a:scrgbClr r="0" g="0" b="0"/>
+        </a:lnRef>
+        <a:fillRef idx="3">
+          <a:scrgbClr r="0" g="0" b="0"/>
+        </a:fillRef>
+        <a:effectRef idx="3">
+          <a:scrgbClr r="0" g="0" b="0"/>
+        </a:effectRef>
+        <a:fontRef idx="minor">
+          <a:schemeClr val="lt1"/>
+        </a:fontRef>
+      </dsp:style>
+      <dsp:txBody>
+        <a:bodyPr spcFirstLastPara="0" vert="horz" wrap="square" lIns="68580" tIns="68580" rIns="68580" bIns="68580" numCol="1" spcCol="1270" anchor="ctr" anchorCtr="0">
+          <a:noAutofit/>
+        </a:bodyPr>
+        <a:lstStyle/>
+        <a:p>
+          <a:pPr lvl="0" algn="ctr" defTabSz="800100" rtl="1">
+            <a:lnSpc>
+              <a:spcPct val="90000"/>
+            </a:lnSpc>
+            <a:spcBef>
+              <a:spcPct val="0"/>
+            </a:spcBef>
+            <a:spcAft>
+              <a:spcPct val="35000"/>
+            </a:spcAft>
+          </a:pPr>
+          <a:r>
+            <a:rPr lang="he-IL" sz="1800" kern="1200" dirty="0" smtClean="0">
+              <a:latin typeface="David" panose="020E0502060401010101" pitchFamily="34" charset="-79"/>
+              <a:cs typeface="David" panose="020E0502060401010101" pitchFamily="34" charset="-79"/>
+            </a:rPr>
+            <a:t>בחירת חברה</a:t>
+          </a:r>
+          <a:endParaRPr lang="he-IL" sz="1800" kern="1200" dirty="0">
+            <a:latin typeface="David" panose="020E0502060401010101" pitchFamily="34" charset="-79"/>
+            <a:cs typeface="David" panose="020E0502060401010101" pitchFamily="34" charset="-79"/>
+          </a:endParaRPr>
+        </a:p>
+      </dsp:txBody>
+      <dsp:txXfrm>
+        <a:off x="1579755" y="1645496"/>
+        <a:ext cx="1060566" cy="773006"/>
+      </dsp:txXfrm>
+    </dsp:sp>
+    <dsp:sp modelId="{023BECFB-48CF-479D-9A71-1C0C39EA83D5}">
+      <dsp:nvSpPr>
+        <dsp:cNvPr id="0" name=""/>
+        <dsp:cNvSpPr/>
+      </dsp:nvSpPr>
+      <dsp:spPr>
+        <a:xfrm>
+          <a:off x="2775236" y="1894525"/>
+          <a:ext cx="235036" cy="274948"/>
+        </a:xfrm>
+        <a:prstGeom prst="rightArrow">
+          <a:avLst>
+            <a:gd name="adj1" fmla="val 60000"/>
+            <a:gd name="adj2" fmla="val 50000"/>
+          </a:avLst>
+        </a:prstGeom>
+        <a:gradFill rotWithShape="0">
+          <a:gsLst>
+            <a:gs pos="0">
+              <a:schemeClr val="accent1">
+                <a:tint val="60000"/>
+                <a:hueOff val="0"/>
+                <a:satOff val="0"/>
+                <a:lumOff val="0"/>
+                <a:alphaOff val="0"/>
+                <a:tint val="96000"/>
+                <a:satMod val="120000"/>
+                <a:lumMod val="120000"/>
+              </a:schemeClr>
+            </a:gs>
+            <a:gs pos="100000">
+              <a:schemeClr val="accent1">
+                <a:tint val="60000"/>
+                <a:hueOff val="0"/>
+                <a:satOff val="0"/>
+                <a:lumOff val="0"/>
+                <a:alphaOff val="0"/>
+                <a:shade val="89000"/>
+                <a:lumMod val="90000"/>
+              </a:schemeClr>
+            </a:gs>
+          </a:gsLst>
+          <a:lin ang="5400000" scaled="0"/>
+        </a:gradFill>
+        <a:ln>
+          <a:noFill/>
+        </a:ln>
+        <a:effectLst>
+          <a:outerShdw blurRad="50800" dist="25400" dir="5400000" rotWithShape="0">
+            <a:srgbClr val="000000">
+              <a:alpha val="38000"/>
+            </a:srgbClr>
+          </a:outerShdw>
+        </a:effectLst>
+        <a:scene3d>
+          <a:camera prst="orthographicFront">
+            <a:rot lat="0" lon="0" rev="0"/>
+          </a:camera>
+          <a:lightRig rig="flat" dir="tl">
+            <a:rot lat="0" lon="0" rev="6360000"/>
+          </a:lightRig>
+        </a:scene3d>
+        <a:sp3d contourW="19050" prstMaterial="flat">
+          <a:bevelT w="63500" h="63500"/>
+          <a:contourClr>
+            <a:schemeClr val="accent1">
+              <a:tint val="60000"/>
+              <a:hueOff val="0"/>
+              <a:satOff val="0"/>
+              <a:lumOff val="0"/>
+              <a:alphaOff val="0"/>
+              <a:shade val="25000"/>
+              <a:satMod val="180000"/>
+            </a:schemeClr>
+          </a:contourClr>
+        </a:sp3d>
+      </dsp:spPr>
+      <dsp:style>
+        <a:lnRef idx="0">
+          <a:scrgbClr r="0" g="0" b="0"/>
+        </a:lnRef>
+        <a:fillRef idx="3">
+          <a:scrgbClr r="0" g="0" b="0"/>
+        </a:fillRef>
+        <a:effectRef idx="3">
+          <a:scrgbClr r="0" g="0" b="0"/>
+        </a:effectRef>
+        <a:fontRef idx="minor">
+          <a:schemeClr val="lt1"/>
+        </a:fontRef>
+      </dsp:style>
+      <dsp:txBody>
+        <a:bodyPr spcFirstLastPara="0" vert="horz" wrap="square" lIns="0" tIns="0" rIns="0" bIns="0" numCol="1" spcCol="1270" anchor="ctr" anchorCtr="0">
+          <a:noAutofit/>
+        </a:bodyPr>
+        <a:lstStyle/>
+        <a:p>
+          <a:pPr lvl="0" algn="ctr" defTabSz="622300" rtl="1">
+            <a:lnSpc>
+              <a:spcPct val="90000"/>
+            </a:lnSpc>
+            <a:spcBef>
+              <a:spcPct val="0"/>
+            </a:spcBef>
+            <a:spcAft>
+              <a:spcPct val="35000"/>
+            </a:spcAft>
+          </a:pPr>
+          <a:endParaRPr lang="he-IL" sz="1400" kern="1200">
+            <a:latin typeface="David" panose="020E0502060401010101" pitchFamily="34" charset="-79"/>
+            <a:cs typeface="David" panose="020E0502060401010101" pitchFamily="34" charset="-79"/>
+          </a:endParaRPr>
+        </a:p>
+      </dsp:txBody>
+      <dsp:txXfrm>
+        <a:off x="2775236" y="1949515"/>
+        <a:ext cx="164525" cy="164968"/>
+      </dsp:txXfrm>
+    </dsp:sp>
+    <dsp:sp modelId="{A9B2B3FD-45E7-4BC5-ACE3-2E9C84A5DFAB}">
+      <dsp:nvSpPr>
+        <dsp:cNvPr id="0" name=""/>
+        <dsp:cNvSpPr/>
+      </dsp:nvSpPr>
+      <dsp:spPr>
+        <a:xfrm>
+          <a:off x="3107835" y="1621447"/>
+          <a:ext cx="1108664" cy="821104"/>
+        </a:xfrm>
+        <a:prstGeom prst="roundRect">
+          <a:avLst>
+            <a:gd name="adj" fmla="val 10000"/>
+          </a:avLst>
+        </a:prstGeom>
+        <a:gradFill rotWithShape="0">
+          <a:gsLst>
+            <a:gs pos="0">
+              <a:schemeClr val="accent1">
+                <a:hueOff val="0"/>
+                <a:satOff val="0"/>
+                <a:lumOff val="0"/>
+                <a:alphaOff val="0"/>
+                <a:tint val="96000"/>
+                <a:satMod val="120000"/>
+                <a:lumMod val="120000"/>
+              </a:schemeClr>
+            </a:gs>
+            <a:gs pos="100000">
+              <a:schemeClr val="accent1">
+                <a:hueOff val="0"/>
+                <a:satOff val="0"/>
+                <a:lumOff val="0"/>
+                <a:alphaOff val="0"/>
+                <a:shade val="89000"/>
+                <a:lumMod val="90000"/>
+              </a:schemeClr>
+            </a:gs>
+          </a:gsLst>
+          <a:lin ang="5400000" scaled="0"/>
+        </a:gradFill>
+        <a:ln>
+          <a:noFill/>
+        </a:ln>
+        <a:effectLst>
+          <a:outerShdw blurRad="50800" dist="25400" dir="5400000" rotWithShape="0">
+            <a:srgbClr val="000000">
+              <a:alpha val="38000"/>
+            </a:srgbClr>
+          </a:outerShdw>
+        </a:effectLst>
+        <a:scene3d>
+          <a:camera prst="orthographicFront">
+            <a:rot lat="0" lon="0" rev="0"/>
+          </a:camera>
+          <a:lightRig rig="flat" dir="tl">
+            <a:rot lat="0" lon="0" rev="6360000"/>
+          </a:lightRig>
+        </a:scene3d>
+        <a:sp3d contourW="19050" prstMaterial="flat">
+          <a:bevelT w="63500" h="63500"/>
+          <a:contourClr>
+            <a:schemeClr val="accent1">
+              <a:hueOff val="0"/>
+              <a:satOff val="0"/>
+              <a:lumOff val="0"/>
+              <a:alphaOff val="0"/>
+              <a:shade val="25000"/>
+              <a:satMod val="180000"/>
+            </a:schemeClr>
+          </a:contourClr>
+        </a:sp3d>
+      </dsp:spPr>
+      <dsp:style>
+        <a:lnRef idx="0">
+          <a:scrgbClr r="0" g="0" b="0"/>
+        </a:lnRef>
+        <a:fillRef idx="3">
+          <a:scrgbClr r="0" g="0" b="0"/>
+        </a:fillRef>
+        <a:effectRef idx="3">
+          <a:scrgbClr r="0" g="0" b="0"/>
+        </a:effectRef>
+        <a:fontRef idx="minor">
+          <a:schemeClr val="lt1"/>
+        </a:fontRef>
+      </dsp:style>
+      <dsp:txBody>
+        <a:bodyPr spcFirstLastPara="0" vert="horz" wrap="square" lIns="68580" tIns="68580" rIns="68580" bIns="68580" numCol="1" spcCol="1270" anchor="ctr" anchorCtr="0">
+          <a:noAutofit/>
+        </a:bodyPr>
+        <a:lstStyle/>
+        <a:p>
+          <a:pPr lvl="0" algn="ctr" defTabSz="800100" rtl="1">
+            <a:lnSpc>
+              <a:spcPct val="90000"/>
+            </a:lnSpc>
+            <a:spcBef>
+              <a:spcPct val="0"/>
+            </a:spcBef>
+            <a:spcAft>
+              <a:spcPct val="35000"/>
+            </a:spcAft>
+          </a:pPr>
+          <a:r>
+            <a:rPr lang="he-IL" sz="1800" kern="1200" dirty="0" smtClean="0">
+              <a:latin typeface="David" panose="020E0502060401010101" pitchFamily="34" charset="-79"/>
+              <a:cs typeface="David" panose="020E0502060401010101" pitchFamily="34" charset="-79"/>
+            </a:rPr>
+            <a:t>בחירת עיר</a:t>
+          </a:r>
+          <a:endParaRPr lang="he-IL" sz="1800" kern="1200" dirty="0">
+            <a:latin typeface="David" panose="020E0502060401010101" pitchFamily="34" charset="-79"/>
+            <a:cs typeface="David" panose="020E0502060401010101" pitchFamily="34" charset="-79"/>
+          </a:endParaRPr>
+        </a:p>
+      </dsp:txBody>
+      <dsp:txXfrm>
+        <a:off x="3131884" y="1645496"/>
+        <a:ext cx="1060566" cy="773006"/>
+      </dsp:txXfrm>
+    </dsp:sp>
+    <dsp:sp modelId="{D972C6C0-3A00-4D31-89BF-679D107545CF}">
+      <dsp:nvSpPr>
+        <dsp:cNvPr id="0" name=""/>
+        <dsp:cNvSpPr/>
+      </dsp:nvSpPr>
+      <dsp:spPr>
+        <a:xfrm>
+          <a:off x="4327366" y="1894525"/>
+          <a:ext cx="235036" cy="274948"/>
+        </a:xfrm>
+        <a:prstGeom prst="rightArrow">
+          <a:avLst>
+            <a:gd name="adj1" fmla="val 60000"/>
+            <a:gd name="adj2" fmla="val 50000"/>
+          </a:avLst>
+        </a:prstGeom>
+        <a:gradFill rotWithShape="0">
+          <a:gsLst>
+            <a:gs pos="0">
+              <a:schemeClr val="accent1">
+                <a:tint val="60000"/>
+                <a:hueOff val="0"/>
+                <a:satOff val="0"/>
+                <a:lumOff val="0"/>
+                <a:alphaOff val="0"/>
+                <a:tint val="96000"/>
+                <a:satMod val="120000"/>
+                <a:lumMod val="120000"/>
+              </a:schemeClr>
+            </a:gs>
+            <a:gs pos="100000">
+              <a:schemeClr val="accent1">
+                <a:tint val="60000"/>
+                <a:hueOff val="0"/>
+                <a:satOff val="0"/>
+                <a:lumOff val="0"/>
+                <a:alphaOff val="0"/>
+                <a:shade val="89000"/>
+                <a:lumMod val="90000"/>
+              </a:schemeClr>
+            </a:gs>
+          </a:gsLst>
+          <a:lin ang="5400000" scaled="0"/>
+        </a:gradFill>
+        <a:ln>
+          <a:noFill/>
+        </a:ln>
+        <a:effectLst>
+          <a:outerShdw blurRad="50800" dist="25400" dir="5400000" rotWithShape="0">
+            <a:srgbClr val="000000">
+              <a:alpha val="38000"/>
+            </a:srgbClr>
+          </a:outerShdw>
+        </a:effectLst>
+        <a:scene3d>
+          <a:camera prst="orthographicFront">
+            <a:rot lat="0" lon="0" rev="0"/>
+          </a:camera>
+          <a:lightRig rig="flat" dir="tl">
+            <a:rot lat="0" lon="0" rev="6360000"/>
+          </a:lightRig>
+        </a:scene3d>
+        <a:sp3d contourW="19050" prstMaterial="flat">
+          <a:bevelT w="63500" h="63500"/>
+          <a:contourClr>
+            <a:schemeClr val="accent1">
+              <a:tint val="60000"/>
+              <a:hueOff val="0"/>
+              <a:satOff val="0"/>
+              <a:lumOff val="0"/>
+              <a:alphaOff val="0"/>
+              <a:shade val="25000"/>
+              <a:satMod val="180000"/>
+            </a:schemeClr>
+          </a:contourClr>
+        </a:sp3d>
+      </dsp:spPr>
+      <dsp:style>
+        <a:lnRef idx="0">
+          <a:scrgbClr r="0" g="0" b="0"/>
+        </a:lnRef>
+        <a:fillRef idx="3">
+          <a:scrgbClr r="0" g="0" b="0"/>
+        </a:fillRef>
+        <a:effectRef idx="3">
+          <a:scrgbClr r="0" g="0" b="0"/>
+        </a:effectRef>
+        <a:fontRef idx="minor">
+          <a:schemeClr val="lt1"/>
+        </a:fontRef>
+      </dsp:style>
+      <dsp:txBody>
+        <a:bodyPr spcFirstLastPara="0" vert="horz" wrap="square" lIns="0" tIns="0" rIns="0" bIns="0" numCol="1" spcCol="1270" anchor="ctr" anchorCtr="0">
+          <a:noAutofit/>
+        </a:bodyPr>
+        <a:lstStyle/>
+        <a:p>
+          <a:pPr lvl="0" algn="ctr" defTabSz="622300" rtl="1">
+            <a:lnSpc>
+              <a:spcPct val="90000"/>
+            </a:lnSpc>
+            <a:spcBef>
+              <a:spcPct val="0"/>
+            </a:spcBef>
+            <a:spcAft>
+              <a:spcPct val="35000"/>
+            </a:spcAft>
+          </a:pPr>
+          <a:endParaRPr lang="he-IL" sz="1400" kern="1200">
+            <a:latin typeface="David" panose="020E0502060401010101" pitchFamily="34" charset="-79"/>
+            <a:cs typeface="David" panose="020E0502060401010101" pitchFamily="34" charset="-79"/>
+          </a:endParaRPr>
+        </a:p>
+      </dsp:txBody>
+      <dsp:txXfrm>
+        <a:off x="4327366" y="1949515"/>
+        <a:ext cx="164525" cy="164968"/>
+      </dsp:txXfrm>
+    </dsp:sp>
+    <dsp:sp modelId="{C44936DA-AB42-49AB-8D9C-5B75F5B74446}">
+      <dsp:nvSpPr>
+        <dsp:cNvPr id="0" name=""/>
+        <dsp:cNvSpPr/>
+      </dsp:nvSpPr>
+      <dsp:spPr>
+        <a:xfrm>
+          <a:off x="4659965" y="1621447"/>
+          <a:ext cx="1108664" cy="821104"/>
+        </a:xfrm>
+        <a:prstGeom prst="roundRect">
+          <a:avLst>
+            <a:gd name="adj" fmla="val 10000"/>
+          </a:avLst>
+        </a:prstGeom>
+        <a:gradFill rotWithShape="0">
+          <a:gsLst>
+            <a:gs pos="0">
+              <a:schemeClr val="accent1">
+                <a:hueOff val="0"/>
+                <a:satOff val="0"/>
+                <a:lumOff val="0"/>
+                <a:alphaOff val="0"/>
+                <a:tint val="96000"/>
+                <a:satMod val="120000"/>
+                <a:lumMod val="120000"/>
+              </a:schemeClr>
+            </a:gs>
+            <a:gs pos="100000">
+              <a:schemeClr val="accent1">
+                <a:hueOff val="0"/>
+                <a:satOff val="0"/>
+                <a:lumOff val="0"/>
+                <a:alphaOff val="0"/>
+                <a:shade val="89000"/>
+                <a:lumMod val="90000"/>
+              </a:schemeClr>
+            </a:gs>
+          </a:gsLst>
+          <a:lin ang="5400000" scaled="0"/>
+        </a:gradFill>
+        <a:ln>
+          <a:noFill/>
+        </a:ln>
+        <a:effectLst>
+          <a:outerShdw blurRad="50800" dist="25400" dir="5400000" rotWithShape="0">
+            <a:srgbClr val="000000">
+              <a:alpha val="38000"/>
+            </a:srgbClr>
+          </a:outerShdw>
+        </a:effectLst>
+        <a:scene3d>
+          <a:camera prst="orthographicFront">
+            <a:rot lat="0" lon="0" rev="0"/>
+          </a:camera>
+          <a:lightRig rig="flat" dir="tl">
+            <a:rot lat="0" lon="0" rev="6360000"/>
+          </a:lightRig>
+        </a:scene3d>
+        <a:sp3d contourW="19050" prstMaterial="flat">
+          <a:bevelT w="63500" h="63500"/>
+          <a:contourClr>
+            <a:schemeClr val="accent1">
+              <a:hueOff val="0"/>
+              <a:satOff val="0"/>
+              <a:lumOff val="0"/>
+              <a:alphaOff val="0"/>
+              <a:shade val="25000"/>
+              <a:satMod val="180000"/>
+            </a:schemeClr>
+          </a:contourClr>
+        </a:sp3d>
+      </dsp:spPr>
+      <dsp:style>
+        <a:lnRef idx="0">
+          <a:scrgbClr r="0" g="0" b="0"/>
+        </a:lnRef>
+        <a:fillRef idx="3">
+          <a:scrgbClr r="0" g="0" b="0"/>
+        </a:fillRef>
+        <a:effectRef idx="3">
+          <a:scrgbClr r="0" g="0" b="0"/>
+        </a:effectRef>
+        <a:fontRef idx="minor">
+          <a:schemeClr val="lt1"/>
+        </a:fontRef>
+      </dsp:style>
+      <dsp:txBody>
+        <a:bodyPr spcFirstLastPara="0" vert="horz" wrap="square" lIns="68580" tIns="68580" rIns="68580" bIns="68580" numCol="1" spcCol="1270" anchor="ctr" anchorCtr="0">
+          <a:noAutofit/>
+        </a:bodyPr>
+        <a:lstStyle/>
+        <a:p>
+          <a:pPr lvl="0" algn="ctr" defTabSz="800100" rtl="1">
+            <a:lnSpc>
+              <a:spcPct val="90000"/>
+            </a:lnSpc>
+            <a:spcBef>
+              <a:spcPct val="0"/>
+            </a:spcBef>
+            <a:spcAft>
+              <a:spcPct val="35000"/>
+            </a:spcAft>
+          </a:pPr>
+          <a:r>
+            <a:rPr lang="he-IL" sz="1800" kern="1200" dirty="0" smtClean="0">
+              <a:latin typeface="David" panose="020E0502060401010101" pitchFamily="34" charset="-79"/>
+              <a:cs typeface="David" panose="020E0502060401010101" pitchFamily="34" charset="-79"/>
+            </a:rPr>
+            <a:t>בחירת קו</a:t>
+          </a:r>
+          <a:endParaRPr lang="he-IL" sz="1800" kern="1200" dirty="0">
+            <a:latin typeface="David" panose="020E0502060401010101" pitchFamily="34" charset="-79"/>
+            <a:cs typeface="David" panose="020E0502060401010101" pitchFamily="34" charset="-79"/>
+          </a:endParaRPr>
+        </a:p>
+      </dsp:txBody>
+      <dsp:txXfrm>
+        <a:off x="4684014" y="1645496"/>
+        <a:ext cx="1060566" cy="773006"/>
+      </dsp:txXfrm>
+    </dsp:sp>
+    <dsp:sp modelId="{57906DA0-FE68-4CD6-A859-D5F06B30C945}">
+      <dsp:nvSpPr>
+        <dsp:cNvPr id="0" name=""/>
+        <dsp:cNvSpPr/>
+      </dsp:nvSpPr>
+      <dsp:spPr>
+        <a:xfrm>
+          <a:off x="5879496" y="1894525"/>
+          <a:ext cx="235036" cy="274948"/>
+        </a:xfrm>
+        <a:prstGeom prst="rightArrow">
+          <a:avLst>
+            <a:gd name="adj1" fmla="val 60000"/>
+            <a:gd name="adj2" fmla="val 50000"/>
+          </a:avLst>
+        </a:prstGeom>
+        <a:gradFill rotWithShape="0">
+          <a:gsLst>
+            <a:gs pos="0">
+              <a:schemeClr val="accent1">
+                <a:tint val="60000"/>
+                <a:hueOff val="0"/>
+                <a:satOff val="0"/>
+                <a:lumOff val="0"/>
+                <a:alphaOff val="0"/>
+                <a:tint val="96000"/>
+                <a:satMod val="120000"/>
+                <a:lumMod val="120000"/>
+              </a:schemeClr>
+            </a:gs>
+            <a:gs pos="100000">
+              <a:schemeClr val="accent1">
+                <a:tint val="60000"/>
+                <a:hueOff val="0"/>
+                <a:satOff val="0"/>
+                <a:lumOff val="0"/>
+                <a:alphaOff val="0"/>
+                <a:shade val="89000"/>
+                <a:lumMod val="90000"/>
+              </a:schemeClr>
+            </a:gs>
+          </a:gsLst>
+          <a:lin ang="5400000" scaled="0"/>
+        </a:gradFill>
+        <a:ln>
+          <a:noFill/>
+        </a:ln>
+        <a:effectLst>
+          <a:outerShdw blurRad="50800" dist="25400" dir="5400000" rotWithShape="0">
+            <a:srgbClr val="000000">
+              <a:alpha val="38000"/>
+            </a:srgbClr>
+          </a:outerShdw>
+        </a:effectLst>
+        <a:scene3d>
+          <a:camera prst="orthographicFront">
+            <a:rot lat="0" lon="0" rev="0"/>
+          </a:camera>
+          <a:lightRig rig="flat" dir="tl">
+            <a:rot lat="0" lon="0" rev="6360000"/>
+          </a:lightRig>
+        </a:scene3d>
+        <a:sp3d contourW="19050" prstMaterial="flat">
+          <a:bevelT w="63500" h="63500"/>
+          <a:contourClr>
+            <a:schemeClr val="accent1">
+              <a:tint val="60000"/>
+              <a:hueOff val="0"/>
+              <a:satOff val="0"/>
+              <a:lumOff val="0"/>
+              <a:alphaOff val="0"/>
+              <a:shade val="25000"/>
+              <a:satMod val="180000"/>
+            </a:schemeClr>
+          </a:contourClr>
+        </a:sp3d>
+      </dsp:spPr>
+      <dsp:style>
+        <a:lnRef idx="0">
+          <a:scrgbClr r="0" g="0" b="0"/>
+        </a:lnRef>
+        <a:fillRef idx="3">
+          <a:scrgbClr r="0" g="0" b="0"/>
+        </a:fillRef>
+        <a:effectRef idx="3">
+          <a:scrgbClr r="0" g="0" b="0"/>
+        </a:effectRef>
+        <a:fontRef idx="minor">
+          <a:schemeClr val="lt1"/>
+        </a:fontRef>
+      </dsp:style>
+      <dsp:txBody>
+        <a:bodyPr spcFirstLastPara="0" vert="horz" wrap="square" lIns="0" tIns="0" rIns="0" bIns="0" numCol="1" spcCol="1270" anchor="ctr" anchorCtr="0">
+          <a:noAutofit/>
+        </a:bodyPr>
+        <a:lstStyle/>
+        <a:p>
+          <a:pPr lvl="0" algn="ctr" defTabSz="622300" rtl="1">
+            <a:lnSpc>
+              <a:spcPct val="90000"/>
+            </a:lnSpc>
+            <a:spcBef>
+              <a:spcPct val="0"/>
+            </a:spcBef>
+            <a:spcAft>
+              <a:spcPct val="35000"/>
+            </a:spcAft>
+          </a:pPr>
+          <a:endParaRPr lang="he-IL" sz="1400" kern="1200">
+            <a:latin typeface="David" panose="020E0502060401010101" pitchFamily="34" charset="-79"/>
+            <a:cs typeface="David" panose="020E0502060401010101" pitchFamily="34" charset="-79"/>
+          </a:endParaRPr>
+        </a:p>
+      </dsp:txBody>
+      <dsp:txXfrm>
+        <a:off x="5879496" y="1949515"/>
+        <a:ext cx="164525" cy="164968"/>
+      </dsp:txXfrm>
+    </dsp:sp>
+    <dsp:sp modelId="{4A5D6149-2FC1-4AB9-ACCB-2A2DAE2E8D0A}">
+      <dsp:nvSpPr>
+        <dsp:cNvPr id="0" name=""/>
+        <dsp:cNvSpPr/>
+      </dsp:nvSpPr>
+      <dsp:spPr>
+        <a:xfrm>
+          <a:off x="6212095" y="1621447"/>
+          <a:ext cx="1108664" cy="821104"/>
+        </a:xfrm>
+        <a:prstGeom prst="roundRect">
+          <a:avLst>
+            <a:gd name="adj" fmla="val 10000"/>
+          </a:avLst>
+        </a:prstGeom>
+        <a:gradFill rotWithShape="0">
+          <a:gsLst>
+            <a:gs pos="0">
+              <a:schemeClr val="accent1">
+                <a:hueOff val="0"/>
+                <a:satOff val="0"/>
+                <a:lumOff val="0"/>
+                <a:alphaOff val="0"/>
+                <a:tint val="96000"/>
+                <a:satMod val="120000"/>
+                <a:lumMod val="120000"/>
+              </a:schemeClr>
+            </a:gs>
+            <a:gs pos="100000">
+              <a:schemeClr val="accent1">
+                <a:hueOff val="0"/>
+                <a:satOff val="0"/>
+                <a:lumOff val="0"/>
+                <a:alphaOff val="0"/>
+                <a:shade val="89000"/>
+                <a:lumMod val="90000"/>
+              </a:schemeClr>
+            </a:gs>
+          </a:gsLst>
+          <a:lin ang="5400000" scaled="0"/>
+        </a:gradFill>
+        <a:ln>
+          <a:noFill/>
+        </a:ln>
+        <a:effectLst>
+          <a:outerShdw blurRad="50800" dist="25400" dir="5400000" rotWithShape="0">
+            <a:srgbClr val="000000">
+              <a:alpha val="38000"/>
+            </a:srgbClr>
+          </a:outerShdw>
+        </a:effectLst>
+        <a:scene3d>
+          <a:camera prst="orthographicFront">
+            <a:rot lat="0" lon="0" rev="0"/>
+          </a:camera>
+          <a:lightRig rig="flat" dir="tl">
+            <a:rot lat="0" lon="0" rev="6360000"/>
+          </a:lightRig>
+        </a:scene3d>
+        <a:sp3d contourW="19050" prstMaterial="flat">
+          <a:bevelT w="63500" h="63500"/>
+          <a:contourClr>
+            <a:schemeClr val="accent1">
+              <a:hueOff val="0"/>
+              <a:satOff val="0"/>
+              <a:lumOff val="0"/>
+              <a:alphaOff val="0"/>
+              <a:shade val="25000"/>
+              <a:satMod val="180000"/>
+            </a:schemeClr>
+          </a:contourClr>
+        </a:sp3d>
+      </dsp:spPr>
+      <dsp:style>
+        <a:lnRef idx="0">
+          <a:scrgbClr r="0" g="0" b="0"/>
+        </a:lnRef>
+        <a:fillRef idx="3">
+          <a:scrgbClr r="0" g="0" b="0"/>
+        </a:fillRef>
+        <a:effectRef idx="3">
+          <a:scrgbClr r="0" g="0" b="0"/>
+        </a:effectRef>
+        <a:fontRef idx="minor">
+          <a:schemeClr val="lt1"/>
+        </a:fontRef>
+      </dsp:style>
+      <dsp:txBody>
+        <a:bodyPr spcFirstLastPara="0" vert="horz" wrap="square" lIns="68580" tIns="68580" rIns="68580" bIns="68580" numCol="1" spcCol="1270" anchor="ctr" anchorCtr="0">
+          <a:noAutofit/>
+        </a:bodyPr>
+        <a:lstStyle/>
+        <a:p>
+          <a:pPr lvl="0" algn="ctr" defTabSz="800100" rtl="1">
+            <a:lnSpc>
+              <a:spcPct val="90000"/>
+            </a:lnSpc>
+            <a:spcBef>
+              <a:spcPct val="0"/>
+            </a:spcBef>
+            <a:spcAft>
+              <a:spcPct val="35000"/>
+            </a:spcAft>
+          </a:pPr>
+          <a:r>
+            <a:rPr lang="he-IL" sz="1800" kern="1200" dirty="0" smtClean="0">
+              <a:latin typeface="David" panose="020E0502060401010101" pitchFamily="34" charset="-79"/>
+              <a:cs typeface="David" panose="020E0502060401010101" pitchFamily="34" charset="-79"/>
+            </a:rPr>
+            <a:t>בחירת תחנת ירידה</a:t>
+          </a:r>
+          <a:endParaRPr lang="he-IL" sz="1800" kern="1200" dirty="0">
+            <a:latin typeface="David" panose="020E0502060401010101" pitchFamily="34" charset="-79"/>
+            <a:cs typeface="David" panose="020E0502060401010101" pitchFamily="34" charset="-79"/>
+          </a:endParaRPr>
+        </a:p>
+      </dsp:txBody>
+      <dsp:txXfrm>
+        <a:off x="6236144" y="1645496"/>
+        <a:ext cx="1060566" cy="773006"/>
+      </dsp:txXfrm>
+    </dsp:sp>
+  </dsp:spTree>
+</dsp:drawing>
+</file>
+
+<file path=ppt/diagrams/drawing2.xml><?xml version="1.0" encoding="utf-8"?>
+<dsp:drawing xmlns:dgm="http://schemas.openxmlformats.org/drawingml/2006/diagram" xmlns:dsp="http://schemas.microsoft.com/office/drawing/2008/diagram" xmlns:a="http://schemas.openxmlformats.org/drawingml/2006/main">
+  <dsp:spTree>
+    <dsp:nvGrpSpPr>
+      <dsp:cNvPr id="0" name=""/>
+      <dsp:cNvGrpSpPr/>
+    </dsp:nvGrpSpPr>
+    <dsp:grpSpPr/>
+    <dsp:sp modelId="{489280F4-81F2-47F0-85AF-356A7FE35D41}">
+      <dsp:nvSpPr>
+        <dsp:cNvPr id="0" name=""/>
+        <dsp:cNvSpPr/>
+      </dsp:nvSpPr>
+      <dsp:spPr>
+        <a:xfrm>
+          <a:off x="4881" y="767710"/>
+          <a:ext cx="1013497" cy="800426"/>
+        </a:xfrm>
+        <a:prstGeom prst="roundRect">
+          <a:avLst>
+            <a:gd name="adj" fmla="val 10000"/>
+          </a:avLst>
+        </a:prstGeom>
+        <a:gradFill rotWithShape="0">
+          <a:gsLst>
+            <a:gs pos="0">
+              <a:schemeClr val="accent5">
+                <a:hueOff val="0"/>
+                <a:satOff val="0"/>
+                <a:lumOff val="0"/>
+                <a:alphaOff val="0"/>
+                <a:tint val="96000"/>
+                <a:satMod val="120000"/>
+                <a:lumMod val="120000"/>
+              </a:schemeClr>
+            </a:gs>
+            <a:gs pos="100000">
+              <a:schemeClr val="accent5">
+                <a:hueOff val="0"/>
+                <a:satOff val="0"/>
+                <a:lumOff val="0"/>
+                <a:alphaOff val="0"/>
+                <a:shade val="89000"/>
+                <a:lumMod val="90000"/>
+              </a:schemeClr>
+            </a:gs>
+          </a:gsLst>
+          <a:lin ang="5400000" scaled="0"/>
+        </a:gradFill>
+        <a:ln>
+          <a:noFill/>
+        </a:ln>
+        <a:effectLst>
+          <a:outerShdw blurRad="50800" dist="25400" dir="5400000" rotWithShape="0">
+            <a:srgbClr val="000000">
+              <a:alpha val="38000"/>
+            </a:srgbClr>
+          </a:outerShdw>
+        </a:effectLst>
+        <a:scene3d>
+          <a:camera prst="orthographicFront">
+            <a:rot lat="0" lon="0" rev="0"/>
+          </a:camera>
+          <a:lightRig rig="flat" dir="tl">
+            <a:rot lat="0" lon="0" rev="6360000"/>
+          </a:lightRig>
+        </a:scene3d>
+        <a:sp3d contourW="19050" prstMaterial="flat">
+          <a:bevelT w="63500" h="63500"/>
+          <a:contourClr>
+            <a:schemeClr val="accent5">
+              <a:hueOff val="0"/>
+              <a:satOff val="0"/>
+              <a:lumOff val="0"/>
+              <a:alphaOff val="0"/>
+              <a:shade val="25000"/>
+              <a:satMod val="180000"/>
+            </a:schemeClr>
+          </a:contourClr>
+        </a:sp3d>
+      </dsp:spPr>
+      <dsp:style>
+        <a:lnRef idx="0">
+          <a:scrgbClr r="0" g="0" b="0"/>
+        </a:lnRef>
+        <a:fillRef idx="3">
+          <a:scrgbClr r="0" g="0" b="0"/>
+        </a:fillRef>
+        <a:effectRef idx="3">
+          <a:scrgbClr r="0" g="0" b="0"/>
+        </a:effectRef>
+        <a:fontRef idx="minor">
+          <a:schemeClr val="lt1"/>
+        </a:fontRef>
+      </dsp:style>
+      <dsp:txBody>
+        <a:bodyPr spcFirstLastPara="0" vert="horz" wrap="square" lIns="68580" tIns="68580" rIns="68580" bIns="68580" numCol="1" spcCol="1270" anchor="ctr" anchorCtr="0">
+          <a:noAutofit/>
+        </a:bodyPr>
+        <a:lstStyle/>
+        <a:p>
+          <a:pPr lvl="0" algn="ctr" defTabSz="800100" rtl="1">
+            <a:lnSpc>
+              <a:spcPct val="90000"/>
+            </a:lnSpc>
+            <a:spcBef>
+              <a:spcPct val="0"/>
+            </a:spcBef>
+            <a:spcAft>
+              <a:spcPct val="35000"/>
+            </a:spcAft>
+          </a:pPr>
+          <a:r>
+            <a:rPr lang="en-US" sz="1800" kern="1200" dirty="0" smtClean="0">
+              <a:solidFill>
+                <a:schemeClr val="tx1"/>
+              </a:solidFill>
+              <a:latin typeface="David" panose="020E0502060401010101" pitchFamily="34" charset="-79"/>
+              <a:cs typeface="David" panose="020E0502060401010101" pitchFamily="34" charset="-79"/>
+            </a:rPr>
+            <a:t>Destroy device</a:t>
+          </a:r>
+          <a:endParaRPr lang="he-IL" sz="1800" kern="1200" dirty="0">
+            <a:solidFill>
+              <a:schemeClr val="tx1"/>
+            </a:solidFill>
+            <a:latin typeface="David" panose="020E0502060401010101" pitchFamily="34" charset="-79"/>
+            <a:cs typeface="David" panose="020E0502060401010101" pitchFamily="34" charset="-79"/>
+          </a:endParaRPr>
+        </a:p>
+      </dsp:txBody>
+      <dsp:txXfrm>
+        <a:off x="28325" y="791154"/>
+        <a:ext cx="966609" cy="753538"/>
+      </dsp:txXfrm>
+    </dsp:sp>
+    <dsp:sp modelId="{5E5560A1-1977-4438-812B-072FEB4D6CA7}">
+      <dsp:nvSpPr>
+        <dsp:cNvPr id="0" name=""/>
+        <dsp:cNvSpPr/>
+      </dsp:nvSpPr>
+      <dsp:spPr>
+        <a:xfrm rot="10800000">
+          <a:off x="1119729" y="1042250"/>
+          <a:ext cx="214861" cy="251347"/>
+        </a:xfrm>
+        <a:prstGeom prst="rightArrow">
+          <a:avLst>
+            <a:gd name="adj1" fmla="val 60000"/>
+            <a:gd name="adj2" fmla="val 50000"/>
+          </a:avLst>
+        </a:prstGeom>
+        <a:gradFill rotWithShape="0">
+          <a:gsLst>
+            <a:gs pos="0">
+              <a:schemeClr val="accent5">
+                <a:tint val="60000"/>
+                <a:hueOff val="0"/>
+                <a:satOff val="0"/>
+                <a:lumOff val="0"/>
+                <a:alphaOff val="0"/>
+                <a:tint val="96000"/>
+                <a:satMod val="120000"/>
+                <a:lumMod val="120000"/>
+              </a:schemeClr>
+            </a:gs>
+            <a:gs pos="100000">
+              <a:schemeClr val="accent5">
+                <a:tint val="60000"/>
+                <a:hueOff val="0"/>
+                <a:satOff val="0"/>
+                <a:lumOff val="0"/>
+                <a:alphaOff val="0"/>
+                <a:shade val="89000"/>
+                <a:lumMod val="90000"/>
+              </a:schemeClr>
+            </a:gs>
+          </a:gsLst>
+          <a:lin ang="5400000" scaled="0"/>
+        </a:gradFill>
+        <a:ln>
+          <a:noFill/>
+        </a:ln>
+        <a:effectLst>
+          <a:outerShdw blurRad="50800" dist="25400" dir="5400000" rotWithShape="0">
+            <a:srgbClr val="000000">
+              <a:alpha val="38000"/>
+            </a:srgbClr>
+          </a:outerShdw>
+        </a:effectLst>
+        <a:scene3d>
+          <a:camera prst="orthographicFront">
+            <a:rot lat="0" lon="0" rev="0"/>
+          </a:camera>
+          <a:lightRig rig="flat" dir="tl">
+            <a:rot lat="0" lon="0" rev="6360000"/>
+          </a:lightRig>
+        </a:scene3d>
+        <a:sp3d contourW="19050" prstMaterial="flat">
+          <a:bevelT w="63500" h="63500"/>
+          <a:contourClr>
+            <a:schemeClr val="accent5">
+              <a:tint val="60000"/>
+              <a:hueOff val="0"/>
+              <a:satOff val="0"/>
+              <a:lumOff val="0"/>
+              <a:alphaOff val="0"/>
+              <a:shade val="25000"/>
+              <a:satMod val="180000"/>
+            </a:schemeClr>
+          </a:contourClr>
+        </a:sp3d>
+      </dsp:spPr>
+      <dsp:style>
+        <a:lnRef idx="0">
+          <a:scrgbClr r="0" g="0" b="0"/>
+        </a:lnRef>
+        <a:fillRef idx="3">
+          <a:scrgbClr r="0" g="0" b="0"/>
+        </a:fillRef>
+        <a:effectRef idx="3">
+          <a:scrgbClr r="0" g="0" b="0"/>
+        </a:effectRef>
+        <a:fontRef idx="minor">
+          <a:schemeClr val="lt1"/>
+        </a:fontRef>
+      </dsp:style>
+      <dsp:txBody>
+        <a:bodyPr spcFirstLastPara="0" vert="horz" wrap="square" lIns="0" tIns="0" rIns="0" bIns="0" numCol="1" spcCol="1270" anchor="ctr" anchorCtr="0">
+          <a:noAutofit/>
+        </a:bodyPr>
+        <a:lstStyle/>
+        <a:p>
+          <a:pPr lvl="0" algn="ctr" defTabSz="800100" rtl="1">
+            <a:lnSpc>
+              <a:spcPct val="90000"/>
+            </a:lnSpc>
+            <a:spcBef>
+              <a:spcPct val="0"/>
+            </a:spcBef>
+            <a:spcAft>
+              <a:spcPct val="35000"/>
+            </a:spcAft>
+          </a:pPr>
+          <a:endParaRPr lang="he-IL" sz="1800" kern="1200">
+            <a:solidFill>
+              <a:sysClr val="windowText" lastClr="000000"/>
+            </a:solidFill>
+            <a:latin typeface="David" panose="020E0502060401010101" pitchFamily="34" charset="-79"/>
+            <a:cs typeface="David" panose="020E0502060401010101" pitchFamily="34" charset="-79"/>
+          </a:endParaRPr>
+        </a:p>
+      </dsp:txBody>
+      <dsp:txXfrm>
+        <a:off x="1184187" y="1092519"/>
+        <a:ext cx="150403" cy="150809"/>
+      </dsp:txXfrm>
+    </dsp:sp>
+    <dsp:sp modelId="{D32B9571-BC94-47DB-B145-1BED7BB93F25}">
+      <dsp:nvSpPr>
+        <dsp:cNvPr id="0" name=""/>
+        <dsp:cNvSpPr/>
+      </dsp:nvSpPr>
+      <dsp:spPr>
+        <a:xfrm>
+          <a:off x="1423778" y="902986"/>
+          <a:ext cx="1172434" cy="529874"/>
+        </a:xfrm>
+        <a:prstGeom prst="roundRect">
+          <a:avLst>
+            <a:gd name="adj" fmla="val 10000"/>
+          </a:avLst>
+        </a:prstGeom>
+        <a:noFill/>
+        <a:ln>
+          <a:noFill/>
+        </a:ln>
+        <a:effectLst>
+          <a:outerShdw blurRad="50800" dist="25400" dir="5400000" rotWithShape="0">
+            <a:srgbClr val="000000">
+              <a:alpha val="38000"/>
+            </a:srgbClr>
+          </a:outerShdw>
+        </a:effectLst>
+        <a:scene3d>
+          <a:camera prst="orthographicFront">
+            <a:rot lat="0" lon="0" rev="0"/>
+          </a:camera>
+          <a:lightRig rig="flat" dir="tl">
+            <a:rot lat="0" lon="0" rev="6360000"/>
+          </a:lightRig>
+        </a:scene3d>
+        <a:sp3d contourW="19050" prstMaterial="flat">
+          <a:bevelT w="63500" h="63500"/>
+          <a:contourClr>
+            <a:schemeClr val="accent5">
+              <a:hueOff val="0"/>
+              <a:satOff val="0"/>
+              <a:lumOff val="0"/>
+              <a:alphaOff val="0"/>
+              <a:shade val="25000"/>
+              <a:satMod val="180000"/>
+            </a:schemeClr>
+          </a:contourClr>
+        </a:sp3d>
+      </dsp:spPr>
+      <dsp:style>
+        <a:lnRef idx="0">
+          <a:scrgbClr r="0" g="0" b="0"/>
+        </a:lnRef>
+        <a:fillRef idx="3">
+          <a:scrgbClr r="0" g="0" b="0"/>
+        </a:fillRef>
+        <a:effectRef idx="3">
+          <a:scrgbClr r="0" g="0" b="0"/>
+        </a:effectRef>
+        <a:fontRef idx="minor">
+          <a:schemeClr val="lt1"/>
+        </a:fontRef>
+      </dsp:style>
+      <dsp:txBody>
+        <a:bodyPr spcFirstLastPara="0" vert="horz" wrap="square" lIns="68580" tIns="68580" rIns="68580" bIns="68580" numCol="1" spcCol="1270" anchor="ctr" anchorCtr="0">
+          <a:noAutofit/>
+        </a:bodyPr>
+        <a:lstStyle/>
+        <a:p>
+          <a:pPr lvl="0" algn="ctr" defTabSz="800100" rtl="1">
+            <a:lnSpc>
+              <a:spcPct val="90000"/>
+            </a:lnSpc>
+            <a:spcBef>
+              <a:spcPct val="0"/>
+            </a:spcBef>
+            <a:spcAft>
+              <a:spcPct val="35000"/>
+            </a:spcAft>
+          </a:pPr>
+          <a:r>
+            <a:rPr lang="en-US" sz="1800" kern="1200" dirty="0" smtClean="0">
+              <a:solidFill>
+                <a:schemeClr val="tx1"/>
+              </a:solidFill>
+              <a:latin typeface="David" panose="020E0502060401010101" pitchFamily="34" charset="-79"/>
+              <a:cs typeface="David" panose="020E0502060401010101" pitchFamily="34" charset="-79"/>
+            </a:rPr>
+            <a:t>Start alert</a:t>
+          </a:r>
+          <a:endParaRPr lang="he-IL" sz="1800" kern="1200" dirty="0">
+            <a:solidFill>
+              <a:schemeClr val="tx1"/>
+            </a:solidFill>
+            <a:latin typeface="David" panose="020E0502060401010101" pitchFamily="34" charset="-79"/>
+            <a:cs typeface="David" panose="020E0502060401010101" pitchFamily="34" charset="-79"/>
+          </a:endParaRPr>
+        </a:p>
+      </dsp:txBody>
+      <dsp:txXfrm>
+        <a:off x="1439297" y="918505"/>
+        <a:ext cx="1141396" cy="498836"/>
+      </dsp:txXfrm>
+    </dsp:sp>
+    <dsp:sp modelId="{E5C0CF59-00F9-4277-B1EF-3901C736C367}">
+      <dsp:nvSpPr>
+        <dsp:cNvPr id="0" name=""/>
+        <dsp:cNvSpPr/>
+      </dsp:nvSpPr>
+      <dsp:spPr>
+        <a:xfrm rot="10800000">
+          <a:off x="2697562" y="1042250"/>
+          <a:ext cx="214861" cy="251347"/>
+        </a:xfrm>
+        <a:prstGeom prst="rightArrow">
+          <a:avLst>
+            <a:gd name="adj1" fmla="val 60000"/>
+            <a:gd name="adj2" fmla="val 50000"/>
+          </a:avLst>
+        </a:prstGeom>
+        <a:gradFill rotWithShape="0">
+          <a:gsLst>
+            <a:gs pos="0">
+              <a:schemeClr val="accent5">
+                <a:tint val="60000"/>
+                <a:hueOff val="0"/>
+                <a:satOff val="0"/>
+                <a:lumOff val="0"/>
+                <a:alphaOff val="0"/>
+                <a:tint val="96000"/>
+                <a:satMod val="120000"/>
+                <a:lumMod val="120000"/>
+              </a:schemeClr>
+            </a:gs>
+            <a:gs pos="100000">
+              <a:schemeClr val="accent5">
+                <a:tint val="60000"/>
+                <a:hueOff val="0"/>
+                <a:satOff val="0"/>
+                <a:lumOff val="0"/>
+                <a:alphaOff val="0"/>
+                <a:shade val="89000"/>
+                <a:lumMod val="90000"/>
+              </a:schemeClr>
+            </a:gs>
+          </a:gsLst>
+          <a:lin ang="5400000" scaled="0"/>
+        </a:gradFill>
+        <a:ln>
+          <a:noFill/>
+        </a:ln>
+        <a:effectLst>
+          <a:outerShdw blurRad="50800" dist="25400" dir="5400000" rotWithShape="0">
+            <a:srgbClr val="000000">
+              <a:alpha val="38000"/>
+            </a:srgbClr>
+          </a:outerShdw>
+        </a:effectLst>
+        <a:scene3d>
+          <a:camera prst="orthographicFront">
+            <a:rot lat="0" lon="0" rev="0"/>
+          </a:camera>
+          <a:lightRig rig="flat" dir="tl">
+            <a:rot lat="0" lon="0" rev="6360000"/>
+          </a:lightRig>
+        </a:scene3d>
+        <a:sp3d contourW="19050" prstMaterial="flat">
+          <a:bevelT w="63500" h="63500"/>
+          <a:contourClr>
+            <a:schemeClr val="accent5">
+              <a:tint val="60000"/>
+              <a:hueOff val="0"/>
+              <a:satOff val="0"/>
+              <a:lumOff val="0"/>
+              <a:alphaOff val="0"/>
+              <a:shade val="25000"/>
+              <a:satMod val="180000"/>
+            </a:schemeClr>
+          </a:contourClr>
+        </a:sp3d>
+      </dsp:spPr>
+      <dsp:style>
+        <a:lnRef idx="0">
+          <a:scrgbClr r="0" g="0" b="0"/>
+        </a:lnRef>
+        <a:fillRef idx="3">
+          <a:scrgbClr r="0" g="0" b="0"/>
+        </a:fillRef>
+        <a:effectRef idx="3">
+          <a:scrgbClr r="0" g="0" b="0"/>
+        </a:effectRef>
+        <a:fontRef idx="minor">
+          <a:schemeClr val="lt1"/>
+        </a:fontRef>
+      </dsp:style>
+      <dsp:txBody>
+        <a:bodyPr spcFirstLastPara="0" vert="horz" wrap="square" lIns="0" tIns="0" rIns="0" bIns="0" numCol="1" spcCol="1270" anchor="ctr" anchorCtr="0">
+          <a:noAutofit/>
+        </a:bodyPr>
+        <a:lstStyle/>
+        <a:p>
+          <a:pPr lvl="0" algn="ctr" defTabSz="800100" rtl="1">
+            <a:lnSpc>
+              <a:spcPct val="90000"/>
+            </a:lnSpc>
+            <a:spcBef>
+              <a:spcPct val="0"/>
+            </a:spcBef>
+            <a:spcAft>
+              <a:spcPct val="35000"/>
+            </a:spcAft>
+          </a:pPr>
+          <a:endParaRPr lang="he-IL" sz="1800" kern="1200">
+            <a:solidFill>
+              <a:sysClr val="windowText" lastClr="000000"/>
+            </a:solidFill>
+            <a:latin typeface="David" panose="020E0502060401010101" pitchFamily="34" charset="-79"/>
+            <a:cs typeface="David" panose="020E0502060401010101" pitchFamily="34" charset="-79"/>
+          </a:endParaRPr>
+        </a:p>
+      </dsp:txBody>
+      <dsp:txXfrm>
+        <a:off x="2762020" y="1092519"/>
+        <a:ext cx="150403" cy="150809"/>
+      </dsp:txXfrm>
+    </dsp:sp>
+    <dsp:sp modelId="{83F88A07-475B-4EB3-9D78-65D777B440A4}">
+      <dsp:nvSpPr>
+        <dsp:cNvPr id="0" name=""/>
+        <dsp:cNvSpPr/>
+      </dsp:nvSpPr>
+      <dsp:spPr>
+        <a:xfrm>
+          <a:off x="3001611" y="777403"/>
+          <a:ext cx="1461899" cy="781040"/>
+        </a:xfrm>
+        <a:prstGeom prst="diamond">
+          <a:avLst/>
+        </a:prstGeom>
+        <a:gradFill rotWithShape="0">
+          <a:gsLst>
+            <a:gs pos="0">
+              <a:schemeClr val="accent5">
+                <a:hueOff val="0"/>
+                <a:satOff val="0"/>
+                <a:lumOff val="0"/>
+                <a:alphaOff val="0"/>
+                <a:tint val="96000"/>
+                <a:satMod val="120000"/>
+                <a:lumMod val="120000"/>
+              </a:schemeClr>
+            </a:gs>
+            <a:gs pos="100000">
+              <a:schemeClr val="accent5">
+                <a:hueOff val="0"/>
+                <a:satOff val="0"/>
+                <a:lumOff val="0"/>
+                <a:alphaOff val="0"/>
+                <a:shade val="89000"/>
+                <a:lumMod val="90000"/>
+              </a:schemeClr>
+            </a:gs>
+          </a:gsLst>
+          <a:lin ang="5400000" scaled="0"/>
+        </a:gradFill>
+        <a:ln>
+          <a:noFill/>
+        </a:ln>
+        <a:effectLst>
+          <a:outerShdw blurRad="50800" dist="25400" dir="5400000" rotWithShape="0">
+            <a:srgbClr val="000000">
+              <a:alpha val="38000"/>
+            </a:srgbClr>
+          </a:outerShdw>
+        </a:effectLst>
+        <a:scene3d>
+          <a:camera prst="orthographicFront">
+            <a:rot lat="0" lon="0" rev="0"/>
+          </a:camera>
+          <a:lightRig rig="flat" dir="tl">
+            <a:rot lat="0" lon="0" rev="6360000"/>
+          </a:lightRig>
+        </a:scene3d>
+        <a:sp3d contourW="19050" prstMaterial="flat">
+          <a:bevelT w="63500" h="63500"/>
+          <a:contourClr>
+            <a:schemeClr val="accent5">
+              <a:hueOff val="0"/>
+              <a:satOff val="0"/>
+              <a:lumOff val="0"/>
+              <a:alphaOff val="0"/>
+              <a:shade val="25000"/>
+              <a:satMod val="180000"/>
+            </a:schemeClr>
+          </a:contourClr>
+        </a:sp3d>
+      </dsp:spPr>
+      <dsp:style>
+        <a:lnRef idx="0">
+          <a:scrgbClr r="0" g="0" b="0"/>
+        </a:lnRef>
+        <a:fillRef idx="3">
+          <a:scrgbClr r="0" g="0" b="0"/>
+        </a:fillRef>
+        <a:effectRef idx="3">
+          <a:scrgbClr r="0" g="0" b="0"/>
+        </a:effectRef>
+        <a:fontRef idx="minor">
+          <a:schemeClr val="lt1"/>
+        </a:fontRef>
+      </dsp:style>
+      <dsp:txBody>
+        <a:bodyPr spcFirstLastPara="0" vert="horz" wrap="square" lIns="68580" tIns="68580" rIns="68580" bIns="68580" numCol="1" spcCol="1270" anchor="ctr" anchorCtr="0">
+          <a:noAutofit/>
+        </a:bodyPr>
+        <a:lstStyle/>
+        <a:p>
+          <a:pPr lvl="0" algn="ctr" defTabSz="800100" rtl="1">
+            <a:lnSpc>
+              <a:spcPct val="90000"/>
+            </a:lnSpc>
+            <a:spcBef>
+              <a:spcPct val="0"/>
+            </a:spcBef>
+            <a:spcAft>
+              <a:spcPct val="35000"/>
+            </a:spcAft>
+          </a:pPr>
+          <a:r>
+            <a:rPr lang="he-IL" sz="1800" kern="1200" dirty="0" smtClean="0">
+              <a:solidFill>
+                <a:schemeClr val="tx1"/>
+              </a:solidFill>
+              <a:latin typeface="David" panose="020E0502060401010101" pitchFamily="34" charset="-79"/>
+              <a:cs typeface="David" panose="020E0502060401010101" pitchFamily="34" charset="-79"/>
+            </a:rPr>
+            <a:t>הגיע לתחנה?</a:t>
+          </a:r>
+          <a:endParaRPr lang="he-IL" sz="1800" kern="1200" dirty="0">
+            <a:solidFill>
+              <a:schemeClr val="tx1"/>
+            </a:solidFill>
+            <a:latin typeface="David" panose="020E0502060401010101" pitchFamily="34" charset="-79"/>
+            <a:cs typeface="David" panose="020E0502060401010101" pitchFamily="34" charset="-79"/>
+          </a:endParaRPr>
+        </a:p>
+      </dsp:txBody>
+      <dsp:txXfrm>
+        <a:off x="3367086" y="972663"/>
+        <a:ext cx="730949" cy="390520"/>
+      </dsp:txXfrm>
+    </dsp:sp>
+    <dsp:sp modelId="{C0029861-8E26-4112-AF7E-A99B681FA76E}">
+      <dsp:nvSpPr>
+        <dsp:cNvPr id="0" name=""/>
+        <dsp:cNvSpPr/>
+      </dsp:nvSpPr>
+      <dsp:spPr>
+        <a:xfrm rot="10800000">
+          <a:off x="4564861" y="1042250"/>
+          <a:ext cx="214861" cy="251347"/>
+        </a:xfrm>
+        <a:prstGeom prst="rightArrow">
+          <a:avLst>
+            <a:gd name="adj1" fmla="val 60000"/>
+            <a:gd name="adj2" fmla="val 50000"/>
+          </a:avLst>
+        </a:prstGeom>
+        <a:gradFill rotWithShape="0">
+          <a:gsLst>
+            <a:gs pos="0">
+              <a:schemeClr val="accent5">
+                <a:tint val="60000"/>
+                <a:hueOff val="0"/>
+                <a:satOff val="0"/>
+                <a:lumOff val="0"/>
+                <a:alphaOff val="0"/>
+                <a:tint val="96000"/>
+                <a:satMod val="120000"/>
+                <a:lumMod val="120000"/>
+              </a:schemeClr>
+            </a:gs>
+            <a:gs pos="100000">
+              <a:schemeClr val="accent5">
+                <a:tint val="60000"/>
+                <a:hueOff val="0"/>
+                <a:satOff val="0"/>
+                <a:lumOff val="0"/>
+                <a:alphaOff val="0"/>
+                <a:shade val="89000"/>
+                <a:lumMod val="90000"/>
+              </a:schemeClr>
+            </a:gs>
+          </a:gsLst>
+          <a:lin ang="5400000" scaled="0"/>
+        </a:gradFill>
+        <a:ln>
+          <a:noFill/>
+        </a:ln>
+        <a:effectLst>
+          <a:outerShdw blurRad="50800" dist="25400" dir="5400000" rotWithShape="0">
+            <a:srgbClr val="000000">
+              <a:alpha val="38000"/>
+            </a:srgbClr>
+          </a:outerShdw>
+        </a:effectLst>
+        <a:scene3d>
+          <a:camera prst="orthographicFront">
+            <a:rot lat="0" lon="0" rev="0"/>
+          </a:camera>
+          <a:lightRig rig="flat" dir="tl">
+            <a:rot lat="0" lon="0" rev="6360000"/>
+          </a:lightRig>
+        </a:scene3d>
+        <a:sp3d contourW="19050" prstMaterial="flat">
+          <a:bevelT w="63500" h="63500"/>
+          <a:contourClr>
+            <a:schemeClr val="accent5">
+              <a:tint val="60000"/>
+              <a:hueOff val="0"/>
+              <a:satOff val="0"/>
+              <a:lumOff val="0"/>
+              <a:alphaOff val="0"/>
+              <a:shade val="25000"/>
+              <a:satMod val="180000"/>
+            </a:schemeClr>
+          </a:contourClr>
+        </a:sp3d>
+      </dsp:spPr>
+      <dsp:style>
+        <a:lnRef idx="0">
+          <a:scrgbClr r="0" g="0" b="0"/>
+        </a:lnRef>
+        <a:fillRef idx="3">
+          <a:scrgbClr r="0" g="0" b="0"/>
+        </a:fillRef>
+        <a:effectRef idx="3">
+          <a:scrgbClr r="0" g="0" b="0"/>
+        </a:effectRef>
+        <a:fontRef idx="minor">
+          <a:schemeClr val="lt1"/>
+        </a:fontRef>
+      </dsp:style>
+      <dsp:txBody>
+        <a:bodyPr spcFirstLastPara="0" vert="horz" wrap="square" lIns="0" tIns="0" rIns="0" bIns="0" numCol="1" spcCol="1270" anchor="ctr" anchorCtr="0">
+          <a:noAutofit/>
+        </a:bodyPr>
+        <a:lstStyle/>
+        <a:p>
+          <a:pPr lvl="0" algn="ctr" defTabSz="800100" rtl="1">
+            <a:lnSpc>
+              <a:spcPct val="90000"/>
+            </a:lnSpc>
+            <a:spcBef>
+              <a:spcPct val="0"/>
+            </a:spcBef>
+            <a:spcAft>
+              <a:spcPct val="35000"/>
+            </a:spcAft>
+          </a:pPr>
+          <a:endParaRPr lang="he-IL" sz="1800" kern="1200">
+            <a:solidFill>
+              <a:sysClr val="windowText" lastClr="000000"/>
+            </a:solidFill>
+            <a:latin typeface="David" panose="020E0502060401010101" pitchFamily="34" charset="-79"/>
+            <a:cs typeface="David" panose="020E0502060401010101" pitchFamily="34" charset="-79"/>
+          </a:endParaRPr>
+        </a:p>
+      </dsp:txBody>
+      <dsp:txXfrm>
+        <a:off x="4629319" y="1092519"/>
+        <a:ext cx="150403" cy="150809"/>
+      </dsp:txXfrm>
+    </dsp:sp>
+    <dsp:sp modelId="{31D34D25-A549-4679-9A51-88CF5F4EF902}">
+      <dsp:nvSpPr>
+        <dsp:cNvPr id="0" name=""/>
+        <dsp:cNvSpPr/>
+      </dsp:nvSpPr>
+      <dsp:spPr>
+        <a:xfrm>
+          <a:off x="4868910" y="965776"/>
+          <a:ext cx="1136556" cy="404295"/>
+        </a:xfrm>
+        <a:prstGeom prst="roundRect">
+          <a:avLst>
+            <a:gd name="adj" fmla="val 10000"/>
+          </a:avLst>
+        </a:prstGeom>
+        <a:noFill/>
+        <a:ln>
+          <a:noFill/>
+        </a:ln>
+        <a:effectLst>
+          <a:outerShdw blurRad="50800" dist="25400" dir="5400000" rotWithShape="0">
+            <a:srgbClr val="000000">
+              <a:alpha val="38000"/>
+            </a:srgbClr>
+          </a:outerShdw>
+        </a:effectLst>
+        <a:scene3d>
+          <a:camera prst="orthographicFront">
+            <a:rot lat="0" lon="0" rev="0"/>
+          </a:camera>
+          <a:lightRig rig="flat" dir="tl">
+            <a:rot lat="0" lon="0" rev="6360000"/>
+          </a:lightRig>
+        </a:scene3d>
+        <a:sp3d contourW="19050" prstMaterial="flat">
+          <a:bevelT w="63500" h="63500"/>
+          <a:contourClr>
+            <a:schemeClr val="accent5">
+              <a:hueOff val="0"/>
+              <a:satOff val="0"/>
+              <a:lumOff val="0"/>
+              <a:alphaOff val="0"/>
+              <a:shade val="25000"/>
+              <a:satMod val="180000"/>
+            </a:schemeClr>
+          </a:contourClr>
+        </a:sp3d>
+      </dsp:spPr>
+      <dsp:style>
+        <a:lnRef idx="0">
+          <a:scrgbClr r="0" g="0" b="0"/>
+        </a:lnRef>
+        <a:fillRef idx="3">
+          <a:scrgbClr r="0" g="0" b="0"/>
+        </a:fillRef>
+        <a:effectRef idx="3">
+          <a:scrgbClr r="0" g="0" b="0"/>
+        </a:effectRef>
+        <a:fontRef idx="minor">
+          <a:schemeClr val="lt1"/>
+        </a:fontRef>
+      </dsp:style>
+      <dsp:txBody>
+        <a:bodyPr spcFirstLastPara="0" vert="horz" wrap="square" lIns="68580" tIns="68580" rIns="68580" bIns="68580" numCol="1" spcCol="1270" anchor="ctr" anchorCtr="0">
+          <a:noAutofit/>
+        </a:bodyPr>
+        <a:lstStyle/>
+        <a:p>
+          <a:pPr lvl="0" algn="ctr" defTabSz="800100" rtl="1">
+            <a:lnSpc>
+              <a:spcPct val="90000"/>
+            </a:lnSpc>
+            <a:spcBef>
+              <a:spcPct val="0"/>
+            </a:spcBef>
+            <a:spcAft>
+              <a:spcPct val="35000"/>
+            </a:spcAft>
+          </a:pPr>
+          <a:r>
+            <a:rPr lang="en-US" sz="1800" kern="1200" dirty="0" smtClean="0">
+              <a:solidFill>
+                <a:schemeClr val="tx1"/>
+              </a:solidFill>
+              <a:latin typeface="David" panose="020E0502060401010101" pitchFamily="34" charset="-79"/>
+              <a:cs typeface="David" panose="020E0502060401010101" pitchFamily="34" charset="-79"/>
+            </a:rPr>
+            <a:t>Start service</a:t>
+          </a:r>
+          <a:endParaRPr lang="he-IL" sz="1800" kern="1200" dirty="0">
+            <a:solidFill>
+              <a:schemeClr val="tx1"/>
+            </a:solidFill>
+            <a:latin typeface="David" panose="020E0502060401010101" pitchFamily="34" charset="-79"/>
+            <a:cs typeface="David" panose="020E0502060401010101" pitchFamily="34" charset="-79"/>
+          </a:endParaRPr>
+        </a:p>
+      </dsp:txBody>
+      <dsp:txXfrm>
+        <a:off x="4880751" y="977617"/>
+        <a:ext cx="1112874" cy="380613"/>
+      </dsp:txXfrm>
+    </dsp:sp>
+    <dsp:sp modelId="{B17F2437-680A-455C-BEBF-156A9B6AC60C}">
+      <dsp:nvSpPr>
+        <dsp:cNvPr id="0" name=""/>
+        <dsp:cNvSpPr/>
+      </dsp:nvSpPr>
+      <dsp:spPr>
+        <a:xfrm rot="10800000">
+          <a:off x="6106816" y="1042250"/>
+          <a:ext cx="214861" cy="251347"/>
+        </a:xfrm>
+        <a:prstGeom prst="rightArrow">
+          <a:avLst>
+            <a:gd name="adj1" fmla="val 60000"/>
+            <a:gd name="adj2" fmla="val 50000"/>
+          </a:avLst>
+        </a:prstGeom>
+        <a:gradFill rotWithShape="0">
+          <a:gsLst>
+            <a:gs pos="0">
+              <a:schemeClr val="accent5">
+                <a:tint val="60000"/>
+                <a:hueOff val="0"/>
+                <a:satOff val="0"/>
+                <a:lumOff val="0"/>
+                <a:alphaOff val="0"/>
+                <a:tint val="96000"/>
+                <a:satMod val="120000"/>
+                <a:lumMod val="120000"/>
+              </a:schemeClr>
+            </a:gs>
+            <a:gs pos="100000">
+              <a:schemeClr val="accent5">
+                <a:tint val="60000"/>
+                <a:hueOff val="0"/>
+                <a:satOff val="0"/>
+                <a:lumOff val="0"/>
+                <a:alphaOff val="0"/>
+                <a:shade val="89000"/>
+                <a:lumMod val="90000"/>
+              </a:schemeClr>
+            </a:gs>
+          </a:gsLst>
+          <a:lin ang="5400000" scaled="0"/>
+        </a:gradFill>
+        <a:ln>
+          <a:noFill/>
+        </a:ln>
+        <a:effectLst>
+          <a:outerShdw blurRad="50800" dist="25400" dir="5400000" rotWithShape="0">
+            <a:srgbClr val="000000">
+              <a:alpha val="38000"/>
+            </a:srgbClr>
+          </a:outerShdw>
+        </a:effectLst>
+        <a:scene3d>
+          <a:camera prst="orthographicFront">
+            <a:rot lat="0" lon="0" rev="0"/>
+          </a:camera>
+          <a:lightRig rig="flat" dir="tl">
+            <a:rot lat="0" lon="0" rev="6360000"/>
+          </a:lightRig>
+        </a:scene3d>
+        <a:sp3d contourW="19050" prstMaterial="flat">
+          <a:bevelT w="63500" h="63500"/>
+          <a:contourClr>
+            <a:schemeClr val="accent5">
+              <a:tint val="60000"/>
+              <a:hueOff val="0"/>
+              <a:satOff val="0"/>
+              <a:lumOff val="0"/>
+              <a:alphaOff val="0"/>
+              <a:shade val="25000"/>
+              <a:satMod val="180000"/>
+            </a:schemeClr>
+          </a:contourClr>
+        </a:sp3d>
+      </dsp:spPr>
+      <dsp:style>
+        <a:lnRef idx="0">
+          <a:scrgbClr r="0" g="0" b="0"/>
+        </a:lnRef>
+        <a:fillRef idx="3">
+          <a:scrgbClr r="0" g="0" b="0"/>
+        </a:fillRef>
+        <a:effectRef idx="3">
+          <a:scrgbClr r="0" g="0" b="0"/>
+        </a:effectRef>
+        <a:fontRef idx="minor">
+          <a:schemeClr val="lt1"/>
+        </a:fontRef>
+      </dsp:style>
+      <dsp:txBody>
+        <a:bodyPr spcFirstLastPara="0" vert="horz" wrap="square" lIns="0" tIns="0" rIns="0" bIns="0" numCol="1" spcCol="1270" anchor="ctr" anchorCtr="0">
+          <a:noAutofit/>
+        </a:bodyPr>
+        <a:lstStyle/>
+        <a:p>
+          <a:pPr lvl="0" algn="ctr" defTabSz="800100" rtl="1">
+            <a:lnSpc>
+              <a:spcPct val="90000"/>
+            </a:lnSpc>
+            <a:spcBef>
+              <a:spcPct val="0"/>
+            </a:spcBef>
+            <a:spcAft>
+              <a:spcPct val="35000"/>
+            </a:spcAft>
+          </a:pPr>
+          <a:endParaRPr lang="he-IL" sz="1800" kern="1200">
+            <a:solidFill>
+              <a:sysClr val="windowText" lastClr="000000"/>
+            </a:solidFill>
+            <a:latin typeface="David" panose="020E0502060401010101" pitchFamily="34" charset="-79"/>
+            <a:cs typeface="David" panose="020E0502060401010101" pitchFamily="34" charset="-79"/>
+          </a:endParaRPr>
+        </a:p>
+      </dsp:txBody>
+      <dsp:txXfrm>
+        <a:off x="6171274" y="1092519"/>
+        <a:ext cx="150403" cy="150809"/>
+      </dsp:txXfrm>
+    </dsp:sp>
+    <dsp:sp modelId="{BCAEAF41-B335-417D-871A-20364F5390EA}">
+      <dsp:nvSpPr>
+        <dsp:cNvPr id="0" name=""/>
+        <dsp:cNvSpPr/>
+      </dsp:nvSpPr>
+      <dsp:spPr>
+        <a:xfrm>
+          <a:off x="6410866" y="777403"/>
+          <a:ext cx="1125712" cy="781040"/>
+        </a:xfrm>
+        <a:prstGeom prst="diamond">
+          <a:avLst/>
+        </a:prstGeom>
+        <a:gradFill rotWithShape="0">
+          <a:gsLst>
+            <a:gs pos="0">
+              <a:schemeClr val="accent5">
+                <a:hueOff val="0"/>
+                <a:satOff val="0"/>
+                <a:lumOff val="0"/>
+                <a:alphaOff val="0"/>
+                <a:tint val="96000"/>
+                <a:satMod val="120000"/>
+                <a:lumMod val="120000"/>
+              </a:schemeClr>
+            </a:gs>
+            <a:gs pos="100000">
+              <a:schemeClr val="accent5">
+                <a:hueOff val="0"/>
+                <a:satOff val="0"/>
+                <a:lumOff val="0"/>
+                <a:alphaOff val="0"/>
+                <a:shade val="89000"/>
+                <a:lumMod val="90000"/>
+              </a:schemeClr>
+            </a:gs>
+          </a:gsLst>
+          <a:lin ang="5400000" scaled="0"/>
+        </a:gradFill>
+        <a:ln>
+          <a:noFill/>
+        </a:ln>
+        <a:effectLst>
+          <a:outerShdw blurRad="50800" dist="25400" dir="5400000" rotWithShape="0">
+            <a:srgbClr val="000000">
+              <a:alpha val="38000"/>
+            </a:srgbClr>
+          </a:outerShdw>
+        </a:effectLst>
+        <a:scene3d>
+          <a:camera prst="orthographicFront">
+            <a:rot lat="0" lon="0" rev="0"/>
+          </a:camera>
+          <a:lightRig rig="flat" dir="tl">
+            <a:rot lat="0" lon="0" rev="6360000"/>
+          </a:lightRig>
+        </a:scene3d>
+        <a:sp3d contourW="19050" prstMaterial="flat">
+          <a:bevelT w="63500" h="63500"/>
+          <a:contourClr>
+            <a:schemeClr val="accent5">
+              <a:hueOff val="0"/>
+              <a:satOff val="0"/>
+              <a:lumOff val="0"/>
+              <a:alphaOff val="0"/>
+              <a:shade val="25000"/>
+              <a:satMod val="180000"/>
+            </a:schemeClr>
+          </a:contourClr>
+        </a:sp3d>
+      </dsp:spPr>
+      <dsp:style>
+        <a:lnRef idx="0">
+          <a:scrgbClr r="0" g="0" b="0"/>
+        </a:lnRef>
+        <a:fillRef idx="3">
+          <a:scrgbClr r="0" g="0" b="0"/>
+        </a:fillRef>
+        <a:effectRef idx="3">
+          <a:scrgbClr r="0" g="0" b="0"/>
+        </a:effectRef>
+        <a:fontRef idx="minor">
+          <a:schemeClr val="lt1"/>
+        </a:fontRef>
+      </dsp:style>
+      <dsp:txBody>
+        <a:bodyPr spcFirstLastPara="0" vert="horz" wrap="square" lIns="68580" tIns="68580" rIns="68580" bIns="68580" numCol="1" spcCol="1270" anchor="ctr" anchorCtr="0">
+          <a:noAutofit/>
+        </a:bodyPr>
+        <a:lstStyle/>
+        <a:p>
+          <a:pPr lvl="0" algn="ctr" defTabSz="800100" rtl="1">
+            <a:lnSpc>
+              <a:spcPct val="90000"/>
+            </a:lnSpc>
+            <a:spcBef>
+              <a:spcPct val="0"/>
+            </a:spcBef>
+            <a:spcAft>
+              <a:spcPct val="35000"/>
+            </a:spcAft>
+          </a:pPr>
+          <a:r>
+            <a:rPr lang="en-US" sz="1800" kern="1200" dirty="0" smtClean="0">
+              <a:solidFill>
+                <a:schemeClr val="tx1"/>
+              </a:solidFill>
+              <a:latin typeface="David" panose="020E0502060401010101" pitchFamily="34" charset="-79"/>
+              <a:cs typeface="David" panose="020E0502060401010101" pitchFamily="34" charset="-79"/>
+            </a:rPr>
+            <a:t>GPS is on?</a:t>
+          </a:r>
+          <a:endParaRPr lang="he-IL" sz="1800" kern="1200" dirty="0">
+            <a:solidFill>
+              <a:schemeClr val="tx1"/>
+            </a:solidFill>
+            <a:latin typeface="David" panose="020E0502060401010101" pitchFamily="34" charset="-79"/>
+            <a:cs typeface="David" panose="020E0502060401010101" pitchFamily="34" charset="-79"/>
+          </a:endParaRPr>
+        </a:p>
+      </dsp:txBody>
+      <dsp:txXfrm>
+        <a:off x="6692294" y="972663"/>
+        <a:ext cx="562856" cy="390520"/>
+      </dsp:txXfrm>
+    </dsp:sp>
+  </dsp:spTree>
+</dsp:drawing>
+</file>
+
+<file path=ppt/diagrams/layout1.xml><?xml version="1.0" encoding="utf-8"?>
+<dgm:layoutDef xmlns:dgm="http://schemas.openxmlformats.org/drawingml/2006/diagram" xmlns:a="http://schemas.openxmlformats.org/drawingml/2006/main" uniqueId="urn:microsoft.com/office/officeart/2005/8/layout/process1">
+  <dgm:title val=""/>
+  <dgm:desc val=""/>
+  <dgm:catLst>
+    <dgm:cat type="process" pri="1000"/>
+    <dgm:cat type="convert" pri="15000"/>
+  </dgm:catLst>
+  <dgm:sampData useDef="1">
+    <dgm:dataModel>
+      <dgm:ptLst/>
+      <dgm:bg/>
+      <dgm:whole/>
+    </dgm:dataModel>
+  </dgm:sampData>
+  <dgm:styleData>
+    <dgm:dataModel>
+      <dgm:ptLst>
+        <dgm:pt modelId="0" type="doc"/>
+        <dgm:pt modelId="1"/>
+        <dgm:pt modelId="2"/>
+      </dgm:ptLst>
+      <dgm:cxnLst>
+        <dgm:cxn modelId="3" srcId="0" destId="1" srcOrd="0" destOrd="0"/>
+        <dgm:cxn modelId="4" srcId="0" destId="2" srcOrd="1" destOrd="0"/>
+      </dgm:cxnLst>
+      <dgm:bg/>
+      <dgm:whole/>
+    </dgm:dataModel>
+  </dgm:styleData>
+  <dgm:clrData>
+    <dgm:dataModel>
+      <dgm:ptLst>
+        <dgm:pt modelId="0" type="doc"/>
+        <dgm:pt modelId="1"/>
+        <dgm:pt modelId="2"/>
+        <dgm:pt modelId="3"/>
+        <dgm:pt modelId="4"/>
+      </dgm:ptLst>
+      <dgm:cxnLst>
+        <dgm:cxn modelId="5" srcId="0" destId="1" srcOrd="0" destOrd="0"/>
+        <dgm:cxn modelId="6" srcId="0" destId="2" srcOrd="1" destOrd="0"/>
+        <dgm:cxn modelId="7" srcId="0" destId="3" srcOrd="2" destOrd="0"/>
+        <dgm:cxn modelId="8" srcId="0" destId="4" srcOrd="3" destOrd="0"/>
+      </dgm:cxnLst>
+      <dgm:bg/>
+      <dgm:whole/>
+    </dgm:dataModel>
+  </dgm:clrData>
+  <dgm:layoutNode name="Name0">
+    <dgm:varLst>
+      <dgm:dir/>
+      <dgm:resizeHandles val="exact"/>
+    </dgm:varLst>
+    <dgm:choose name="Name1">
+      <dgm:if name="Name2" func="var" arg="dir" op="equ" val="norm">
+        <dgm:alg type="lin"/>
+      </dgm:if>
+      <dgm:else name="Name3">
+        <dgm:alg type="lin">
+          <dgm:param type="linDir" val="fromR"/>
+        </dgm:alg>
+      </dgm:else>
+    </dgm:choose>
+    <dgm:shape xmlns:r="http://schemas.openxmlformats.org/officeDocument/2006/relationships" r:blip="">
+      <dgm:adjLst/>
+    </dgm:shape>
+    <dgm:presOf/>
+    <dgm:constrLst>
+      <dgm:constr type="w" for="ch" ptType="node" refType="w"/>
+      <dgm:constr type="h" for="ch" ptType="node" op="equ"/>
+      <dgm:constr type="primFontSz" for="ch" ptType="node" op="equ" val="65"/>
+      <dgm:constr type="w" for="ch" ptType="sibTrans" refType="w" refFor="ch" refPtType="node" op="equ" fact="0.4"/>
+      <dgm:constr type="h" for="ch" ptType="sibTrans" op="equ"/>
+      <dgm:constr type="primFontSz" for="des" forName="connectorText" op="equ" val="55"/>
+      <dgm:constr type="primFontSz" for="des" forName="connectorText" refType="primFontSz" refFor="ch" refPtType="node" op="lte" fact="0.8"/>
+    </dgm:constrLst>
+    <dgm:ruleLst/>
+    <dgm:forEach name="nodesForEach" axis="ch" ptType="node">
+      <dgm:layoutNode name="node">
+        <dgm:varLst>
+          <dgm:bulletEnabled val="1"/>
+        </dgm:varLst>
+        <dgm:alg type="tx"/>
+        <dgm:shape xmlns:r="http://schemas.openxmlformats.org/officeDocument/2006/relationships" type="roundRect" r:blip="">
+          <dgm:adjLst>
+            <dgm:adj idx="1" val="0.1"/>
+          </dgm:adjLst>
+        </dgm:shape>
+        <dgm:presOf axis="desOrSelf" ptType="node"/>
+        <dgm:constrLst>
+          <dgm:constr type="h" refType="w" fact="0.6"/>
+          <dgm:constr type="tMarg" refType="primFontSz" fact="0.3"/>
+          <dgm:constr type="bMarg" refType="primFontSz" fact="0.3"/>
+          <dgm:constr type="lMarg" refType="primFontSz" fact="0.3"/>
+          <dgm:constr type="rMarg" refType="primFontSz" fact="0.3"/>
+        </dgm:constrLst>
+        <dgm:ruleLst>
+          <dgm:rule type="primFontSz" val="18" fact="NaN" max="NaN"/>
+          <dgm:rule type="h" val="NaN" fact="1.5" max="NaN"/>
+          <dgm:rule type="primFontSz" val="5" fact="NaN" max="NaN"/>
+          <dgm:rule type="h" val="INF" fact="NaN" max="NaN"/>
+        </dgm:ruleLst>
+      </dgm:layoutNode>
+      <dgm:forEach name="sibTransForEach" axis="followSib" ptType="sibTrans" cnt="1">
+        <dgm:layoutNode name="sibTrans">
+          <dgm:alg type="conn">
+            <dgm:param type="begPts" val="auto"/>
+            <dgm:param type="endPts" val="auto"/>
+          </dgm:alg>
+          <dgm:shape xmlns:r="http://schemas.openxmlformats.org/officeDocument/2006/relationships" type="conn" r:blip="">
+            <dgm:adjLst/>
+          </dgm:shape>
+          <dgm:presOf axis="self"/>
+          <dgm:constrLst>
+            <dgm:constr type="h" refType="w" fact="0.62"/>
+            <dgm:constr type="connDist"/>
+            <dgm:constr type="begPad" refType="connDist" fact="0.25"/>
+            <dgm:constr type="endPad" refType="connDist" fact="0.22"/>
+          </dgm:constrLst>
+          <dgm:ruleLst/>
+          <dgm:layoutNode name="connectorText">
+            <dgm:alg type="tx">
+              <dgm:param type="autoTxRot" val="grav"/>
+            </dgm:alg>
+            <dgm:shape xmlns:r="http://schemas.openxmlformats.org/officeDocument/2006/relationships" type="conn" r:blip="" hideGeom="1">
+              <dgm:adjLst/>
+            </dgm:shape>
+            <dgm:presOf axis="self"/>
+            <dgm:constrLst>
+              <dgm:constr type="lMarg"/>
+              <dgm:constr type="rMarg"/>
+              <dgm:constr type="tMarg"/>
+              <dgm:constr type="bMarg"/>
+            </dgm:constrLst>
+            <dgm:ruleLst>
+              <dgm:rule type="primFontSz" val="5" fact="NaN" max="NaN"/>
+            </dgm:ruleLst>
+          </dgm:layoutNode>
+        </dgm:layoutNode>
+      </dgm:forEach>
+    </dgm:forEach>
+  </dgm:layoutNode>
+</dgm:layoutDef>
+</file>
+
+<file path=ppt/diagrams/layout2.xml><?xml version="1.0" encoding="utf-8"?>
+<dgm:layoutDef xmlns:dgm="http://schemas.openxmlformats.org/drawingml/2006/diagram" xmlns:a="http://schemas.openxmlformats.org/drawingml/2006/main" uniqueId="urn:microsoft.com/office/officeart/2005/8/layout/process1">
+  <dgm:title val=""/>
+  <dgm:desc val=""/>
+  <dgm:catLst>
+    <dgm:cat type="process" pri="1000"/>
+    <dgm:cat type="convert" pri="15000"/>
+  </dgm:catLst>
+  <dgm:sampData useDef="1">
+    <dgm:dataModel>
+      <dgm:ptLst/>
+      <dgm:bg/>
+      <dgm:whole/>
+    </dgm:dataModel>
+  </dgm:sampData>
+  <dgm:styleData>
+    <dgm:dataModel>
+      <dgm:ptLst>
+        <dgm:pt modelId="0" type="doc"/>
+        <dgm:pt modelId="1"/>
+        <dgm:pt modelId="2"/>
+      </dgm:ptLst>
+      <dgm:cxnLst>
+        <dgm:cxn modelId="3" srcId="0" destId="1" srcOrd="0" destOrd="0"/>
+        <dgm:cxn modelId="4" srcId="0" destId="2" srcOrd="1" destOrd="0"/>
+      </dgm:cxnLst>
+      <dgm:bg/>
+      <dgm:whole/>
+    </dgm:dataModel>
+  </dgm:styleData>
+  <dgm:clrData>
+    <dgm:dataModel>
+      <dgm:ptLst>
+        <dgm:pt modelId="0" type="doc"/>
+        <dgm:pt modelId="1"/>
+        <dgm:pt modelId="2"/>
+        <dgm:pt modelId="3"/>
+        <dgm:pt modelId="4"/>
+      </dgm:ptLst>
+      <dgm:cxnLst>
+        <dgm:cxn modelId="5" srcId="0" destId="1" srcOrd="0" destOrd="0"/>
+        <dgm:cxn modelId="6" srcId="0" destId="2" srcOrd="1" destOrd="0"/>
+        <dgm:cxn modelId="7" srcId="0" destId="3" srcOrd="2" destOrd="0"/>
+        <dgm:cxn modelId="8" srcId="0" destId="4" srcOrd="3" destOrd="0"/>
+      </dgm:cxnLst>
+      <dgm:bg/>
+      <dgm:whole/>
+    </dgm:dataModel>
+  </dgm:clrData>
+  <dgm:layoutNode name="Name0">
+    <dgm:varLst>
+      <dgm:dir/>
+      <dgm:resizeHandles val="exact"/>
+    </dgm:varLst>
+    <dgm:choose name="Name1">
+      <dgm:if name="Name2" func="var" arg="dir" op="equ" val="norm">
+        <dgm:alg type="lin"/>
+      </dgm:if>
+      <dgm:else name="Name3">
+        <dgm:alg type="lin">
+          <dgm:param type="linDir" val="fromR"/>
+        </dgm:alg>
+      </dgm:else>
+    </dgm:choose>
+    <dgm:shape xmlns:r="http://schemas.openxmlformats.org/officeDocument/2006/relationships" r:blip="">
+      <dgm:adjLst/>
+    </dgm:shape>
+    <dgm:presOf/>
+    <dgm:constrLst>
+      <dgm:constr type="w" for="ch" ptType="node" refType="w"/>
+      <dgm:constr type="h" for="ch" ptType="node" op="equ"/>
+      <dgm:constr type="primFontSz" for="ch" ptType="node" op="equ" val="65"/>
+      <dgm:constr type="w" for="ch" ptType="sibTrans" refType="w" refFor="ch" refPtType="node" op="equ" fact="0.4"/>
+      <dgm:constr type="h" for="ch" ptType="sibTrans" op="equ"/>
+      <dgm:constr type="primFontSz" for="des" forName="connectorText" op="equ" val="55"/>
+      <dgm:constr type="primFontSz" for="des" forName="connectorText" refType="primFontSz" refFor="ch" refPtType="node" op="lte" fact="0.8"/>
+    </dgm:constrLst>
+    <dgm:ruleLst/>
+    <dgm:forEach name="nodesForEach" axis="ch" ptType="node">
+      <dgm:layoutNode name="node">
+        <dgm:varLst>
+          <dgm:bulletEnabled val="1"/>
+        </dgm:varLst>
+        <dgm:alg type="tx"/>
+        <dgm:shape xmlns:r="http://schemas.openxmlformats.org/officeDocument/2006/relationships" type="roundRect" r:blip="">
+          <dgm:adjLst>
+            <dgm:adj idx="1" val="0.1"/>
+          </dgm:adjLst>
+        </dgm:shape>
+        <dgm:presOf axis="desOrSelf" ptType="node"/>
+        <dgm:constrLst>
+          <dgm:constr type="h" refType="w" fact="0.6"/>
+          <dgm:constr type="tMarg" refType="primFontSz" fact="0.3"/>
+          <dgm:constr type="bMarg" refType="primFontSz" fact="0.3"/>
+          <dgm:constr type="lMarg" refType="primFontSz" fact="0.3"/>
+          <dgm:constr type="rMarg" refType="primFontSz" fact="0.3"/>
+        </dgm:constrLst>
+        <dgm:ruleLst>
+          <dgm:rule type="primFontSz" val="18" fact="NaN" max="NaN"/>
+          <dgm:rule type="h" val="NaN" fact="1.5" max="NaN"/>
+          <dgm:rule type="primFontSz" val="5" fact="NaN" max="NaN"/>
+          <dgm:rule type="h" val="INF" fact="NaN" max="NaN"/>
+        </dgm:ruleLst>
+      </dgm:layoutNode>
+      <dgm:forEach name="sibTransForEach" axis="followSib" ptType="sibTrans" cnt="1">
+        <dgm:layoutNode name="sibTrans">
+          <dgm:alg type="conn">
+            <dgm:param type="begPts" val="auto"/>
+            <dgm:param type="endPts" val="auto"/>
+          </dgm:alg>
+          <dgm:shape xmlns:r="http://schemas.openxmlformats.org/officeDocument/2006/relationships" type="conn" r:blip="">
+            <dgm:adjLst/>
+          </dgm:shape>
+          <dgm:presOf axis="self"/>
+          <dgm:constrLst>
+            <dgm:constr type="h" refType="w" fact="0.62"/>
+            <dgm:constr type="connDist"/>
+            <dgm:constr type="begPad" refType="connDist" fact="0.25"/>
+            <dgm:constr type="endPad" refType="connDist" fact="0.22"/>
+          </dgm:constrLst>
+          <dgm:ruleLst/>
+          <dgm:layoutNode name="connectorText">
+            <dgm:alg type="tx">
+              <dgm:param type="autoTxRot" val="grav"/>
+            </dgm:alg>
+            <dgm:shape xmlns:r="http://schemas.openxmlformats.org/officeDocument/2006/relationships" type="conn" r:blip="" hideGeom="1">
+              <dgm:adjLst/>
+            </dgm:shape>
+            <dgm:presOf axis="self"/>
+            <dgm:constrLst>
+              <dgm:constr type="lMarg"/>
+              <dgm:constr type="rMarg"/>
+              <dgm:constr type="tMarg"/>
+              <dgm:constr type="bMarg"/>
+            </dgm:constrLst>
+            <dgm:ruleLst>
+              <dgm:rule type="primFontSz" val="5" fact="NaN" max="NaN"/>
+            </dgm:ruleLst>
+          </dgm:layoutNode>
+        </dgm:layoutNode>
+      </dgm:forEach>
+    </dgm:forEach>
+  </dgm:layoutNode>
+</dgm:layoutDef>
+</file>
+
+<file path=ppt/diagrams/quickStyle1.xml><?xml version="1.0" encoding="utf-8"?>
+<dgm:styleDef xmlns:dgm="http://schemas.openxmlformats.org/drawingml/2006/diagram" xmlns:a="http://schemas.openxmlformats.org/drawingml/2006/main" uniqueId="urn:microsoft.com/office/officeart/2005/8/quickstyle/simple5">
+  <dgm:title val=""/>
+  <dgm:desc val=""/>
+  <dgm:catLst>
+    <dgm:cat type="simple" pri="10500"/>
+  </dgm:catLst>
+  <dgm:scene3d>
+    <a:camera prst="orthographicFront"/>
+    <a:lightRig rig="threePt" dir="t"/>
+  </dgm:scene3d>
+  <dgm:styleLbl name="node0">
+    <dgm:scene3d>
+      <a:camera prst="orthographicFront"/>
+      <a:lightRig rig="threePt" dir="t"/>
+    </dgm:scene3d>
+    <dgm:sp3d/>
+    <dgm:txPr/>
+    <dgm:style>
+      <a:lnRef idx="0">
+        <a:scrgbClr r="0" g="0" b="0"/>
+      </a:lnRef>
+      <a:fillRef idx="3">
+        <a:scrgbClr r="0" g="0" b="0"/>
+      </a:fillRef>
+      <a:effectRef idx="3">
+        <a:scrgbClr r="0" g="0" b="0"/>
+      </a:effectRef>
+      <a:fontRef idx="minor">
+        <a:schemeClr val="lt1"/>
+      </a:fontRef>
+    </dgm:style>
+  </dgm:styleLbl>
+  <dgm:styleLbl name="lnNode1">
+    <dgm:scene3d>
+      <a:camera prst="orthographicFront"/>
+      <a:lightRig rig="threePt" dir="t"/>
+    </dgm:scene3d>
+    <dgm:sp3d/>
+    <dgm:txPr/>
+    <dgm:style>
+      <a:lnRef idx="0">
+        <a:scrgbClr r="0" g="0" b="0"/>
+      </a:lnRef>
+      <a:fillRef idx="3">
+        <a:scrgbClr r="0" g="0" b="0"/>
+      </a:fillRef>
+      <a:effectRef idx="3">
+        <a:scrgbClr r="0" g="0" b="0"/>
+      </a:effectRef>
+      <a:fontRef idx="minor">
+        <a:schemeClr val="lt1"/>
+      </a:fontRef>
+    </dgm:style>
+  </dgm:styleLbl>
+  <dgm:styleLbl name="vennNode1">
+    <dgm:scene3d>
+      <a:camera prst="orthographicFront"/>
+      <a:lightRig rig="threePt" dir="t"/>
+    </dgm:scene3d>
+    <dgm:sp3d/>
+    <dgm:txPr/>
+    <dgm:style>
+      <a:lnRef idx="0">
+        <a:scrgbClr r="0" g="0" b="0"/>
+      </a:lnRef>
+      <a:fillRef idx="3">
+        <a:scrgbClr r="0" g="0" b="0"/>
+      </a:fillRef>
+      <a:effectRef idx="3">
+        <a:scrgbClr r="0" g="0" b="0"/>
+      </a:effectRef>
+      <a:fontRef idx="minor">
+        <a:schemeClr val="tx1"/>
+      </a:fontRef>
+    </dgm:style>
+  </dgm:styleLbl>
+  <dgm:styleLbl name="alignNode1">
+    <dgm:scene3d>
+      <a:camera prst="orthographicFront"/>
+      <a:lightRig rig="threePt" dir="t"/>
+    </dgm:scene3d>
+    <dgm:sp3d/>
+    <dgm:txPr/>
+    <dgm:style>
+      <a:lnRef idx="1">
+        <a:scrgbClr r="0" g="0" b="0"/>
+      </a:lnRef>
+      <a:fillRef idx="3">
+        <a:scrgbClr r="0" g="0" b="0"/>
+      </a:fillRef>
+      <a:effectRef idx="3">
+        <a:scrgbClr r="0" g="0" b="0"/>
+      </a:effectRef>
+      <a:fontRef idx="minor">
+        <a:schemeClr val="lt1"/>
+      </a:fontRef>
+    </dgm:style>
+  </dgm:styleLbl>
+  <dgm:styleLbl name="node1">
+    <dgm:scene3d>
+      <a:camera prst="orthographicFront"/>
+      <a:lightRig rig="threePt" dir="t"/>
+    </dgm:scene3d>
+    <dgm:sp3d/>
+    <dgm:txPr/>
+    <dgm:style>
+      <a:lnRef idx="0">
+        <a:scrgbClr r="0" g="0" b="0"/>
+      </a:lnRef>
+      <a:fillRef idx="3">
+        <a:scrgbClr r="0" g="0" b="0"/>
+      </a:fillRef>
+      <a:effectRef idx="3">
+        <a:scrgbClr r="0" g="0" b="0"/>
+      </a:effectRef>
+      <a:fontRef idx="minor">
+        <a:schemeClr val="lt1"/>
+      </a:fontRef>
+    </dgm:style>
+  </dgm:styleLbl>
+  <dgm:styleLbl name="node2">
+    <dgm:scene3d>
+      <a:camera prst="orthographicFront"/>
+      <a:lightRig rig="threePt" dir="t"/>
+    </dgm:scene3d>
+    <dgm:sp3d/>
+    <dgm:txPr/>
+    <dgm:style>
+      <a:lnRef idx="0">
+        <a:scrgbClr r="0" g="0" b="0"/>
+      </a:lnRef>
+      <a:fillRef idx="3">
+        <a:scrgbClr r="0" g="0" b="0"/>
+      </a:fillRef>
+      <a:effectRef idx="3">
+        <a:scrgbClr r="0" g="0" b="0"/>
+      </a:effectRef>
+      <a:fontRef idx="minor">
+        <a:schemeClr val="lt1"/>
+      </a:fontRef>
+    </dgm:style>
+  </dgm:styleLbl>
+  <dgm:styleLbl name="node3">
+    <dgm:scene3d>
+      <a:camera prst="orthographicFront"/>
+      <a:lightRig rig="threePt" dir="t"/>
+    </dgm:scene3d>
+    <dgm:sp3d/>
+    <dgm:txPr/>
+    <dgm:style>
+      <a:lnRef idx="0">
+        <a:scrgbClr r="0" g="0" b="0"/>
+      </a:lnRef>
+      <a:fillRef idx="3">
+        <a:scrgbClr r="0" g="0" b="0"/>
+      </a:fillRef>
+      <a:effectRef idx="3">
+        <a:scrgbClr r="0" g="0" b="0"/>
+      </a:effectRef>
+      <a:fontRef idx="minor">
+        <a:schemeClr val="lt1"/>
+      </a:fontRef>
+    </dgm:style>
+  </dgm:styleLbl>
+  <dgm:styleLbl name="node4">
+    <dgm:scene3d>
+      <a:camera prst="orthographicFront"/>
+      <a:lightRig rig="threePt" dir="t"/>
+    </dgm:scene3d>
+    <dgm:sp3d/>
+    <dgm:txPr/>
+    <dgm:style>
+      <a:lnRef idx="0">
+        <a:scrgbClr r="0" g="0" b="0"/>
+      </a:lnRef>
+      <a:fillRef idx="3">
+        <a:scrgbClr r="0" g="0" b="0"/>
+      </a:fillRef>
+      <a:effectRef idx="3">
+        <a:scrgbClr r="0" g="0" b="0"/>
+      </a:effectRef>
+      <a:fontRef idx="minor">
+        <a:schemeClr val="lt1"/>
+      </a:fontRef>
+    </dgm:style>
+  </dgm:styleLbl>
+  <dgm:styleLbl name="fgImgPlace1">
+    <dgm:scene3d>
+      <a:camera prst="orthographicFront"/>
+      <a:lightRig rig="threePt" dir="t"/>
+    </dgm:scene3d>
+    <dgm:sp3d/>
+    <dgm:txPr/>
+    <dgm:style>
+      <a:lnRef idx="0">
+        <a:scrgbClr r="0" g="0" b="0"/>
+      </a:lnRef>
+      <a:fillRef idx="1">
+        <a:scrgbClr r="0" g="0" b="0"/>
+      </a:fillRef>
+      <a:effectRef idx="3">
+        <a:scrgbClr r="0" g="0" b="0"/>
+      </a:effectRef>
+      <a:fontRef idx="minor"/>
+    </dgm:style>
+  </dgm:styleLbl>
+  <dgm:styleLbl name="alignImgPlace1">
+    <dgm:scene3d>
+      <a:camera prst="orthographicFront"/>
+      <a:lightRig rig="threePt" dir="t"/>
+    </dgm:scene3d>
+    <dgm:sp3d/>
+    <dgm:txPr/>
+    <dgm:style>
+      <a:lnRef idx="0">
+        <a:scrgbClr r="0" g="0" b="0"/>
+      </a:lnRef>
+      <a:fillRef idx="1">
+        <a:scrgbClr r="0" g="0" b="0"/>
+      </a:fillRef>
+      <a:effectRef idx="3">
+        <a:scrgbClr r="0" g="0" b="0"/>
+      </a:effectRef>
+      <a:fontRef idx="minor"/>
+    </dgm:style>
+  </dgm:styleLbl>
+  <dgm:styleLbl name="bgImgPlace1">
+    <dgm:scene3d>
+      <a:camera prst="orthographicFront"/>
+      <a:lightRig rig="threePt" dir="t"/>
+    </dgm:scene3d>
+    <dgm:sp3d/>
+    <dgm:txPr/>
+    <dgm:style>
+      <a:lnRef idx="0">
+        <a:scrgbClr r="0" g="0" b="0"/>
+      </a:lnRef>
+      <a:fillRef idx="1">
+        <a:scrgbClr r="0" g="0" b="0"/>
+      </a:fillRef>
+      <a:effectRef idx="3">
+        <a:scrgbClr r="0" g="0" b="0"/>
+      </a:effectRef>
+      <a:fontRef idx="minor"/>
+    </dgm:style>
+  </dgm:styleLbl>
+  <dgm:styleLbl name="sibTrans2D1">
+    <dgm:scene3d>
+      <a:camera prst="orthographicFront"/>
+      <a:lightRig rig="threePt" dir="t"/>
+    </dgm:scene3d>
+    <dgm:sp3d/>
+    <dgm:txPr/>
+    <dgm:style>
+      <a:lnRef idx="0">
+        <a:scrgbClr r="0" g="0" b="0"/>
+      </a:lnRef>
+      <a:fillRef idx="3">
+        <a:scrgbClr r="0" g="0" b="0"/>
+      </a:fillRef>
+      <a:effectRef idx="3">
+        <a:scrgbClr r="0" g="0" b="0"/>
+      </a:effectRef>
+      <a:fontRef idx="minor">
+        <a:schemeClr val="lt1"/>
+      </a:fontRef>
+    </dgm:style>
+  </dgm:styleLbl>
+  <dgm:styleLbl name="fgSibTrans2D1">
+    <dgm:scene3d>
+      <a:camera prst="orthographicFront"/>
+      <a:lightRig rig="threePt" dir="t"/>
+    </dgm:scene3d>
+    <dgm:sp3d/>
+    <dgm:txPr/>
+    <dgm:style>
+      <a:lnRef idx="0">
+        <a:scrgbClr r="0" g="0" b="0"/>
+      </a:lnRef>
+      <a:fillRef idx="3">
+        <a:scrgbClr r="0" g="0" b="0"/>
+      </a:fillRef>
+      <a:effectRef idx="3">
+        <a:scrgbClr r="0" g="0" b="0"/>
+      </a:effectRef>
+      <a:fontRef idx="minor">
+        <a:schemeClr val="lt1"/>
+      </a:fontRef>
+    </dgm:style>
+  </dgm:styleLbl>
+  <dgm:styleLbl name="bgSibTrans2D1">
+    <dgm:scene3d>
+      <a:camera prst="orthographicFront"/>
+      <a:lightRig rig="threePt" dir="t"/>
+    </dgm:scene3d>
+    <dgm:sp3d/>
+    <dgm:txPr/>
+    <dgm:style>
+      <a:lnRef idx="0">
+        <a:scrgbClr r="0" g="0" b="0"/>
+      </a:lnRef>
+      <a:fillRef idx="3">
+        <a:scrgbClr r="0" g="0" b="0"/>
+      </a:fillRef>
+      <a:effectRef idx="3">
+        <a:scrgbClr r="0" g="0" b="0"/>
+      </a:effectRef>
+      <a:fontRef idx="minor">
+        <a:schemeClr val="lt1"/>
+      </a:fontRef>
+    </dgm:style>
+  </dgm:styleLbl>
+  <dgm:styleLbl name="sibTrans1D1">
+    <dgm:scene3d>
+      <a:camera prst="orthographicFront"/>
+      <a:lightRig rig="threePt" dir="t"/>
+    </dgm:scene3d>
+    <dgm:sp3d/>
+    <dgm:txPr/>
+    <dgm:style>
+      <a:lnRef idx="1">
+        <a:scrgbClr r="0" g="0" b="0"/>
+      </a:lnRef>
+      <a:fillRef idx="0">
+        <a:scrgbClr r="0" g="0" b="0"/>
+      </a:fillRef>
+      <a:effectRef idx="0">
+        <a:scrgbClr r="0" g="0" b="0"/>
+      </a:effectRef>
+      <a:fontRef idx="minor"/>
+    </dgm:style>
+  </dgm:styleLbl>
+  <dgm:styleLbl name="callout">
+    <dgm:scene3d>
+      <a:camera prst="orthographicFront"/>
+      <a:lightRig rig="threePt" dir="t"/>
+    </dgm:scene3d>
+    <dgm:sp3d/>
+    <dgm:txPr/>
+    <dgm:style>
+      <a:lnRef idx="1">
+        <a:scrgbClr r="0" g="0" b="0"/>
+      </a:lnRef>
+      <a:fillRef idx="0">
+        <a:scrgbClr r="0" g="0" b="0"/>
+      </a:fillRef>
+      <a:effectRef idx="1">
+        <a:scrgbClr r="0" g="0" b="0"/>
+      </a:effectRef>
+      <a:fontRef idx="minor"/>
+    </dgm:style>
+  </dgm:styleLbl>
+  <dgm:styleLbl name="asst0">
+    <dgm:scene3d>
+      <a:camera prst="orthographicFront"/>
+      <a:lightRig rig="threePt" dir="t"/>
+    </dgm:scene3d>
+    <dgm:sp3d/>
+    <dgm:txPr/>
+    <dgm:style>
+      <a:lnRef idx="0">
+        <a:scrgbClr r="0" g="0" b="0"/>
+      </a:lnRef>
+      <a:fillRef idx="3">
+        <a:scrgbClr r="0" g="0" b="0"/>
+      </a:fillRef>
+      <a:effectRef idx="3">
+        <a:scrgbClr r="0" g="0" b="0"/>
+      </a:effectRef>
+      <a:fontRef idx="minor">
+        <a:schemeClr val="lt1"/>
+      </a:fontRef>
+    </dgm:style>
+  </dgm:styleLbl>
+  <dgm:styleLbl name="asst1">
+    <dgm:scene3d>
+      <a:camera prst="orthographicFront"/>
+      <a:lightRig rig="threePt" dir="t"/>
+    </dgm:scene3d>
+    <dgm:sp3d/>
+    <dgm:txPr/>
+    <dgm:style>
+      <a:lnRef idx="0">
+        <a:scrgbClr r="0" g="0" b="0"/>
+      </a:lnRef>
+      <a:fillRef idx="3">
+        <a:scrgbClr r="0" g="0" b="0"/>
+      </a:fillRef>
+      <a:effectRef idx="3">
+        <a:scrgbClr r="0" g="0" b="0"/>
+      </a:effectRef>
+      <a:fontRef idx="minor">
+        <a:schemeClr val="lt1"/>
+      </a:fontRef>
+    </dgm:style>
+  </dgm:styleLbl>
+  <dgm:styleLbl name="asst2">
+    <dgm:scene3d>
+      <a:camera prst="orthographicFront"/>
+      <a:lightRig rig="threePt" dir="t"/>
+    </dgm:scene3d>
+    <dgm:sp3d/>
+    <dgm:txPr/>
+    <dgm:style>
+      <a:lnRef idx="0">
+        <a:scrgbClr r="0" g="0" b="0"/>
+      </a:lnRef>
+      <a:fillRef idx="3">
+        <a:scrgbClr r="0" g="0" b="0"/>
+      </a:fillRef>
+      <a:effectRef idx="3">
+        <a:scrgbClr r="0" g="0" b="0"/>
+      </a:effectRef>
+      <a:fontRef idx="minor">
+        <a:schemeClr val="lt1"/>
+      </a:fontRef>
+    </dgm:style>
+  </dgm:styleLbl>
+  <dgm:styleLbl name="asst3">
+    <dgm:scene3d>
+      <a:camera prst="orthographicFront"/>
+      <a:lightRig rig="threePt" dir="t"/>
+    </dgm:scene3d>
+    <dgm:sp3d/>
+    <dgm:txPr/>
+    <dgm:style>
+      <a:lnRef idx="0">
+        <a:scrgbClr r="0" g="0" b="0"/>
+      </a:lnRef>
+      <a:fillRef idx="3">
+        <a:scrgbClr r="0" g="0" b="0"/>
+      </a:fillRef>
+      <a:effectRef idx="3">
+        <a:scrgbClr r="0" g="0" b="0"/>
+      </a:effectRef>
+      <a:fontRef idx="minor">
+        <a:schemeClr val="lt1"/>
+      </a:fontRef>
+    </dgm:style>
+  </dgm:styleLbl>
+  <dgm:styleLbl name="asst4">
+    <dgm:scene3d>
+      <a:camera prst="orthographicFront"/>
+      <a:lightRig rig="threePt" dir="t"/>
+    </dgm:scene3d>
+    <dgm:sp3d/>
+    <dgm:txPr/>
+    <dgm:style>
+      <a:lnRef idx="0">
+        <a:scrgbClr r="0" g="0" b="0"/>
+      </a:lnRef>
+      <a:fillRef idx="3">
+        <a:scrgbClr r="0" g="0" b="0"/>
+      </a:fillRef>
+      <a:effectRef idx="3">
+        <a:scrgbClr r="0" g="0" b="0"/>
+      </a:effectRef>
+      <a:fontRef idx="minor">
+        <a:schemeClr val="lt1"/>
+      </a:fontRef>
+    </dgm:style>
+  </dgm:styleLbl>
+  <dgm:styleLbl name="parChTrans2D1">
+    <dgm:scene3d>
+      <a:camera prst="orthographicFront"/>
+      <a:lightRig rig="threePt" dir="t"/>
+    </dgm:scene3d>
+    <dgm:sp3d/>
+    <dgm:txPr/>
+    <dgm:style>
+      <a:lnRef idx="0">
+        <a:scrgbClr r="0" g="0" b="0"/>
+      </a:lnRef>
+      <a:fillRef idx="3">
+        <a:scrgbClr r="0" g="0" b="0"/>
+      </a:fillRef>
+      <a:effectRef idx="3">
+        <a:scrgbClr r="0" g="0" b="0"/>
+      </a:effectRef>
+      <a:fontRef idx="minor">
+        <a:schemeClr val="lt1"/>
+      </a:fontRef>
+    </dgm:style>
+  </dgm:styleLbl>
+  <dgm:styleLbl name="parChTrans2D2">
+    <dgm:scene3d>
+      <a:camera prst="orthographicFront"/>
+      <a:lightRig rig="threePt" dir="t"/>
+    </dgm:scene3d>
+    <dgm:sp3d/>
+    <dgm:txPr/>
+    <dgm:style>
+      <a:lnRef idx="0">
+        <a:scrgbClr r="0" g="0" b="0"/>
+      </a:lnRef>
+      <a:fillRef idx="3">
+        <a:scrgbClr r="0" g="0" b="0"/>
+      </a:fillRef>
+      <a:effectRef idx="3">
+        <a:scrgbClr r="0" g="0" b="0"/>
+      </a:effectRef>
+      <a:fontRef idx="minor">
+        <a:schemeClr val="lt1"/>
+      </a:fontRef>
+    </dgm:style>
+  </dgm:styleLbl>
+  <dgm:styleLbl name="parChTrans2D3">
+    <dgm:scene3d>
+      <a:camera prst="orthographicFront"/>
+      <a:lightRig rig="threePt" dir="t"/>
+    </dgm:scene3d>
+    <dgm:sp3d/>
+    <dgm:txPr/>
+    <dgm:style>
+      <a:lnRef idx="0">
+        <a:scrgbClr r="0" g="0" b="0"/>
+      </a:lnRef>
+      <a:fillRef idx="3">
+        <a:scrgbClr r="0" g="0" b="0"/>
+      </a:fillRef>
+      <a:effectRef idx="3">
+        <a:scrgbClr r="0" g="0" b="0"/>
+      </a:effectRef>
+      <a:fontRef idx="minor">
+        <a:schemeClr val="lt1"/>
+      </a:fontRef>
+    </dgm:style>
+  </dgm:styleLbl>
+  <dgm:styleLbl name="parChTrans2D4">
+    <dgm:scene3d>
+      <a:camera prst="orthographicFront"/>
+      <a:lightRig rig="threePt" dir="t"/>
+    </dgm:scene3d>
+    <dgm:sp3d/>
+    <dgm:txPr/>
+    <dgm:style>
+      <a:lnRef idx="0">
+        <a:scrgbClr r="0" g="0" b="0"/>
+      </a:lnRef>
+      <a:fillRef idx="3">
+        <a:scrgbClr r="0" g="0" b="0"/>
+      </a:fillRef>
+      <a:effectRef idx="3">
+        <a:scrgbClr r="0" g="0" b="0"/>
+      </a:effectRef>
+      <a:fontRef idx="minor">
+        <a:schemeClr val="lt1"/>
+      </a:fontRef>
+    </dgm:style>
+  </dgm:styleLbl>
+  <dgm:styleLbl name="parChTrans1D1">
+    <dgm:scene3d>
+      <a:camera prst="orthographicFront"/>
+      <a:lightRig rig="threePt" dir="t"/>
+    </dgm:scene3d>
+    <dgm:sp3d/>
+    <dgm:txPr/>
+    <dgm:style>
+      <a:lnRef idx="2">
+        <a:scrgbClr r="0" g="0" b="0"/>
+      </a:lnRef>
+      <a:fillRef idx="0">
+        <a:scrgbClr r="0" g="0" b="0"/>
+      </a:fillRef>
+      <a:effectRef idx="0">
+        <a:scrgbClr r="0" g="0" b="0"/>
+      </a:effectRef>
+      <a:fontRef idx="minor"/>
+    </dgm:style>
+  </dgm:styleLbl>
+  <dgm:styleLbl name="parChTrans1D2">
+    <dgm:scene3d>
+      <a:camera prst="orthographicFront"/>
+      <a:lightRig rig="threePt" dir="t"/>
+    </dgm:scene3d>
+    <dgm:sp3d/>
+    <dgm:txPr/>
+    <dgm:style>
+      <a:lnRef idx="2">
+        <a:scrgbClr r="0" g="0" b="0"/>
+      </a:lnRef>
+      <a:fillRef idx="0">
+        <a:scrgbClr r="0" g="0" b="0"/>
+      </a:fillRef>
+      <a:effectRef idx="0">
+        <a:scrgbClr r="0" g="0" b="0"/>
+      </a:effectRef>
+      <a:fontRef idx="minor"/>
+    </dgm:style>
+  </dgm:styleLbl>
+  <dgm:styleLbl name="parChTrans1D3">
+    <dgm:scene3d>
+      <a:camera prst="orthographicFront"/>
+      <a:lightRig rig="threePt" dir="t"/>
+    </dgm:scene3d>
+    <dgm:sp3d/>
+    <dgm:txPr/>
+    <dgm:style>
+      <a:lnRef idx="2">
+        <a:scrgbClr r="0" g="0" b="0"/>
+      </a:lnRef>
+      <a:fillRef idx="0">
+        <a:scrgbClr r="0" g="0" b="0"/>
+      </a:fillRef>
+      <a:effectRef idx="0">
+        <a:scrgbClr r="0" g="0" b="0"/>
+      </a:effectRef>
+      <a:fontRef idx="minor"/>
+    </dgm:style>
+  </dgm:styleLbl>
+  <dgm:styleLbl name="parChTrans1D4">
+    <dgm:scene3d>
+      <a:camera prst="orthographicFront"/>
+      <a:lightRig rig="threePt" dir="t"/>
+    </dgm:scene3d>
+    <dgm:sp3d/>
+    <dgm:txPr/>
+    <dgm:style>
+      <a:lnRef idx="2">
+        <a:scrgbClr r="0" g="0" b="0"/>
+      </a:lnRef>
+      <a:fillRef idx="0">
+        <a:scrgbClr r="0" g="0" b="0"/>
+      </a:fillRef>
+      <a:effectRef idx="0">
+        <a:scrgbClr r="0" g="0" b="0"/>
+      </a:effectRef>
+      <a:fontRef idx="minor"/>
+    </dgm:style>
+  </dgm:styleLbl>
+  <dgm:styleLbl name="fgAcc1">
+    <dgm:scene3d>
+      <a:camera prst="orthographicFront"/>
+      <a:lightRig rig="threePt" dir="t"/>
+    </dgm:scene3d>
+    <dgm:sp3d/>
+    <dgm:txPr/>
+    <dgm:style>
+      <a:lnRef idx="1">
+        <a:scrgbClr r="0" g="0" b="0"/>
+      </a:lnRef>
+      <a:fillRef idx="1">
+        <a:scrgbClr r="0" g="0" b="0"/>
+      </a:fillRef>
+      <a:effectRef idx="2">
+        <a:scrgbClr r="0" g="0" b="0"/>
+      </a:effectRef>
+      <a:fontRef idx="minor"/>
+    </dgm:style>
+  </dgm:styleLbl>
+  <dgm:styleLbl name="conFgAcc1">
+    <dgm:scene3d>
+      <a:camera prst="orthographicFront"/>
+      <a:lightRig rig="threePt" dir="t"/>
+    </dgm:scene3d>
+    <dgm:sp3d/>
+    <dgm:txPr/>
+    <dgm:style>
+      <a:lnRef idx="1">
+        <a:scrgbClr r="0" g="0" b="0"/>
+      </a:lnRef>
+      <a:fillRef idx="1">
+        <a:scrgbClr r="0" g="0" b="0"/>
+      </a:fillRef>
+      <a:effectRef idx="2">
+        <a:scrgbClr r="0" g="0" b="0"/>
+      </a:effectRef>
+      <a:fontRef idx="minor"/>
+    </dgm:style>
+  </dgm:styleLbl>
+  <dgm:styleLbl name="alignAcc1">
+    <dgm:scene3d>
+      <a:camera prst="orthographicFront"/>
+      <a:lightRig rig="threePt" dir="t"/>
+    </dgm:scene3d>
+    <dgm:sp3d/>
+    <dgm:txPr/>
+    <dgm:style>
+      <a:lnRef idx="1">
+        <a:scrgbClr r="0" g="0" b="0"/>
+      </a:lnRef>
+      <a:fillRef idx="1">
+        <a:scrgbClr r="0" g="0" b="0"/>
+      </a:fillRef>
+      <a:effectRef idx="2">
+        <a:scrgbClr r="0" g="0" b="0"/>
+      </a:effectRef>
+      <a:fontRef idx="minor"/>
+    </dgm:style>
+  </dgm:styleLbl>
+  <dgm:styleLbl name="trAlignAcc1">
+    <dgm:scene3d>
+      <a:camera prst="orthographicFront"/>
+      <a:lightRig rig="threePt" dir="t"/>
+    </dgm:scene3d>
+    <dgm:sp3d/>
+    <dgm:txPr/>
+    <dgm:style>
+      <a:lnRef idx="1">
+        <a:scrgbClr r="0" g="0" b="0"/>
+      </a:lnRef>
+      <a:fillRef idx="1">
+        <a:scrgbClr r="0" g="0" b="0"/>
+      </a:fillRef>
+      <a:effectRef idx="0">
+        <a:scrgbClr r="0" g="0" b="0"/>
+      </a:effectRef>
+      <a:fontRef idx="minor"/>
+    </dgm:style>
+  </dgm:styleLbl>
+  <dgm:styleLbl name="bgAcc1">
+    <dgm:scene3d>
+      <a:camera prst="orthographicFront"/>
+      <a:lightRig rig="threePt" dir="t"/>
+    </dgm:scene3d>
+    <dgm:sp3d/>
+    <dgm:txPr/>
+    <dgm:style>
+      <a:lnRef idx="1">
+        <a:scrgbClr r="0" g="0" b="0"/>
+      </a:lnRef>
+      <a:fillRef idx="1">
+        <a:scrgbClr r="0" g="0" b="0"/>
+      </a:fillRef>
+      <a:effectRef idx="2">
+        <a:scrgbClr r="0" g="0" b="0"/>
+      </a:effectRef>
+      <a:fontRef idx="minor"/>
+    </dgm:style>
+  </dgm:styleLbl>
+  <dgm:styleLbl name="solidFgAcc1">
+    <dgm:scene3d>
+      <a:camera prst="orthographicFront"/>
+      <a:lightRig rig="threePt" dir="t"/>
+    </dgm:scene3d>
+    <dgm:sp3d/>
+    <dgm:txPr/>
+    <dgm:style>
+      <a:lnRef idx="1">
+        <a:scrgbClr r="0" g="0" b="0"/>
+      </a:lnRef>
+      <a:fillRef idx="1">
+        <a:scrgbClr r="0" g="0" b="0"/>
+      </a:fillRef>
+      <a:effectRef idx="2">
+        <a:scrgbClr r="0" g="0" b="0"/>
+      </a:effectRef>
+      <a:fontRef idx="minor"/>
+    </dgm:style>
+  </dgm:styleLbl>
+  <dgm:styleLbl name="solidAlignAcc1">
+    <dgm:scene3d>
+      <a:camera prst="orthographicFront"/>
+      <a:lightRig rig="threePt" dir="t"/>
+    </dgm:scene3d>
+    <dgm:sp3d/>
+    <dgm:txPr/>
+    <dgm:style>
+      <a:lnRef idx="1">
+        <a:scrgbClr r="0" g="0" b="0"/>
+      </a:lnRef>
+      <a:fillRef idx="1">
+        <a:scrgbClr r="0" g="0" b="0"/>
+      </a:fillRef>
+      <a:effectRef idx="3">
+        <a:scrgbClr r="0" g="0" b="0"/>
+      </a:effectRef>
+      <a:fontRef idx="minor"/>
+    </dgm:style>
+  </dgm:styleLbl>
+  <dgm:styleLbl name="solidBgAcc1">
+    <dgm:scene3d>
+      <a:camera prst="orthographicFront"/>
+      <a:lightRig rig="threePt" dir="t"/>
+    </dgm:scene3d>
+    <dgm:sp3d/>
+    <dgm:txPr/>
+    <dgm:style>
+      <a:lnRef idx="1">
+        <a:scrgbClr r="0" g="0" b="0"/>
+      </a:lnRef>
+      <a:fillRef idx="1">
+        <a:scrgbClr r="0" g="0" b="0"/>
+      </a:fillRef>
+      <a:effectRef idx="3">
+        <a:scrgbClr r="0" g="0" b="0"/>
+      </a:effectRef>
+      <a:fontRef idx="minor"/>
+    </dgm:style>
+  </dgm:styleLbl>
+  <dgm:styleLbl name="fgAccFollowNode1">
+    <dgm:scene3d>
+      <a:camera prst="orthographicFront"/>
+      <a:lightRig rig="threePt" dir="t"/>
+    </dgm:scene3d>
+    <dgm:sp3d/>
+    <dgm:txPr/>
+    <dgm:style>
+      <a:lnRef idx="1">
+        <a:scrgbClr r="0" g="0" b="0"/>
+      </a:lnRef>
+      <a:fillRef idx="1">
+        <a:scrgbClr r="0" g="0" b="0"/>
+      </a:fillRef>
+      <a:effectRef idx="2">
+        <a:scrgbClr r="0" g="0" b="0"/>
+      </a:effectRef>
+      <a:fontRef idx="minor"/>
+    </dgm:style>
+  </dgm:styleLbl>
+  <dgm:styleLbl name="alignAccFollowNode1">
+    <dgm:scene3d>
+      <a:camera prst="orthographicFront"/>
+      <a:lightRig rig="threePt" dir="t"/>
+    </dgm:scene3d>
+    <dgm:sp3d/>
+    <dgm:txPr/>
+    <dgm:style>
+      <a:lnRef idx="1">
+        <a:scrgbClr r="0" g="0" b="0"/>
+      </a:lnRef>
+      <a:fillRef idx="1">
+        <a:scrgbClr r="0" g="0" b="0"/>
+      </a:fillRef>
+      <a:effectRef idx="2">
+        <a:scrgbClr r="0" g="0" b="0"/>
+      </a:effectRef>
+      <a:fontRef idx="minor"/>
+    </dgm:style>
+  </dgm:styleLbl>
+  <dgm:styleLbl name="bgAccFollowNode1">
+    <dgm:scene3d>
+      <a:camera prst="orthographicFront"/>
+      <a:lightRig rig="threePt" dir="t"/>
+    </dgm:scene3d>
+    <dgm:sp3d/>
+    <dgm:txPr/>
+    <dgm:style>
+      <a:lnRef idx="1">
+        <a:scrgbClr r="0" g="0" b="0"/>
+      </a:lnRef>
+      <a:fillRef idx="1">
+        <a:scrgbClr r="0" g="0" b="0"/>
+      </a:fillRef>
+      <a:effectRef idx="2">
+        <a:scrgbClr r="0" g="0" b="0"/>
+      </a:effectRef>
+      <a:fontRef idx="minor"/>
+    </dgm:style>
+  </dgm:styleLbl>
+  <dgm:styleLbl name="fgAcc0">
+    <dgm:scene3d>
+      <a:camera prst="orthographicFront"/>
+      <a:lightRig rig="threePt" dir="t"/>
+    </dgm:scene3d>
+    <dgm:sp3d/>
+    <dgm:txPr/>
+    <dgm:style>
+      <a:lnRef idx="1">
+        <a:scrgbClr r="0" g="0" b="0"/>
+      </a:lnRef>
+      <a:fillRef idx="1">
+        <a:scrgbClr r="0" g="0" b="0"/>
+      </a:fillRef>
+      <a:effectRef idx="2">
+        <a:scrgbClr r="0" g="0" b="0"/>
+      </a:effectRef>
+      <a:fontRef idx="minor"/>
+    </dgm:style>
+  </dgm:styleLbl>
+  <dgm:styleLbl name="fgAcc2">
+    <dgm:scene3d>
+      <a:camera prst="orthographicFront"/>
+      <a:lightRig rig="threePt" dir="t"/>
+    </dgm:scene3d>
+    <dgm:sp3d/>
+    <dgm:txPr/>
+    <dgm:style>
+      <a:lnRef idx="1">
+        <a:scrgbClr r="0" g="0" b="0"/>
+      </a:lnRef>
+      <a:fillRef idx="1">
+        <a:scrgbClr r="0" g="0" b="0"/>
+      </a:fillRef>
+      <a:effectRef idx="2">
+        <a:scrgbClr r="0" g="0" b="0"/>
+      </a:effectRef>
+      <a:fontRef idx="minor"/>
+    </dgm:style>
+  </dgm:styleLbl>
+  <dgm:styleLbl name="fgAcc3">
+    <dgm:scene3d>
+      <a:camera prst="orthographicFront"/>
+      <a:lightRig rig="threePt" dir="t"/>
+    </dgm:scene3d>
+    <dgm:sp3d/>
+    <dgm:txPr/>
+    <dgm:style>
+      <a:lnRef idx="1">
+        <a:scrgbClr r="0" g="0" b="0"/>
+      </a:lnRef>
+      <a:fillRef idx="1">
+        <a:scrgbClr r="0" g="0" b="0"/>
+      </a:fillRef>
+      <a:effectRef idx="2">
+        <a:scrgbClr r="0" g="0" b="0"/>
+      </a:effectRef>
+      <a:fontRef idx="minor"/>
+    </dgm:style>
+  </dgm:styleLbl>
+  <dgm:styleLbl name="fgAcc4">
+    <dgm:scene3d>
+      <a:camera prst="orthographicFront"/>
+      <a:lightRig rig="threePt" dir="t"/>
+    </dgm:scene3d>
+    <dgm:sp3d/>
+    <dgm:txPr/>
+    <dgm:style>
+      <a:lnRef idx="1">
+        <a:scrgbClr r="0" g="0" b="0"/>
+      </a:lnRef>
+      <a:fillRef idx="1">
+        <a:scrgbClr r="0" g="0" b="0"/>
+      </a:fillRef>
+      <a:effectRef idx="2">
+        <a:scrgbClr r="0" g="0" b="0"/>
+      </a:effectRef>
+      <a:fontRef idx="minor"/>
+    </dgm:style>
+  </dgm:styleLbl>
+  <dgm:styleLbl name="bgShp">
+    <dgm:scene3d>
+      <a:camera prst="orthographicFront"/>
+      <a:lightRig rig="threePt" dir="t"/>
+    </dgm:scene3d>
+    <dgm:sp3d/>
+    <dgm:txPr/>
+    <dgm:style>
+      <a:lnRef idx="0">
+        <a:scrgbClr r="0" g="0" b="0"/>
+      </a:lnRef>
+      <a:fillRef idx="1">
+        <a:scrgbClr r="0" g="0" b="0"/>
+      </a:fillRef>
+      <a:effectRef idx="2">
+        <a:scrgbClr r="0" g="0" b="0"/>
+      </a:effectRef>
+      <a:fontRef idx="minor"/>
+    </dgm:style>
+  </dgm:styleLbl>
+  <dgm:styleLbl name="dkBgShp">
+    <dgm:scene3d>
+      <a:camera prst="orthographicFront"/>
+      <a:lightRig rig="threePt" dir="t"/>
+    </dgm:scene3d>
+    <dgm:sp3d/>
+    <dgm:txPr/>
+    <dgm:style>
+      <a:lnRef idx="0">
+        <a:scrgbClr r="0" g="0" b="0"/>
+      </a:lnRef>
+      <a:fillRef idx="1">
+        <a:scrgbClr r="0" g="0" b="0"/>
+      </a:fillRef>
+      <a:effectRef idx="3">
+        <a:scrgbClr r="0" g="0" b="0"/>
+      </a:effectRef>
+      <a:fontRef idx="minor"/>
+    </dgm:style>
+  </dgm:styleLbl>
+  <dgm:styleLbl name="trBgShp">
+    <dgm:scene3d>
+      <a:camera prst="orthographicFront"/>
+      <a:lightRig rig="threePt" dir="t"/>
+    </dgm:scene3d>
+    <dgm:sp3d/>
+    <dgm:txPr/>
+    <dgm:style>
+      <a:lnRef idx="0">
+        <a:scrgbClr r="0" g="0" b="0"/>
+      </a:lnRef>
+      <a:fillRef idx="1">
+        <a:scrgbClr r="0" g="0" b="0"/>
+      </a:fillRef>
+      <a:effectRef idx="0">
+        <a:scrgbClr r="0" g="0" b="0"/>
+      </a:effectRef>
+      <a:fontRef idx="minor"/>
+    </dgm:style>
+  </dgm:styleLbl>
+  <dgm:styleLbl name="fgShp">
+    <dgm:scene3d>
+      <a:camera prst="orthographicFront"/>
+      <a:lightRig rig="threePt" dir="t"/>
+    </dgm:scene3d>
+    <dgm:sp3d/>
+    <dgm:txPr/>
+    <dgm:style>
+      <a:lnRef idx="0">
+        <a:scrgbClr r="0" g="0" b="0"/>
+      </a:lnRef>
+      <a:fillRef idx="3">
+        <a:scrgbClr r="0" g="0" b="0"/>
+      </a:fillRef>
+      <a:effectRef idx="3">
+        <a:scrgbClr r="0" g="0" b="0"/>
+      </a:effectRef>
+      <a:fontRef idx="minor"/>
+    </dgm:style>
+  </dgm:styleLbl>
+  <dgm:styleLbl name="revTx">
+    <dgm:scene3d>
+      <a:camera prst="orthographicFront"/>
+      <a:lightRig rig="threePt" dir="t"/>
+    </dgm:scene3d>
+    <dgm:sp3d/>
+    <dgm:txPr/>
+    <dgm:style>
+      <a:lnRef idx="0">
+        <a:scrgbClr r="0" g="0" b="0"/>
+      </a:lnRef>
+      <a:fillRef idx="0">
+        <a:scrgbClr r="0" g="0" b="0"/>
+      </a:fillRef>
+      <a:effectRef idx="0">
+        <a:scrgbClr r="0" g="0" b="0"/>
+      </a:effectRef>
+      <a:fontRef idx="minor"/>
+    </dgm:style>
+  </dgm:styleLbl>
+</dgm:styleDef>
+</file>
+
+<file path=ppt/diagrams/quickStyle2.xml><?xml version="1.0" encoding="utf-8"?>
+<dgm:styleDef xmlns:dgm="http://schemas.openxmlformats.org/drawingml/2006/diagram" xmlns:a="http://schemas.openxmlformats.org/drawingml/2006/main" uniqueId="urn:microsoft.com/office/officeart/2005/8/quickstyle/simple5">
+  <dgm:title val=""/>
+  <dgm:desc val=""/>
+  <dgm:catLst>
+    <dgm:cat type="simple" pri="10500"/>
+  </dgm:catLst>
+  <dgm:scene3d>
+    <a:camera prst="orthographicFront"/>
+    <a:lightRig rig="threePt" dir="t"/>
+  </dgm:scene3d>
+  <dgm:styleLbl name="node0">
+    <dgm:scene3d>
+      <a:camera prst="orthographicFront"/>
+      <a:lightRig rig="threePt" dir="t"/>
+    </dgm:scene3d>
+    <dgm:sp3d/>
+    <dgm:txPr/>
+    <dgm:style>
+      <a:lnRef idx="0">
+        <a:scrgbClr r="0" g="0" b="0"/>
+      </a:lnRef>
+      <a:fillRef idx="3">
+        <a:scrgbClr r="0" g="0" b="0"/>
+      </a:fillRef>
+      <a:effectRef idx="3">
+        <a:scrgbClr r="0" g="0" b="0"/>
+      </a:effectRef>
+      <a:fontRef idx="minor">
+        <a:schemeClr val="lt1"/>
+      </a:fontRef>
+    </dgm:style>
+  </dgm:styleLbl>
+  <dgm:styleLbl name="lnNode1">
+    <dgm:scene3d>
+      <a:camera prst="orthographicFront"/>
+      <a:lightRig rig="threePt" dir="t"/>
+    </dgm:scene3d>
+    <dgm:sp3d/>
+    <dgm:txPr/>
+    <dgm:style>
+      <a:lnRef idx="0">
+        <a:scrgbClr r="0" g="0" b="0"/>
+      </a:lnRef>
+      <a:fillRef idx="3">
+        <a:scrgbClr r="0" g="0" b="0"/>
+      </a:fillRef>
+      <a:effectRef idx="3">
+        <a:scrgbClr r="0" g="0" b="0"/>
+      </a:effectRef>
+      <a:fontRef idx="minor">
+        <a:schemeClr val="lt1"/>
+      </a:fontRef>
+    </dgm:style>
+  </dgm:styleLbl>
+  <dgm:styleLbl name="vennNode1">
+    <dgm:scene3d>
+      <a:camera prst="orthographicFront"/>
+      <a:lightRig rig="threePt" dir="t"/>
+    </dgm:scene3d>
+    <dgm:sp3d/>
+    <dgm:txPr/>
+    <dgm:style>
+      <a:lnRef idx="0">
+        <a:scrgbClr r="0" g="0" b="0"/>
+      </a:lnRef>
+      <a:fillRef idx="3">
+        <a:scrgbClr r="0" g="0" b="0"/>
+      </a:fillRef>
+      <a:effectRef idx="3">
+        <a:scrgbClr r="0" g="0" b="0"/>
+      </a:effectRef>
+      <a:fontRef idx="minor">
+        <a:schemeClr val="tx1"/>
+      </a:fontRef>
+    </dgm:style>
+  </dgm:styleLbl>
+  <dgm:styleLbl name="alignNode1">
+    <dgm:scene3d>
+      <a:camera prst="orthographicFront"/>
+      <a:lightRig rig="threePt" dir="t"/>
+    </dgm:scene3d>
+    <dgm:sp3d/>
+    <dgm:txPr/>
+    <dgm:style>
+      <a:lnRef idx="1">
+        <a:scrgbClr r="0" g="0" b="0"/>
+      </a:lnRef>
+      <a:fillRef idx="3">
+        <a:scrgbClr r="0" g="0" b="0"/>
+      </a:fillRef>
+      <a:effectRef idx="3">
+        <a:scrgbClr r="0" g="0" b="0"/>
+      </a:effectRef>
+      <a:fontRef idx="minor">
+        <a:schemeClr val="lt1"/>
+      </a:fontRef>
+    </dgm:style>
+  </dgm:styleLbl>
+  <dgm:styleLbl name="node1">
+    <dgm:scene3d>
+      <a:camera prst="orthographicFront"/>
+      <a:lightRig rig="threePt" dir="t"/>
+    </dgm:scene3d>
+    <dgm:sp3d/>
+    <dgm:txPr/>
+    <dgm:style>
+      <a:lnRef idx="0">
+        <a:scrgbClr r="0" g="0" b="0"/>
+      </a:lnRef>
+      <a:fillRef idx="3">
+        <a:scrgbClr r="0" g="0" b="0"/>
+      </a:fillRef>
+      <a:effectRef idx="3">
+        <a:scrgbClr r="0" g="0" b="0"/>
+      </a:effectRef>
+      <a:fontRef idx="minor">
+        <a:schemeClr val="lt1"/>
+      </a:fontRef>
+    </dgm:style>
+  </dgm:styleLbl>
+  <dgm:styleLbl name="node2">
+    <dgm:scene3d>
+      <a:camera prst="orthographicFront"/>
+      <a:lightRig rig="threePt" dir="t"/>
+    </dgm:scene3d>
+    <dgm:sp3d/>
+    <dgm:txPr/>
+    <dgm:style>
+      <a:lnRef idx="0">
+        <a:scrgbClr r="0" g="0" b="0"/>
+      </a:lnRef>
+      <a:fillRef idx="3">
+        <a:scrgbClr r="0" g="0" b="0"/>
+      </a:fillRef>
+      <a:effectRef idx="3">
+        <a:scrgbClr r="0" g="0" b="0"/>
+      </a:effectRef>
+      <a:fontRef idx="minor">
+        <a:schemeClr val="lt1"/>
+      </a:fontRef>
+    </dgm:style>
+  </dgm:styleLbl>
+  <dgm:styleLbl name="node3">
+    <dgm:scene3d>
+      <a:camera prst="orthographicFront"/>
+      <a:lightRig rig="threePt" dir="t"/>
+    </dgm:scene3d>
+    <dgm:sp3d/>
+    <dgm:txPr/>
+    <dgm:style>
+      <a:lnRef idx="0">
+        <a:scrgbClr r="0" g="0" b="0"/>
+      </a:lnRef>
+      <a:fillRef idx="3">
+        <a:scrgbClr r="0" g="0" b="0"/>
+      </a:fillRef>
+      <a:effectRef idx="3">
+        <a:scrgbClr r="0" g="0" b="0"/>
+      </a:effectRef>
+      <a:fontRef idx="minor">
+        <a:schemeClr val="lt1"/>
+      </a:fontRef>
+    </dgm:style>
+  </dgm:styleLbl>
+  <dgm:styleLbl name="node4">
+    <dgm:scene3d>
+      <a:camera prst="orthographicFront"/>
+      <a:lightRig rig="threePt" dir="t"/>
+    </dgm:scene3d>
+    <dgm:sp3d/>
+    <dgm:txPr/>
+    <dgm:style>
+      <a:lnRef idx="0">
+        <a:scrgbClr r="0" g="0" b="0"/>
+      </a:lnRef>
+      <a:fillRef idx="3">
+        <a:scrgbClr r="0" g="0" b="0"/>
+      </a:fillRef>
+      <a:effectRef idx="3">
+        <a:scrgbClr r="0" g="0" b="0"/>
+      </a:effectRef>
+      <a:fontRef idx="minor">
+        <a:schemeClr val="lt1"/>
+      </a:fontRef>
+    </dgm:style>
+  </dgm:styleLbl>
+  <dgm:styleLbl name="fgImgPlace1">
+    <dgm:scene3d>
+      <a:camera prst="orthographicFront"/>
+      <a:lightRig rig="threePt" dir="t"/>
+    </dgm:scene3d>
+    <dgm:sp3d/>
+    <dgm:txPr/>
+    <dgm:style>
+      <a:lnRef idx="0">
+        <a:scrgbClr r="0" g="0" b="0"/>
+      </a:lnRef>
+      <a:fillRef idx="1">
+        <a:scrgbClr r="0" g="0" b="0"/>
+      </a:fillRef>
+      <a:effectRef idx="3">
+        <a:scrgbClr r="0" g="0" b="0"/>
+      </a:effectRef>
+      <a:fontRef idx="minor"/>
+    </dgm:style>
+  </dgm:styleLbl>
+  <dgm:styleLbl name="alignImgPlace1">
+    <dgm:scene3d>
+      <a:camera prst="orthographicFront"/>
+      <a:lightRig rig="threePt" dir="t"/>
+    </dgm:scene3d>
+    <dgm:sp3d/>
+    <dgm:txPr/>
+    <dgm:style>
+      <a:lnRef idx="0">
+        <a:scrgbClr r="0" g="0" b="0"/>
+      </a:lnRef>
+      <a:fillRef idx="1">
+        <a:scrgbClr r="0" g="0" b="0"/>
+      </a:fillRef>
+      <a:effectRef idx="3">
+        <a:scrgbClr r="0" g="0" b="0"/>
+      </a:effectRef>
+      <a:fontRef idx="minor"/>
+    </dgm:style>
+  </dgm:styleLbl>
+  <dgm:styleLbl name="bgImgPlace1">
+    <dgm:scene3d>
+      <a:camera prst="orthographicFront"/>
+      <a:lightRig rig="threePt" dir="t"/>
+    </dgm:scene3d>
+    <dgm:sp3d/>
+    <dgm:txPr/>
+    <dgm:style>
+      <a:lnRef idx="0">
+        <a:scrgbClr r="0" g="0" b="0"/>
+      </a:lnRef>
+      <a:fillRef idx="1">
+        <a:scrgbClr r="0" g="0" b="0"/>
+      </a:fillRef>
+      <a:effectRef idx="3">
+        <a:scrgbClr r="0" g="0" b="0"/>
+      </a:effectRef>
+      <a:fontRef idx="minor"/>
+    </dgm:style>
+  </dgm:styleLbl>
+  <dgm:styleLbl name="sibTrans2D1">
+    <dgm:scene3d>
+      <a:camera prst="orthographicFront"/>
+      <a:lightRig rig="threePt" dir="t"/>
+    </dgm:scene3d>
+    <dgm:sp3d/>
+    <dgm:txPr/>
+    <dgm:style>
+      <a:lnRef idx="0">
+        <a:scrgbClr r="0" g="0" b="0"/>
+      </a:lnRef>
+      <a:fillRef idx="3">
+        <a:scrgbClr r="0" g="0" b="0"/>
+      </a:fillRef>
+      <a:effectRef idx="3">
+        <a:scrgbClr r="0" g="0" b="0"/>
+      </a:effectRef>
+      <a:fontRef idx="minor">
+        <a:schemeClr val="lt1"/>
+      </a:fontRef>
+    </dgm:style>
+  </dgm:styleLbl>
+  <dgm:styleLbl name="fgSibTrans2D1">
+    <dgm:scene3d>
+      <a:camera prst="orthographicFront"/>
+      <a:lightRig rig="threePt" dir="t"/>
+    </dgm:scene3d>
+    <dgm:sp3d/>
+    <dgm:txPr/>
+    <dgm:style>
+      <a:lnRef idx="0">
+        <a:scrgbClr r="0" g="0" b="0"/>
+      </a:lnRef>
+      <a:fillRef idx="3">
+        <a:scrgbClr r="0" g="0" b="0"/>
+      </a:fillRef>
+      <a:effectRef idx="3">
+        <a:scrgbClr r="0" g="0" b="0"/>
+      </a:effectRef>
+      <a:fontRef idx="minor">
+        <a:schemeClr val="lt1"/>
+      </a:fontRef>
+    </dgm:style>
+  </dgm:styleLbl>
+  <dgm:styleLbl name="bgSibTrans2D1">
+    <dgm:scene3d>
+      <a:camera prst="orthographicFront"/>
+      <a:lightRig rig="threePt" dir="t"/>
+    </dgm:scene3d>
+    <dgm:sp3d/>
+    <dgm:txPr/>
+    <dgm:style>
+      <a:lnRef idx="0">
+        <a:scrgbClr r="0" g="0" b="0"/>
+      </a:lnRef>
+      <a:fillRef idx="3">
+        <a:scrgbClr r="0" g="0" b="0"/>
+      </a:fillRef>
+      <a:effectRef idx="3">
+        <a:scrgbClr r="0" g="0" b="0"/>
+      </a:effectRef>
+      <a:fontRef idx="minor">
+        <a:schemeClr val="lt1"/>
+      </a:fontRef>
+    </dgm:style>
+  </dgm:styleLbl>
+  <dgm:styleLbl name="sibTrans1D1">
+    <dgm:scene3d>
+      <a:camera prst="orthographicFront"/>
+      <a:lightRig rig="threePt" dir="t"/>
+    </dgm:scene3d>
+    <dgm:sp3d/>
+    <dgm:txPr/>
+    <dgm:style>
+      <a:lnRef idx="1">
+        <a:scrgbClr r="0" g="0" b="0"/>
+      </a:lnRef>
+      <a:fillRef idx="0">
+        <a:scrgbClr r="0" g="0" b="0"/>
+      </a:fillRef>
+      <a:effectRef idx="0">
+        <a:scrgbClr r="0" g="0" b="0"/>
+      </a:effectRef>
+      <a:fontRef idx="minor"/>
+    </dgm:style>
+  </dgm:styleLbl>
+  <dgm:styleLbl name="callout">
+    <dgm:scene3d>
+      <a:camera prst="orthographicFront"/>
+      <a:lightRig rig="threePt" dir="t"/>
+    </dgm:scene3d>
+    <dgm:sp3d/>
+    <dgm:txPr/>
+    <dgm:style>
+      <a:lnRef idx="1">
+        <a:scrgbClr r="0" g="0" b="0"/>
+      </a:lnRef>
+      <a:fillRef idx="0">
+        <a:scrgbClr r="0" g="0" b="0"/>
+      </a:fillRef>
+      <a:effectRef idx="1">
+        <a:scrgbClr r="0" g="0" b="0"/>
+      </a:effectRef>
+      <a:fontRef idx="minor"/>
+    </dgm:style>
+  </dgm:styleLbl>
+  <dgm:styleLbl name="asst0">
+    <dgm:scene3d>
+      <a:camera prst="orthographicFront"/>
+      <a:lightRig rig="threePt" dir="t"/>
+    </dgm:scene3d>
+    <dgm:sp3d/>
+    <dgm:txPr/>
+    <dgm:style>
+      <a:lnRef idx="0">
+        <a:scrgbClr r="0" g="0" b="0"/>
+      </a:lnRef>
+      <a:fillRef idx="3">
+        <a:scrgbClr r="0" g="0" b="0"/>
+      </a:fillRef>
+      <a:effectRef idx="3">
+        <a:scrgbClr r="0" g="0" b="0"/>
+      </a:effectRef>
+      <a:fontRef idx="minor">
+        <a:schemeClr val="lt1"/>
+      </a:fontRef>
+    </dgm:style>
+  </dgm:styleLbl>
+  <dgm:styleLbl name="asst1">
+    <dgm:scene3d>
+      <a:camera prst="orthographicFront"/>
+      <a:lightRig rig="threePt" dir="t"/>
+    </dgm:scene3d>
+    <dgm:sp3d/>
+    <dgm:txPr/>
+    <dgm:style>
+      <a:lnRef idx="0">
+        <a:scrgbClr r="0" g="0" b="0"/>
+      </a:lnRef>
+      <a:fillRef idx="3">
+        <a:scrgbClr r="0" g="0" b="0"/>
+      </a:fillRef>
+      <a:effectRef idx="3">
+        <a:scrgbClr r="0" g="0" b="0"/>
+      </a:effectRef>
+      <a:fontRef idx="minor">
+        <a:schemeClr val="lt1"/>
+      </a:fontRef>
+    </dgm:style>
+  </dgm:styleLbl>
+  <dgm:styleLbl name="asst2">
+    <dgm:scene3d>
+      <a:camera prst="orthographicFront"/>
+      <a:lightRig rig="threePt" dir="t"/>
+    </dgm:scene3d>
+    <dgm:sp3d/>
+    <dgm:txPr/>
+    <dgm:style>
+      <a:lnRef idx="0">
+        <a:scrgbClr r="0" g="0" b="0"/>
+      </a:lnRef>
+      <a:fillRef idx="3">
+        <a:scrgbClr r="0" g="0" b="0"/>
+      </a:fillRef>
+      <a:effectRef idx="3">
+        <a:scrgbClr r="0" g="0" b="0"/>
+      </a:effectRef>
+      <a:fontRef idx="minor">
+        <a:schemeClr val="lt1"/>
+      </a:fontRef>
+    </dgm:style>
+  </dgm:styleLbl>
+  <dgm:styleLbl name="asst3">
+    <dgm:scene3d>
+      <a:camera prst="orthographicFront"/>
+      <a:lightRig rig="threePt" dir="t"/>
+    </dgm:scene3d>
+    <dgm:sp3d/>
+    <dgm:txPr/>
+    <dgm:style>
+      <a:lnRef idx="0">
+        <a:scrgbClr r="0" g="0" b="0"/>
+      </a:lnRef>
+      <a:fillRef idx="3">
+        <a:scrgbClr r="0" g="0" b="0"/>
+      </a:fillRef>
+      <a:effectRef idx="3">
+        <a:scrgbClr r="0" g="0" b="0"/>
+      </a:effectRef>
+      <a:fontRef idx="minor">
+        <a:schemeClr val="lt1"/>
+      </a:fontRef>
+    </dgm:style>
+  </dgm:styleLbl>
+  <dgm:styleLbl name="asst4">
+    <dgm:scene3d>
+      <a:camera prst="orthographicFront"/>
+      <a:lightRig rig="threePt" dir="t"/>
+    </dgm:scene3d>
+    <dgm:sp3d/>
+    <dgm:txPr/>
+    <dgm:style>
+      <a:lnRef idx="0">
+        <a:scrgbClr r="0" g="0" b="0"/>
+      </a:lnRef>
+      <a:fillRef idx="3">
+        <a:scrgbClr r="0" g="0" b="0"/>
+      </a:fillRef>
+      <a:effectRef idx="3">
+        <a:scrgbClr r="0" g="0" b="0"/>
+      </a:effectRef>
+      <a:fontRef idx="minor">
+        <a:schemeClr val="lt1"/>
+      </a:fontRef>
+    </dgm:style>
+  </dgm:styleLbl>
+  <dgm:styleLbl name="parChTrans2D1">
+    <dgm:scene3d>
+      <a:camera prst="orthographicFront"/>
+      <a:lightRig rig="threePt" dir="t"/>
+    </dgm:scene3d>
+    <dgm:sp3d/>
+    <dgm:txPr/>
+    <dgm:style>
+      <a:lnRef idx="0">
+        <a:scrgbClr r="0" g="0" b="0"/>
+      </a:lnRef>
+      <a:fillRef idx="3">
+        <a:scrgbClr r="0" g="0" b="0"/>
+      </a:fillRef>
+      <a:effectRef idx="3">
+        <a:scrgbClr r="0" g="0" b="0"/>
+      </a:effectRef>
+      <a:fontRef idx="minor">
+        <a:schemeClr val="lt1"/>
+      </a:fontRef>
+    </dgm:style>
+  </dgm:styleLbl>
+  <dgm:styleLbl name="parChTrans2D2">
+    <dgm:scene3d>
+      <a:camera prst="orthographicFront"/>
+      <a:lightRig rig="threePt" dir="t"/>
+    </dgm:scene3d>
+    <dgm:sp3d/>
+    <dgm:txPr/>
+    <dgm:style>
+      <a:lnRef idx="0">
+        <a:scrgbClr r="0" g="0" b="0"/>
+      </a:lnRef>
+      <a:fillRef idx="3">
+        <a:scrgbClr r="0" g="0" b="0"/>
+      </a:fillRef>
+      <a:effectRef idx="3">
+        <a:scrgbClr r="0" g="0" b="0"/>
+      </a:effectRef>
+      <a:fontRef idx="minor">
+        <a:schemeClr val="lt1"/>
+      </a:fontRef>
+    </dgm:style>
+  </dgm:styleLbl>
+  <dgm:styleLbl name="parChTrans2D3">
+    <dgm:scene3d>
+      <a:camera prst="orthographicFront"/>
+      <a:lightRig rig="threePt" dir="t"/>
+    </dgm:scene3d>
+    <dgm:sp3d/>
+    <dgm:txPr/>
+    <dgm:style>
+      <a:lnRef idx="0">
+        <a:scrgbClr r="0" g="0" b="0"/>
+      </a:lnRef>
+      <a:fillRef idx="3">
+        <a:scrgbClr r="0" g="0" b="0"/>
+      </a:fillRef>
+      <a:effectRef idx="3">
+        <a:scrgbClr r="0" g="0" b="0"/>
+      </a:effectRef>
+      <a:fontRef idx="minor">
+        <a:schemeClr val="lt1"/>
+      </a:fontRef>
+    </dgm:style>
+  </dgm:styleLbl>
+  <dgm:styleLbl name="parChTrans2D4">
+    <dgm:scene3d>
+      <a:camera prst="orthographicFront"/>
+      <a:lightRig rig="threePt" dir="t"/>
+    </dgm:scene3d>
+    <dgm:sp3d/>
+    <dgm:txPr/>
+    <dgm:style>
+      <a:lnRef idx="0">
+        <a:scrgbClr r="0" g="0" b="0"/>
+      </a:lnRef>
+      <a:fillRef idx="3">
+        <a:scrgbClr r="0" g="0" b="0"/>
+      </a:fillRef>
+      <a:effectRef idx="3">
+        <a:scrgbClr r="0" g="0" b="0"/>
+      </a:effectRef>
+      <a:fontRef idx="minor">
+        <a:schemeClr val="lt1"/>
+      </a:fontRef>
+    </dgm:style>
+  </dgm:styleLbl>
+  <dgm:styleLbl name="parChTrans1D1">
+    <dgm:scene3d>
+      <a:camera prst="orthographicFront"/>
+      <a:lightRig rig="threePt" dir="t"/>
+    </dgm:scene3d>
+    <dgm:sp3d/>
+    <dgm:txPr/>
+    <dgm:style>
+      <a:lnRef idx="2">
+        <a:scrgbClr r="0" g="0" b="0"/>
+      </a:lnRef>
+      <a:fillRef idx="0">
+        <a:scrgbClr r="0" g="0" b="0"/>
+      </a:fillRef>
+      <a:effectRef idx="0">
+        <a:scrgbClr r="0" g="0" b="0"/>
+      </a:effectRef>
+      <a:fontRef idx="minor"/>
+    </dgm:style>
+  </dgm:styleLbl>
+  <dgm:styleLbl name="parChTrans1D2">
+    <dgm:scene3d>
+      <a:camera prst="orthographicFront"/>
+      <a:lightRig rig="threePt" dir="t"/>
+    </dgm:scene3d>
+    <dgm:sp3d/>
+    <dgm:txPr/>
+    <dgm:style>
+      <a:lnRef idx="2">
+        <a:scrgbClr r="0" g="0" b="0"/>
+      </a:lnRef>
+      <a:fillRef idx="0">
+        <a:scrgbClr r="0" g="0" b="0"/>
+      </a:fillRef>
+      <a:effectRef idx="0">
+        <a:scrgbClr r="0" g="0" b="0"/>
+      </a:effectRef>
+      <a:fontRef idx="minor"/>
+    </dgm:style>
+  </dgm:styleLbl>
+  <dgm:styleLbl name="parChTrans1D3">
+    <dgm:scene3d>
+      <a:camera prst="orthographicFront"/>
+      <a:lightRig rig="threePt" dir="t"/>
+    </dgm:scene3d>
+    <dgm:sp3d/>
+    <dgm:txPr/>
+    <dgm:style>
+      <a:lnRef idx="2">
+        <a:scrgbClr r="0" g="0" b="0"/>
+      </a:lnRef>
+      <a:fillRef idx="0">
+        <a:scrgbClr r="0" g="0" b="0"/>
+      </a:fillRef>
+      <a:effectRef idx="0">
+        <a:scrgbClr r="0" g="0" b="0"/>
+      </a:effectRef>
+      <a:fontRef idx="minor"/>
+    </dgm:style>
+  </dgm:styleLbl>
+  <dgm:styleLbl name="parChTrans1D4">
+    <dgm:scene3d>
+      <a:camera prst="orthographicFront"/>
+      <a:lightRig rig="threePt" dir="t"/>
+    </dgm:scene3d>
+    <dgm:sp3d/>
+    <dgm:txPr/>
+    <dgm:style>
+      <a:lnRef idx="2">
+        <a:scrgbClr r="0" g="0" b="0"/>
+      </a:lnRef>
+      <a:fillRef idx="0">
+        <a:scrgbClr r="0" g="0" b="0"/>
+      </a:fillRef>
+      <a:effectRef idx="0">
+        <a:scrgbClr r="0" g="0" b="0"/>
+      </a:effectRef>
+      <a:fontRef idx="minor"/>
+    </dgm:style>
+  </dgm:styleLbl>
+  <dgm:styleLbl name="fgAcc1">
+    <dgm:scene3d>
+      <a:camera prst="orthographicFront"/>
+      <a:lightRig rig="threePt" dir="t"/>
+    </dgm:scene3d>
+    <dgm:sp3d/>
+    <dgm:txPr/>
+    <dgm:style>
+      <a:lnRef idx="1">
+        <a:scrgbClr r="0" g="0" b="0"/>
+      </a:lnRef>
+      <a:fillRef idx="1">
+        <a:scrgbClr r="0" g="0" b="0"/>
+      </a:fillRef>
+      <a:effectRef idx="2">
+        <a:scrgbClr r="0" g="0" b="0"/>
+      </a:effectRef>
+      <a:fontRef idx="minor"/>
+    </dgm:style>
+  </dgm:styleLbl>
+  <dgm:styleLbl name="conFgAcc1">
+    <dgm:scene3d>
+      <a:camera prst="orthographicFront"/>
+      <a:lightRig rig="threePt" dir="t"/>
+    </dgm:scene3d>
+    <dgm:sp3d/>
+    <dgm:txPr/>
+    <dgm:style>
+      <a:lnRef idx="1">
+        <a:scrgbClr r="0" g="0" b="0"/>
+      </a:lnRef>
+      <a:fillRef idx="1">
+        <a:scrgbClr r="0" g="0" b="0"/>
+      </a:fillRef>
+      <a:effectRef idx="2">
+        <a:scrgbClr r="0" g="0" b="0"/>
+      </a:effectRef>
+      <a:fontRef idx="minor"/>
+    </dgm:style>
+  </dgm:styleLbl>
+  <dgm:styleLbl name="alignAcc1">
+    <dgm:scene3d>
+      <a:camera prst="orthographicFront"/>
+      <a:lightRig rig="threePt" dir="t"/>
+    </dgm:scene3d>
+    <dgm:sp3d/>
+    <dgm:txPr/>
+    <dgm:style>
+      <a:lnRef idx="1">
+        <a:scrgbClr r="0" g="0" b="0"/>
+      </a:lnRef>
+      <a:fillRef idx="1">
+        <a:scrgbClr r="0" g="0" b="0"/>
+      </a:fillRef>
+      <a:effectRef idx="2">
+        <a:scrgbClr r="0" g="0" b="0"/>
+      </a:effectRef>
+      <a:fontRef idx="minor"/>
+    </dgm:style>
+  </dgm:styleLbl>
+  <dgm:styleLbl name="trAlignAcc1">
+    <dgm:scene3d>
+      <a:camera prst="orthographicFront"/>
+      <a:lightRig rig="threePt" dir="t"/>
+    </dgm:scene3d>
+    <dgm:sp3d/>
+    <dgm:txPr/>
+    <dgm:style>
+      <a:lnRef idx="1">
+        <a:scrgbClr r="0" g="0" b="0"/>
+      </a:lnRef>
+      <a:fillRef idx="1">
+        <a:scrgbClr r="0" g="0" b="0"/>
+      </a:fillRef>
+      <a:effectRef idx="0">
+        <a:scrgbClr r="0" g="0" b="0"/>
+      </a:effectRef>
+      <a:fontRef idx="minor"/>
+    </dgm:style>
+  </dgm:styleLbl>
+  <dgm:styleLbl name="bgAcc1">
+    <dgm:scene3d>
+      <a:camera prst="orthographicFront"/>
+      <a:lightRig rig="threePt" dir="t"/>
+    </dgm:scene3d>
+    <dgm:sp3d/>
+    <dgm:txPr/>
+    <dgm:style>
+      <a:lnRef idx="1">
+        <a:scrgbClr r="0" g="0" b="0"/>
+      </a:lnRef>
+      <a:fillRef idx="1">
+        <a:scrgbClr r="0" g="0" b="0"/>
+      </a:fillRef>
+      <a:effectRef idx="2">
+        <a:scrgbClr r="0" g="0" b="0"/>
+      </a:effectRef>
+      <a:fontRef idx="minor"/>
+    </dgm:style>
+  </dgm:styleLbl>
+  <dgm:styleLbl name="solidFgAcc1">
+    <dgm:scene3d>
+      <a:camera prst="orthographicFront"/>
+      <a:lightRig rig="threePt" dir="t"/>
+    </dgm:scene3d>
+    <dgm:sp3d/>
+    <dgm:txPr/>
+    <dgm:style>
+      <a:lnRef idx="1">
+        <a:scrgbClr r="0" g="0" b="0"/>
+      </a:lnRef>
+      <a:fillRef idx="1">
+        <a:scrgbClr r="0" g="0" b="0"/>
+      </a:fillRef>
+      <a:effectRef idx="2">
+        <a:scrgbClr r="0" g="0" b="0"/>
+      </a:effectRef>
+      <a:fontRef idx="minor"/>
+    </dgm:style>
+  </dgm:styleLbl>
+  <dgm:styleLbl name="solidAlignAcc1">
+    <dgm:scene3d>
+      <a:camera prst="orthographicFront"/>
+      <a:lightRig rig="threePt" dir="t"/>
+    </dgm:scene3d>
+    <dgm:sp3d/>
+    <dgm:txPr/>
+    <dgm:style>
+      <a:lnRef idx="1">
+        <a:scrgbClr r="0" g="0" b="0"/>
+      </a:lnRef>
+      <a:fillRef idx="1">
+        <a:scrgbClr r="0" g="0" b="0"/>
+      </a:fillRef>
+      <a:effectRef idx="3">
+        <a:scrgbClr r="0" g="0" b="0"/>
+      </a:effectRef>
+      <a:fontRef idx="minor"/>
+    </dgm:style>
+  </dgm:styleLbl>
+  <dgm:styleLbl name="solidBgAcc1">
+    <dgm:scene3d>
+      <a:camera prst="orthographicFront"/>
+      <a:lightRig rig="threePt" dir="t"/>
+    </dgm:scene3d>
+    <dgm:sp3d/>
+    <dgm:txPr/>
+    <dgm:style>
+      <a:lnRef idx="1">
+        <a:scrgbClr r="0" g="0" b="0"/>
+      </a:lnRef>
+      <a:fillRef idx="1">
+        <a:scrgbClr r="0" g="0" b="0"/>
+      </a:fillRef>
+      <a:effectRef idx="3">
+        <a:scrgbClr r="0" g="0" b="0"/>
+      </a:effectRef>
+      <a:fontRef idx="minor"/>
+    </dgm:style>
+  </dgm:styleLbl>
+  <dgm:styleLbl name="fgAccFollowNode1">
+    <dgm:scene3d>
+      <a:camera prst="orthographicFront"/>
+      <a:lightRig rig="threePt" dir="t"/>
+    </dgm:scene3d>
+    <dgm:sp3d/>
+    <dgm:txPr/>
+    <dgm:style>
+      <a:lnRef idx="1">
+        <a:scrgbClr r="0" g="0" b="0"/>
+      </a:lnRef>
+      <a:fillRef idx="1">
+        <a:scrgbClr r="0" g="0" b="0"/>
+      </a:fillRef>
+      <a:effectRef idx="2">
+        <a:scrgbClr r="0" g="0" b="0"/>
+      </a:effectRef>
+      <a:fontRef idx="minor"/>
+    </dgm:style>
+  </dgm:styleLbl>
+  <dgm:styleLbl name="alignAccFollowNode1">
+    <dgm:scene3d>
+      <a:camera prst="orthographicFront"/>
+      <a:lightRig rig="threePt" dir="t"/>
+    </dgm:scene3d>
+    <dgm:sp3d/>
+    <dgm:txPr/>
+    <dgm:style>
+      <a:lnRef idx="1">
+        <a:scrgbClr r="0" g="0" b="0"/>
+      </a:lnRef>
+      <a:fillRef idx="1">
+        <a:scrgbClr r="0" g="0" b="0"/>
+      </a:fillRef>
+      <a:effectRef idx="2">
+        <a:scrgbClr r="0" g="0" b="0"/>
+      </a:effectRef>
+      <a:fontRef idx="minor"/>
+    </dgm:style>
+  </dgm:styleLbl>
+  <dgm:styleLbl name="bgAccFollowNode1">
+    <dgm:scene3d>
+      <a:camera prst="orthographicFront"/>
+      <a:lightRig rig="threePt" dir="t"/>
+    </dgm:scene3d>
+    <dgm:sp3d/>
+    <dgm:txPr/>
+    <dgm:style>
+      <a:lnRef idx="1">
+        <a:scrgbClr r="0" g="0" b="0"/>
+      </a:lnRef>
+      <a:fillRef idx="1">
+        <a:scrgbClr r="0" g="0" b="0"/>
+      </a:fillRef>
+      <a:effectRef idx="2">
+        <a:scrgbClr r="0" g="0" b="0"/>
+      </a:effectRef>
+      <a:fontRef idx="minor"/>
+    </dgm:style>
+  </dgm:styleLbl>
+  <dgm:styleLbl name="fgAcc0">
+    <dgm:scene3d>
+      <a:camera prst="orthographicFront"/>
+      <a:lightRig rig="threePt" dir="t"/>
+    </dgm:scene3d>
+    <dgm:sp3d/>
+    <dgm:txPr/>
+    <dgm:style>
+      <a:lnRef idx="1">
+        <a:scrgbClr r="0" g="0" b="0"/>
+      </a:lnRef>
+      <a:fillRef idx="1">
+        <a:scrgbClr r="0" g="0" b="0"/>
+      </a:fillRef>
+      <a:effectRef idx="2">
+        <a:scrgbClr r="0" g="0" b="0"/>
+      </a:effectRef>
+      <a:fontRef idx="minor"/>
+    </dgm:style>
+  </dgm:styleLbl>
+  <dgm:styleLbl name="fgAcc2">
+    <dgm:scene3d>
+      <a:camera prst="orthographicFront"/>
+      <a:lightRig rig="threePt" dir="t"/>
+    </dgm:scene3d>
+    <dgm:sp3d/>
+    <dgm:txPr/>
+    <dgm:style>
+      <a:lnRef idx="1">
+        <a:scrgbClr r="0" g="0" b="0"/>
+      </a:lnRef>
+      <a:fillRef idx="1">
+        <a:scrgbClr r="0" g="0" b="0"/>
+      </a:fillRef>
+      <a:effectRef idx="2">
+        <a:scrgbClr r="0" g="0" b="0"/>
+      </a:effectRef>
+      <a:fontRef idx="minor"/>
+    </dgm:style>
+  </dgm:styleLbl>
+  <dgm:styleLbl name="fgAcc3">
+    <dgm:scene3d>
+      <a:camera prst="orthographicFront"/>
+      <a:lightRig rig="threePt" dir="t"/>
+    </dgm:scene3d>
+    <dgm:sp3d/>
+    <dgm:txPr/>
+    <dgm:style>
+      <a:lnRef idx="1">
+        <a:scrgbClr r="0" g="0" b="0"/>
+      </a:lnRef>
+      <a:fillRef idx="1">
+        <a:scrgbClr r="0" g="0" b="0"/>
+      </a:fillRef>
+      <a:effectRef idx="2">
+        <a:scrgbClr r="0" g="0" b="0"/>
+      </a:effectRef>
+      <a:fontRef idx="minor"/>
+    </dgm:style>
+  </dgm:styleLbl>
+  <dgm:styleLbl name="fgAcc4">
+    <dgm:scene3d>
+      <a:camera prst="orthographicFront"/>
+      <a:lightRig rig="threePt" dir="t"/>
+    </dgm:scene3d>
+    <dgm:sp3d/>
+    <dgm:txPr/>
+    <dgm:style>
+      <a:lnRef idx="1">
+        <a:scrgbClr r="0" g="0" b="0"/>
+      </a:lnRef>
+      <a:fillRef idx="1">
+        <a:scrgbClr r="0" g="0" b="0"/>
+      </a:fillRef>
+      <a:effectRef idx="2">
+        <a:scrgbClr r="0" g="0" b="0"/>
+      </a:effectRef>
+      <a:fontRef idx="minor"/>
+    </dgm:style>
+  </dgm:styleLbl>
+  <dgm:styleLbl name="bgShp">
+    <dgm:scene3d>
+      <a:camera prst="orthographicFront"/>
+      <a:lightRig rig="threePt" dir="t"/>
+    </dgm:scene3d>
+    <dgm:sp3d/>
+    <dgm:txPr/>
+    <dgm:style>
+      <a:lnRef idx="0">
+        <a:scrgbClr r="0" g="0" b="0"/>
+      </a:lnRef>
+      <a:fillRef idx="1">
+        <a:scrgbClr r="0" g="0" b="0"/>
+      </a:fillRef>
+      <a:effectRef idx="2">
+        <a:scrgbClr r="0" g="0" b="0"/>
+      </a:effectRef>
+      <a:fontRef idx="minor"/>
+    </dgm:style>
+  </dgm:styleLbl>
+  <dgm:styleLbl name="dkBgShp">
+    <dgm:scene3d>
+      <a:camera prst="orthographicFront"/>
+      <a:lightRig rig="threePt" dir="t"/>
+    </dgm:scene3d>
+    <dgm:sp3d/>
+    <dgm:txPr/>
+    <dgm:style>
+      <a:lnRef idx="0">
+        <a:scrgbClr r="0" g="0" b="0"/>
+      </a:lnRef>
+      <a:fillRef idx="1">
+        <a:scrgbClr r="0" g="0" b="0"/>
+      </a:fillRef>
+      <a:effectRef idx="3">
+        <a:scrgbClr r="0" g="0" b="0"/>
+      </a:effectRef>
+      <a:fontRef idx="minor"/>
+    </dgm:style>
+  </dgm:styleLbl>
+  <dgm:styleLbl name="trBgShp">
+    <dgm:scene3d>
+      <a:camera prst="orthographicFront"/>
+      <a:lightRig rig="threePt" dir="t"/>
+    </dgm:scene3d>
+    <dgm:sp3d/>
+    <dgm:txPr/>
+    <dgm:style>
+      <a:lnRef idx="0">
+        <a:scrgbClr r="0" g="0" b="0"/>
+      </a:lnRef>
+      <a:fillRef idx="1">
+        <a:scrgbClr r="0" g="0" b="0"/>
+      </a:fillRef>
+      <a:effectRef idx="0">
+        <a:scrgbClr r="0" g="0" b="0"/>
+      </a:effectRef>
+      <a:fontRef idx="minor"/>
+    </dgm:style>
+  </dgm:styleLbl>
+  <dgm:styleLbl name="fgShp">
+    <dgm:scene3d>
+      <a:camera prst="orthographicFront"/>
+      <a:lightRig rig="threePt" dir="t"/>
+    </dgm:scene3d>
+    <dgm:sp3d/>
+    <dgm:txPr/>
+    <dgm:style>
+      <a:lnRef idx="0">
+        <a:scrgbClr r="0" g="0" b="0"/>
+      </a:lnRef>
+      <a:fillRef idx="3">
+        <a:scrgbClr r="0" g="0" b="0"/>
+      </a:fillRef>
+      <a:effectRef idx="3">
+        <a:scrgbClr r="0" g="0" b="0"/>
+      </a:effectRef>
+      <a:fontRef idx="minor"/>
+    </dgm:style>
+  </dgm:styleLbl>
+  <dgm:styleLbl name="revTx">
+    <dgm:scene3d>
+      <a:camera prst="orthographicFront"/>
+      <a:lightRig rig="threePt" dir="t"/>
+    </dgm:scene3d>
+    <dgm:sp3d/>
+    <dgm:txPr/>
+    <dgm:style>
+      <a:lnRef idx="0">
+        <a:scrgbClr r="0" g="0" b="0"/>
+      </a:lnRef>
+      <a:fillRef idx="0">
+        <a:scrgbClr r="0" g="0" b="0"/>
+      </a:fillRef>
+      <a:effectRef idx="0">
+        <a:scrgbClr r="0" g="0" b="0"/>
+      </a:effectRef>
+      <a:fontRef idx="minor"/>
+    </dgm:style>
+  </dgm:styleLbl>
+</dgm:styleDef>
 </file>
 
 <file path=ppt/slideLayouts/slideLayout1.xml><?xml version="1.0" encoding="utf-8"?>
@@ -1926,7 +8873,7 @@
           <a:p>
             <a:fld id="{4E7438E1-117D-44FB-AC24-B79D899BA877}" type="datetimeFigureOut">
               <a:rPr lang="he-IL" smtClean="0"/>
-              <a:t>י'/אדר א/תשע"ו</a:t>
+              <a:t>י"א/אדר א/תשע"ו</a:t>
             </a:fld>
             <a:endParaRPr lang="he-IL"/>
           </a:p>
@@ -2107,7 +9054,7 @@
           <a:p>
             <a:fld id="{4E7438E1-117D-44FB-AC24-B79D899BA877}" type="datetimeFigureOut">
               <a:rPr lang="he-IL" smtClean="0"/>
-              <a:t>י'/אדר א/תשע"ו</a:t>
+              <a:t>י"א/אדר א/תשע"ו</a:t>
             </a:fld>
             <a:endParaRPr lang="he-IL"/>
           </a:p>
@@ -2258,7 +9205,7 @@
           <a:p>
             <a:fld id="{4E7438E1-117D-44FB-AC24-B79D899BA877}" type="datetimeFigureOut">
               <a:rPr lang="he-IL" smtClean="0"/>
-              <a:t>י'/אדר א/תשע"ו</a:t>
+              <a:t>י"א/אדר א/תשע"ו</a:t>
             </a:fld>
             <a:endParaRPr lang="he-IL"/>
           </a:p>
@@ -4084,7 +11031,7 @@
           <a:p>
             <a:fld id="{4E7438E1-117D-44FB-AC24-B79D899BA877}" type="datetimeFigureOut">
               <a:rPr lang="he-IL" smtClean="0"/>
-              <a:t>י'/אדר א/תשע"ו</a:t>
+              <a:t>י"א/אדר א/תשע"ו</a:t>
             </a:fld>
             <a:endParaRPr lang="he-IL"/>
           </a:p>
@@ -5954,7 +12901,7 @@
           <a:p>
             <a:fld id="{4E7438E1-117D-44FB-AC24-B79D899BA877}" type="datetimeFigureOut">
               <a:rPr lang="he-IL" smtClean="0"/>
-              <a:t>י'/אדר א/תשע"ו</a:t>
+              <a:t>י"א/אדר א/תשע"ו</a:t>
             </a:fld>
             <a:endParaRPr lang="he-IL"/>
           </a:p>
@@ -6067,7 +13014,7 @@
           <a:p>
             <a:fld id="{4E7438E1-117D-44FB-AC24-B79D899BA877}" type="datetimeFigureOut">
               <a:rPr lang="he-IL" smtClean="0"/>
-              <a:t>י'/אדר א/תשע"ו</a:t>
+              <a:t>י"א/אדר א/תשע"ו</a:t>
             </a:fld>
             <a:endParaRPr lang="he-IL"/>
           </a:p>
@@ -6608,7 +13555,7 @@
           <a:p>
             <a:fld id="{4E7438E1-117D-44FB-AC24-B79D899BA877}" type="datetimeFigureOut">
               <a:rPr lang="he-IL" smtClean="0"/>
-              <a:t>י'/אדר א/תשע"ו</a:t>
+              <a:t>י"א/אדר א/תשע"ו</a:t>
             </a:fld>
             <a:endParaRPr lang="he-IL"/>
           </a:p>
@@ -6721,7 +13668,7 @@
           <a:p>
             <a:fld id="{4E7438E1-117D-44FB-AC24-B79D899BA877}" type="datetimeFigureOut">
               <a:rPr lang="he-IL" smtClean="0"/>
-              <a:t>י'/אדר א/תשע"ו</a:t>
+              <a:t>י"א/אדר א/תשע"ו</a:t>
             </a:fld>
             <a:endParaRPr lang="he-IL"/>
           </a:p>
@@ -8432,7 +15379,7 @@
           <a:p>
             <a:fld id="{4E7438E1-117D-44FB-AC24-B79D899BA877}" type="datetimeFigureOut">
               <a:rPr lang="he-IL" smtClean="0"/>
-              <a:t>י'/אדר א/תשע"ו</a:t>
+              <a:t>י"א/אדר א/תשע"ו</a:t>
             </a:fld>
             <a:endParaRPr lang="he-IL"/>
           </a:p>
@@ -8583,7 +15530,7 @@
           <a:p>
             <a:fld id="{4E7438E1-117D-44FB-AC24-B79D899BA877}" type="datetimeFigureOut">
               <a:rPr lang="he-IL" smtClean="0"/>
-              <a:t>י'/אדר א/תשע"ו</a:t>
+              <a:t>י"א/אדר א/תשע"ו</a:t>
             </a:fld>
             <a:endParaRPr lang="he-IL"/>
           </a:p>
@@ -12198,7 +19145,7 @@
           <a:p>
             <a:fld id="{4E7438E1-117D-44FB-AC24-B79D899BA877}" type="datetimeFigureOut">
               <a:rPr lang="he-IL" smtClean="0"/>
-              <a:t>י'/אדר א/תשע"ו</a:t>
+              <a:t>י"א/אדר א/תשע"ו</a:t>
             </a:fld>
             <a:endParaRPr lang="he-IL"/>
           </a:p>
@@ -14057,7 +21004,7 @@
           <a:p>
             <a:fld id="{4E7438E1-117D-44FB-AC24-B79D899BA877}" type="datetimeFigureOut">
               <a:rPr lang="he-IL" smtClean="0"/>
-              <a:t>י'/אדר א/תשע"ו</a:t>
+              <a:t>י"א/אדר א/תשע"ו</a:t>
             </a:fld>
             <a:endParaRPr lang="he-IL"/>
           </a:p>
@@ -14628,13 +21575,13 @@
           <a:lstStyle/>
           <a:p>
             <a:r>
-              <a:rPr lang="en-US" sz="4400" dirty="0" err="1" smtClean="0">
+              <a:rPr lang="en-US" sz="4400" dirty="0" smtClean="0">
                 <a:solidFill>
                   <a:schemeClr val="bg1"/>
                 </a:solidFill>
                 <a:latin typeface="David" panose="020E0502060401010101" pitchFamily="34" charset="-79"/>
               </a:rPr>
-              <a:t>AlertStation</a:t>
+              <a:t>Bus Bell</a:t>
             </a:r>
             <a:endParaRPr lang="he-IL" dirty="0">
               <a:solidFill>
@@ -14760,6 +21707,47 @@
           </a:extLst>
         </p:spPr>
       </p:pic>
+      <p:pic>
+        <p:nvPicPr>
+          <p:cNvPr id="5" name="Picture 2" descr="C:\Users\AVIRAM\Downloads\qrcode.33656015.png"/>
+          <p:cNvPicPr>
+            <a:picLocks noChangeAspect="1" noChangeArrowheads="1"/>
+          </p:cNvPicPr>
+          <p:nvPr/>
+        </p:nvPicPr>
+        <p:blipFill>
+          <a:blip r:embed="rId5" cstate="print">
+            <a:extLst>
+              <a:ext uri="{28A0092B-C50C-407E-A947-70E740481C1C}">
+                <a14:useLocalDpi xmlns:a14="http://schemas.microsoft.com/office/drawing/2010/main" val="0"/>
+              </a:ext>
+            </a:extLst>
+          </a:blip>
+          <a:srcRect/>
+          <a:stretch>
+            <a:fillRect/>
+          </a:stretch>
+        </p:blipFill>
+        <p:spPr bwMode="auto">
+          <a:xfrm>
+            <a:off x="43002" y="41082"/>
+            <a:ext cx="608618" cy="608618"/>
+          </a:xfrm>
+          <a:prstGeom prst="rect">
+            <a:avLst/>
+          </a:prstGeom>
+          <a:noFill/>
+          <a:extLst>
+            <a:ext uri="{909E8E84-426E-40DD-AFC4-6F175D3DCCD1}">
+              <a14:hiddenFill xmlns:a14="http://schemas.microsoft.com/office/drawing/2010/main">
+                <a:solidFill>
+                  <a:srgbClr val="FFFFFF"/>
+                </a:solidFill>
+              </a14:hiddenFill>
+            </a:ext>
+          </a:extLst>
+        </p:spPr>
+      </p:pic>
     </p:spTree>
     <p:extLst>
       <p:ext uri="{BB962C8B-B14F-4D97-AF65-F5344CB8AC3E}">
@@ -14817,62 +21805,80 @@
                 <a:latin typeface="David" panose="020E0502060401010101" pitchFamily="34" charset="-79"/>
                 <a:cs typeface="David" panose="020E0502060401010101" pitchFamily="34" charset="-79"/>
               </a:rPr>
-              <a:t>התראה על הגעה </a:t>
+              <a:t>התראה על הגעה לתחנת </a:t>
             </a:r>
             <a:r>
               <a:rPr lang="he-IL" dirty="0" smtClean="0">
                 <a:latin typeface="David" panose="020E0502060401010101" pitchFamily="34" charset="-79"/>
                 <a:cs typeface="David" panose="020E0502060401010101" pitchFamily="34" charset="-79"/>
               </a:rPr>
-              <a:t>לתחנת </a:t>
+              <a:t>אוטובוס.</a:t>
+            </a:r>
+            <a:endParaRPr lang="he-IL" dirty="0" smtClean="0">
+              <a:latin typeface="David" panose="020E0502060401010101" pitchFamily="34" charset="-79"/>
+              <a:cs typeface="David" panose="020E0502060401010101" pitchFamily="34" charset="-79"/>
+            </a:endParaRPr>
+          </a:p>
+          <a:p>
+            <a:pPr>
+              <a:lnSpc>
+                <a:spcPct val="150000"/>
+              </a:lnSpc>
+            </a:pPr>
+            <a:r>
+              <a:rPr lang="he-IL" dirty="0" smtClean="0">
+                <a:latin typeface="David" panose="020E0502060401010101" pitchFamily="34" charset="-79"/>
+                <a:cs typeface="David" panose="020E0502060401010101" pitchFamily="34" charset="-79"/>
+              </a:rPr>
+              <a:t>קישורים:</a:t>
+            </a:r>
+            <a:endParaRPr lang="he-IL" dirty="0" smtClean="0">
+              <a:latin typeface="David" panose="020E0502060401010101" pitchFamily="34" charset="-79"/>
+              <a:cs typeface="David" panose="020E0502060401010101" pitchFamily="34" charset="-79"/>
+            </a:endParaRPr>
+          </a:p>
+          <a:p>
+            <a:pPr lvl="1">
+              <a:buFont typeface="Arial" panose="020B0604020202020204" pitchFamily="34" charset="0"/>
+              <a:buChar char="•"/>
+            </a:pPr>
+            <a:r>
+              <a:rPr lang="he-IL" dirty="0" smtClean="0">
+                <a:latin typeface="David" panose="020E0502060401010101" pitchFamily="34" charset="-79"/>
+                <a:cs typeface="David" panose="020E0502060401010101" pitchFamily="34" charset="-79"/>
+              </a:rPr>
+              <a:t>מאגר קוד- </a:t>
             </a:r>
             <a:r>
               <a:rPr lang="he-IL" dirty="0" smtClean="0">
                 <a:latin typeface="David" panose="020E0502060401010101" pitchFamily="34" charset="-79"/>
                 <a:cs typeface="David" panose="020E0502060401010101" pitchFamily="34" charset="-79"/>
               </a:rPr>
-              <a:t>אוטובוס</a:t>
+              <a:t>קישור.</a:t>
             </a:r>
-          </a:p>
-          <a:p>
-            <a:endParaRPr lang="he-IL" dirty="0">
-              <a:latin typeface="David" panose="020E0502060401010101" pitchFamily="34" charset="-79"/>
-              <a:cs typeface="David" panose="020E0502060401010101" pitchFamily="34" charset="-79"/>
-            </a:endParaRPr>
-          </a:p>
-          <a:p>
             <a:endParaRPr lang="he-IL" dirty="0" smtClean="0">
               <a:latin typeface="David" panose="020E0502060401010101" pitchFamily="34" charset="-79"/>
               <a:cs typeface="David" panose="020E0502060401010101" pitchFamily="34" charset="-79"/>
             </a:endParaRPr>
           </a:p>
           <a:p>
+            <a:pPr lvl="1">
+              <a:buFont typeface="Arial" panose="020B0604020202020204" pitchFamily="34" charset="0"/>
+              <a:buChar char="•"/>
+            </a:pPr>
             <a:r>
               <a:rPr lang="he-IL" dirty="0" smtClean="0">
                 <a:latin typeface="David" panose="020E0502060401010101" pitchFamily="34" charset="-79"/>
                 <a:cs typeface="David" panose="020E0502060401010101" pitchFamily="34" charset="-79"/>
               </a:rPr>
-              <a:t>קישורים</a:t>
+              <a:t>קישור </a:t>
             </a:r>
-          </a:p>
-          <a:p>
-            <a:pPr lvl="1"/>
             <a:r>
               <a:rPr lang="he-IL" dirty="0" smtClean="0">
                 <a:latin typeface="David" panose="020E0502060401010101" pitchFamily="34" charset="-79"/>
                 <a:cs typeface="David" panose="020E0502060401010101" pitchFamily="34" charset="-79"/>
               </a:rPr>
-              <a:t>מאגר קוד- קישור</a:t>
-            </a:r>
-          </a:p>
-          <a:p>
-            <a:pPr lvl="1"/>
-            <a:r>
-              <a:rPr lang="he-IL" dirty="0" smtClean="0">
-                <a:latin typeface="David" panose="020E0502060401010101" pitchFamily="34" charset="-79"/>
-                <a:cs typeface="David" panose="020E0502060401010101" pitchFamily="34" charset="-79"/>
-              </a:rPr>
-              <a:t>קישור לאפליקציה-קישור</a:t>
+              <a:t>לאפליקציה-קישור.</a:t>
             </a:r>
             <a:endParaRPr lang="he-IL" dirty="0">
               <a:latin typeface="David" panose="020E0502060401010101" pitchFamily="34" charset="-79"/>
@@ -15023,6 +22029,1040 @@
       </p:grpSpPr>
       <p:sp>
         <p:nvSpPr>
+          <p:cNvPr id="3" name="כותרת 2"/>
+          <p:cNvSpPr>
+            <a:spLocks noGrp="1"/>
+          </p:cNvSpPr>
+          <p:nvPr>
+            <p:ph type="title"/>
+          </p:nvPr>
+        </p:nvSpPr>
+        <p:spPr/>
+        <p:txBody>
+          <a:bodyPr/>
+          <a:lstStyle/>
+          <a:p>
+            <a:r>
+              <a:rPr lang="he-IL" dirty="0" smtClean="0">
+                <a:latin typeface="David" panose="020E0502060401010101" pitchFamily="34" charset="-79"/>
+                <a:cs typeface="David" panose="020E0502060401010101" pitchFamily="34" charset="-79"/>
+              </a:rPr>
+              <a:t>תרשים זרימה</a:t>
+            </a:r>
+            <a:endParaRPr lang="he-IL" dirty="0">
+              <a:latin typeface="David" panose="020E0502060401010101" pitchFamily="34" charset="-79"/>
+              <a:cs typeface="David" panose="020E0502060401010101" pitchFamily="34" charset="-79"/>
+            </a:endParaRPr>
+          </a:p>
+        </p:txBody>
+      </p:sp>
+      <p:graphicFrame>
+        <p:nvGraphicFramePr>
+          <p:cNvPr id="7" name="דיאגרמה 6"/>
+          <p:cNvGraphicFramePr/>
+          <p:nvPr>
+            <p:extLst>
+              <p:ext uri="{D42A27DB-BD31-4B8C-83A1-F6EECF244321}">
+                <p14:modId xmlns:p14="http://schemas.microsoft.com/office/powerpoint/2010/main" val="3859591683"/>
+              </p:ext>
+            </p:extLst>
+          </p:nvPr>
+        </p:nvGraphicFramePr>
+        <p:xfrm>
+          <a:off x="848064" y="1052736"/>
+          <a:ext cx="7324336" cy="4064000"/>
+        </p:xfrm>
+        <a:graphic>
+          <a:graphicData uri="http://schemas.openxmlformats.org/drawingml/2006/diagram">
+            <dgm:relIds xmlns:dgm="http://schemas.openxmlformats.org/drawingml/2006/diagram" xmlns:r="http://schemas.openxmlformats.org/officeDocument/2006/relationships" r:dm="rId2" r:lo="rId3" r:qs="rId4" r:cs="rId5"/>
+          </a:graphicData>
+        </a:graphic>
+      </p:graphicFrame>
+      <p:grpSp>
+        <p:nvGrpSpPr>
+          <p:cNvPr id="15" name="קבוצה 14"/>
+          <p:cNvGrpSpPr/>
+          <p:nvPr/>
+        </p:nvGrpSpPr>
+        <p:grpSpPr>
+          <a:xfrm>
+            <a:off x="6948264" y="4085882"/>
+            <a:ext cx="1512168" cy="288032"/>
+            <a:chOff x="5516657" y="1625872"/>
+            <a:chExt cx="984550" cy="812254"/>
+          </a:xfrm>
+          <a:noFill/>
+        </p:grpSpPr>
+        <p:sp>
+          <p:nvSpPr>
+            <p:cNvPr id="16" name="מלבן מעוגל 15"/>
+            <p:cNvSpPr/>
+            <p:nvPr/>
+          </p:nvSpPr>
+          <p:spPr>
+            <a:xfrm>
+              <a:off x="5516657" y="1625872"/>
+              <a:ext cx="984550" cy="812254"/>
+            </a:xfrm>
+            <a:prstGeom prst="roundRect">
+              <a:avLst>
+                <a:gd name="adj" fmla="val 10000"/>
+              </a:avLst>
+            </a:prstGeom>
+            <a:grpFill/>
+          </p:spPr>
+          <p:style>
+            <a:lnRef idx="0">
+              <a:schemeClr val="lt1">
+                <a:hueOff val="0"/>
+                <a:satOff val="0"/>
+                <a:lumOff val="0"/>
+                <a:alphaOff val="0"/>
+              </a:schemeClr>
+            </a:lnRef>
+            <a:fillRef idx="3">
+              <a:schemeClr val="accent1">
+                <a:hueOff val="0"/>
+                <a:satOff val="0"/>
+                <a:lumOff val="0"/>
+                <a:alphaOff val="0"/>
+              </a:schemeClr>
+            </a:fillRef>
+            <a:effectRef idx="3">
+              <a:schemeClr val="accent1">
+                <a:hueOff val="0"/>
+                <a:satOff val="0"/>
+                <a:lumOff val="0"/>
+                <a:alphaOff val="0"/>
+              </a:schemeClr>
+            </a:effectRef>
+            <a:fontRef idx="minor">
+              <a:schemeClr val="lt1"/>
+            </a:fontRef>
+          </p:style>
+        </p:sp>
+        <p:sp>
+          <p:nvSpPr>
+            <p:cNvPr id="17" name="מלבן 16"/>
+            <p:cNvSpPr/>
+            <p:nvPr/>
+          </p:nvSpPr>
+          <p:spPr>
+            <a:xfrm>
+              <a:off x="5540447" y="1649662"/>
+              <a:ext cx="936970" cy="764674"/>
+            </a:xfrm>
+            <a:prstGeom prst="rect">
+              <a:avLst/>
+            </a:prstGeom>
+            <a:grpFill/>
+          </p:spPr>
+          <p:style>
+            <a:lnRef idx="0">
+              <a:scrgbClr r="0" g="0" b="0"/>
+            </a:lnRef>
+            <a:fillRef idx="0">
+              <a:scrgbClr r="0" g="0" b="0"/>
+            </a:fillRef>
+            <a:effectRef idx="0">
+              <a:scrgbClr r="0" g="0" b="0"/>
+            </a:effectRef>
+            <a:fontRef idx="minor">
+              <a:schemeClr val="lt1"/>
+            </a:fontRef>
+          </p:style>
+          <p:txBody>
+            <a:bodyPr spcFirstLastPara="0" vert="horz" wrap="square" lIns="68580" tIns="68580" rIns="68580" bIns="68580" numCol="1" spcCol="1270" anchor="ctr" anchorCtr="0">
+              <a:noAutofit/>
+            </a:bodyPr>
+            <a:lstStyle/>
+            <a:p>
+              <a:pPr lvl="0" algn="ctr" defTabSz="800100" rtl="1">
+                <a:lnSpc>
+                  <a:spcPct val="90000"/>
+                </a:lnSpc>
+                <a:spcBef>
+                  <a:spcPct val="0"/>
+                </a:spcBef>
+                <a:spcAft>
+                  <a:spcPct val="35000"/>
+                </a:spcAft>
+              </a:pPr>
+              <a:r>
+                <a:rPr lang="he-IL" dirty="0" smtClean="0">
+                  <a:solidFill>
+                    <a:sysClr val="windowText" lastClr="000000"/>
+                  </a:solidFill>
+                  <a:latin typeface="David" panose="020E0502060401010101" pitchFamily="34" charset="-79"/>
+                  <a:cs typeface="David" panose="020E0502060401010101" pitchFamily="34" charset="-79"/>
+                </a:rPr>
+                <a:t>הפעלת התראה</a:t>
+              </a:r>
+              <a:endParaRPr lang="he-IL" sz="1800" kern="1200" dirty="0">
+                <a:solidFill>
+                  <a:sysClr val="windowText" lastClr="000000"/>
+                </a:solidFill>
+                <a:latin typeface="David" panose="020E0502060401010101" pitchFamily="34" charset="-79"/>
+                <a:cs typeface="David" panose="020E0502060401010101" pitchFamily="34" charset="-79"/>
+              </a:endParaRPr>
+            </a:p>
+          </p:txBody>
+        </p:sp>
+      </p:grpSp>
+      <p:grpSp>
+        <p:nvGrpSpPr>
+          <p:cNvPr id="18" name="קבוצה 17"/>
+          <p:cNvGrpSpPr/>
+          <p:nvPr/>
+        </p:nvGrpSpPr>
+        <p:grpSpPr>
+          <a:xfrm rot="5400000">
+            <a:off x="7542783" y="3591016"/>
+            <a:ext cx="360000" cy="324000"/>
+            <a:chOff x="5221292" y="1909915"/>
+            <a:chExt cx="208724" cy="244168"/>
+          </a:xfrm>
+        </p:grpSpPr>
+        <p:sp>
+          <p:nvSpPr>
+            <p:cNvPr id="19" name="חץ ימינה 18"/>
+            <p:cNvSpPr/>
+            <p:nvPr/>
+          </p:nvSpPr>
+          <p:spPr>
+            <a:xfrm>
+              <a:off x="5221292" y="1909915"/>
+              <a:ext cx="208724" cy="244168"/>
+            </a:xfrm>
+            <a:prstGeom prst="rightArrow">
+              <a:avLst>
+                <a:gd name="adj1" fmla="val 60000"/>
+                <a:gd name="adj2" fmla="val 50000"/>
+              </a:avLst>
+            </a:prstGeom>
+          </p:spPr>
+          <p:style>
+            <a:lnRef idx="0">
+              <a:schemeClr val="accent1">
+                <a:tint val="60000"/>
+                <a:hueOff val="0"/>
+                <a:satOff val="0"/>
+                <a:lumOff val="0"/>
+                <a:alphaOff val="0"/>
+              </a:schemeClr>
+            </a:lnRef>
+            <a:fillRef idx="3">
+              <a:schemeClr val="accent1">
+                <a:tint val="60000"/>
+                <a:hueOff val="0"/>
+                <a:satOff val="0"/>
+                <a:lumOff val="0"/>
+                <a:alphaOff val="0"/>
+              </a:schemeClr>
+            </a:fillRef>
+            <a:effectRef idx="3">
+              <a:schemeClr val="accent1">
+                <a:tint val="60000"/>
+                <a:hueOff val="0"/>
+                <a:satOff val="0"/>
+                <a:lumOff val="0"/>
+                <a:alphaOff val="0"/>
+              </a:schemeClr>
+            </a:effectRef>
+            <a:fontRef idx="minor">
+              <a:schemeClr val="lt1"/>
+            </a:fontRef>
+          </p:style>
+        </p:sp>
+        <p:sp>
+          <p:nvSpPr>
+            <p:cNvPr id="20" name="חץ ימינה 4"/>
+            <p:cNvSpPr/>
+            <p:nvPr/>
+          </p:nvSpPr>
+          <p:spPr>
+            <a:xfrm>
+              <a:off x="5221292" y="1958749"/>
+              <a:ext cx="146107" cy="146500"/>
+            </a:xfrm>
+            <a:prstGeom prst="rect">
+              <a:avLst/>
+            </a:prstGeom>
+          </p:spPr>
+          <p:style>
+            <a:lnRef idx="0">
+              <a:scrgbClr r="0" g="0" b="0"/>
+            </a:lnRef>
+            <a:fillRef idx="0">
+              <a:scrgbClr r="0" g="0" b="0"/>
+            </a:fillRef>
+            <a:effectRef idx="0">
+              <a:scrgbClr r="0" g="0" b="0"/>
+            </a:effectRef>
+            <a:fontRef idx="minor">
+              <a:schemeClr val="lt1"/>
+            </a:fontRef>
+          </p:style>
+          <p:txBody>
+            <a:bodyPr spcFirstLastPara="0" vert="horz" wrap="square" lIns="0" tIns="0" rIns="0" bIns="0" numCol="1" spcCol="1270" anchor="ctr" anchorCtr="0">
+              <a:noAutofit/>
+            </a:bodyPr>
+            <a:lstStyle/>
+            <a:p>
+              <a:pPr lvl="0" algn="ctr" defTabSz="533400" rtl="1">
+                <a:lnSpc>
+                  <a:spcPct val="90000"/>
+                </a:lnSpc>
+                <a:spcBef>
+                  <a:spcPct val="0"/>
+                </a:spcBef>
+                <a:spcAft>
+                  <a:spcPct val="35000"/>
+                </a:spcAft>
+              </a:pPr>
+              <a:endParaRPr lang="he-IL" sz="1200" kern="1200">
+                <a:latin typeface="David" panose="020E0502060401010101" pitchFamily="34" charset="-79"/>
+                <a:cs typeface="David" panose="020E0502060401010101" pitchFamily="34" charset="-79"/>
+              </a:endParaRPr>
+            </a:p>
+          </p:txBody>
+        </p:sp>
+      </p:grpSp>
+      <p:grpSp>
+        <p:nvGrpSpPr>
+          <p:cNvPr id="21" name="קבוצה 20"/>
+          <p:cNvGrpSpPr/>
+          <p:nvPr/>
+        </p:nvGrpSpPr>
+        <p:grpSpPr>
+          <a:xfrm rot="5400000">
+            <a:off x="7524348" y="4599128"/>
+            <a:ext cx="360000" cy="324000"/>
+            <a:chOff x="5221292" y="1909915"/>
+            <a:chExt cx="208724" cy="244168"/>
+          </a:xfrm>
+        </p:grpSpPr>
+        <p:sp>
+          <p:nvSpPr>
+            <p:cNvPr id="22" name="חץ ימינה 21"/>
+            <p:cNvSpPr/>
+            <p:nvPr/>
+          </p:nvSpPr>
+          <p:spPr>
+            <a:xfrm>
+              <a:off x="5221292" y="1909915"/>
+              <a:ext cx="208724" cy="244168"/>
+            </a:xfrm>
+            <a:prstGeom prst="rightArrow">
+              <a:avLst>
+                <a:gd name="adj1" fmla="val 60000"/>
+                <a:gd name="adj2" fmla="val 50000"/>
+              </a:avLst>
+            </a:prstGeom>
+          </p:spPr>
+          <p:style>
+            <a:lnRef idx="0">
+              <a:schemeClr val="accent1">
+                <a:tint val="60000"/>
+                <a:hueOff val="0"/>
+                <a:satOff val="0"/>
+                <a:lumOff val="0"/>
+                <a:alphaOff val="0"/>
+              </a:schemeClr>
+            </a:lnRef>
+            <a:fillRef idx="3">
+              <a:schemeClr val="accent1">
+                <a:tint val="60000"/>
+                <a:hueOff val="0"/>
+                <a:satOff val="0"/>
+                <a:lumOff val="0"/>
+                <a:alphaOff val="0"/>
+              </a:schemeClr>
+            </a:fillRef>
+            <a:effectRef idx="3">
+              <a:schemeClr val="accent1">
+                <a:tint val="60000"/>
+                <a:hueOff val="0"/>
+                <a:satOff val="0"/>
+                <a:lumOff val="0"/>
+                <a:alphaOff val="0"/>
+              </a:schemeClr>
+            </a:effectRef>
+            <a:fontRef idx="minor">
+              <a:schemeClr val="lt1"/>
+            </a:fontRef>
+          </p:style>
+        </p:sp>
+        <p:sp>
+          <p:nvSpPr>
+            <p:cNvPr id="23" name="חץ ימינה 4"/>
+            <p:cNvSpPr/>
+            <p:nvPr/>
+          </p:nvSpPr>
+          <p:spPr>
+            <a:xfrm>
+              <a:off x="5221292" y="1958749"/>
+              <a:ext cx="146107" cy="146500"/>
+            </a:xfrm>
+            <a:prstGeom prst="rect">
+              <a:avLst/>
+            </a:prstGeom>
+          </p:spPr>
+          <p:style>
+            <a:lnRef idx="0">
+              <a:scrgbClr r="0" g="0" b="0"/>
+            </a:lnRef>
+            <a:fillRef idx="0">
+              <a:scrgbClr r="0" g="0" b="0"/>
+            </a:fillRef>
+            <a:effectRef idx="0">
+              <a:scrgbClr r="0" g="0" b="0"/>
+            </a:effectRef>
+            <a:fontRef idx="minor">
+              <a:schemeClr val="lt1"/>
+            </a:fontRef>
+          </p:style>
+          <p:txBody>
+            <a:bodyPr spcFirstLastPara="0" vert="horz" wrap="square" lIns="0" tIns="0" rIns="0" bIns="0" numCol="1" spcCol="1270" anchor="ctr" anchorCtr="0">
+              <a:noAutofit/>
+            </a:bodyPr>
+            <a:lstStyle/>
+            <a:p>
+              <a:pPr lvl="0" algn="ctr" defTabSz="533400" rtl="1">
+                <a:lnSpc>
+                  <a:spcPct val="90000"/>
+                </a:lnSpc>
+                <a:spcBef>
+                  <a:spcPct val="0"/>
+                </a:spcBef>
+                <a:spcAft>
+                  <a:spcPct val="35000"/>
+                </a:spcAft>
+              </a:pPr>
+              <a:endParaRPr lang="he-IL" sz="1200" kern="1200">
+                <a:latin typeface="David" panose="020E0502060401010101" pitchFamily="34" charset="-79"/>
+                <a:cs typeface="David" panose="020E0502060401010101" pitchFamily="34" charset="-79"/>
+              </a:endParaRPr>
+            </a:p>
+          </p:txBody>
+        </p:sp>
+      </p:grpSp>
+      <p:sp>
+        <p:nvSpPr>
+          <p:cNvPr id="25" name="חץ מעוקל למטה 24"/>
+          <p:cNvSpPr/>
+          <p:nvPr/>
+        </p:nvSpPr>
+        <p:spPr>
+          <a:xfrm>
+            <a:off x="2483768" y="2348880"/>
+            <a:ext cx="936104" cy="216024"/>
+          </a:xfrm>
+          <a:prstGeom prst="curvedDownArrow">
+            <a:avLst/>
+          </a:prstGeom>
+        </p:spPr>
+        <p:style>
+          <a:lnRef idx="2">
+            <a:schemeClr val="accent1">
+              <a:shade val="50000"/>
+            </a:schemeClr>
+          </a:lnRef>
+          <a:fillRef idx="1">
+            <a:schemeClr val="accent1"/>
+          </a:fillRef>
+          <a:effectRef idx="0">
+            <a:schemeClr val="accent1"/>
+          </a:effectRef>
+          <a:fontRef idx="minor">
+            <a:schemeClr val="lt1"/>
+          </a:fontRef>
+        </p:style>
+        <p:txBody>
+          <a:bodyPr rtlCol="1" anchor="ctr"/>
+          <a:lstStyle/>
+          <a:p>
+            <a:pPr algn="ctr"/>
+            <a:endParaRPr lang="he-IL">
+              <a:solidFill>
+                <a:schemeClr val="tx1"/>
+              </a:solidFill>
+            </a:endParaRPr>
+          </a:p>
+        </p:txBody>
+      </p:sp>
+      <p:sp>
+        <p:nvSpPr>
+          <p:cNvPr id="27" name="תיבת טקסט 315"/>
+          <p:cNvSpPr txBox="1">
+            <a:spLocks noChangeArrowheads="1"/>
+          </p:cNvSpPr>
+          <p:nvPr/>
+        </p:nvSpPr>
+        <p:spPr bwMode="auto">
+          <a:xfrm flipH="1">
+            <a:off x="2411760" y="2060848"/>
+            <a:ext cx="921060" cy="360040"/>
+          </a:xfrm>
+          <a:prstGeom prst="rect">
+            <a:avLst/>
+          </a:prstGeom>
+          <a:noFill/>
+          <a:ln w="9525">
+            <a:noFill/>
+            <a:miter lim="800000"/>
+            <a:headEnd/>
+            <a:tailEnd/>
+          </a:ln>
+        </p:spPr>
+        <p:txBody>
+          <a:bodyPr rot="0" vert="horz" wrap="square" lIns="91440" tIns="45720" rIns="91440" bIns="45720" anchor="t" anchorCtr="0">
+            <a:noAutofit/>
+          </a:bodyPr>
+          <a:lstStyle/>
+          <a:p>
+            <a:pPr algn="r" rtl="1">
+              <a:lnSpc>
+                <a:spcPct val="115000"/>
+              </a:lnSpc>
+              <a:spcAft>
+                <a:spcPts val="1000"/>
+              </a:spcAft>
+            </a:pPr>
+            <a:r>
+              <a:rPr lang="en-US" sz="1400" dirty="0">
+                <a:effectLst/>
+                <a:latin typeface="David" panose="020E0502060401010101" pitchFamily="34" charset="-79"/>
+                <a:ea typeface="Calibri"/>
+                <a:cs typeface="David" panose="020E0502060401010101" pitchFamily="34" charset="-79"/>
+              </a:rPr>
+              <a:t>API Req</a:t>
+            </a:r>
+          </a:p>
+        </p:txBody>
+      </p:sp>
+      <p:sp>
+        <p:nvSpPr>
+          <p:cNvPr id="28" name="חץ מעוקל למטה 27"/>
+          <p:cNvSpPr/>
+          <p:nvPr/>
+        </p:nvSpPr>
+        <p:spPr>
+          <a:xfrm>
+            <a:off x="4067944" y="2348880"/>
+            <a:ext cx="936104" cy="216024"/>
+          </a:xfrm>
+          <a:prstGeom prst="curvedDownArrow">
+            <a:avLst/>
+          </a:prstGeom>
+        </p:spPr>
+        <p:style>
+          <a:lnRef idx="2">
+            <a:schemeClr val="accent1">
+              <a:shade val="50000"/>
+            </a:schemeClr>
+          </a:lnRef>
+          <a:fillRef idx="1">
+            <a:schemeClr val="accent1"/>
+          </a:fillRef>
+          <a:effectRef idx="0">
+            <a:schemeClr val="accent1"/>
+          </a:effectRef>
+          <a:fontRef idx="minor">
+            <a:schemeClr val="lt1"/>
+          </a:fontRef>
+        </p:style>
+        <p:txBody>
+          <a:bodyPr rtlCol="1" anchor="ctr"/>
+          <a:lstStyle/>
+          <a:p>
+            <a:pPr algn="ctr"/>
+            <a:endParaRPr lang="he-IL">
+              <a:solidFill>
+                <a:schemeClr val="tx1"/>
+              </a:solidFill>
+            </a:endParaRPr>
+          </a:p>
+        </p:txBody>
+      </p:sp>
+      <p:sp>
+        <p:nvSpPr>
+          <p:cNvPr id="29" name="תיבת טקסט 315"/>
+          <p:cNvSpPr txBox="1">
+            <a:spLocks noChangeArrowheads="1"/>
+          </p:cNvSpPr>
+          <p:nvPr/>
+        </p:nvSpPr>
+        <p:spPr bwMode="auto">
+          <a:xfrm flipH="1">
+            <a:off x="3995936" y="2060848"/>
+            <a:ext cx="921060" cy="360040"/>
+          </a:xfrm>
+          <a:prstGeom prst="rect">
+            <a:avLst/>
+          </a:prstGeom>
+          <a:noFill/>
+          <a:ln w="9525">
+            <a:noFill/>
+            <a:miter lim="800000"/>
+            <a:headEnd/>
+            <a:tailEnd/>
+          </a:ln>
+        </p:spPr>
+        <p:txBody>
+          <a:bodyPr rot="0" vert="horz" wrap="square" lIns="91440" tIns="45720" rIns="91440" bIns="45720" anchor="t" anchorCtr="0">
+            <a:noAutofit/>
+          </a:bodyPr>
+          <a:lstStyle/>
+          <a:p>
+            <a:pPr algn="r" rtl="1">
+              <a:lnSpc>
+                <a:spcPct val="115000"/>
+              </a:lnSpc>
+              <a:spcAft>
+                <a:spcPts val="1000"/>
+              </a:spcAft>
+            </a:pPr>
+            <a:r>
+              <a:rPr lang="en-US" sz="1400" dirty="0">
+                <a:effectLst/>
+                <a:latin typeface="David" panose="020E0502060401010101" pitchFamily="34" charset="-79"/>
+                <a:ea typeface="Calibri"/>
+                <a:cs typeface="David" panose="020E0502060401010101" pitchFamily="34" charset="-79"/>
+              </a:rPr>
+              <a:t>API Req</a:t>
+            </a:r>
+          </a:p>
+        </p:txBody>
+      </p:sp>
+      <p:sp>
+        <p:nvSpPr>
+          <p:cNvPr id="30" name="חץ מעוקל למטה 29"/>
+          <p:cNvSpPr/>
+          <p:nvPr/>
+        </p:nvSpPr>
+        <p:spPr>
+          <a:xfrm>
+            <a:off x="5580112" y="2348880"/>
+            <a:ext cx="936104" cy="216024"/>
+          </a:xfrm>
+          <a:prstGeom prst="curvedDownArrow">
+            <a:avLst/>
+          </a:prstGeom>
+        </p:spPr>
+        <p:style>
+          <a:lnRef idx="2">
+            <a:schemeClr val="accent1">
+              <a:shade val="50000"/>
+            </a:schemeClr>
+          </a:lnRef>
+          <a:fillRef idx="1">
+            <a:schemeClr val="accent1"/>
+          </a:fillRef>
+          <a:effectRef idx="0">
+            <a:schemeClr val="accent1"/>
+          </a:effectRef>
+          <a:fontRef idx="minor">
+            <a:schemeClr val="lt1"/>
+          </a:fontRef>
+        </p:style>
+        <p:txBody>
+          <a:bodyPr rtlCol="1" anchor="ctr"/>
+          <a:lstStyle/>
+          <a:p>
+            <a:pPr algn="ctr"/>
+            <a:endParaRPr lang="he-IL">
+              <a:solidFill>
+                <a:schemeClr val="tx1"/>
+              </a:solidFill>
+            </a:endParaRPr>
+          </a:p>
+        </p:txBody>
+      </p:sp>
+      <p:sp>
+        <p:nvSpPr>
+          <p:cNvPr id="31" name="תיבת טקסט 315"/>
+          <p:cNvSpPr txBox="1">
+            <a:spLocks noChangeArrowheads="1"/>
+          </p:cNvSpPr>
+          <p:nvPr/>
+        </p:nvSpPr>
+        <p:spPr bwMode="auto">
+          <a:xfrm flipH="1">
+            <a:off x="5508104" y="2060848"/>
+            <a:ext cx="921060" cy="360040"/>
+          </a:xfrm>
+          <a:prstGeom prst="rect">
+            <a:avLst/>
+          </a:prstGeom>
+          <a:noFill/>
+          <a:ln w="9525">
+            <a:noFill/>
+            <a:miter lim="800000"/>
+            <a:headEnd/>
+            <a:tailEnd/>
+          </a:ln>
+        </p:spPr>
+        <p:txBody>
+          <a:bodyPr rot="0" vert="horz" wrap="square" lIns="91440" tIns="45720" rIns="91440" bIns="45720" anchor="t" anchorCtr="0">
+            <a:noAutofit/>
+          </a:bodyPr>
+          <a:lstStyle/>
+          <a:p>
+            <a:pPr algn="r" rtl="1">
+              <a:lnSpc>
+                <a:spcPct val="115000"/>
+              </a:lnSpc>
+              <a:spcAft>
+                <a:spcPts val="1000"/>
+              </a:spcAft>
+            </a:pPr>
+            <a:r>
+              <a:rPr lang="en-US" sz="1400" dirty="0">
+                <a:effectLst/>
+                <a:latin typeface="David" panose="020E0502060401010101" pitchFamily="34" charset="-79"/>
+                <a:ea typeface="Calibri"/>
+                <a:cs typeface="David" panose="020E0502060401010101" pitchFamily="34" charset="-79"/>
+              </a:rPr>
+              <a:t>API Req</a:t>
+            </a:r>
+          </a:p>
+        </p:txBody>
+      </p:sp>
+      <p:sp>
+        <p:nvSpPr>
+          <p:cNvPr id="32" name="חץ מעוקל למטה 31"/>
+          <p:cNvSpPr/>
+          <p:nvPr/>
+        </p:nvSpPr>
+        <p:spPr>
+          <a:xfrm>
+            <a:off x="7092280" y="2348880"/>
+            <a:ext cx="936104" cy="216024"/>
+          </a:xfrm>
+          <a:prstGeom prst="curvedDownArrow">
+            <a:avLst/>
+          </a:prstGeom>
+        </p:spPr>
+        <p:style>
+          <a:lnRef idx="2">
+            <a:schemeClr val="accent1">
+              <a:shade val="50000"/>
+            </a:schemeClr>
+          </a:lnRef>
+          <a:fillRef idx="1">
+            <a:schemeClr val="accent1"/>
+          </a:fillRef>
+          <a:effectRef idx="0">
+            <a:schemeClr val="accent1"/>
+          </a:effectRef>
+          <a:fontRef idx="minor">
+            <a:schemeClr val="lt1"/>
+          </a:fontRef>
+        </p:style>
+        <p:txBody>
+          <a:bodyPr rtlCol="1" anchor="ctr"/>
+          <a:lstStyle/>
+          <a:p>
+            <a:pPr algn="ctr"/>
+            <a:endParaRPr lang="he-IL">
+              <a:solidFill>
+                <a:schemeClr val="tx1"/>
+              </a:solidFill>
+            </a:endParaRPr>
+          </a:p>
+        </p:txBody>
+      </p:sp>
+      <p:sp>
+        <p:nvSpPr>
+          <p:cNvPr id="33" name="תיבת טקסט 315"/>
+          <p:cNvSpPr txBox="1">
+            <a:spLocks noChangeArrowheads="1"/>
+          </p:cNvSpPr>
+          <p:nvPr/>
+        </p:nvSpPr>
+        <p:spPr bwMode="auto">
+          <a:xfrm flipH="1">
+            <a:off x="7020272" y="2060848"/>
+            <a:ext cx="921060" cy="360040"/>
+          </a:xfrm>
+          <a:prstGeom prst="rect">
+            <a:avLst/>
+          </a:prstGeom>
+          <a:noFill/>
+          <a:ln w="9525">
+            <a:noFill/>
+            <a:miter lim="800000"/>
+            <a:headEnd/>
+            <a:tailEnd/>
+          </a:ln>
+        </p:spPr>
+        <p:txBody>
+          <a:bodyPr rot="0" vert="horz" wrap="square" lIns="91440" tIns="45720" rIns="91440" bIns="45720" anchor="t" anchorCtr="0">
+            <a:noAutofit/>
+          </a:bodyPr>
+          <a:lstStyle/>
+          <a:p>
+            <a:pPr algn="r" rtl="1">
+              <a:lnSpc>
+                <a:spcPct val="115000"/>
+              </a:lnSpc>
+              <a:spcAft>
+                <a:spcPts val="1000"/>
+              </a:spcAft>
+            </a:pPr>
+            <a:r>
+              <a:rPr lang="en-US" sz="1400" dirty="0">
+                <a:effectLst/>
+                <a:latin typeface="David" panose="020E0502060401010101" pitchFamily="34" charset="-79"/>
+                <a:ea typeface="Calibri"/>
+                <a:cs typeface="David" panose="020E0502060401010101" pitchFamily="34" charset="-79"/>
+              </a:rPr>
+              <a:t>API Req</a:t>
+            </a:r>
+          </a:p>
+        </p:txBody>
+      </p:sp>
+      <p:sp>
+        <p:nvSpPr>
+          <p:cNvPr id="35" name="חץ מעוקל למעלה 34"/>
+          <p:cNvSpPr/>
+          <p:nvPr/>
+        </p:nvSpPr>
+        <p:spPr>
+          <a:xfrm>
+            <a:off x="3938972" y="5733256"/>
+            <a:ext cx="1137084" cy="360040"/>
+          </a:xfrm>
+          <a:prstGeom prst="curvedUpArrow">
+            <a:avLst/>
+          </a:prstGeom>
+          <a:solidFill>
+            <a:schemeClr val="accent5">
+              <a:lumMod val="75000"/>
+            </a:schemeClr>
+          </a:solidFill>
+        </p:spPr>
+        <p:style>
+          <a:lnRef idx="2">
+            <a:schemeClr val="accent1">
+              <a:shade val="50000"/>
+            </a:schemeClr>
+          </a:lnRef>
+          <a:fillRef idx="1">
+            <a:schemeClr val="accent1"/>
+          </a:fillRef>
+          <a:effectRef idx="0">
+            <a:schemeClr val="accent1"/>
+          </a:effectRef>
+          <a:fontRef idx="minor">
+            <a:schemeClr val="lt1"/>
+          </a:fontRef>
+        </p:style>
+        <p:txBody>
+          <a:bodyPr rtlCol="1" anchor="ctr"/>
+          <a:lstStyle/>
+          <a:p>
+            <a:pPr algn="ctr"/>
+            <a:endParaRPr lang="he-IL">
+              <a:solidFill>
+                <a:schemeClr val="tx1"/>
+              </a:solidFill>
+            </a:endParaRPr>
+          </a:p>
+        </p:txBody>
+      </p:sp>
+      <p:sp>
+        <p:nvSpPr>
+          <p:cNvPr id="36" name="תיבת טקסט 315"/>
+          <p:cNvSpPr txBox="1">
+            <a:spLocks noChangeArrowheads="1"/>
+          </p:cNvSpPr>
+          <p:nvPr/>
+        </p:nvSpPr>
+        <p:spPr bwMode="auto">
+          <a:xfrm flipH="1">
+            <a:off x="3707904" y="6115794"/>
+            <a:ext cx="1368152" cy="360040"/>
+          </a:xfrm>
+          <a:prstGeom prst="rect">
+            <a:avLst/>
+          </a:prstGeom>
+          <a:noFill/>
+          <a:ln w="9525">
+            <a:noFill/>
+            <a:miter lim="800000"/>
+            <a:headEnd/>
+            <a:tailEnd/>
+          </a:ln>
+        </p:spPr>
+        <p:txBody>
+          <a:bodyPr rot="0" vert="horz" wrap="square" lIns="91440" tIns="45720" rIns="91440" bIns="45720" anchor="t" anchorCtr="0">
+            <a:noAutofit/>
+          </a:bodyPr>
+          <a:lstStyle/>
+          <a:p>
+            <a:pPr algn="r" rtl="1">
+              <a:lnSpc>
+                <a:spcPct val="115000"/>
+              </a:lnSpc>
+              <a:spcAft>
+                <a:spcPts val="1000"/>
+              </a:spcAft>
+            </a:pPr>
+            <a:r>
+              <a:rPr lang="en-US" sz="1400" dirty="0" smtClean="0">
+                <a:effectLst/>
+                <a:latin typeface="David" panose="020E0502060401010101" pitchFamily="34" charset="-79"/>
+                <a:ea typeface="Calibri"/>
+                <a:cs typeface="David" panose="020E0502060401010101" pitchFamily="34" charset="-79"/>
+              </a:rPr>
+              <a:t>Get Location</a:t>
+            </a:r>
+            <a:endParaRPr lang="en-US" sz="1400" dirty="0">
+              <a:effectLst/>
+              <a:latin typeface="David" panose="020E0502060401010101" pitchFamily="34" charset="-79"/>
+              <a:ea typeface="Calibri"/>
+              <a:cs typeface="David" panose="020E0502060401010101" pitchFamily="34" charset="-79"/>
+            </a:endParaRPr>
+          </a:p>
+        </p:txBody>
+      </p:sp>
+      <p:graphicFrame>
+        <p:nvGraphicFramePr>
+          <p:cNvPr id="42" name="דיאגרמה 41"/>
+          <p:cNvGraphicFramePr/>
+          <p:nvPr>
+            <p:extLst>
+              <p:ext uri="{D42A27DB-BD31-4B8C-83A1-F6EECF244321}">
+                <p14:modId xmlns:p14="http://schemas.microsoft.com/office/powerpoint/2010/main" val="2249346041"/>
+              </p:ext>
+            </p:extLst>
+          </p:nvPr>
+        </p:nvGraphicFramePr>
+        <p:xfrm>
+          <a:off x="774956" y="4293096"/>
+          <a:ext cx="7541460" cy="2335848"/>
+        </p:xfrm>
+        <a:graphic>
+          <a:graphicData uri="http://schemas.openxmlformats.org/drawingml/2006/diagram">
+            <dgm:relIds xmlns:dgm="http://schemas.openxmlformats.org/drawingml/2006/diagram" xmlns:r="http://schemas.openxmlformats.org/officeDocument/2006/relationships" r:dm="rId7" r:lo="rId8" r:qs="rId9" r:cs="rId10"/>
+          </a:graphicData>
+        </a:graphic>
+      </p:graphicFrame>
+      <p:pic>
+        <p:nvPicPr>
+          <p:cNvPr id="43" name="תמונה 42"/>
+          <p:cNvPicPr/>
+          <p:nvPr/>
+        </p:nvPicPr>
+        <p:blipFill>
+          <a:blip r:embed="rId12">
+            <a:extLst>
+              <a:ext uri="{28A0092B-C50C-407E-A947-70E740481C1C}">
+                <a14:useLocalDpi xmlns:a14="http://schemas.microsoft.com/office/drawing/2010/main" val="0"/>
+              </a:ext>
+            </a:extLst>
+          </a:blip>
+          <a:srcRect/>
+          <a:stretch>
+            <a:fillRect/>
+          </a:stretch>
+        </p:blipFill>
+        <p:spPr bwMode="auto">
+          <a:xfrm>
+            <a:off x="7308304" y="6285267"/>
+            <a:ext cx="1689735" cy="405130"/>
+          </a:xfrm>
+          <a:prstGeom prst="rect">
+            <a:avLst/>
+          </a:prstGeom>
+          <a:noFill/>
+          <a:ln>
+            <a:noFill/>
+          </a:ln>
+        </p:spPr>
+      </p:pic>
+      <p:pic>
+        <p:nvPicPr>
+          <p:cNvPr id="44" name="Picture 2" descr="http://www.just5.com/content/img/android.png"/>
+          <p:cNvPicPr>
+            <a:picLocks noChangeAspect="1" noChangeArrowheads="1"/>
+          </p:cNvPicPr>
+          <p:nvPr/>
+        </p:nvPicPr>
+        <p:blipFill>
+          <a:blip r:embed="rId13" cstate="print">
+            <a:extLst>
+              <a:ext uri="{28A0092B-C50C-407E-A947-70E740481C1C}">
+                <a14:useLocalDpi xmlns:a14="http://schemas.microsoft.com/office/drawing/2010/main" val="0"/>
+              </a:ext>
+            </a:extLst>
+          </a:blip>
+          <a:srcRect/>
+          <a:stretch>
+            <a:fillRect/>
+          </a:stretch>
+        </p:blipFill>
+        <p:spPr bwMode="auto">
+          <a:xfrm>
+            <a:off x="179512" y="5877272"/>
+            <a:ext cx="864096" cy="864096"/>
+          </a:xfrm>
+          <a:prstGeom prst="rect">
+            <a:avLst/>
+          </a:prstGeom>
+          <a:noFill/>
+          <a:extLst>
+            <a:ext uri="{909E8E84-426E-40DD-AFC4-6F175D3DCCD1}">
+              <a14:hiddenFill xmlns:a14="http://schemas.microsoft.com/office/drawing/2010/main">
+                <a:solidFill>
+                  <a:srgbClr val="FFFFFF"/>
+                </a:solidFill>
+              </a14:hiddenFill>
+            </a:ext>
+          </a:extLst>
+        </p:spPr>
+      </p:pic>
+    </p:spTree>
+    <p:extLst>
+      <p:ext uri="{BB962C8B-B14F-4D97-AF65-F5344CB8AC3E}">
+        <p14:creationId xmlns:p14="http://schemas.microsoft.com/office/powerpoint/2010/main" val="901310056"/>
+      </p:ext>
+    </p:extLst>
+  </p:cSld>
+  <p:clrMapOvr>
+    <a:masterClrMapping/>
+  </p:clrMapOvr>
+  <p:timing>
+    <p:tnLst>
+      <p:par>
+        <p:cTn id="1" dur="indefinite" restart="never" nodeType="tmRoot"/>
+      </p:par>
+    </p:tnLst>
+  </p:timing>
+</p:sld>
+</file>
+
+<file path=ppt/slides/slide4.xml><?xml version="1.0" encoding="utf-8"?>
+<p:sld xmlns:a="http://schemas.openxmlformats.org/drawingml/2006/main" xmlns:r="http://schemas.openxmlformats.org/officeDocument/2006/relationships" xmlns:p="http://schemas.openxmlformats.org/presentationml/2006/main">
+  <p:cSld>
+    <p:spTree>
+      <p:nvGrpSpPr>
+        <p:cNvPr id="1" name=""/>
+        <p:cNvGrpSpPr/>
+        <p:nvPr/>
+      </p:nvGrpSpPr>
+      <p:grpSpPr>
+        <a:xfrm>
+          <a:off x="0" y="0"/>
+          <a:ext cx="0" cy="0"/>
+          <a:chOff x="0" y="0"/>
+          <a:chExt cx="0" cy="0"/>
+        </a:xfrm>
+      </p:grpSpPr>
+      <p:sp>
+        <p:nvSpPr>
           <p:cNvPr id="3" name="מציין מיקום תוכן 2"/>
           <p:cNvSpPr>
             <a:spLocks noGrp="1"/>
@@ -15060,7 +23100,14 @@
                 <a:latin typeface="David" panose="020E0502060401010101" pitchFamily="34" charset="-79"/>
                 <a:cs typeface="David" panose="020E0502060401010101" pitchFamily="34" charset="-79"/>
               </a:rPr>
-              <a:t>הצגת הפרויקט</a:t>
+              <a:t>הצגת </a:t>
+            </a:r>
+            <a:r>
+              <a:rPr lang="he-IL" dirty="0" smtClean="0">
+                <a:latin typeface="David" panose="020E0502060401010101" pitchFamily="34" charset="-79"/>
+                <a:cs typeface="David" panose="020E0502060401010101" pitchFamily="34" charset="-79"/>
+              </a:rPr>
+              <a:t>האפליקציה</a:t>
             </a:r>
             <a:endParaRPr lang="he-IL" dirty="0">
               <a:latin typeface="David" panose="020E0502060401010101" pitchFamily="34" charset="-79"/>
@@ -15163,177 +23210,6 @@
 </p:sld>
 </file>
 
-<file path=ppt/slides/slide4.xml><?xml version="1.0" encoding="utf-8"?>
-<p:sld xmlns:a="http://schemas.openxmlformats.org/drawingml/2006/main" xmlns:r="http://schemas.openxmlformats.org/officeDocument/2006/relationships" xmlns:p="http://schemas.openxmlformats.org/presentationml/2006/main">
-  <p:cSld>
-    <p:spTree>
-      <p:nvGrpSpPr>
-        <p:cNvPr id="1" name=""/>
-        <p:cNvGrpSpPr/>
-        <p:nvPr/>
-      </p:nvGrpSpPr>
-      <p:grpSpPr>
-        <a:xfrm>
-          <a:off x="0" y="0"/>
-          <a:ext cx="0" cy="0"/>
-          <a:chOff x="0" y="0"/>
-          <a:chExt cx="0" cy="0"/>
-        </a:xfrm>
-      </p:grpSpPr>
-      <p:sp>
-        <p:nvSpPr>
-          <p:cNvPr id="3" name="מציין מיקום תוכן 2"/>
-          <p:cNvSpPr>
-            <a:spLocks noGrp="1"/>
-          </p:cNvSpPr>
-          <p:nvPr>
-            <p:ph idx="1"/>
-          </p:nvPr>
-        </p:nvSpPr>
-        <p:spPr/>
-        <p:txBody>
-          <a:bodyPr/>
-          <a:lstStyle/>
-          <a:p>
-            <a:r>
-              <a:rPr lang="he-IL" dirty="0" smtClean="0">
-                <a:latin typeface="David" panose="020E0502060401010101" pitchFamily="34" charset="-79"/>
-                <a:cs typeface="David" panose="020E0502060401010101" pitchFamily="34" charset="-79"/>
-              </a:rPr>
-              <a:t>בדיקות בזמן אמת על קווי אוטובוס נבחרים</a:t>
-            </a:r>
-          </a:p>
-          <a:p>
-            <a:endParaRPr lang="he-IL" dirty="0">
-              <a:latin typeface="David" panose="020E0502060401010101" pitchFamily="34" charset="-79"/>
-              <a:cs typeface="David" panose="020E0502060401010101" pitchFamily="34" charset="-79"/>
-            </a:endParaRPr>
-          </a:p>
-        </p:txBody>
-      </p:sp>
-      <p:sp>
-        <p:nvSpPr>
-          <p:cNvPr id="2" name="כותרת 1"/>
-          <p:cNvSpPr>
-            <a:spLocks noGrp="1"/>
-          </p:cNvSpPr>
-          <p:nvPr>
-            <p:ph type="title"/>
-          </p:nvPr>
-        </p:nvSpPr>
-        <p:spPr/>
-        <p:txBody>
-          <a:bodyPr/>
-          <a:lstStyle/>
-          <a:p>
-            <a:r>
-              <a:rPr lang="he-IL" dirty="0" smtClean="0">
-                <a:latin typeface="David" panose="020E0502060401010101" pitchFamily="34" charset="-79"/>
-                <a:cs typeface="David" panose="020E0502060401010101" pitchFamily="34" charset="-79"/>
-              </a:rPr>
-              <a:t>בדיקות</a:t>
-            </a:r>
-            <a:endParaRPr lang="he-IL" dirty="0">
-              <a:latin typeface="David" panose="020E0502060401010101" pitchFamily="34" charset="-79"/>
-              <a:cs typeface="David" panose="020E0502060401010101" pitchFamily="34" charset="-79"/>
-            </a:endParaRPr>
-          </a:p>
-        </p:txBody>
-      </p:sp>
-      <p:pic>
-        <p:nvPicPr>
-          <p:cNvPr id="4" name="תמונה 3"/>
-          <p:cNvPicPr/>
-          <p:nvPr/>
-        </p:nvPicPr>
-        <p:blipFill>
-          <a:blip r:embed="rId2">
-            <a:extLst>
-              <a:ext uri="{28A0092B-C50C-407E-A947-70E740481C1C}">
-                <a14:useLocalDpi xmlns:a14="http://schemas.microsoft.com/office/drawing/2010/main" val="0"/>
-              </a:ext>
-            </a:extLst>
-          </a:blip>
-          <a:srcRect/>
-          <a:stretch>
-            <a:fillRect/>
-          </a:stretch>
-        </p:blipFill>
-        <p:spPr bwMode="auto">
-          <a:xfrm>
-            <a:off x="7308304" y="6285267"/>
-            <a:ext cx="1689735" cy="405130"/>
-          </a:xfrm>
-          <a:prstGeom prst="rect">
-            <a:avLst/>
-          </a:prstGeom>
-          <a:noFill/>
-          <a:ln>
-            <a:noFill/>
-          </a:ln>
-        </p:spPr>
-      </p:pic>
-      <p:pic>
-        <p:nvPicPr>
-          <p:cNvPr id="5" name="Picture 2" descr="http://www.just5.com/content/img/android.png"/>
-          <p:cNvPicPr>
-            <a:picLocks noChangeAspect="1" noChangeArrowheads="1"/>
-          </p:cNvPicPr>
-          <p:nvPr/>
-        </p:nvPicPr>
-        <p:blipFill>
-          <a:blip r:embed="rId3" cstate="print">
-            <a:extLst>
-              <a:ext uri="{28A0092B-C50C-407E-A947-70E740481C1C}">
-                <a14:useLocalDpi xmlns:a14="http://schemas.microsoft.com/office/drawing/2010/main" val="0"/>
-              </a:ext>
-            </a:extLst>
-          </a:blip>
-          <a:srcRect/>
-          <a:stretch>
-            <a:fillRect/>
-          </a:stretch>
-        </p:blipFill>
-        <p:spPr bwMode="auto">
-          <a:xfrm>
-            <a:off x="179512" y="5877272"/>
-            <a:ext cx="864096" cy="864096"/>
-          </a:xfrm>
-          <a:prstGeom prst="rect">
-            <a:avLst/>
-          </a:prstGeom>
-          <a:noFill/>
-          <a:extLst>
-            <a:ext uri="{909E8E84-426E-40DD-AFC4-6F175D3DCCD1}">
-              <a14:hiddenFill xmlns:a14="http://schemas.microsoft.com/office/drawing/2010/main">
-                <a:solidFill>
-                  <a:srgbClr val="FFFFFF"/>
-                </a:solidFill>
-              </a14:hiddenFill>
-            </a:ext>
-          </a:extLst>
-        </p:spPr>
-      </p:pic>
-    </p:spTree>
-    <p:extLst>
-      <p:ext uri="{BB962C8B-B14F-4D97-AF65-F5344CB8AC3E}">
-        <p14:creationId xmlns:p14="http://schemas.microsoft.com/office/powerpoint/2010/main" val="2966131955"/>
-      </p:ext>
-    </p:extLst>
-  </p:cSld>
-  <p:clrMapOvr>
-    <a:masterClrMapping/>
-  </p:clrMapOvr>
-  <p:timing>
-    <p:tnLst>
-      <p:par>
-        <p:cTn id="1" dur="indefinite" restart="never" nodeType="tmRoot"/>
-      </p:par>
-    </p:tnLst>
-  </p:timing>
-</p:sld>
-</file>
-
 <file path=ppt/slides/slide5.xml><?xml version="1.0" encoding="utf-8"?>
 <p:sld xmlns:a="http://schemas.openxmlformats.org/drawingml/2006/main" xmlns:r="http://schemas.openxmlformats.org/officeDocument/2006/relationships" xmlns:p="http://schemas.openxmlformats.org/presentationml/2006/main">
   <p:cSld>
@@ -15371,6 +23247,11 @@
           <a:bodyPr/>
           <a:lstStyle/>
           <a:p>
+            <a:pPr>
+              <a:lnSpc>
+                <a:spcPct val="150000"/>
+              </a:lnSpc>
+            </a:pPr>
             <a:r>
               <a:rPr lang="he-IL" dirty="0" smtClean="0">
                 <a:latin typeface="David" panose="020E0502060401010101" pitchFamily="34" charset="-79"/>
@@ -15404,16 +23285,26 @@
                 <a:latin typeface="David" panose="020E0502060401010101" pitchFamily="34" charset="-79"/>
                 <a:cs typeface="David" panose="020E0502060401010101" pitchFamily="34" charset="-79"/>
               </a:rPr>
-              <a:t> שיתמוך באפליקציה.</a:t>
+              <a:t> שיתמוך באפליקציה</a:t>
             </a:r>
-          </a:p>
-          <a:p>
+            <a:r>
+              <a:rPr lang="he-IL" dirty="0" smtClean="0">
+                <a:latin typeface="David" panose="020E0502060401010101" pitchFamily="34" charset="-79"/>
+                <a:cs typeface="David" panose="020E0502060401010101" pitchFamily="34" charset="-79"/>
+              </a:rPr>
+              <a:t>.</a:t>
+            </a:r>
             <a:endParaRPr lang="he-IL" dirty="0">
               <a:latin typeface="David" panose="020E0502060401010101" pitchFamily="34" charset="-79"/>
               <a:cs typeface="David" panose="020E0502060401010101" pitchFamily="34" charset="-79"/>
             </a:endParaRPr>
           </a:p>
           <a:p>
+            <a:pPr>
+              <a:lnSpc>
+                <a:spcPct val="150000"/>
+              </a:lnSpc>
+            </a:pPr>
             <a:r>
               <a:rPr lang="he-IL" dirty="0" smtClean="0">
                 <a:latin typeface="David" panose="020E0502060401010101" pitchFamily="34" charset="-79"/>
@@ -15423,7 +23314,10 @@
             </a:r>
           </a:p>
           <a:p>
-            <a:pPr lvl="1"/>
+            <a:pPr lvl="1">
+              <a:buFont typeface="Arial" panose="020B0604020202020204" pitchFamily="34" charset="0"/>
+              <a:buChar char="•"/>
+            </a:pPr>
             <a:r>
               <a:rPr lang="he-IL" dirty="0" smtClean="0">
                 <a:latin typeface="David" panose="020E0502060401010101" pitchFamily="34" charset="-79"/>
@@ -15438,51 +23332,72 @@
               </a:rPr>
               <a:t>API</a:t>
             </a:r>
+            <a:r>
+              <a:rPr lang="he-IL" dirty="0" smtClean="0">
+                <a:latin typeface="David" panose="020E0502060401010101" pitchFamily="34" charset="-79"/>
+                <a:cs typeface="David" panose="020E0502060401010101" pitchFamily="34" charset="-79"/>
+              </a:rPr>
+              <a:t>.</a:t>
+            </a:r>
             <a:endParaRPr lang="he-IL" dirty="0" smtClean="0">
               <a:latin typeface="David" panose="020E0502060401010101" pitchFamily="34" charset="-79"/>
               <a:cs typeface="David" panose="020E0502060401010101" pitchFamily="34" charset="-79"/>
             </a:endParaRPr>
           </a:p>
           <a:p>
-            <a:pPr lvl="1"/>
+            <a:pPr lvl="1">
+              <a:buFont typeface="Arial" panose="020B0604020202020204" pitchFamily="34" charset="0"/>
+              <a:buChar char="•"/>
+            </a:pPr>
             <a:r>
               <a:rPr lang="he-IL" dirty="0" smtClean="0">
                 <a:latin typeface="David" panose="020E0502060401010101" pitchFamily="34" charset="-79"/>
                 <a:cs typeface="David" panose="020E0502060401010101" pitchFamily="34" charset="-79"/>
               </a:rPr>
-              <a:t>הפעלת התראה: בדיקת </a:t>
+              <a:t>הפעלת התראה: בדיקת מיקום עדכני בעזרת תהליך שרץ ברקע (</a:t>
+            </a:r>
+            <a:r>
+              <a:rPr lang="en-US" dirty="0" smtClean="0">
+                <a:latin typeface="David" panose="020E0502060401010101" pitchFamily="34" charset="-79"/>
+                <a:cs typeface="David" panose="020E0502060401010101" pitchFamily="34" charset="-79"/>
+              </a:rPr>
+              <a:t> </a:t>
+            </a:r>
+            <a:r>
+              <a:rPr lang="en-US" dirty="0" smtClean="0">
+                <a:latin typeface="David" panose="020E0502060401010101" pitchFamily="34" charset="-79"/>
+                <a:cs typeface="David" panose="020E0502060401010101" pitchFamily="34" charset="-79"/>
+              </a:rPr>
+              <a:t>.(Service</a:t>
+            </a:r>
+            <a:endParaRPr lang="en-US" dirty="0" smtClean="0">
+              <a:latin typeface="David" panose="020E0502060401010101" pitchFamily="34" charset="-79"/>
+              <a:cs typeface="David" panose="020E0502060401010101" pitchFamily="34" charset="-79"/>
+            </a:endParaRPr>
+          </a:p>
+          <a:p>
+            <a:pPr lvl="1">
+              <a:buFont typeface="Arial" panose="020B0604020202020204" pitchFamily="34" charset="0"/>
+              <a:buChar char="•"/>
+            </a:pPr>
+            <a:r>
+              <a:rPr lang="he-IL" dirty="0" smtClean="0">
+                <a:latin typeface="David" panose="020E0502060401010101" pitchFamily="34" charset="-79"/>
+                <a:cs typeface="David" panose="020E0502060401010101" pitchFamily="34" charset="-79"/>
+              </a:rPr>
+              <a:t>הגעה לתחנה: שליחת התראה למשתמש (צלצול או/וגם התראה</a:t>
             </a:r>
             <a:r>
               <a:rPr lang="he-IL" dirty="0" smtClean="0">
                 <a:latin typeface="David" panose="020E0502060401010101" pitchFamily="34" charset="-79"/>
                 <a:cs typeface="David" panose="020E0502060401010101" pitchFamily="34" charset="-79"/>
               </a:rPr>
-              <a:t>מיקום עדכני בעזרת תהליך שרץ ברקע (</a:t>
+              <a:t>).</a:t>
             </a:r>
-            <a:r>
-              <a:rPr lang="en-US" dirty="0" smtClean="0">
-                <a:latin typeface="David" panose="020E0502060401010101" pitchFamily="34" charset="-79"/>
-                <a:cs typeface="David" panose="020E0502060401010101" pitchFamily="34" charset="-79"/>
-              </a:rPr>
-              <a:t> (Service</a:t>
-            </a:r>
-          </a:p>
-          <a:p>
-            <a:pPr lvl="1"/>
-            <a:r>
-              <a:rPr lang="he-IL" dirty="0" smtClean="0">
-                <a:latin typeface="David" panose="020E0502060401010101" pitchFamily="34" charset="-79"/>
-                <a:cs typeface="David" panose="020E0502060401010101" pitchFamily="34" charset="-79"/>
-              </a:rPr>
-              <a:t>הגעה לתחנה: שליחת </a:t>
-            </a:r>
-            <a:r>
-              <a:rPr lang="he-IL" dirty="0" smtClean="0">
-                <a:latin typeface="David" panose="020E0502060401010101" pitchFamily="34" charset="-79"/>
-                <a:cs typeface="David" panose="020E0502060401010101" pitchFamily="34" charset="-79"/>
-              </a:rPr>
-              <a:t>התראה למשתמש (צלצול או/וגם התראה)</a:t>
-            </a:r>
+            <a:endParaRPr lang="he-IL" dirty="0" smtClean="0">
+              <a:latin typeface="David" panose="020E0502060401010101" pitchFamily="34" charset="-79"/>
+              <a:cs typeface="David" panose="020E0502060401010101" pitchFamily="34" charset="-79"/>
+            </a:endParaRPr>
           </a:p>
         </p:txBody>
       </p:sp>
@@ -15679,8 +23594,8 @@
         </p:nvSpPr>
         <p:spPr>
           <a:xfrm>
-            <a:off x="323528" y="2564904"/>
-            <a:ext cx="8244904" cy="3561259"/>
+            <a:off x="0" y="2564904"/>
+            <a:ext cx="8568432" cy="3561259"/>
           </a:xfrm>
         </p:spPr>
         <p:txBody>
@@ -15702,7 +23617,14 @@
                 <a:latin typeface="David" panose="020E0502060401010101" pitchFamily="34" charset="-79"/>
                 <a:cs typeface="David" panose="020E0502060401010101" pitchFamily="34" charset="-79"/>
               </a:rPr>
-              <a:t>קבלת מיקום של המשתמש</a:t>
+              <a:t>קבלת מיקום של </a:t>
+            </a:r>
+            <a:r>
+              <a:rPr lang="he-IL" dirty="0" smtClean="0">
+                <a:latin typeface="David" panose="020E0502060401010101" pitchFamily="34" charset="-79"/>
+                <a:cs typeface="David" panose="020E0502060401010101" pitchFamily="34" charset="-79"/>
+              </a:rPr>
+              <a:t>המשתמש.</a:t>
             </a:r>
             <a:endParaRPr lang="en-US" dirty="0" smtClean="0">
               <a:latin typeface="David" panose="020E0502060401010101" pitchFamily="34" charset="-79"/>
@@ -15744,7 +23666,14 @@
                 <a:latin typeface="David" panose="020E0502060401010101" pitchFamily="34" charset="-79"/>
                 <a:cs typeface="David" panose="020E0502060401010101" pitchFamily="34" charset="-79"/>
               </a:rPr>
-              <a:t>נסגר)</a:t>
+              <a:t>נסגר</a:t>
+            </a:r>
+            <a:r>
+              <a:rPr lang="he-IL" dirty="0" smtClean="0">
+                <a:latin typeface="David" panose="020E0502060401010101" pitchFamily="34" charset="-79"/>
+                <a:cs typeface="David" panose="020E0502060401010101" pitchFamily="34" charset="-79"/>
+              </a:rPr>
+              <a:t>).</a:t>
             </a:r>
             <a:endParaRPr lang="en-US" dirty="0" smtClean="0">
               <a:latin typeface="David" panose="020E0502060401010101" pitchFamily="34" charset="-79"/>
@@ -15765,8 +23694,19 @@
                 <a:latin typeface="David" panose="020E0502060401010101" pitchFamily="34" charset="-79"/>
                 <a:cs typeface="David" panose="020E0502060401010101" pitchFamily="34" charset="-79"/>
               </a:rPr>
-              <a:t>התראה למשתמש</a:t>
+              <a:t>התראה </a:t>
             </a:r>
+            <a:r>
+              <a:rPr lang="he-IL" dirty="0" smtClean="0">
+                <a:latin typeface="David" panose="020E0502060401010101" pitchFamily="34" charset="-79"/>
+                <a:cs typeface="David" panose="020E0502060401010101" pitchFamily="34" charset="-79"/>
+              </a:rPr>
+              <a:t>למשתמש.</a:t>
+            </a:r>
+            <a:endParaRPr lang="he-IL" dirty="0" smtClean="0">
+              <a:latin typeface="David" panose="020E0502060401010101" pitchFamily="34" charset="-79"/>
+              <a:cs typeface="David" panose="020E0502060401010101" pitchFamily="34" charset="-79"/>
+            </a:endParaRPr>
           </a:p>
           <a:p>
             <a:r>
@@ -15781,7 +23721,14 @@
                 <a:latin typeface="David" panose="020E0502060401010101" pitchFamily="34" charset="-79"/>
                 <a:cs typeface="David" panose="020E0502060401010101" pitchFamily="34" charset="-79"/>
               </a:rPr>
-              <a:t>- השמעת צלצול</a:t>
+              <a:t>- השמעת </a:t>
+            </a:r>
+            <a:r>
+              <a:rPr lang="he-IL" dirty="0" smtClean="0">
+                <a:latin typeface="David" panose="020E0502060401010101" pitchFamily="34" charset="-79"/>
+                <a:cs typeface="David" panose="020E0502060401010101" pitchFamily="34" charset="-79"/>
+              </a:rPr>
+              <a:t>צלצול.</a:t>
             </a:r>
             <a:endParaRPr lang="en-US" dirty="0" smtClean="0">
               <a:latin typeface="David" panose="020E0502060401010101" pitchFamily="34" charset="-79"/>
@@ -15791,11 +23738,7 @@
           <a:p>
             <a:r>
               <a:rPr lang="en-US" dirty="0" smtClean="0"/>
-              <a:t>Shared </a:t>
-            </a:r>
-            <a:r>
-              <a:rPr lang="en-US" dirty="0" smtClean="0"/>
-              <a:t>Preferences</a:t>
+              <a:t>Shared Preferences</a:t>
             </a:r>
             <a:r>
               <a:rPr lang="he-IL" dirty="0" smtClean="0"/>
@@ -15806,7 +23749,14 @@
                 <a:latin typeface="David" panose="020E0502060401010101" pitchFamily="34" charset="-79"/>
                 <a:cs typeface="David" panose="020E0502060401010101" pitchFamily="34" charset="-79"/>
               </a:rPr>
-              <a:t>'זיכרון משותף' – להגדרות האפליקציה</a:t>
+              <a:t>'זיכרון משותף' – להגדרות </a:t>
+            </a:r>
+            <a:r>
+              <a:rPr lang="he-IL" dirty="0" smtClean="0">
+                <a:latin typeface="David" panose="020E0502060401010101" pitchFamily="34" charset="-79"/>
+                <a:cs typeface="David" panose="020E0502060401010101" pitchFamily="34" charset="-79"/>
+              </a:rPr>
+              <a:t>האפליקציה.</a:t>
             </a:r>
             <a:endParaRPr lang="en-US" dirty="0" smtClean="0">
               <a:latin typeface="David" panose="020E0502060401010101" pitchFamily="34" charset="-79"/>
@@ -15836,6 +23786,13 @@
               </a:rPr>
               <a:t>API</a:t>
             </a:r>
+            <a:r>
+              <a:rPr lang="he-IL" dirty="0" smtClean="0">
+                <a:latin typeface="David" panose="020E0502060401010101" pitchFamily="34" charset="-79"/>
+                <a:cs typeface="David" panose="020E0502060401010101" pitchFamily="34" charset="-79"/>
+              </a:rPr>
+              <a:t>.</a:t>
+            </a:r>
             <a:endParaRPr lang="he-IL" dirty="0" smtClean="0">
               <a:latin typeface="David" panose="020E0502060401010101" pitchFamily="34" charset="-79"/>
               <a:cs typeface="David" panose="020E0502060401010101" pitchFamily="34" charset="-79"/>
@@ -15847,11 +23804,7 @@
           <a:p>
             <a:r>
               <a:rPr lang="en-US" dirty="0" smtClean="0"/>
-              <a:t>API (use </a:t>
-            </a:r>
-            <a:r>
-              <a:rPr lang="en-US" dirty="0" smtClean="0"/>
-              <a:t>GAE)</a:t>
+              <a:t>API (use GAE)</a:t>
             </a:r>
             <a:r>
               <a:rPr lang="he-IL" dirty="0" smtClean="0"/>
@@ -15862,27 +23815,47 @@
                 <a:latin typeface="David" panose="020E0502060401010101" pitchFamily="34" charset="-79"/>
                 <a:cs typeface="David" panose="020E0502060401010101" pitchFamily="34" charset="-79"/>
               </a:rPr>
-              <a:t>בניית שרת שמכיל את מבנה הנתונים של:</a:t>
-            </a:r>
-          </a:p>
-          <a:p>
-            <a:pPr marL="0" indent="0">
-              <a:buNone/>
-            </a:pPr>
-            <a:r>
-              <a:rPr lang="he-IL" dirty="0">
-                <a:latin typeface="David" panose="020E0502060401010101" pitchFamily="34" charset="-79"/>
-                <a:cs typeface="David" panose="020E0502060401010101" pitchFamily="34" charset="-79"/>
-              </a:rPr>
-              <a:t>	</a:t>
+              <a:t>בניית שרת שמכיל את מבנה הנתונים </a:t>
             </a:r>
             <a:r>
               <a:rPr lang="he-IL" dirty="0" smtClean="0">
                 <a:latin typeface="David" panose="020E0502060401010101" pitchFamily="34" charset="-79"/>
                 <a:cs typeface="David" panose="020E0502060401010101" pitchFamily="34" charset="-79"/>
               </a:rPr>
-              <a:t>חברות תחבורה/מסלולי אוטובוסים/תחנות עצירה</a:t>
+              <a:t>של</a:t>
             </a:r>
+            <a:r>
+              <a:rPr lang="he-IL" dirty="0">
+                <a:latin typeface="David" panose="020E0502060401010101" pitchFamily="34" charset="-79"/>
+                <a:cs typeface="David" panose="020E0502060401010101" pitchFamily="34" charset="-79"/>
+              </a:rPr>
+              <a:t> </a:t>
+            </a:r>
+            <a:r>
+              <a:rPr lang="he-IL" dirty="0" smtClean="0">
+                <a:latin typeface="David" panose="020E0502060401010101" pitchFamily="34" charset="-79"/>
+                <a:cs typeface="David" panose="020E0502060401010101" pitchFamily="34" charset="-79"/>
+              </a:rPr>
+              <a:t>חברות תחבורה/ מסלולי </a:t>
+            </a:r>
+            <a:r>
+              <a:rPr lang="he-IL" dirty="0" smtClean="0">
+                <a:latin typeface="David" panose="020E0502060401010101" pitchFamily="34" charset="-79"/>
+                <a:cs typeface="David" panose="020E0502060401010101" pitchFamily="34" charset="-79"/>
+              </a:rPr>
+              <a:t>אוטובוסים/תחנות </a:t>
+            </a:r>
+            <a:r>
+              <a:rPr lang="he-IL" dirty="0" smtClean="0">
+                <a:latin typeface="David" panose="020E0502060401010101" pitchFamily="34" charset="-79"/>
+                <a:cs typeface="David" panose="020E0502060401010101" pitchFamily="34" charset="-79"/>
+              </a:rPr>
+              <a:t>עצירה.</a:t>
+            </a:r>
+            <a:endParaRPr lang="he-IL" dirty="0" smtClean="0">
+              <a:latin typeface="David" panose="020E0502060401010101" pitchFamily="34" charset="-79"/>
+              <a:cs typeface="David" panose="020E0502060401010101" pitchFamily="34" charset="-79"/>
+            </a:endParaRPr>
           </a:p>
         </p:txBody>
       </p:sp>
@@ -15906,14 +23879,7 @@
                 <a:latin typeface="David" panose="020E0502060401010101" pitchFamily="34" charset="-79"/>
                 <a:cs typeface="David" panose="020E0502060401010101" pitchFamily="34" charset="-79"/>
               </a:rPr>
-              <a:t>תכונות </a:t>
-            </a:r>
-            <a:r>
-              <a:rPr lang="he-IL" dirty="0" smtClean="0">
-                <a:latin typeface="David" panose="020E0502060401010101" pitchFamily="34" charset="-79"/>
-                <a:cs typeface="David" panose="020E0502060401010101" pitchFamily="34" charset="-79"/>
-              </a:rPr>
-              <a:t>האפליקציה</a:t>
+              <a:t>תכונות האפליקציה</a:t>
             </a:r>
             <a:endParaRPr lang="he-IL" dirty="0">
               <a:latin typeface="David" panose="020E0502060401010101" pitchFamily="34" charset="-79"/>
@@ -16043,7 +24009,12 @@
             <p:ph idx="1"/>
           </p:nvPr>
         </p:nvSpPr>
-        <p:spPr/>
+        <p:spPr>
+          <a:xfrm>
+            <a:off x="179513" y="2675467"/>
+            <a:ext cx="8100888" cy="3450696"/>
+          </a:xfrm>
+        </p:spPr>
         <p:txBody>
           <a:bodyPr/>
           <a:lstStyle/>
@@ -16067,8 +24038,19 @@
                 <a:latin typeface="David" panose="020E0502060401010101" pitchFamily="34" charset="-79"/>
                 <a:cs typeface="David" panose="020E0502060401010101" pitchFamily="34" charset="-79"/>
               </a:rPr>
-              <a:t> (כרגע תמיכה רק באגד בתוך ירושלים)</a:t>
+              <a:t> (כרגע תמיכה רק באגד בתוך ירושלים</a:t>
             </a:r>
+            <a:r>
+              <a:rPr lang="he-IL" dirty="0" smtClean="0">
+                <a:latin typeface="David" panose="020E0502060401010101" pitchFamily="34" charset="-79"/>
+                <a:cs typeface="David" panose="020E0502060401010101" pitchFamily="34" charset="-79"/>
+              </a:rPr>
+              <a:t>).</a:t>
+            </a:r>
+            <a:endParaRPr lang="he-IL" dirty="0" smtClean="0">
+              <a:latin typeface="David" panose="020E0502060401010101" pitchFamily="34" charset="-79"/>
+              <a:cs typeface="David" panose="020E0502060401010101" pitchFamily="34" charset="-79"/>
+            </a:endParaRPr>
           </a:p>
           <a:p>
             <a:r>
@@ -16076,8 +24058,19 @@
                 <a:latin typeface="David" panose="020E0502060401010101" pitchFamily="34" charset="-79"/>
                 <a:cs typeface="David" panose="020E0502060401010101" pitchFamily="34" charset="-79"/>
               </a:rPr>
-              <a:t>תמיכה 'ברכבת ישראל'</a:t>
+              <a:t>תמיכה 'ברכבת ישראל</a:t>
             </a:r>
+            <a:r>
+              <a:rPr lang="he-IL" dirty="0" smtClean="0">
+                <a:latin typeface="David" panose="020E0502060401010101" pitchFamily="34" charset="-79"/>
+                <a:cs typeface="David" panose="020E0502060401010101" pitchFamily="34" charset="-79"/>
+              </a:rPr>
+              <a:t>'.</a:t>
+            </a:r>
+            <a:endParaRPr lang="he-IL" dirty="0" smtClean="0">
+              <a:latin typeface="David" panose="020E0502060401010101" pitchFamily="34" charset="-79"/>
+              <a:cs typeface="David" panose="020E0502060401010101" pitchFamily="34" charset="-79"/>
+            </a:endParaRPr>
           </a:p>
           <a:p>
             <a:r>
@@ -16092,8 +24085,12 @@
                 <a:latin typeface="David" panose="020E0502060401010101" pitchFamily="34" charset="-79"/>
                 <a:cs typeface="David" panose="020E0502060401010101" pitchFamily="34" charset="-79"/>
               </a:rPr>
-              <a:t>דינאמית</a:t>
+              <a:t>דינאמית.</a:t>
             </a:r>
+            <a:endParaRPr lang="he-IL" dirty="0" smtClean="0">
+              <a:latin typeface="David" panose="020E0502060401010101" pitchFamily="34" charset="-79"/>
+              <a:cs typeface="David" panose="020E0502060401010101" pitchFamily="34" charset="-79"/>
+            </a:endParaRPr>
           </a:p>
           <a:p>
             <a:r>
@@ -16101,8 +24098,19 @@
                 <a:latin typeface="David" panose="020E0502060401010101" pitchFamily="34" charset="-79"/>
                 <a:cs typeface="David" panose="020E0502060401010101" pitchFamily="34" charset="-79"/>
               </a:rPr>
-              <a:t>אפשרות לבחירת צלצול התראה</a:t>
+              <a:t>אפשרות לבחירת צלצול </a:t>
             </a:r>
+            <a:r>
+              <a:rPr lang="he-IL" dirty="0" smtClean="0">
+                <a:latin typeface="David" panose="020E0502060401010101" pitchFamily="34" charset="-79"/>
+                <a:cs typeface="David" panose="020E0502060401010101" pitchFamily="34" charset="-79"/>
+              </a:rPr>
+              <a:t>התראה.</a:t>
+            </a:r>
+            <a:endParaRPr lang="he-IL" dirty="0" smtClean="0">
+              <a:latin typeface="David" panose="020E0502060401010101" pitchFamily="34" charset="-79"/>
+              <a:cs typeface="David" panose="020E0502060401010101" pitchFamily="34" charset="-79"/>
+            </a:endParaRPr>
           </a:p>
           <a:p>
             <a:endParaRPr lang="he-IL" dirty="0" smtClean="0">
@@ -16284,8 +24292,19 @@
                 <a:latin typeface="David" panose="020E0502060401010101" pitchFamily="34" charset="-79"/>
                 <a:cs typeface="David" panose="020E0502060401010101" pitchFamily="34" charset="-79"/>
               </a:rPr>
-              <a:t>פרויקט מעניין ומאתגר מאוד</a:t>
+              <a:t>פרויקט מעניין ומאתגר </a:t>
             </a:r>
+            <a:r>
+              <a:rPr lang="he-IL" dirty="0" smtClean="0">
+                <a:latin typeface="David" panose="020E0502060401010101" pitchFamily="34" charset="-79"/>
+                <a:cs typeface="David" panose="020E0502060401010101" pitchFamily="34" charset="-79"/>
+              </a:rPr>
+              <a:t>מאוד.</a:t>
+            </a:r>
+            <a:endParaRPr lang="he-IL" dirty="0" smtClean="0">
+              <a:latin typeface="David" panose="020E0502060401010101" pitchFamily="34" charset="-79"/>
+              <a:cs typeface="David" panose="020E0502060401010101" pitchFamily="34" charset="-79"/>
+            </a:endParaRPr>
           </a:p>
           <a:p>
             <a:r>
@@ -16293,8 +24312,19 @@
                 <a:latin typeface="David" panose="020E0502060401010101" pitchFamily="34" charset="-79"/>
                 <a:cs typeface="David" panose="020E0502060401010101" pitchFamily="34" charset="-79"/>
               </a:rPr>
-              <a:t>פיתוח אפליקציה "מקצה לקצה"</a:t>
+              <a:t>פיתוח אפליקציה "מקצה לקצה</a:t>
             </a:r>
+            <a:r>
+              <a:rPr lang="he-IL" dirty="0" smtClean="0">
+                <a:latin typeface="David" panose="020E0502060401010101" pitchFamily="34" charset="-79"/>
+                <a:cs typeface="David" panose="020E0502060401010101" pitchFamily="34" charset="-79"/>
+              </a:rPr>
+              <a:t>".</a:t>
+            </a:r>
+            <a:endParaRPr lang="he-IL" dirty="0" smtClean="0">
+              <a:latin typeface="David" panose="020E0502060401010101" pitchFamily="34" charset="-79"/>
+              <a:cs typeface="David" panose="020E0502060401010101" pitchFamily="34" charset="-79"/>
+            </a:endParaRPr>
           </a:p>
           <a:p>
             <a:r>
@@ -16309,7 +24339,7 @@
                 <a:latin typeface="David" panose="020E0502060401010101" pitchFamily="34" charset="-79"/>
                 <a:cs typeface="David" panose="020E0502060401010101" pitchFamily="34" charset="-79"/>
               </a:rPr>
-              <a:t>GAE</a:t>
+              <a:t>.GAE</a:t>
             </a:r>
             <a:endParaRPr lang="he-IL" dirty="0" smtClean="0">
               <a:latin typeface="David" panose="020E0502060401010101" pitchFamily="34" charset="-79"/>
@@ -16322,8 +24352,19 @@
                 <a:latin typeface="David" panose="020E0502060401010101" pitchFamily="34" charset="-79"/>
                 <a:cs typeface="David" panose="020E0502060401010101" pitchFamily="34" charset="-79"/>
               </a:rPr>
-              <a:t>עבודת צוות</a:t>
+              <a:t>עבודת </a:t>
             </a:r>
+            <a:r>
+              <a:rPr lang="he-IL" dirty="0" smtClean="0">
+                <a:latin typeface="David" panose="020E0502060401010101" pitchFamily="34" charset="-79"/>
+                <a:cs typeface="David" panose="020E0502060401010101" pitchFamily="34" charset="-79"/>
+              </a:rPr>
+              <a:t>צוות.</a:t>
+            </a:r>
+            <a:endParaRPr lang="he-IL" dirty="0" smtClean="0">
+              <a:latin typeface="David" panose="020E0502060401010101" pitchFamily="34" charset="-79"/>
+              <a:cs typeface="David" panose="020E0502060401010101" pitchFamily="34" charset="-79"/>
+            </a:endParaRPr>
           </a:p>
         </p:txBody>
       </p:sp>

--- a/doc/Presentation .pptx
+++ b/doc/Presentation .pptx
@@ -1903,10 +1903,26 @@
     <dgm:pt modelId="{61EEC78E-8D47-4EBD-B33F-3A3DB2A5A5D9}" type="pres">
       <dgm:prSet presAssocID="{D774C58F-1292-4F98-B9AB-6B4208DA33E5}" presName="sibTrans" presStyleLbl="sibTrans2D1" presStyleIdx="0" presStyleCnt="4"/>
       <dgm:spPr/>
+      <dgm:t>
+        <a:bodyPr/>
+        <a:lstStyle/>
+        <a:p>
+          <a:pPr rtl="1"/>
+          <a:endParaRPr lang="he-IL"/>
+        </a:p>
+      </dgm:t>
     </dgm:pt>
     <dgm:pt modelId="{CD996461-7C20-4BB5-9003-3EF0E64071F9}" type="pres">
       <dgm:prSet presAssocID="{D774C58F-1292-4F98-B9AB-6B4208DA33E5}" presName="connectorText" presStyleLbl="sibTrans2D1" presStyleIdx="0" presStyleCnt="4"/>
       <dgm:spPr/>
+      <dgm:t>
+        <a:bodyPr/>
+        <a:lstStyle/>
+        <a:p>
+          <a:pPr rtl="1"/>
+          <a:endParaRPr lang="he-IL"/>
+        </a:p>
+      </dgm:t>
     </dgm:pt>
     <dgm:pt modelId="{C06557A4-F42F-4BDC-8277-7CC25C539788}" type="pres">
       <dgm:prSet presAssocID="{EA4D2A9A-34DC-47DF-AE54-289D5503A4FC}" presName="node" presStyleLbl="node1" presStyleIdx="1" presStyleCnt="5">
@@ -1915,14 +1931,38 @@
         </dgm:presLayoutVars>
       </dgm:prSet>
       <dgm:spPr/>
+      <dgm:t>
+        <a:bodyPr/>
+        <a:lstStyle/>
+        <a:p>
+          <a:pPr rtl="1"/>
+          <a:endParaRPr lang="he-IL"/>
+        </a:p>
+      </dgm:t>
     </dgm:pt>
     <dgm:pt modelId="{023BECFB-48CF-479D-9A71-1C0C39EA83D5}" type="pres">
       <dgm:prSet presAssocID="{37937ED7-C6D8-4B19-AE3F-509C57E3EFAA}" presName="sibTrans" presStyleLbl="sibTrans2D1" presStyleIdx="1" presStyleCnt="4"/>
       <dgm:spPr/>
+      <dgm:t>
+        <a:bodyPr/>
+        <a:lstStyle/>
+        <a:p>
+          <a:pPr rtl="1"/>
+          <a:endParaRPr lang="he-IL"/>
+        </a:p>
+      </dgm:t>
     </dgm:pt>
     <dgm:pt modelId="{FC2D822C-890F-4460-A754-EFC60E528D2F}" type="pres">
       <dgm:prSet presAssocID="{37937ED7-C6D8-4B19-AE3F-509C57E3EFAA}" presName="connectorText" presStyleLbl="sibTrans2D1" presStyleIdx="1" presStyleCnt="4"/>
       <dgm:spPr/>
+      <dgm:t>
+        <a:bodyPr/>
+        <a:lstStyle/>
+        <a:p>
+          <a:pPr rtl="1"/>
+          <a:endParaRPr lang="he-IL"/>
+        </a:p>
+      </dgm:t>
     </dgm:pt>
     <dgm:pt modelId="{A9B2B3FD-45E7-4BC5-ACE3-2E9C84A5DFAB}" type="pres">
       <dgm:prSet presAssocID="{F786BA8F-E734-45E0-8847-36149B0AB95C}" presName="node" presStyleLbl="node1" presStyleIdx="2" presStyleCnt="5">
@@ -1943,10 +1983,26 @@
     <dgm:pt modelId="{D972C6C0-3A00-4D31-89BF-679D107545CF}" type="pres">
       <dgm:prSet presAssocID="{0759841B-4DAB-4BBF-AD79-46466E1584C8}" presName="sibTrans" presStyleLbl="sibTrans2D1" presStyleIdx="2" presStyleCnt="4"/>
       <dgm:spPr/>
+      <dgm:t>
+        <a:bodyPr/>
+        <a:lstStyle/>
+        <a:p>
+          <a:pPr rtl="1"/>
+          <a:endParaRPr lang="he-IL"/>
+        </a:p>
+      </dgm:t>
     </dgm:pt>
     <dgm:pt modelId="{D54D2DD0-4D72-4C03-A974-B7C431E46920}" type="pres">
       <dgm:prSet presAssocID="{0759841B-4DAB-4BBF-AD79-46466E1584C8}" presName="connectorText" presStyleLbl="sibTrans2D1" presStyleIdx="2" presStyleCnt="4"/>
       <dgm:spPr/>
+      <dgm:t>
+        <a:bodyPr/>
+        <a:lstStyle/>
+        <a:p>
+          <a:pPr rtl="1"/>
+          <a:endParaRPr lang="he-IL"/>
+        </a:p>
+      </dgm:t>
     </dgm:pt>
     <dgm:pt modelId="{C44936DA-AB42-49AB-8D9C-5B75F5B74446}" type="pres">
       <dgm:prSet presAssocID="{FB79CA26-0E8D-47B9-9E57-6AFD05380E08}" presName="node" presStyleLbl="node1" presStyleIdx="3" presStyleCnt="5">
@@ -1955,14 +2011,38 @@
         </dgm:presLayoutVars>
       </dgm:prSet>
       <dgm:spPr/>
+      <dgm:t>
+        <a:bodyPr/>
+        <a:lstStyle/>
+        <a:p>
+          <a:pPr rtl="1"/>
+          <a:endParaRPr lang="he-IL"/>
+        </a:p>
+      </dgm:t>
     </dgm:pt>
     <dgm:pt modelId="{57906DA0-FE68-4CD6-A859-D5F06B30C945}" type="pres">
       <dgm:prSet presAssocID="{9D013F34-C636-4CBF-B545-A98D3D8F1514}" presName="sibTrans" presStyleLbl="sibTrans2D1" presStyleIdx="3" presStyleCnt="4"/>
       <dgm:spPr/>
+      <dgm:t>
+        <a:bodyPr/>
+        <a:lstStyle/>
+        <a:p>
+          <a:pPr rtl="1"/>
+          <a:endParaRPr lang="he-IL"/>
+        </a:p>
+      </dgm:t>
     </dgm:pt>
     <dgm:pt modelId="{C8204ED0-5A02-4FC2-A1D2-CA665C5DBC61}" type="pres">
       <dgm:prSet presAssocID="{9D013F34-C636-4CBF-B545-A98D3D8F1514}" presName="connectorText" presStyleLbl="sibTrans2D1" presStyleIdx="3" presStyleCnt="4"/>
       <dgm:spPr/>
+      <dgm:t>
+        <a:bodyPr/>
+        <a:lstStyle/>
+        <a:p>
+          <a:pPr rtl="1"/>
+          <a:endParaRPr lang="he-IL"/>
+        </a:p>
+      </dgm:t>
     </dgm:pt>
     <dgm:pt modelId="{4A5D6149-2FC1-4AB9-ACCB-2A2DAE2E8D0A}" type="pres">
       <dgm:prSet presAssocID="{030666B9-7559-4D51-8693-5FA1C9B257B5}" presName="node" presStyleLbl="node1" presStyleIdx="4" presStyleCnt="5">
@@ -1982,25 +2062,25 @@
     </dgm:pt>
   </dgm:ptLst>
   <dgm:cxnLst>
+    <dgm:cxn modelId="{0775C84F-139A-4553-9805-DF23BD2FD044}" type="presOf" srcId="{EA4D2A9A-34DC-47DF-AE54-289D5503A4FC}" destId="{C06557A4-F42F-4BDC-8277-7CC25C539788}" srcOrd="0" destOrd="0" presId="urn:microsoft.com/office/officeart/2005/8/layout/process1"/>
+    <dgm:cxn modelId="{0F7C6647-C5BB-488A-B29B-2F3AD22AB62C}" srcId="{371A5CCC-E4C1-412B-A774-3738C908E6D5}" destId="{030666B9-7559-4D51-8693-5FA1C9B257B5}" srcOrd="4" destOrd="0" parTransId="{3AFC0611-B4F9-4F04-8BE5-37CB459B4F59}" sibTransId="{B95F5B0F-66CF-4803-9201-5D3CF1B3EC34}"/>
     <dgm:cxn modelId="{3AB4BA1E-46B0-430C-95F0-43FEB0621DE9}" srcId="{371A5CCC-E4C1-412B-A774-3738C908E6D5}" destId="{F786BA8F-E734-45E0-8847-36149B0AB95C}" srcOrd="2" destOrd="0" parTransId="{B4079C45-CC95-400D-BA1A-D8030084FC5C}" sibTransId="{0759841B-4DAB-4BBF-AD79-46466E1584C8}"/>
+    <dgm:cxn modelId="{31CA3978-F80A-4F8D-A3F1-363194E0E83D}" type="presOf" srcId="{37937ED7-C6D8-4B19-AE3F-509C57E3EFAA}" destId="{023BECFB-48CF-479D-9A71-1C0C39EA83D5}" srcOrd="0" destOrd="0" presId="urn:microsoft.com/office/officeart/2005/8/layout/process1"/>
+    <dgm:cxn modelId="{3E005A17-5439-4F4D-89F3-B50352C1E1FA}" type="presOf" srcId="{37937ED7-C6D8-4B19-AE3F-509C57E3EFAA}" destId="{FC2D822C-890F-4460-A754-EFC60E528D2F}" srcOrd="1" destOrd="0" presId="urn:microsoft.com/office/officeart/2005/8/layout/process1"/>
+    <dgm:cxn modelId="{DEE0E86A-2191-4032-A31B-F59AC7B15A12}" type="presOf" srcId="{0759841B-4DAB-4BBF-AD79-46466E1584C8}" destId="{D54D2DD0-4D72-4C03-A974-B7C431E46920}" srcOrd="1" destOrd="0" presId="urn:microsoft.com/office/officeart/2005/8/layout/process1"/>
+    <dgm:cxn modelId="{737E06C6-5591-4DC2-82F4-B2B7D381ED65}" srcId="{371A5CCC-E4C1-412B-A774-3738C908E6D5}" destId="{C1D21C33-7992-4FFA-901D-FFDA2CD7B5A6}" srcOrd="0" destOrd="0" parTransId="{B4E9D805-CF65-4ADA-9D7C-784F012EFE5E}" sibTransId="{D774C58F-1292-4F98-B9AB-6B4208DA33E5}"/>
+    <dgm:cxn modelId="{A7B321F4-1091-4A78-9D20-B10361F40A83}" type="presOf" srcId="{C1D21C33-7992-4FFA-901D-FFDA2CD7B5A6}" destId="{D74B4A32-50F4-4B74-83AB-CB19076FB67E}" srcOrd="0" destOrd="0" presId="urn:microsoft.com/office/officeart/2005/8/layout/process1"/>
+    <dgm:cxn modelId="{A4470809-715F-41AA-AC88-5EF0AE018E47}" type="presOf" srcId="{371A5CCC-E4C1-412B-A774-3738C908E6D5}" destId="{34CAF373-0EB1-40FB-9599-77955D0AD59C}" srcOrd="0" destOrd="0" presId="urn:microsoft.com/office/officeart/2005/8/layout/process1"/>
+    <dgm:cxn modelId="{BCC0E320-C31F-49D4-A0B4-40449BB4C4D1}" type="presOf" srcId="{D774C58F-1292-4F98-B9AB-6B4208DA33E5}" destId="{61EEC78E-8D47-4EBD-B33F-3A3DB2A5A5D9}" srcOrd="0" destOrd="0" presId="urn:microsoft.com/office/officeart/2005/8/layout/process1"/>
+    <dgm:cxn modelId="{0CEC3D15-9917-40C5-BC6F-DB9B85D36709}" type="presOf" srcId="{D774C58F-1292-4F98-B9AB-6B4208DA33E5}" destId="{CD996461-7C20-4BB5-9003-3EF0E64071F9}" srcOrd="1" destOrd="0" presId="urn:microsoft.com/office/officeart/2005/8/layout/process1"/>
+    <dgm:cxn modelId="{0511F289-2953-4CC2-92FC-41EECB86635A}" type="presOf" srcId="{F786BA8F-E734-45E0-8847-36149B0AB95C}" destId="{A9B2B3FD-45E7-4BC5-ACE3-2E9C84A5DFAB}" srcOrd="0" destOrd="0" presId="urn:microsoft.com/office/officeart/2005/8/layout/process1"/>
+    <dgm:cxn modelId="{AFB6DAF9-214D-4164-BF58-A7503484278C}" type="presOf" srcId="{9D013F34-C636-4CBF-B545-A98D3D8F1514}" destId="{57906DA0-FE68-4CD6-A859-D5F06B30C945}" srcOrd="0" destOrd="0" presId="urn:microsoft.com/office/officeart/2005/8/layout/process1"/>
+    <dgm:cxn modelId="{DEF1A0E3-31E5-4165-A4B5-F11BEA0915AA}" srcId="{371A5CCC-E4C1-412B-A774-3738C908E6D5}" destId="{FB79CA26-0E8D-47B9-9E57-6AFD05380E08}" srcOrd="3" destOrd="0" parTransId="{6EE6FC0D-4E0A-46AD-B7A6-FC0B6B28C3C9}" sibTransId="{9D013F34-C636-4CBF-B545-A98D3D8F1514}"/>
     <dgm:cxn modelId="{5D9E9BD0-2510-4053-BD8B-E24C13374340}" type="presOf" srcId="{FB79CA26-0E8D-47B9-9E57-6AFD05380E08}" destId="{C44936DA-AB42-49AB-8D9C-5B75F5B74446}" srcOrd="0" destOrd="0" presId="urn:microsoft.com/office/officeart/2005/8/layout/process1"/>
-    <dgm:cxn modelId="{AFB6DAF9-214D-4164-BF58-A7503484278C}" type="presOf" srcId="{9D013F34-C636-4CBF-B545-A98D3D8F1514}" destId="{57906DA0-FE68-4CD6-A859-D5F06B30C945}" srcOrd="0" destOrd="0" presId="urn:microsoft.com/office/officeart/2005/8/layout/process1"/>
     <dgm:cxn modelId="{DB4664A9-390B-4B22-8772-C2963AA3D712}" type="presOf" srcId="{9D013F34-C636-4CBF-B545-A98D3D8F1514}" destId="{C8204ED0-5A02-4FC2-A1D2-CA665C5DBC61}" srcOrd="1" destOrd="0" presId="urn:microsoft.com/office/officeart/2005/8/layout/process1"/>
-    <dgm:cxn modelId="{BCC0E320-C31F-49D4-A0B4-40449BB4C4D1}" type="presOf" srcId="{D774C58F-1292-4F98-B9AB-6B4208DA33E5}" destId="{61EEC78E-8D47-4EBD-B33F-3A3DB2A5A5D9}" srcOrd="0" destOrd="0" presId="urn:microsoft.com/office/officeart/2005/8/layout/process1"/>
-    <dgm:cxn modelId="{0775C84F-139A-4553-9805-DF23BD2FD044}" type="presOf" srcId="{EA4D2A9A-34DC-47DF-AE54-289D5503A4FC}" destId="{C06557A4-F42F-4BDC-8277-7CC25C539788}" srcOrd="0" destOrd="0" presId="urn:microsoft.com/office/officeart/2005/8/layout/process1"/>
-    <dgm:cxn modelId="{DEE0E86A-2191-4032-A31B-F59AC7B15A12}" type="presOf" srcId="{0759841B-4DAB-4BBF-AD79-46466E1584C8}" destId="{D54D2DD0-4D72-4C03-A974-B7C431E46920}" srcOrd="1" destOrd="0" presId="urn:microsoft.com/office/officeart/2005/8/layout/process1"/>
     <dgm:cxn modelId="{06B2EC4F-4DAA-47B9-BADC-4FDDDD10AF03}" srcId="{371A5CCC-E4C1-412B-A774-3738C908E6D5}" destId="{EA4D2A9A-34DC-47DF-AE54-289D5503A4FC}" srcOrd="1" destOrd="0" parTransId="{5EEF8B5C-7868-4676-B05E-873284980401}" sibTransId="{37937ED7-C6D8-4B19-AE3F-509C57E3EFAA}"/>
     <dgm:cxn modelId="{A0D5C05F-C2D5-49D7-9268-5B39A7B1A2F8}" type="presOf" srcId="{030666B9-7559-4D51-8693-5FA1C9B257B5}" destId="{4A5D6149-2FC1-4AB9-ACCB-2A2DAE2E8D0A}" srcOrd="0" destOrd="0" presId="urn:microsoft.com/office/officeart/2005/8/layout/process1"/>
-    <dgm:cxn modelId="{0CEC3D15-9917-40C5-BC6F-DB9B85D36709}" type="presOf" srcId="{D774C58F-1292-4F98-B9AB-6B4208DA33E5}" destId="{CD996461-7C20-4BB5-9003-3EF0E64071F9}" srcOrd="1" destOrd="0" presId="urn:microsoft.com/office/officeart/2005/8/layout/process1"/>
     <dgm:cxn modelId="{9F11B5FB-F267-4EC7-B1F8-60B0FD46B608}" type="presOf" srcId="{0759841B-4DAB-4BBF-AD79-46466E1584C8}" destId="{D972C6C0-3A00-4D31-89BF-679D107545CF}" srcOrd="0" destOrd="0" presId="urn:microsoft.com/office/officeart/2005/8/layout/process1"/>
-    <dgm:cxn modelId="{0511F289-2953-4CC2-92FC-41EECB86635A}" type="presOf" srcId="{F786BA8F-E734-45E0-8847-36149B0AB95C}" destId="{A9B2B3FD-45E7-4BC5-ACE3-2E9C84A5DFAB}" srcOrd="0" destOrd="0" presId="urn:microsoft.com/office/officeart/2005/8/layout/process1"/>
-    <dgm:cxn modelId="{0F7C6647-C5BB-488A-B29B-2F3AD22AB62C}" srcId="{371A5CCC-E4C1-412B-A774-3738C908E6D5}" destId="{030666B9-7559-4D51-8693-5FA1C9B257B5}" srcOrd="4" destOrd="0" parTransId="{3AFC0611-B4F9-4F04-8BE5-37CB459B4F59}" sibTransId="{B95F5B0F-66CF-4803-9201-5D3CF1B3EC34}"/>
-    <dgm:cxn modelId="{737E06C6-5591-4DC2-82F4-B2B7D381ED65}" srcId="{371A5CCC-E4C1-412B-A774-3738C908E6D5}" destId="{C1D21C33-7992-4FFA-901D-FFDA2CD7B5A6}" srcOrd="0" destOrd="0" parTransId="{B4E9D805-CF65-4ADA-9D7C-784F012EFE5E}" sibTransId="{D774C58F-1292-4F98-B9AB-6B4208DA33E5}"/>
-    <dgm:cxn modelId="{A7B321F4-1091-4A78-9D20-B10361F40A83}" type="presOf" srcId="{C1D21C33-7992-4FFA-901D-FFDA2CD7B5A6}" destId="{D74B4A32-50F4-4B74-83AB-CB19076FB67E}" srcOrd="0" destOrd="0" presId="urn:microsoft.com/office/officeart/2005/8/layout/process1"/>
-    <dgm:cxn modelId="{3E005A17-5439-4F4D-89F3-B50352C1E1FA}" type="presOf" srcId="{37937ED7-C6D8-4B19-AE3F-509C57E3EFAA}" destId="{FC2D822C-890F-4460-A754-EFC60E528D2F}" srcOrd="1" destOrd="0" presId="urn:microsoft.com/office/officeart/2005/8/layout/process1"/>
-    <dgm:cxn modelId="{31CA3978-F80A-4F8D-A3F1-363194E0E83D}" type="presOf" srcId="{37937ED7-C6D8-4B19-AE3F-509C57E3EFAA}" destId="{023BECFB-48CF-479D-9A71-1C0C39EA83D5}" srcOrd="0" destOrd="0" presId="urn:microsoft.com/office/officeart/2005/8/layout/process1"/>
-    <dgm:cxn modelId="{A4470809-715F-41AA-AC88-5EF0AE018E47}" type="presOf" srcId="{371A5CCC-E4C1-412B-A774-3738C908E6D5}" destId="{34CAF373-0EB1-40FB-9599-77955D0AD59C}" srcOrd="0" destOrd="0" presId="urn:microsoft.com/office/officeart/2005/8/layout/process1"/>
-    <dgm:cxn modelId="{DEF1A0E3-31E5-4165-A4B5-F11BEA0915AA}" srcId="{371A5CCC-E4C1-412B-A774-3738C908E6D5}" destId="{FB79CA26-0E8D-47B9-9E57-6AFD05380E08}" srcOrd="3" destOrd="0" parTransId="{6EE6FC0D-4E0A-46AD-B7A6-FC0B6B28C3C9}" sibTransId="{9D013F34-C636-4CBF-B545-A98D3D8F1514}"/>
     <dgm:cxn modelId="{9623D19A-1921-4C1C-A985-33AC6285CFCF}" type="presParOf" srcId="{34CAF373-0EB1-40FB-9599-77955D0AD59C}" destId="{D74B4A32-50F4-4B74-83AB-CB19076FB67E}" srcOrd="0" destOrd="0" presId="urn:microsoft.com/office/officeart/2005/8/layout/process1"/>
     <dgm:cxn modelId="{0893DE40-7150-42DD-BE2F-F05EBE49B274}" type="presParOf" srcId="{34CAF373-0EB1-40FB-9599-77955D0AD59C}" destId="{61EEC78E-8D47-4EBD-B33F-3A3DB2A5A5D9}" srcOrd="1" destOrd="0" presId="urn:microsoft.com/office/officeart/2005/8/layout/process1"/>
     <dgm:cxn modelId="{574EC876-B9D6-4AAC-8CF7-5FC2E064438B}" type="presParOf" srcId="{61EEC78E-8D47-4EBD-B33F-3A3DB2A5A5D9}" destId="{CD996461-7C20-4BB5-9003-3EF0E64071F9}" srcOrd="0" destOrd="0" presId="urn:microsoft.com/office/officeart/2005/8/layout/process1"/>
@@ -2384,10 +2464,26 @@
     <dgm:pt modelId="{5E5560A1-1977-4438-812B-072FEB4D6CA7}" type="pres">
       <dgm:prSet presAssocID="{68064CA7-89FB-4F7B-B270-6BA1C900544A}" presName="sibTrans" presStyleLbl="sibTrans2D1" presStyleIdx="0" presStyleCnt="4" custAng="10800000"/>
       <dgm:spPr/>
+      <dgm:t>
+        <a:bodyPr/>
+        <a:lstStyle/>
+        <a:p>
+          <a:pPr rtl="1"/>
+          <a:endParaRPr lang="he-IL"/>
+        </a:p>
+      </dgm:t>
     </dgm:pt>
     <dgm:pt modelId="{21CA2B2B-EE06-4753-B362-4A339D5AEFF3}" type="pres">
       <dgm:prSet presAssocID="{68064CA7-89FB-4F7B-B270-6BA1C900544A}" presName="connectorText" presStyleLbl="sibTrans2D1" presStyleIdx="0" presStyleCnt="4"/>
       <dgm:spPr/>
+      <dgm:t>
+        <a:bodyPr/>
+        <a:lstStyle/>
+        <a:p>
+          <a:pPr rtl="1"/>
+          <a:endParaRPr lang="he-IL"/>
+        </a:p>
+      </dgm:t>
     </dgm:pt>
     <dgm:pt modelId="{D32B9571-BC94-47DB-B145-1BED7BB93F25}" type="pres">
       <dgm:prSet presAssocID="{65986335-B2DC-4B12-A5F8-4F8B6FBEB059}" presName="node" presStyleLbl="node1" presStyleIdx="1" presStyleCnt="5" custScaleX="115682" custScaleY="66199">
@@ -2396,14 +2492,38 @@
         </dgm:presLayoutVars>
       </dgm:prSet>
       <dgm:spPr/>
+      <dgm:t>
+        <a:bodyPr/>
+        <a:lstStyle/>
+        <a:p>
+          <a:pPr rtl="1"/>
+          <a:endParaRPr lang="he-IL"/>
+        </a:p>
+      </dgm:t>
     </dgm:pt>
     <dgm:pt modelId="{E5C0CF59-00F9-4277-B1EF-3901C736C367}" type="pres">
       <dgm:prSet presAssocID="{DF2E413A-C47C-4E47-85DE-25D912CB31B0}" presName="sibTrans" presStyleLbl="sibTrans2D1" presStyleIdx="1" presStyleCnt="4" custAng="10800000"/>
       <dgm:spPr/>
+      <dgm:t>
+        <a:bodyPr/>
+        <a:lstStyle/>
+        <a:p>
+          <a:pPr rtl="1"/>
+          <a:endParaRPr lang="he-IL"/>
+        </a:p>
+      </dgm:t>
     </dgm:pt>
     <dgm:pt modelId="{14E15D40-CF05-43C1-B80F-7EAAEEFE4DCD}" type="pres">
       <dgm:prSet presAssocID="{DF2E413A-C47C-4E47-85DE-25D912CB31B0}" presName="connectorText" presStyleLbl="sibTrans2D1" presStyleIdx="1" presStyleCnt="4"/>
       <dgm:spPr/>
+      <dgm:t>
+        <a:bodyPr/>
+        <a:lstStyle/>
+        <a:p>
+          <a:pPr rtl="1"/>
+          <a:endParaRPr lang="he-IL"/>
+        </a:p>
+      </dgm:t>
     </dgm:pt>
     <dgm:pt modelId="{83F88A07-475B-4EB3-9D78-65D777B440A4}" type="pres">
       <dgm:prSet presAssocID="{DDB6DFDF-92AF-41A7-9E25-1231673C29DE}" presName="node" presStyleLbl="node1" presStyleIdx="2" presStyleCnt="5" custScaleX="144243" custScaleY="97578">
@@ -2416,14 +2536,38 @@
           <a:avLst/>
         </a:prstGeom>
       </dgm:spPr>
+      <dgm:t>
+        <a:bodyPr/>
+        <a:lstStyle/>
+        <a:p>
+          <a:pPr rtl="1"/>
+          <a:endParaRPr lang="he-IL"/>
+        </a:p>
+      </dgm:t>
     </dgm:pt>
     <dgm:pt modelId="{C0029861-8E26-4112-AF7E-A99B681FA76E}" type="pres">
       <dgm:prSet presAssocID="{95CBF607-3D0E-4D2C-8286-5636F908FE6E}" presName="sibTrans" presStyleLbl="sibTrans2D1" presStyleIdx="2" presStyleCnt="4" custAng="10800000"/>
       <dgm:spPr/>
+      <dgm:t>
+        <a:bodyPr/>
+        <a:lstStyle/>
+        <a:p>
+          <a:pPr rtl="1"/>
+          <a:endParaRPr lang="he-IL"/>
+        </a:p>
+      </dgm:t>
     </dgm:pt>
     <dgm:pt modelId="{2868399A-8A3D-47D3-9BAC-6B1339E87E04}" type="pres">
       <dgm:prSet presAssocID="{95CBF607-3D0E-4D2C-8286-5636F908FE6E}" presName="connectorText" presStyleLbl="sibTrans2D1" presStyleIdx="2" presStyleCnt="4"/>
       <dgm:spPr/>
+      <dgm:t>
+        <a:bodyPr/>
+        <a:lstStyle/>
+        <a:p>
+          <a:pPr rtl="1"/>
+          <a:endParaRPr lang="he-IL"/>
+        </a:p>
+      </dgm:t>
     </dgm:pt>
     <dgm:pt modelId="{31D34D25-A549-4679-9A51-88CF5F4EF902}" type="pres">
       <dgm:prSet presAssocID="{8E8B330C-05B9-4EDF-8DAF-A313B5E8DE34}" presName="node" presStyleLbl="node1" presStyleIdx="3" presStyleCnt="5" custScaleX="112142" custScaleY="50510">
@@ -2444,10 +2588,26 @@
     <dgm:pt modelId="{B17F2437-680A-455C-BEBF-156A9B6AC60C}" type="pres">
       <dgm:prSet presAssocID="{D53F36C9-90CC-4E55-A2EB-A05670DC9E25}" presName="sibTrans" presStyleLbl="sibTrans2D1" presStyleIdx="3" presStyleCnt="4" custAng="10800000"/>
       <dgm:spPr/>
+      <dgm:t>
+        <a:bodyPr/>
+        <a:lstStyle/>
+        <a:p>
+          <a:pPr rtl="1"/>
+          <a:endParaRPr lang="he-IL"/>
+        </a:p>
+      </dgm:t>
     </dgm:pt>
     <dgm:pt modelId="{4AEE6375-A72B-4ABF-806F-2BDCDBD106AF}" type="pres">
       <dgm:prSet presAssocID="{D53F36C9-90CC-4E55-A2EB-A05670DC9E25}" presName="connectorText" presStyleLbl="sibTrans2D1" presStyleIdx="3" presStyleCnt="4"/>
       <dgm:spPr/>
+      <dgm:t>
+        <a:bodyPr/>
+        <a:lstStyle/>
+        <a:p>
+          <a:pPr rtl="1"/>
+          <a:endParaRPr lang="he-IL"/>
+        </a:p>
+      </dgm:t>
     </dgm:pt>
     <dgm:pt modelId="{BCAEAF41-B335-417D-871A-20364F5390EA}" type="pres">
       <dgm:prSet presAssocID="{0EFCF82F-D55E-4B7F-820D-280B669276FC}" presName="node" presStyleLbl="node1" presStyleIdx="4" presStyleCnt="5" custScaleX="111072" custScaleY="97578">
@@ -2478,14 +2638,14 @@
     <dgm:cxn modelId="{21732E25-E8E2-4F47-9AA8-F9367EEE5A0D}" type="presOf" srcId="{65986335-B2DC-4B12-A5F8-4F8B6FBEB059}" destId="{D32B9571-BC94-47DB-B145-1BED7BB93F25}" srcOrd="0" destOrd="0" presId="urn:microsoft.com/office/officeart/2005/8/layout/process1"/>
     <dgm:cxn modelId="{40615861-3D53-4ADA-B43C-F407C87C74D2}" srcId="{51340FF2-2746-47ED-B19F-DAE2C57DE910}" destId="{DDB6DFDF-92AF-41A7-9E25-1231673C29DE}" srcOrd="2" destOrd="0" parTransId="{FCAE133C-9395-421D-8D9A-B2FC0456915F}" sibTransId="{95CBF607-3D0E-4D2C-8286-5636F908FE6E}"/>
     <dgm:cxn modelId="{AB3F3FB5-BEBF-4278-BAAA-FEE2CFAE1745}" type="presOf" srcId="{DF2E413A-C47C-4E47-85DE-25D912CB31B0}" destId="{14E15D40-CF05-43C1-B80F-7EAAEEFE4DCD}" srcOrd="1" destOrd="0" presId="urn:microsoft.com/office/officeart/2005/8/layout/process1"/>
+    <dgm:cxn modelId="{31C117C5-CDD5-49DF-AAE3-29ADCED2179F}" type="presOf" srcId="{95CBF607-3D0E-4D2C-8286-5636F908FE6E}" destId="{2868399A-8A3D-47D3-9BAC-6B1339E87E04}" srcOrd="1" destOrd="0" presId="urn:microsoft.com/office/officeart/2005/8/layout/process1"/>
     <dgm:cxn modelId="{9948473D-3DB8-4F25-A960-C58FF794A3CC}" type="presOf" srcId="{DDB6DFDF-92AF-41A7-9E25-1231673C29DE}" destId="{83F88A07-475B-4EB3-9D78-65D777B440A4}" srcOrd="0" destOrd="0" presId="urn:microsoft.com/office/officeart/2005/8/layout/process1"/>
-    <dgm:cxn modelId="{31C117C5-CDD5-49DF-AAE3-29ADCED2179F}" type="presOf" srcId="{95CBF607-3D0E-4D2C-8286-5636F908FE6E}" destId="{2868399A-8A3D-47D3-9BAC-6B1339E87E04}" srcOrd="1" destOrd="0" presId="urn:microsoft.com/office/officeart/2005/8/layout/process1"/>
     <dgm:cxn modelId="{C6BF0CB5-2E1A-4885-A5E9-839EE3F3F6A8}" srcId="{51340FF2-2746-47ED-B19F-DAE2C57DE910}" destId="{0EFCF82F-D55E-4B7F-820D-280B669276FC}" srcOrd="4" destOrd="0" parTransId="{B116B004-9E6C-4426-8434-30A938605AA9}" sibTransId="{E32F069C-EFFC-4022-BEEE-E6F866B09E10}"/>
     <dgm:cxn modelId="{9C294FEC-4036-4DFB-A687-0F008C8DC5D9}" type="presOf" srcId="{D53F36C9-90CC-4E55-A2EB-A05670DC9E25}" destId="{B17F2437-680A-455C-BEBF-156A9B6AC60C}" srcOrd="0" destOrd="0" presId="urn:microsoft.com/office/officeart/2005/8/layout/process1"/>
     <dgm:cxn modelId="{7A601337-2BCF-468D-8F2C-DA0D98A9C043}" srcId="{51340FF2-2746-47ED-B19F-DAE2C57DE910}" destId="{65986335-B2DC-4B12-A5F8-4F8B6FBEB059}" srcOrd="1" destOrd="0" parTransId="{532DF96C-4BDB-4A98-9C6B-8FB9557E7207}" sibTransId="{DF2E413A-C47C-4E47-85DE-25D912CB31B0}"/>
     <dgm:cxn modelId="{724CCE10-2A78-4907-AF47-CB2C96EB9F68}" type="presOf" srcId="{8E8B330C-05B9-4EDF-8DAF-A313B5E8DE34}" destId="{31D34D25-A549-4679-9A51-88CF5F4EF902}" srcOrd="0" destOrd="0" presId="urn:microsoft.com/office/officeart/2005/8/layout/process1"/>
+    <dgm:cxn modelId="{58274878-4C7F-423A-9424-0C4143A1BC01}" type="presOf" srcId="{D53F36C9-90CC-4E55-A2EB-A05670DC9E25}" destId="{4AEE6375-A72B-4ABF-806F-2BDCDBD106AF}" srcOrd="1" destOrd="0" presId="urn:microsoft.com/office/officeart/2005/8/layout/process1"/>
     <dgm:cxn modelId="{82EAB440-F9EA-4B58-BAAF-C4F879A30E19}" type="presOf" srcId="{94ED414D-38F3-4B66-8754-AED19FB6D5E9}" destId="{489280F4-81F2-47F0-85AF-356A7FE35D41}" srcOrd="0" destOrd="0" presId="urn:microsoft.com/office/officeart/2005/8/layout/process1"/>
-    <dgm:cxn modelId="{58274878-4C7F-423A-9424-0C4143A1BC01}" type="presOf" srcId="{D53F36C9-90CC-4E55-A2EB-A05670DC9E25}" destId="{4AEE6375-A72B-4ABF-806F-2BDCDBD106AF}" srcOrd="1" destOrd="0" presId="urn:microsoft.com/office/officeart/2005/8/layout/process1"/>
     <dgm:cxn modelId="{E77E0080-D931-499D-88E1-2424E9EC4C84}" type="presOf" srcId="{DF2E413A-C47C-4E47-85DE-25D912CB31B0}" destId="{E5C0CF59-00F9-4277-B1EF-3901C736C367}" srcOrd="0" destOrd="0" presId="urn:microsoft.com/office/officeart/2005/8/layout/process1"/>
     <dgm:cxn modelId="{9DF4EA5B-159C-4936-BC0E-D0E1A02FA449}" type="presOf" srcId="{51340FF2-2746-47ED-B19F-DAE2C57DE910}" destId="{AEADF85E-6158-46EB-85CC-A95D330017BC}" srcOrd="0" destOrd="0" presId="urn:microsoft.com/office/officeart/2005/8/layout/process1"/>
     <dgm:cxn modelId="{A2643968-0FA5-4BE0-A7CB-F9917192FD0F}" srcId="{51340FF2-2746-47ED-B19F-DAE2C57DE910}" destId="{8E8B330C-05B9-4EDF-8DAF-A313B5E8DE34}" srcOrd="3" destOrd="0" parTransId="{F21A4F72-706A-492C-8F81-BCBDB26277A5}" sibTransId="{D53F36C9-90CC-4E55-A2EB-A05670DC9E25}"/>
@@ -21709,7 +21869,7 @@
       </p:pic>
       <p:pic>
         <p:nvPicPr>
-          <p:cNvPr id="5" name="Picture 2" descr="C:\Users\AVIRAM\Downloads\qrcode.33656015.png"/>
+          <p:cNvPr id="6" name="Picture 2" descr="C:\Users\AVIRAM\Downloads\dcb3d173cf9b11a0ba246cfb76edc81b.png"/>
           <p:cNvPicPr>
             <a:picLocks noChangeAspect="1" noChangeArrowheads="1"/>
           </p:cNvPicPr>
@@ -21730,8 +21890,8 @@
         </p:blipFill>
         <p:spPr bwMode="auto">
           <a:xfrm>
-            <a:off x="43002" y="41082"/>
-            <a:ext cx="608618" cy="608618"/>
+            <a:off x="89756" y="116632"/>
+            <a:ext cx="665820" cy="665820"/>
           </a:xfrm>
           <a:prstGeom prst="rect">
             <a:avLst/>
@@ -21805,19 +21965,8 @@
                 <a:latin typeface="David" panose="020E0502060401010101" pitchFamily="34" charset="-79"/>
                 <a:cs typeface="David" panose="020E0502060401010101" pitchFamily="34" charset="-79"/>
               </a:rPr>
-              <a:t>התראה על הגעה לתחנת </a:t>
+              <a:t>התראה על הגעה לתחנת אוטובוס.</a:t>
             </a:r>
-            <a:r>
-              <a:rPr lang="he-IL" dirty="0" smtClean="0">
-                <a:latin typeface="David" panose="020E0502060401010101" pitchFamily="34" charset="-79"/>
-                <a:cs typeface="David" panose="020E0502060401010101" pitchFamily="34" charset="-79"/>
-              </a:rPr>
-              <a:t>אוטובוס.</a:t>
-            </a:r>
-            <a:endParaRPr lang="he-IL" dirty="0" smtClean="0">
-              <a:latin typeface="David" panose="020E0502060401010101" pitchFamily="34" charset="-79"/>
-              <a:cs typeface="David" panose="020E0502060401010101" pitchFamily="34" charset="-79"/>
-            </a:endParaRPr>
           </a:p>
           <a:p>
             <a:pPr>
@@ -21832,10 +21981,6 @@
               </a:rPr>
               <a:t>קישורים:</a:t>
             </a:r>
-            <a:endParaRPr lang="he-IL" dirty="0" smtClean="0">
-              <a:latin typeface="David" panose="020E0502060401010101" pitchFamily="34" charset="-79"/>
-              <a:cs typeface="David" panose="020E0502060401010101" pitchFamily="34" charset="-79"/>
-            </a:endParaRPr>
           </a:p>
           <a:p>
             <a:pPr lvl="1">
@@ -21853,13 +21998,17 @@
               <a:rPr lang="he-IL" dirty="0" smtClean="0">
                 <a:latin typeface="David" panose="020E0502060401010101" pitchFamily="34" charset="-79"/>
                 <a:cs typeface="David" panose="020E0502060401010101" pitchFamily="34" charset="-79"/>
+                <a:hlinkClick r:id="rId2"/>
               </a:rPr>
-              <a:t>קישור.</a:t>
+              <a:t>קישור</a:t>
             </a:r>
-            <a:endParaRPr lang="he-IL" dirty="0" smtClean="0">
-              <a:latin typeface="David" panose="020E0502060401010101" pitchFamily="34" charset="-79"/>
-              <a:cs typeface="David" panose="020E0502060401010101" pitchFamily="34" charset="-79"/>
-            </a:endParaRPr>
+            <a:r>
+              <a:rPr lang="he-IL" dirty="0" smtClean="0">
+                <a:latin typeface="David" panose="020E0502060401010101" pitchFamily="34" charset="-79"/>
+                <a:cs typeface="David" panose="020E0502060401010101" pitchFamily="34" charset="-79"/>
+              </a:rPr>
+              <a:t>.</a:t>
+            </a:r>
           </a:p>
           <a:p>
             <a:pPr lvl="1">
@@ -21871,14 +22020,22 @@
                 <a:latin typeface="David" panose="020E0502060401010101" pitchFamily="34" charset="-79"/>
                 <a:cs typeface="David" panose="020E0502060401010101" pitchFamily="34" charset="-79"/>
               </a:rPr>
-              <a:t>קישור </a:t>
+              <a:t>קישור לאפליקציה-</a:t>
+            </a:r>
+            <a:r>
+              <a:rPr lang="he-IL" dirty="0" smtClean="0">
+                <a:latin typeface="David" panose="020E0502060401010101" pitchFamily="34" charset="-79"/>
+                <a:cs typeface="David" panose="020E0502060401010101" pitchFamily="34" charset="-79"/>
+                <a:hlinkClick r:id="rId3"/>
+              </a:rPr>
+              <a:t>קישור</a:t>
             </a:r>
             <a:r>
               <a:rPr lang="he-IL" dirty="0" smtClean="0">
                 <a:latin typeface="David" panose="020E0502060401010101" pitchFamily="34" charset="-79"/>
                 <a:cs typeface="David" panose="020E0502060401010101" pitchFamily="34" charset="-79"/>
               </a:rPr>
-              <a:t>לאפליקציה-קישור.</a:t>
+              <a:t>.</a:t>
             </a:r>
             <a:endParaRPr lang="he-IL" dirty="0">
               <a:latin typeface="David" panose="020E0502060401010101" pitchFamily="34" charset="-79"/>
@@ -21923,7 +22080,7 @@
           <p:nvPr/>
         </p:nvPicPr>
         <p:blipFill>
-          <a:blip r:embed="rId2">
+          <a:blip r:embed="rId4">
             <a:extLst>
               <a:ext uri="{28A0092B-C50C-407E-A947-70E740481C1C}">
                 <a14:useLocalDpi xmlns:a14="http://schemas.microsoft.com/office/drawing/2010/main" val="0"/>
@@ -21958,7 +22115,7 @@
           <p:nvPr/>
         </p:nvPicPr>
         <p:blipFill>
-          <a:blip r:embed="rId3" cstate="print">
+          <a:blip r:embed="rId5" cstate="print">
             <a:extLst>
               <a:ext uri="{28A0092B-C50C-407E-A947-70E740481C1C}">
                 <a14:useLocalDpi xmlns:a14="http://schemas.microsoft.com/office/drawing/2010/main" val="0"/>
@@ -21974,6 +22131,47 @@
           <a:xfrm>
             <a:off x="179512" y="5877272"/>
             <a:ext cx="864096" cy="864096"/>
+          </a:xfrm>
+          <a:prstGeom prst="rect">
+            <a:avLst/>
+          </a:prstGeom>
+          <a:noFill/>
+          <a:extLst>
+            <a:ext uri="{909E8E84-426E-40DD-AFC4-6F175D3DCCD1}">
+              <a14:hiddenFill xmlns:a14="http://schemas.microsoft.com/office/drawing/2010/main">
+                <a:solidFill>
+                  <a:srgbClr val="FFFFFF"/>
+                </a:solidFill>
+              </a14:hiddenFill>
+            </a:ext>
+          </a:extLst>
+        </p:spPr>
+      </p:pic>
+      <p:pic>
+        <p:nvPicPr>
+          <p:cNvPr id="6" name="Picture 2" descr="C:\Users\AVIRAM\Downloads\dcb3d173cf9b11a0ba246cfb76edc81b.png"/>
+          <p:cNvPicPr>
+            <a:picLocks noChangeAspect="1" noChangeArrowheads="1"/>
+          </p:cNvPicPr>
+          <p:nvPr/>
+        </p:nvPicPr>
+        <p:blipFill>
+          <a:blip r:embed="rId6" cstate="print">
+            <a:extLst>
+              <a:ext uri="{28A0092B-C50C-407E-A947-70E740481C1C}">
+                <a14:useLocalDpi xmlns:a14="http://schemas.microsoft.com/office/drawing/2010/main" val="0"/>
+              </a:ext>
+            </a:extLst>
+          </a:blip>
+          <a:srcRect/>
+          <a:stretch>
+            <a:fillRect/>
+          </a:stretch>
+        </p:blipFill>
+        <p:spPr bwMode="auto">
+          <a:xfrm>
+            <a:off x="89756" y="116632"/>
+            <a:ext cx="665820" cy="665820"/>
           </a:xfrm>
           <a:prstGeom prst="rect">
             <a:avLst/>
@@ -23024,6 +23222,47 @@
           </a:extLst>
         </p:spPr>
       </p:pic>
+      <p:pic>
+        <p:nvPicPr>
+          <p:cNvPr id="26" name="Picture 2" descr="C:\Users\AVIRAM\Downloads\dcb3d173cf9b11a0ba246cfb76edc81b.png"/>
+          <p:cNvPicPr>
+            <a:picLocks noChangeAspect="1" noChangeArrowheads="1"/>
+          </p:cNvPicPr>
+          <p:nvPr/>
+        </p:nvPicPr>
+        <p:blipFill>
+          <a:blip r:embed="rId14" cstate="print">
+            <a:extLst>
+              <a:ext uri="{28A0092B-C50C-407E-A947-70E740481C1C}">
+                <a14:useLocalDpi xmlns:a14="http://schemas.microsoft.com/office/drawing/2010/main" val="0"/>
+              </a:ext>
+            </a:extLst>
+          </a:blip>
+          <a:srcRect/>
+          <a:stretch>
+            <a:fillRect/>
+          </a:stretch>
+        </p:blipFill>
+        <p:spPr bwMode="auto">
+          <a:xfrm>
+            <a:off x="89756" y="116632"/>
+            <a:ext cx="665820" cy="665820"/>
+          </a:xfrm>
+          <a:prstGeom prst="rect">
+            <a:avLst/>
+          </a:prstGeom>
+          <a:noFill/>
+          <a:extLst>
+            <a:ext uri="{909E8E84-426E-40DD-AFC4-6F175D3DCCD1}">
+              <a14:hiddenFill xmlns:a14="http://schemas.microsoft.com/office/drawing/2010/main">
+                <a:solidFill>
+                  <a:srgbClr val="FFFFFF"/>
+                </a:solidFill>
+              </a14:hiddenFill>
+            </a:ext>
+          </a:extLst>
+        </p:spPr>
+      </p:pic>
     </p:spTree>
     <p:extLst>
       <p:ext uri="{BB962C8B-B14F-4D97-AF65-F5344CB8AC3E}">
@@ -23100,14 +23339,7 @@
                 <a:latin typeface="David" panose="020E0502060401010101" pitchFamily="34" charset="-79"/>
                 <a:cs typeface="David" panose="020E0502060401010101" pitchFamily="34" charset="-79"/>
               </a:rPr>
-              <a:t>הצגת </a:t>
-            </a:r>
-            <a:r>
-              <a:rPr lang="he-IL" dirty="0" smtClean="0">
-                <a:latin typeface="David" panose="020E0502060401010101" pitchFamily="34" charset="-79"/>
-                <a:cs typeface="David" panose="020E0502060401010101" pitchFamily="34" charset="-79"/>
-              </a:rPr>
-              <a:t>האפליקציה</a:t>
+              <a:t>הצגת האפליקציה</a:t>
             </a:r>
             <a:endParaRPr lang="he-IL" dirty="0">
               <a:latin typeface="David" panose="020E0502060401010101" pitchFamily="34" charset="-79"/>
@@ -23174,6 +23406,47 @@
           <a:xfrm>
             <a:off x="179512" y="5877272"/>
             <a:ext cx="864096" cy="864096"/>
+          </a:xfrm>
+          <a:prstGeom prst="rect">
+            <a:avLst/>
+          </a:prstGeom>
+          <a:noFill/>
+          <a:extLst>
+            <a:ext uri="{909E8E84-426E-40DD-AFC4-6F175D3DCCD1}">
+              <a14:hiddenFill xmlns:a14="http://schemas.microsoft.com/office/drawing/2010/main">
+                <a:solidFill>
+                  <a:srgbClr val="FFFFFF"/>
+                </a:solidFill>
+              </a14:hiddenFill>
+            </a:ext>
+          </a:extLst>
+        </p:spPr>
+      </p:pic>
+      <p:pic>
+        <p:nvPicPr>
+          <p:cNvPr id="6" name="Picture 2" descr="C:\Users\AVIRAM\Downloads\dcb3d173cf9b11a0ba246cfb76edc81b.png"/>
+          <p:cNvPicPr>
+            <a:picLocks noChangeAspect="1" noChangeArrowheads="1"/>
+          </p:cNvPicPr>
+          <p:nvPr/>
+        </p:nvPicPr>
+        <p:blipFill>
+          <a:blip r:embed="rId4" cstate="print">
+            <a:extLst>
+              <a:ext uri="{28A0092B-C50C-407E-A947-70E740481C1C}">
+                <a14:useLocalDpi xmlns:a14="http://schemas.microsoft.com/office/drawing/2010/main" val="0"/>
+              </a:ext>
+            </a:extLst>
+          </a:blip>
+          <a:srcRect/>
+          <a:stretch>
+            <a:fillRect/>
+          </a:stretch>
+        </p:blipFill>
+        <p:spPr bwMode="auto">
+          <a:xfrm>
+            <a:off x="89756" y="116632"/>
+            <a:ext cx="665820" cy="665820"/>
           </a:xfrm>
           <a:prstGeom prst="rect">
             <a:avLst/>
@@ -23285,14 +23558,7 @@
                 <a:latin typeface="David" panose="020E0502060401010101" pitchFamily="34" charset="-79"/>
                 <a:cs typeface="David" panose="020E0502060401010101" pitchFamily="34" charset="-79"/>
               </a:rPr>
-              <a:t> שיתמוך באפליקציה</a:t>
-            </a:r>
-            <a:r>
-              <a:rPr lang="he-IL" dirty="0" smtClean="0">
-                <a:latin typeface="David" panose="020E0502060401010101" pitchFamily="34" charset="-79"/>
-                <a:cs typeface="David" panose="020E0502060401010101" pitchFamily="34" charset="-79"/>
-              </a:rPr>
-              <a:t>.</a:t>
+              <a:t> שיתמוך באפליקציה.</a:t>
             </a:r>
             <a:endParaRPr lang="he-IL" dirty="0">
               <a:latin typeface="David" panose="020E0502060401010101" pitchFamily="34" charset="-79"/>
@@ -23339,10 +23605,6 @@
               </a:rPr>
               <a:t>.</a:t>
             </a:r>
-            <a:endParaRPr lang="he-IL" dirty="0" smtClean="0">
-              <a:latin typeface="David" panose="020E0502060401010101" pitchFamily="34" charset="-79"/>
-              <a:cs typeface="David" panose="020E0502060401010101" pitchFamily="34" charset="-79"/>
-            </a:endParaRPr>
           </a:p>
           <a:p>
             <a:pPr lvl="1">
@@ -23361,19 +23623,8 @@
                 <a:latin typeface="David" panose="020E0502060401010101" pitchFamily="34" charset="-79"/>
                 <a:cs typeface="David" panose="020E0502060401010101" pitchFamily="34" charset="-79"/>
               </a:rPr>
-              <a:t> </a:t>
+              <a:t> .(Service</a:t>
             </a:r>
-            <a:r>
-              <a:rPr lang="en-US" dirty="0" smtClean="0">
-                <a:latin typeface="David" panose="020E0502060401010101" pitchFamily="34" charset="-79"/>
-                <a:cs typeface="David" panose="020E0502060401010101" pitchFamily="34" charset="-79"/>
-              </a:rPr>
-              <a:t>.(Service</a:t>
-            </a:r>
-            <a:endParaRPr lang="en-US" dirty="0" smtClean="0">
-              <a:latin typeface="David" panose="020E0502060401010101" pitchFamily="34" charset="-79"/>
-              <a:cs typeface="David" panose="020E0502060401010101" pitchFamily="34" charset="-79"/>
-            </a:endParaRPr>
           </a:p>
           <a:p>
             <a:pPr lvl="1">
@@ -23385,19 +23636,8 @@
                 <a:latin typeface="David" panose="020E0502060401010101" pitchFamily="34" charset="-79"/>
                 <a:cs typeface="David" panose="020E0502060401010101" pitchFamily="34" charset="-79"/>
               </a:rPr>
-              <a:t>הגעה לתחנה: שליחת התראה למשתמש (צלצול או/וגם התראה</a:t>
+              <a:t>הגעה לתחנה: שליחת התראה למשתמש (צלצול או/וגם התראה).</a:t>
             </a:r>
-            <a:r>
-              <a:rPr lang="he-IL" dirty="0" smtClean="0">
-                <a:latin typeface="David" panose="020E0502060401010101" pitchFamily="34" charset="-79"/>
-                <a:cs typeface="David" panose="020E0502060401010101" pitchFamily="34" charset="-79"/>
-              </a:rPr>
-              <a:t>).</a:t>
-            </a:r>
-            <a:endParaRPr lang="he-IL" dirty="0" smtClean="0">
-              <a:latin typeface="David" panose="020E0502060401010101" pitchFamily="34" charset="-79"/>
-              <a:cs typeface="David" panose="020E0502060401010101" pitchFamily="34" charset="-79"/>
-            </a:endParaRPr>
           </a:p>
         </p:txBody>
       </p:sp>
@@ -23545,6 +23785,47 @@
           </a:extLst>
         </p:spPr>
       </p:pic>
+      <p:pic>
+        <p:nvPicPr>
+          <p:cNvPr id="7" name="Picture 2" descr="C:\Users\AVIRAM\Downloads\dcb3d173cf9b11a0ba246cfb76edc81b.png"/>
+          <p:cNvPicPr>
+            <a:picLocks noChangeAspect="1" noChangeArrowheads="1"/>
+          </p:cNvPicPr>
+          <p:nvPr/>
+        </p:nvPicPr>
+        <p:blipFill>
+          <a:blip r:embed="rId5" cstate="print">
+            <a:extLst>
+              <a:ext uri="{28A0092B-C50C-407E-A947-70E740481C1C}">
+                <a14:useLocalDpi xmlns:a14="http://schemas.microsoft.com/office/drawing/2010/main" val="0"/>
+              </a:ext>
+            </a:extLst>
+          </a:blip>
+          <a:srcRect/>
+          <a:stretch>
+            <a:fillRect/>
+          </a:stretch>
+        </p:blipFill>
+        <p:spPr bwMode="auto">
+          <a:xfrm>
+            <a:off x="89756" y="116632"/>
+            <a:ext cx="665820" cy="665820"/>
+          </a:xfrm>
+          <a:prstGeom prst="rect">
+            <a:avLst/>
+          </a:prstGeom>
+          <a:noFill/>
+          <a:extLst>
+            <a:ext uri="{909E8E84-426E-40DD-AFC4-6F175D3DCCD1}">
+              <a14:hiddenFill xmlns:a14="http://schemas.microsoft.com/office/drawing/2010/main">
+                <a:solidFill>
+                  <a:srgbClr val="FFFFFF"/>
+                </a:solidFill>
+              </a14:hiddenFill>
+            </a:ext>
+          </a:extLst>
+        </p:spPr>
+      </p:pic>
     </p:spTree>
     <p:extLst>
       <p:ext uri="{BB962C8B-B14F-4D97-AF65-F5344CB8AC3E}">
@@ -23617,14 +23898,7 @@
                 <a:latin typeface="David" panose="020E0502060401010101" pitchFamily="34" charset="-79"/>
                 <a:cs typeface="David" panose="020E0502060401010101" pitchFamily="34" charset="-79"/>
               </a:rPr>
-              <a:t>קבלת מיקום של </a:t>
-            </a:r>
-            <a:r>
-              <a:rPr lang="he-IL" dirty="0" smtClean="0">
-                <a:latin typeface="David" panose="020E0502060401010101" pitchFamily="34" charset="-79"/>
-                <a:cs typeface="David" panose="020E0502060401010101" pitchFamily="34" charset="-79"/>
-              </a:rPr>
-              <a:t>המשתמש.</a:t>
+              <a:t>קבלת מיקום של המשתמש.</a:t>
             </a:r>
             <a:endParaRPr lang="en-US" dirty="0" smtClean="0">
               <a:latin typeface="David" panose="020E0502060401010101" pitchFamily="34" charset="-79"/>
@@ -23666,14 +23940,7 @@
                 <a:latin typeface="David" panose="020E0502060401010101" pitchFamily="34" charset="-79"/>
                 <a:cs typeface="David" panose="020E0502060401010101" pitchFamily="34" charset="-79"/>
               </a:rPr>
-              <a:t>נסגר</a:t>
-            </a:r>
-            <a:r>
-              <a:rPr lang="he-IL" dirty="0" smtClean="0">
-                <a:latin typeface="David" panose="020E0502060401010101" pitchFamily="34" charset="-79"/>
-                <a:cs typeface="David" panose="020E0502060401010101" pitchFamily="34" charset="-79"/>
-              </a:rPr>
-              <a:t>).</a:t>
+              <a:t>נסגר).</a:t>
             </a:r>
             <a:endParaRPr lang="en-US" dirty="0" smtClean="0">
               <a:latin typeface="David" panose="020E0502060401010101" pitchFamily="34" charset="-79"/>
@@ -23694,19 +23961,8 @@
                 <a:latin typeface="David" panose="020E0502060401010101" pitchFamily="34" charset="-79"/>
                 <a:cs typeface="David" panose="020E0502060401010101" pitchFamily="34" charset="-79"/>
               </a:rPr>
-              <a:t>התראה </a:t>
+              <a:t>התראה למשתמש.</a:t>
             </a:r>
-            <a:r>
-              <a:rPr lang="he-IL" dirty="0" smtClean="0">
-                <a:latin typeface="David" panose="020E0502060401010101" pitchFamily="34" charset="-79"/>
-                <a:cs typeface="David" panose="020E0502060401010101" pitchFamily="34" charset="-79"/>
-              </a:rPr>
-              <a:t>למשתמש.</a:t>
-            </a:r>
-            <a:endParaRPr lang="he-IL" dirty="0" smtClean="0">
-              <a:latin typeface="David" panose="020E0502060401010101" pitchFamily="34" charset="-79"/>
-              <a:cs typeface="David" panose="020E0502060401010101" pitchFamily="34" charset="-79"/>
-            </a:endParaRPr>
           </a:p>
           <a:p>
             <a:r>
@@ -23721,14 +23977,7 @@
                 <a:latin typeface="David" panose="020E0502060401010101" pitchFamily="34" charset="-79"/>
                 <a:cs typeface="David" panose="020E0502060401010101" pitchFamily="34" charset="-79"/>
               </a:rPr>
-              <a:t>- השמעת </a:t>
-            </a:r>
-            <a:r>
-              <a:rPr lang="he-IL" dirty="0" smtClean="0">
-                <a:latin typeface="David" panose="020E0502060401010101" pitchFamily="34" charset="-79"/>
-                <a:cs typeface="David" panose="020E0502060401010101" pitchFamily="34" charset="-79"/>
-              </a:rPr>
-              <a:t>צלצול.</a:t>
+              <a:t>- השמעת צלצול.</a:t>
             </a:r>
             <a:endParaRPr lang="en-US" dirty="0" smtClean="0">
               <a:latin typeface="David" panose="020E0502060401010101" pitchFamily="34" charset="-79"/>
@@ -23749,14 +23998,7 @@
                 <a:latin typeface="David" panose="020E0502060401010101" pitchFamily="34" charset="-79"/>
                 <a:cs typeface="David" panose="020E0502060401010101" pitchFamily="34" charset="-79"/>
               </a:rPr>
-              <a:t>'זיכרון משותף' – להגדרות </a:t>
-            </a:r>
-            <a:r>
-              <a:rPr lang="he-IL" dirty="0" smtClean="0">
-                <a:latin typeface="David" panose="020E0502060401010101" pitchFamily="34" charset="-79"/>
-                <a:cs typeface="David" panose="020E0502060401010101" pitchFamily="34" charset="-79"/>
-              </a:rPr>
-              <a:t>האפליקציה.</a:t>
+              <a:t>'זיכרון משותף' – להגדרות האפליקציה.</a:t>
             </a:r>
             <a:endParaRPr lang="en-US" dirty="0" smtClean="0">
               <a:latin typeface="David" panose="020E0502060401010101" pitchFamily="34" charset="-79"/>
@@ -23793,10 +24035,6 @@
               </a:rPr>
               <a:t>.</a:t>
             </a:r>
-            <a:endParaRPr lang="he-IL" dirty="0" smtClean="0">
-              <a:latin typeface="David" panose="020E0502060401010101" pitchFamily="34" charset="-79"/>
-              <a:cs typeface="David" panose="020E0502060401010101" pitchFamily="34" charset="-79"/>
-            </a:endParaRPr>
           </a:p>
           <a:p>
             <a:endParaRPr lang="en-US" dirty="0"/>
@@ -23815,14 +24053,7 @@
                 <a:latin typeface="David" panose="020E0502060401010101" pitchFamily="34" charset="-79"/>
                 <a:cs typeface="David" panose="020E0502060401010101" pitchFamily="34" charset="-79"/>
               </a:rPr>
-              <a:t>בניית שרת שמכיל את מבנה הנתונים </a:t>
-            </a:r>
-            <a:r>
-              <a:rPr lang="he-IL" dirty="0" smtClean="0">
-                <a:latin typeface="David" panose="020E0502060401010101" pitchFamily="34" charset="-79"/>
-                <a:cs typeface="David" panose="020E0502060401010101" pitchFamily="34" charset="-79"/>
-              </a:rPr>
-              <a:t>של</a:t>
+              <a:t>בניית שרת שמכיל את מבנה הנתונים של</a:t>
             </a:r>
             <a:r>
               <a:rPr lang="he-IL" dirty="0">
@@ -23836,26 +24067,8 @@
                 <a:latin typeface="David" panose="020E0502060401010101" pitchFamily="34" charset="-79"/>
                 <a:cs typeface="David" panose="020E0502060401010101" pitchFamily="34" charset="-79"/>
               </a:rPr>
-              <a:t>חברות תחבורה/ מסלולי </a:t>
+              <a:t>חברות תחבורה/ מסלולי אוטובוסים/תחנות עצירה.</a:t>
             </a:r>
-            <a:r>
-              <a:rPr lang="he-IL" dirty="0" smtClean="0">
-                <a:latin typeface="David" panose="020E0502060401010101" pitchFamily="34" charset="-79"/>
-                <a:cs typeface="David" panose="020E0502060401010101" pitchFamily="34" charset="-79"/>
-              </a:rPr>
-              <a:t>אוטובוסים/תחנות </a:t>
-            </a:r>
-            <a:r>
-              <a:rPr lang="he-IL" dirty="0" smtClean="0">
-                <a:latin typeface="David" panose="020E0502060401010101" pitchFamily="34" charset="-79"/>
-                <a:cs typeface="David" panose="020E0502060401010101" pitchFamily="34" charset="-79"/>
-              </a:rPr>
-              <a:t>עצירה.</a:t>
-            </a:r>
-            <a:endParaRPr lang="he-IL" dirty="0" smtClean="0">
-              <a:latin typeface="David" panose="020E0502060401010101" pitchFamily="34" charset="-79"/>
-              <a:cs typeface="David" panose="020E0502060401010101" pitchFamily="34" charset="-79"/>
-            </a:endParaRPr>
           </a:p>
         </p:txBody>
       </p:sp>
@@ -23962,6 +24175,47 @@
           </a:extLst>
         </p:spPr>
       </p:pic>
+      <p:pic>
+        <p:nvPicPr>
+          <p:cNvPr id="6" name="Picture 2" descr="C:\Users\AVIRAM\Downloads\dcb3d173cf9b11a0ba246cfb76edc81b.png"/>
+          <p:cNvPicPr>
+            <a:picLocks noChangeAspect="1" noChangeArrowheads="1"/>
+          </p:cNvPicPr>
+          <p:nvPr/>
+        </p:nvPicPr>
+        <p:blipFill>
+          <a:blip r:embed="rId4" cstate="print">
+            <a:extLst>
+              <a:ext uri="{28A0092B-C50C-407E-A947-70E740481C1C}">
+                <a14:useLocalDpi xmlns:a14="http://schemas.microsoft.com/office/drawing/2010/main" val="0"/>
+              </a:ext>
+            </a:extLst>
+          </a:blip>
+          <a:srcRect/>
+          <a:stretch>
+            <a:fillRect/>
+          </a:stretch>
+        </p:blipFill>
+        <p:spPr bwMode="auto">
+          <a:xfrm>
+            <a:off x="89756" y="116632"/>
+            <a:ext cx="665820" cy="665820"/>
+          </a:xfrm>
+          <a:prstGeom prst="rect">
+            <a:avLst/>
+          </a:prstGeom>
+          <a:noFill/>
+          <a:extLst>
+            <a:ext uri="{909E8E84-426E-40DD-AFC4-6F175D3DCCD1}">
+              <a14:hiddenFill xmlns:a14="http://schemas.microsoft.com/office/drawing/2010/main">
+                <a:solidFill>
+                  <a:srgbClr val="FFFFFF"/>
+                </a:solidFill>
+              </a14:hiddenFill>
+            </a:ext>
+          </a:extLst>
+        </p:spPr>
+      </p:pic>
     </p:spTree>
     <p:extLst>
       <p:ext uri="{BB962C8B-B14F-4D97-AF65-F5344CB8AC3E}">
@@ -24038,19 +24292,8 @@
                 <a:latin typeface="David" panose="020E0502060401010101" pitchFamily="34" charset="-79"/>
                 <a:cs typeface="David" panose="020E0502060401010101" pitchFamily="34" charset="-79"/>
               </a:rPr>
-              <a:t> (כרגע תמיכה רק באגד בתוך ירושלים</a:t>
+              <a:t> (כרגע תמיכה רק באגד בתוך ירושלים).</a:t>
             </a:r>
-            <a:r>
-              <a:rPr lang="he-IL" dirty="0" smtClean="0">
-                <a:latin typeface="David" panose="020E0502060401010101" pitchFamily="34" charset="-79"/>
-                <a:cs typeface="David" panose="020E0502060401010101" pitchFamily="34" charset="-79"/>
-              </a:rPr>
-              <a:t>).</a:t>
-            </a:r>
-            <a:endParaRPr lang="he-IL" dirty="0" smtClean="0">
-              <a:latin typeface="David" panose="020E0502060401010101" pitchFamily="34" charset="-79"/>
-              <a:cs typeface="David" panose="020E0502060401010101" pitchFamily="34" charset="-79"/>
-            </a:endParaRPr>
           </a:p>
           <a:p>
             <a:r>
@@ -24058,19 +24301,8 @@
                 <a:latin typeface="David" panose="020E0502060401010101" pitchFamily="34" charset="-79"/>
                 <a:cs typeface="David" panose="020E0502060401010101" pitchFamily="34" charset="-79"/>
               </a:rPr>
-              <a:t>תמיכה 'ברכבת ישראל</a:t>
+              <a:t>תמיכה 'ברכבת ישראל'.</a:t>
             </a:r>
-            <a:r>
-              <a:rPr lang="he-IL" dirty="0" smtClean="0">
-                <a:latin typeface="David" panose="020E0502060401010101" pitchFamily="34" charset="-79"/>
-                <a:cs typeface="David" panose="020E0502060401010101" pitchFamily="34" charset="-79"/>
-              </a:rPr>
-              <a:t>'.</a:t>
-            </a:r>
-            <a:endParaRPr lang="he-IL" dirty="0" smtClean="0">
-              <a:latin typeface="David" panose="020E0502060401010101" pitchFamily="34" charset="-79"/>
-              <a:cs typeface="David" panose="020E0502060401010101" pitchFamily="34" charset="-79"/>
-            </a:endParaRPr>
           </a:p>
           <a:p>
             <a:r>
@@ -24078,19 +24310,8 @@
                 <a:latin typeface="David" panose="020E0502060401010101" pitchFamily="34" charset="-79"/>
                 <a:cs typeface="David" panose="020E0502060401010101" pitchFamily="34" charset="-79"/>
               </a:rPr>
-              <a:t>הוספת מפה </a:t>
+              <a:t>הוספת מפה דינאמית.</a:t>
             </a:r>
-            <a:r>
-              <a:rPr lang="he-IL" dirty="0" smtClean="0">
-                <a:latin typeface="David" panose="020E0502060401010101" pitchFamily="34" charset="-79"/>
-                <a:cs typeface="David" panose="020E0502060401010101" pitchFamily="34" charset="-79"/>
-              </a:rPr>
-              <a:t>דינאמית.</a:t>
-            </a:r>
-            <a:endParaRPr lang="he-IL" dirty="0" smtClean="0">
-              <a:latin typeface="David" panose="020E0502060401010101" pitchFamily="34" charset="-79"/>
-              <a:cs typeface="David" panose="020E0502060401010101" pitchFamily="34" charset="-79"/>
-            </a:endParaRPr>
           </a:p>
           <a:p>
             <a:r>
@@ -24098,19 +24319,8 @@
                 <a:latin typeface="David" panose="020E0502060401010101" pitchFamily="34" charset="-79"/>
                 <a:cs typeface="David" panose="020E0502060401010101" pitchFamily="34" charset="-79"/>
               </a:rPr>
-              <a:t>אפשרות לבחירת צלצול </a:t>
+              <a:t>אפשרות לבחירת צלצול התראה.</a:t>
             </a:r>
-            <a:r>
-              <a:rPr lang="he-IL" dirty="0" smtClean="0">
-                <a:latin typeface="David" panose="020E0502060401010101" pitchFamily="34" charset="-79"/>
-                <a:cs typeface="David" panose="020E0502060401010101" pitchFamily="34" charset="-79"/>
-              </a:rPr>
-              <a:t>התראה.</a:t>
-            </a:r>
-            <a:endParaRPr lang="he-IL" dirty="0" smtClean="0">
-              <a:latin typeface="David" panose="020E0502060401010101" pitchFamily="34" charset="-79"/>
-              <a:cs typeface="David" panose="020E0502060401010101" pitchFamily="34" charset="-79"/>
-            </a:endParaRPr>
           </a:p>
           <a:p>
             <a:endParaRPr lang="he-IL" dirty="0" smtClean="0">
@@ -24235,6 +24445,47 @@
           </a:extLst>
         </p:spPr>
       </p:pic>
+      <p:pic>
+        <p:nvPicPr>
+          <p:cNvPr id="6" name="Picture 2" descr="C:\Users\AVIRAM\Downloads\dcb3d173cf9b11a0ba246cfb76edc81b.png"/>
+          <p:cNvPicPr>
+            <a:picLocks noChangeAspect="1" noChangeArrowheads="1"/>
+          </p:cNvPicPr>
+          <p:nvPr/>
+        </p:nvPicPr>
+        <p:blipFill>
+          <a:blip r:embed="rId4" cstate="print">
+            <a:extLst>
+              <a:ext uri="{28A0092B-C50C-407E-A947-70E740481C1C}">
+                <a14:useLocalDpi xmlns:a14="http://schemas.microsoft.com/office/drawing/2010/main" val="0"/>
+              </a:ext>
+            </a:extLst>
+          </a:blip>
+          <a:srcRect/>
+          <a:stretch>
+            <a:fillRect/>
+          </a:stretch>
+        </p:blipFill>
+        <p:spPr bwMode="auto">
+          <a:xfrm>
+            <a:off x="89756" y="116632"/>
+            <a:ext cx="665820" cy="665820"/>
+          </a:xfrm>
+          <a:prstGeom prst="rect">
+            <a:avLst/>
+          </a:prstGeom>
+          <a:noFill/>
+          <a:extLst>
+            <a:ext uri="{909E8E84-426E-40DD-AFC4-6F175D3DCCD1}">
+              <a14:hiddenFill xmlns:a14="http://schemas.microsoft.com/office/drawing/2010/main">
+                <a:solidFill>
+                  <a:srgbClr val="FFFFFF"/>
+                </a:solidFill>
+              </a14:hiddenFill>
+            </a:ext>
+          </a:extLst>
+        </p:spPr>
+      </p:pic>
     </p:spTree>
     <p:extLst>
       <p:ext uri="{BB962C8B-B14F-4D97-AF65-F5344CB8AC3E}">
@@ -24292,19 +24543,8 @@
                 <a:latin typeface="David" panose="020E0502060401010101" pitchFamily="34" charset="-79"/>
                 <a:cs typeface="David" panose="020E0502060401010101" pitchFamily="34" charset="-79"/>
               </a:rPr>
-              <a:t>פרויקט מעניין ומאתגר </a:t>
+              <a:t>פרויקט מעניין ומאתגר מאוד.</a:t>
             </a:r>
-            <a:r>
-              <a:rPr lang="he-IL" dirty="0" smtClean="0">
-                <a:latin typeface="David" panose="020E0502060401010101" pitchFamily="34" charset="-79"/>
-                <a:cs typeface="David" panose="020E0502060401010101" pitchFamily="34" charset="-79"/>
-              </a:rPr>
-              <a:t>מאוד.</a:t>
-            </a:r>
-            <a:endParaRPr lang="he-IL" dirty="0" smtClean="0">
-              <a:latin typeface="David" panose="020E0502060401010101" pitchFamily="34" charset="-79"/>
-              <a:cs typeface="David" panose="020E0502060401010101" pitchFamily="34" charset="-79"/>
-            </a:endParaRPr>
           </a:p>
           <a:p>
             <a:r>
@@ -24312,19 +24552,8 @@
                 <a:latin typeface="David" panose="020E0502060401010101" pitchFamily="34" charset="-79"/>
                 <a:cs typeface="David" panose="020E0502060401010101" pitchFamily="34" charset="-79"/>
               </a:rPr>
-              <a:t>פיתוח אפליקציה "מקצה לקצה</a:t>
+              <a:t>פיתוח אפליקציה "מקצה לקצה".</a:t>
             </a:r>
-            <a:r>
-              <a:rPr lang="he-IL" dirty="0" smtClean="0">
-                <a:latin typeface="David" panose="020E0502060401010101" pitchFamily="34" charset="-79"/>
-                <a:cs typeface="David" panose="020E0502060401010101" pitchFamily="34" charset="-79"/>
-              </a:rPr>
-              <a:t>".</a:t>
-            </a:r>
-            <a:endParaRPr lang="he-IL" dirty="0" smtClean="0">
-              <a:latin typeface="David" panose="020E0502060401010101" pitchFamily="34" charset="-79"/>
-              <a:cs typeface="David" panose="020E0502060401010101" pitchFamily="34" charset="-79"/>
-            </a:endParaRPr>
           </a:p>
           <a:p>
             <a:r>
@@ -24352,19 +24581,8 @@
                 <a:latin typeface="David" panose="020E0502060401010101" pitchFamily="34" charset="-79"/>
                 <a:cs typeface="David" panose="020E0502060401010101" pitchFamily="34" charset="-79"/>
               </a:rPr>
-              <a:t>עבודת </a:t>
+              <a:t>עבודת צוות.</a:t>
             </a:r>
-            <a:r>
-              <a:rPr lang="he-IL" dirty="0" smtClean="0">
-                <a:latin typeface="David" panose="020E0502060401010101" pitchFamily="34" charset="-79"/>
-                <a:cs typeface="David" panose="020E0502060401010101" pitchFamily="34" charset="-79"/>
-              </a:rPr>
-              <a:t>צוות.</a:t>
-            </a:r>
-            <a:endParaRPr lang="he-IL" dirty="0" smtClean="0">
-              <a:latin typeface="David" panose="020E0502060401010101" pitchFamily="34" charset="-79"/>
-              <a:cs typeface="David" panose="020E0502060401010101" pitchFamily="34" charset="-79"/>
-            </a:endParaRPr>
           </a:p>
         </p:txBody>
       </p:sp>
@@ -24455,6 +24673,47 @@
           <a:xfrm>
             <a:off x="179512" y="5877272"/>
             <a:ext cx="864096" cy="864096"/>
+          </a:xfrm>
+          <a:prstGeom prst="rect">
+            <a:avLst/>
+          </a:prstGeom>
+          <a:noFill/>
+          <a:extLst>
+            <a:ext uri="{909E8E84-426E-40DD-AFC4-6F175D3DCCD1}">
+              <a14:hiddenFill xmlns:a14="http://schemas.microsoft.com/office/drawing/2010/main">
+                <a:solidFill>
+                  <a:srgbClr val="FFFFFF"/>
+                </a:solidFill>
+              </a14:hiddenFill>
+            </a:ext>
+          </a:extLst>
+        </p:spPr>
+      </p:pic>
+      <p:pic>
+        <p:nvPicPr>
+          <p:cNvPr id="6" name="Picture 2" descr="C:\Users\AVIRAM\Downloads\dcb3d173cf9b11a0ba246cfb76edc81b.png"/>
+          <p:cNvPicPr>
+            <a:picLocks noChangeAspect="1" noChangeArrowheads="1"/>
+          </p:cNvPicPr>
+          <p:nvPr/>
+        </p:nvPicPr>
+        <p:blipFill>
+          <a:blip r:embed="rId4" cstate="print">
+            <a:extLst>
+              <a:ext uri="{28A0092B-C50C-407E-A947-70E740481C1C}">
+                <a14:useLocalDpi xmlns:a14="http://schemas.microsoft.com/office/drawing/2010/main" val="0"/>
+              </a:ext>
+            </a:extLst>
+          </a:blip>
+          <a:srcRect/>
+          <a:stretch>
+            <a:fillRect/>
+          </a:stretch>
+        </p:blipFill>
+        <p:spPr bwMode="auto">
+          <a:xfrm>
+            <a:off x="89756" y="116632"/>
+            <a:ext cx="665820" cy="665820"/>
           </a:xfrm>
           <a:prstGeom prst="rect">
             <a:avLst/>

--- a/doc/Presentation .pptx
+++ b/doc/Presentation .pptx
@@ -13,6 +13,7 @@
     <p:sldId id="260" r:id="rId7"/>
     <p:sldId id="261" r:id="rId8"/>
     <p:sldId id="263" r:id="rId9"/>
+    <p:sldId id="265" r:id="rId10"/>
   </p:sldIdLst>
   <p:sldSz cx="9144000" cy="6858000" type="screen4x3"/>
   <p:notesSz cx="6858000" cy="9144000"/>
@@ -9033,7 +9034,7 @@
           <a:p>
             <a:fld id="{4E7438E1-117D-44FB-AC24-B79D899BA877}" type="datetimeFigureOut">
               <a:rPr lang="he-IL" smtClean="0"/>
-              <a:t>י"א/אדר א/תשע"ו</a:t>
+              <a:t>י"ב/אדר א/תשע"ו</a:t>
             </a:fld>
             <a:endParaRPr lang="he-IL"/>
           </a:p>
@@ -9214,7 +9215,7 @@
           <a:p>
             <a:fld id="{4E7438E1-117D-44FB-AC24-B79D899BA877}" type="datetimeFigureOut">
               <a:rPr lang="he-IL" smtClean="0"/>
-              <a:t>י"א/אדר א/תשע"ו</a:t>
+              <a:t>י"ב/אדר א/תשע"ו</a:t>
             </a:fld>
             <a:endParaRPr lang="he-IL"/>
           </a:p>
@@ -9365,7 +9366,7 @@
           <a:p>
             <a:fld id="{4E7438E1-117D-44FB-AC24-B79D899BA877}" type="datetimeFigureOut">
               <a:rPr lang="he-IL" smtClean="0"/>
-              <a:t>י"א/אדר א/תשע"ו</a:t>
+              <a:t>י"ב/אדר א/תשע"ו</a:t>
             </a:fld>
             <a:endParaRPr lang="he-IL"/>
           </a:p>
@@ -11191,7 +11192,7 @@
           <a:p>
             <a:fld id="{4E7438E1-117D-44FB-AC24-B79D899BA877}" type="datetimeFigureOut">
               <a:rPr lang="he-IL" smtClean="0"/>
-              <a:t>י"א/אדר א/תשע"ו</a:t>
+              <a:t>י"ב/אדר א/תשע"ו</a:t>
             </a:fld>
             <a:endParaRPr lang="he-IL"/>
           </a:p>
@@ -13061,7 +13062,7 @@
           <a:p>
             <a:fld id="{4E7438E1-117D-44FB-AC24-B79D899BA877}" type="datetimeFigureOut">
               <a:rPr lang="he-IL" smtClean="0"/>
-              <a:t>י"א/אדר א/תשע"ו</a:t>
+              <a:t>י"ב/אדר א/תשע"ו</a:t>
             </a:fld>
             <a:endParaRPr lang="he-IL"/>
           </a:p>
@@ -13174,7 +13175,7 @@
           <a:p>
             <a:fld id="{4E7438E1-117D-44FB-AC24-B79D899BA877}" type="datetimeFigureOut">
               <a:rPr lang="he-IL" smtClean="0"/>
-              <a:t>י"א/אדר א/תשע"ו</a:t>
+              <a:t>י"ב/אדר א/תשע"ו</a:t>
             </a:fld>
             <a:endParaRPr lang="he-IL"/>
           </a:p>
@@ -13715,7 +13716,7 @@
           <a:p>
             <a:fld id="{4E7438E1-117D-44FB-AC24-B79D899BA877}" type="datetimeFigureOut">
               <a:rPr lang="he-IL" smtClean="0"/>
-              <a:t>י"א/אדר א/תשע"ו</a:t>
+              <a:t>י"ב/אדר א/תשע"ו</a:t>
             </a:fld>
             <a:endParaRPr lang="he-IL"/>
           </a:p>
@@ -13828,7 +13829,7 @@
           <a:p>
             <a:fld id="{4E7438E1-117D-44FB-AC24-B79D899BA877}" type="datetimeFigureOut">
               <a:rPr lang="he-IL" smtClean="0"/>
-              <a:t>י"א/אדר א/תשע"ו</a:t>
+              <a:t>י"ב/אדר א/תשע"ו</a:t>
             </a:fld>
             <a:endParaRPr lang="he-IL"/>
           </a:p>
@@ -15539,7 +15540,7 @@
           <a:p>
             <a:fld id="{4E7438E1-117D-44FB-AC24-B79D899BA877}" type="datetimeFigureOut">
               <a:rPr lang="he-IL" smtClean="0"/>
-              <a:t>י"א/אדר א/תשע"ו</a:t>
+              <a:t>י"ב/אדר א/תשע"ו</a:t>
             </a:fld>
             <a:endParaRPr lang="he-IL"/>
           </a:p>
@@ -15690,7 +15691,7 @@
           <a:p>
             <a:fld id="{4E7438E1-117D-44FB-AC24-B79D899BA877}" type="datetimeFigureOut">
               <a:rPr lang="he-IL" smtClean="0"/>
-              <a:t>י"א/אדר א/תשע"ו</a:t>
+              <a:t>י"ב/אדר א/תשע"ו</a:t>
             </a:fld>
             <a:endParaRPr lang="he-IL"/>
           </a:p>
@@ -19305,7 +19306,7 @@
           <a:p>
             <a:fld id="{4E7438E1-117D-44FB-AC24-B79D899BA877}" type="datetimeFigureOut">
               <a:rPr lang="he-IL" smtClean="0"/>
-              <a:t>י"א/אדר א/תשע"ו</a:t>
+              <a:t>י"ב/אדר א/תשע"ו</a:t>
             </a:fld>
             <a:endParaRPr lang="he-IL"/>
           </a:p>
@@ -21164,7 +21165,7 @@
           <a:p>
             <a:fld id="{4E7438E1-117D-44FB-AC24-B79D899BA877}" type="datetimeFigureOut">
               <a:rPr lang="he-IL" smtClean="0"/>
-              <a:t>י"א/אדר א/תשע"ו</a:t>
+              <a:t>י"ב/אדר א/תשע"ו</a:t>
             </a:fld>
             <a:endParaRPr lang="he-IL"/>
           </a:p>
@@ -21692,12 +21693,14 @@
         </p:nvSpPr>
         <p:spPr>
           <a:xfrm>
-            <a:off x="685800" y="1340768"/>
+            <a:off x="611560" y="3831183"/>
             <a:ext cx="7772400" cy="1470025"/>
           </a:xfrm>
         </p:spPr>
         <p:txBody>
-          <a:bodyPr/>
+          <a:bodyPr>
+            <a:normAutofit fontScale="90000"/>
+          </a:bodyPr>
           <a:lstStyle/>
           <a:p>
             <a:r>
@@ -21705,50 +21708,156 @@
                 <a:latin typeface="David" panose="020E0502060401010101" pitchFamily="34" charset="-79"/>
                 <a:cs typeface="David" panose="020E0502060401010101" pitchFamily="34" charset="-79"/>
               </a:rPr>
-              <a:t>פרויקט סיום- קורס אנדרואיד</a:t>
+              <a:t/>
             </a:r>
-            <a:endParaRPr lang="he-IL" dirty="0">
-              <a:latin typeface="David" panose="020E0502060401010101" pitchFamily="34" charset="-79"/>
-              <a:cs typeface="David" panose="020E0502060401010101" pitchFamily="34" charset="-79"/>
-            </a:endParaRPr>
-          </a:p>
-        </p:txBody>
-      </p:sp>
-      <p:sp>
-        <p:nvSpPr>
-          <p:cNvPr id="3" name="כותרת משנה 2"/>
-          <p:cNvSpPr>
-            <a:spLocks noGrp="1"/>
-          </p:cNvSpPr>
-          <p:nvPr>
-            <p:ph type="subTitle" idx="1"/>
-          </p:nvPr>
-        </p:nvSpPr>
-        <p:spPr>
-          <a:xfrm>
-            <a:off x="1371600" y="3096543"/>
-            <a:ext cx="6400800" cy="1752600"/>
-          </a:xfrm>
-        </p:spPr>
-        <p:txBody>
-          <a:bodyPr/>
-          <a:lstStyle/>
-          <a:p>
+            <a:br>
+              <a:rPr lang="he-IL" dirty="0" smtClean="0">
+                <a:latin typeface="David" panose="020E0502060401010101" pitchFamily="34" charset="-79"/>
+                <a:cs typeface="David" panose="020E0502060401010101" pitchFamily="34" charset="-79"/>
+              </a:rPr>
+            </a:br>
             <a:r>
-              <a:rPr lang="en-US" sz="4400" dirty="0" smtClean="0">
+              <a:rPr lang="en-US" dirty="0">
                 <a:solidFill>
                   <a:schemeClr val="bg1"/>
                 </a:solidFill>
                 <a:latin typeface="David" panose="020E0502060401010101" pitchFamily="34" charset="-79"/>
               </a:rPr>
-              <a:t>Bus Bell</a:t>
+              <a:t>Bus </a:t>
             </a:r>
-            <a:endParaRPr lang="he-IL" dirty="0">
-              <a:solidFill>
-                <a:schemeClr val="bg1"/>
-              </a:solidFill>
-              <a:latin typeface="David" panose="020E0502060401010101" pitchFamily="34" charset="-79"/>
-            </a:endParaRPr>
+            <a:r>
+              <a:rPr lang="en-US" dirty="0" smtClean="0">
+                <a:solidFill>
+                  <a:schemeClr val="bg1"/>
+                </a:solidFill>
+                <a:latin typeface="David" panose="020E0502060401010101" pitchFamily="34" charset="-79"/>
+              </a:rPr>
+              <a:t>Bell</a:t>
+            </a:r>
+            <a:r>
+              <a:rPr lang="he-IL" dirty="0" smtClean="0">
+                <a:solidFill>
+                  <a:schemeClr val="bg1"/>
+                </a:solidFill>
+                <a:latin typeface="David" panose="020E0502060401010101" pitchFamily="34" charset="-79"/>
+              </a:rPr>
+              <a:t/>
+            </a:r>
+            <a:br>
+              <a:rPr lang="he-IL" dirty="0" smtClean="0">
+                <a:solidFill>
+                  <a:schemeClr val="bg1"/>
+                </a:solidFill>
+                <a:latin typeface="David" panose="020E0502060401010101" pitchFamily="34" charset="-79"/>
+              </a:rPr>
+            </a:br>
+            <a:r>
+              <a:rPr lang="he-IL" dirty="0" smtClean="0">
+                <a:latin typeface="David" panose="020E0502060401010101" pitchFamily="34" charset="-79"/>
+                <a:cs typeface="David" panose="020E0502060401010101" pitchFamily="34" charset="-79"/>
+              </a:rPr>
+              <a:t>פרויקט </a:t>
+            </a:r>
+            <a:r>
+              <a:rPr lang="he-IL" dirty="0" smtClean="0">
+                <a:latin typeface="David" panose="020E0502060401010101" pitchFamily="34" charset="-79"/>
+                <a:cs typeface="David" panose="020E0502060401010101" pitchFamily="34" charset="-79"/>
+              </a:rPr>
+              <a:t>סיום- קורס אנדרואיד</a:t>
+            </a:r>
+            <a:br>
+              <a:rPr lang="he-IL" dirty="0" smtClean="0">
+                <a:latin typeface="David" panose="020E0502060401010101" pitchFamily="34" charset="-79"/>
+                <a:cs typeface="David" panose="020E0502060401010101" pitchFamily="34" charset="-79"/>
+              </a:rPr>
+            </a:br>
+            <a:r>
+              <a:rPr lang="he-IL" dirty="0" smtClean="0">
+                <a:latin typeface="David" panose="020E0502060401010101" pitchFamily="34" charset="-79"/>
+                <a:cs typeface="David" panose="020E0502060401010101" pitchFamily="34" charset="-79"/>
+              </a:rPr>
+              <a:t/>
+            </a:r>
+            <a:br>
+              <a:rPr lang="he-IL" dirty="0" smtClean="0">
+                <a:latin typeface="David" panose="020E0502060401010101" pitchFamily="34" charset="-79"/>
+                <a:cs typeface="David" panose="020E0502060401010101" pitchFamily="34" charset="-79"/>
+              </a:rPr>
+            </a:br>
+            <a:r>
+              <a:rPr lang="he-IL" dirty="0" smtClean="0">
+                <a:latin typeface="David" panose="020E0502060401010101" pitchFamily="34" charset="-79"/>
+                <a:cs typeface="David" panose="020E0502060401010101" pitchFamily="34" charset="-79"/>
+              </a:rPr>
+              <a:t/>
+            </a:r>
+            <a:br>
+              <a:rPr lang="he-IL" dirty="0" smtClean="0">
+                <a:latin typeface="David" panose="020E0502060401010101" pitchFamily="34" charset="-79"/>
+                <a:cs typeface="David" panose="020E0502060401010101" pitchFamily="34" charset="-79"/>
+              </a:rPr>
+            </a:br>
+            <a:r>
+              <a:rPr lang="he-IL" dirty="0" smtClean="0">
+                <a:latin typeface="David" panose="020E0502060401010101" pitchFamily="34" charset="-79"/>
+                <a:cs typeface="David" panose="020E0502060401010101" pitchFamily="34" charset="-79"/>
+              </a:rPr>
+              <a:t>מגישים</a:t>
+            </a:r>
+            <a:r>
+              <a:rPr lang="he-IL" dirty="0" smtClean="0">
+                <a:latin typeface="David" panose="020E0502060401010101" pitchFamily="34" charset="-79"/>
+                <a:cs typeface="David" panose="020E0502060401010101" pitchFamily="34" charset="-79"/>
+              </a:rPr>
+              <a:t>:</a:t>
+            </a:r>
+            <a:br>
+              <a:rPr lang="he-IL" dirty="0" smtClean="0">
+                <a:latin typeface="David" panose="020E0502060401010101" pitchFamily="34" charset="-79"/>
+                <a:cs typeface="David" panose="020E0502060401010101" pitchFamily="34" charset="-79"/>
+              </a:rPr>
+            </a:br>
+            <a:r>
+              <a:rPr lang="he-IL" dirty="0" smtClean="0">
+                <a:latin typeface="David" panose="020E0502060401010101" pitchFamily="34" charset="-79"/>
+                <a:cs typeface="David" panose="020E0502060401010101" pitchFamily="34" charset="-79"/>
+              </a:rPr>
+              <a:t>אבירם מזרחי - 200752624 </a:t>
+            </a:r>
+            <a:br>
+              <a:rPr lang="he-IL" dirty="0" smtClean="0">
+                <a:latin typeface="David" panose="020E0502060401010101" pitchFamily="34" charset="-79"/>
+                <a:cs typeface="David" panose="020E0502060401010101" pitchFamily="34" charset="-79"/>
+              </a:rPr>
+            </a:br>
+            <a:r>
+              <a:rPr lang="he-IL" dirty="0" smtClean="0">
+                <a:latin typeface="David" panose="020E0502060401010101" pitchFamily="34" charset="-79"/>
+                <a:cs typeface="David" panose="020E0502060401010101" pitchFamily="34" charset="-79"/>
+              </a:rPr>
+              <a:t>יעקוב </a:t>
+            </a:r>
+            <a:r>
+              <a:rPr lang="he-IL" dirty="0" err="1" smtClean="0">
+                <a:latin typeface="David" panose="020E0502060401010101" pitchFamily="34" charset="-79"/>
+                <a:cs typeface="David" panose="020E0502060401010101" pitchFamily="34" charset="-79"/>
+              </a:rPr>
+              <a:t>מושניק</a:t>
+            </a:r>
+            <a:r>
+              <a:rPr lang="he-IL" dirty="0" smtClean="0">
+                <a:latin typeface="David" panose="020E0502060401010101" pitchFamily="34" charset="-79"/>
+                <a:cs typeface="David" panose="020E0502060401010101" pitchFamily="34" charset="-79"/>
+              </a:rPr>
+              <a:t>- </a:t>
+            </a:r>
+            <a:r>
+              <a:rPr lang="he-IL" dirty="0">
+                <a:latin typeface="David" panose="020E0502060401010101" pitchFamily="34" charset="-79"/>
+                <a:cs typeface="David" panose="020E0502060401010101" pitchFamily="34" charset="-79"/>
+              </a:rPr>
+              <a:t>301102729</a:t>
+            </a:r>
           </a:p>
         </p:txBody>
       </p:sp>
@@ -21849,7 +21958,7 @@
         </p:blipFill>
         <p:spPr bwMode="auto">
           <a:xfrm>
-            <a:off x="3995936" y="4181788"/>
+            <a:off x="3995936" y="5458282"/>
             <a:ext cx="1224136" cy="1283086"/>
           </a:xfrm>
           <a:prstGeom prst="rect">
@@ -21869,7 +21978,7 @@
       </p:pic>
       <p:pic>
         <p:nvPicPr>
-          <p:cNvPr id="6" name="Picture 2" descr="C:\Users\AVIRAM\Downloads\dcb3d173cf9b11a0ba246cfb76edc81b.png"/>
+          <p:cNvPr id="9" name="Picture 3" descr="C:\Users\AVIRAM\Downloads\658237177fbbf80651007520dbc4e024 (1).png"/>
           <p:cNvPicPr>
             <a:picLocks noChangeAspect="1" noChangeArrowheads="1"/>
           </p:cNvPicPr>
@@ -21890,8 +21999,8 @@
         </p:blipFill>
         <p:spPr bwMode="auto">
           <a:xfrm>
-            <a:off x="89756" y="116632"/>
-            <a:ext cx="665820" cy="665820"/>
+            <a:off x="50330" y="73200"/>
+            <a:ext cx="609996" cy="609996"/>
           </a:xfrm>
           <a:prstGeom prst="rect">
             <a:avLst/>
@@ -21992,7 +22101,7 @@
                 <a:latin typeface="David" panose="020E0502060401010101" pitchFamily="34" charset="-79"/>
                 <a:cs typeface="David" panose="020E0502060401010101" pitchFamily="34" charset="-79"/>
               </a:rPr>
-              <a:t>מאגר קוד- </a:t>
+              <a:t>מאגר קוד - </a:t>
             </a:r>
             <a:r>
               <a:rPr lang="he-IL" dirty="0" smtClean="0">
@@ -22020,7 +22129,7 @@
                 <a:latin typeface="David" panose="020E0502060401010101" pitchFamily="34" charset="-79"/>
                 <a:cs typeface="David" panose="020E0502060401010101" pitchFamily="34" charset="-79"/>
               </a:rPr>
-              <a:t>קישור לאפליקציה-</a:t>
+              <a:t>קישור לאפליקציה- </a:t>
             </a:r>
             <a:r>
               <a:rPr lang="he-IL" dirty="0" smtClean="0">
@@ -22149,7 +22258,7 @@
       </p:pic>
       <p:pic>
         <p:nvPicPr>
-          <p:cNvPr id="6" name="Picture 2" descr="C:\Users\AVIRAM\Downloads\dcb3d173cf9b11a0ba246cfb76edc81b.png"/>
+          <p:cNvPr id="1027" name="Picture 3" descr="C:\Users\AVIRAM\Downloads\658237177fbbf80651007520dbc4e024 (1).png"/>
           <p:cNvPicPr>
             <a:picLocks noChangeAspect="1" noChangeArrowheads="1"/>
           </p:cNvPicPr>
@@ -22170,8 +22279,8 @@
         </p:blipFill>
         <p:spPr bwMode="auto">
           <a:xfrm>
-            <a:off x="89756" y="116632"/>
-            <a:ext cx="665820" cy="665820"/>
+            <a:off x="50330" y="73200"/>
+            <a:ext cx="609996" cy="609996"/>
           </a:xfrm>
           <a:prstGeom prst="rect">
             <a:avLst/>
@@ -23224,7 +23333,7 @@
       </p:pic>
       <p:pic>
         <p:nvPicPr>
-          <p:cNvPr id="26" name="Picture 2" descr="C:\Users\AVIRAM\Downloads\dcb3d173cf9b11a0ba246cfb76edc81b.png"/>
+          <p:cNvPr id="26" name="Picture 3" descr="C:\Users\AVIRAM\Downloads\658237177fbbf80651007520dbc4e024 (1).png"/>
           <p:cNvPicPr>
             <a:picLocks noChangeAspect="1" noChangeArrowheads="1"/>
           </p:cNvPicPr>
@@ -23245,8 +23354,8 @@
         </p:blipFill>
         <p:spPr bwMode="auto">
           <a:xfrm>
-            <a:off x="89756" y="116632"/>
-            <a:ext cx="665820" cy="665820"/>
+            <a:off x="50330" y="73200"/>
+            <a:ext cx="609996" cy="609996"/>
           </a:xfrm>
           <a:prstGeom prst="rect">
             <a:avLst/>
@@ -23263,6 +23372,70 @@
           </a:extLst>
         </p:spPr>
       </p:pic>
+      <p:sp>
+        <p:nvSpPr>
+          <p:cNvPr id="2" name="TextBox 1"/>
+          <p:cNvSpPr txBox="1"/>
+          <p:nvPr/>
+        </p:nvSpPr>
+        <p:spPr>
+          <a:xfrm>
+            <a:off x="8191629" y="2852936"/>
+            <a:ext cx="772859" cy="369332"/>
+          </a:xfrm>
+          <a:prstGeom prst="rect">
+            <a:avLst/>
+          </a:prstGeom>
+          <a:noFill/>
+        </p:spPr>
+        <p:txBody>
+          <a:bodyPr wrap="square" rtlCol="1">
+            <a:spAutoFit/>
+          </a:bodyPr>
+          <a:lstStyle/>
+          <a:p>
+            <a:r>
+              <a:rPr lang="en-US" dirty="0" smtClean="0"/>
+              <a:t>User</a:t>
+            </a:r>
+            <a:endParaRPr lang="he-IL" dirty="0"/>
+          </a:p>
+        </p:txBody>
+      </p:sp>
+      <p:sp>
+        <p:nvSpPr>
+          <p:cNvPr id="39" name="TextBox 38"/>
+          <p:cNvSpPr txBox="1"/>
+          <p:nvPr/>
+        </p:nvSpPr>
+        <p:spPr>
+          <a:xfrm>
+            <a:off x="8210857" y="5229200"/>
+            <a:ext cx="969655" cy="369332"/>
+          </a:xfrm>
+          <a:prstGeom prst="rect">
+            <a:avLst/>
+          </a:prstGeom>
+          <a:noFill/>
+        </p:spPr>
+        <p:txBody>
+          <a:bodyPr wrap="square" rtlCol="1">
+            <a:spAutoFit/>
+          </a:bodyPr>
+          <a:lstStyle/>
+          <a:p>
+            <a:pPr lvl="0"/>
+            <a:r>
+              <a:rPr lang="en-US" dirty="0" smtClean="0">
+                <a:latin typeface="David" panose="020E0502060401010101" pitchFamily="34" charset="-79"/>
+                <a:cs typeface="David" panose="020E0502060401010101" pitchFamily="34" charset="-79"/>
+              </a:rPr>
+              <a:t>Service</a:t>
+            </a:r>
+            <a:endParaRPr lang="he-IL" dirty="0"/>
+          </a:p>
+        </p:txBody>
+      </p:sp>
     </p:spTree>
     <p:extLst>
       <p:ext uri="{BB962C8B-B14F-4D97-AF65-F5344CB8AC3E}">
@@ -23424,7 +23597,7 @@
       </p:pic>
       <p:pic>
         <p:nvPicPr>
-          <p:cNvPr id="6" name="Picture 2" descr="C:\Users\AVIRAM\Downloads\dcb3d173cf9b11a0ba246cfb76edc81b.png"/>
+          <p:cNvPr id="6" name="Picture 3" descr="C:\Users\AVIRAM\Downloads\658237177fbbf80651007520dbc4e024 (1).png"/>
           <p:cNvPicPr>
             <a:picLocks noChangeAspect="1" noChangeArrowheads="1"/>
           </p:cNvPicPr>
@@ -23445,8 +23618,8 @@
         </p:blipFill>
         <p:spPr bwMode="auto">
           <a:xfrm>
-            <a:off x="89756" y="116632"/>
-            <a:ext cx="665820" cy="665820"/>
+            <a:off x="50330" y="73200"/>
+            <a:ext cx="609996" cy="609996"/>
           </a:xfrm>
           <a:prstGeom prst="rect">
             <a:avLst/>
@@ -23787,7 +23960,7 @@
       </p:pic>
       <p:pic>
         <p:nvPicPr>
-          <p:cNvPr id="7" name="Picture 2" descr="C:\Users\AVIRAM\Downloads\dcb3d173cf9b11a0ba246cfb76edc81b.png"/>
+          <p:cNvPr id="7" name="Picture 3" descr="C:\Users\AVIRAM\Downloads\658237177fbbf80651007520dbc4e024 (1).png"/>
           <p:cNvPicPr>
             <a:picLocks noChangeAspect="1" noChangeArrowheads="1"/>
           </p:cNvPicPr>
@@ -23808,8 +23981,8 @@
         </p:blipFill>
         <p:spPr bwMode="auto">
           <a:xfrm>
-            <a:off x="89756" y="116632"/>
-            <a:ext cx="665820" cy="665820"/>
+            <a:off x="50330" y="73200"/>
+            <a:ext cx="609996" cy="609996"/>
           </a:xfrm>
           <a:prstGeom prst="rect">
             <a:avLst/>
@@ -24177,7 +24350,7 @@
       </p:pic>
       <p:pic>
         <p:nvPicPr>
-          <p:cNvPr id="6" name="Picture 2" descr="C:\Users\AVIRAM\Downloads\dcb3d173cf9b11a0ba246cfb76edc81b.png"/>
+          <p:cNvPr id="6" name="Picture 3" descr="C:\Users\AVIRAM\Downloads\658237177fbbf80651007520dbc4e024 (1).png"/>
           <p:cNvPicPr>
             <a:picLocks noChangeAspect="1" noChangeArrowheads="1"/>
           </p:cNvPicPr>
@@ -24198,8 +24371,8 @@
         </p:blipFill>
         <p:spPr bwMode="auto">
           <a:xfrm>
-            <a:off x="89756" y="116632"/>
-            <a:ext cx="665820" cy="665820"/>
+            <a:off x="50330" y="73200"/>
+            <a:ext cx="609996" cy="609996"/>
           </a:xfrm>
           <a:prstGeom prst="rect">
             <a:avLst/>
@@ -24320,6 +24493,15 @@
                 <a:cs typeface="David" panose="020E0502060401010101" pitchFamily="34" charset="-79"/>
               </a:rPr>
               <a:t>אפשרות לבחירת צלצול התראה.</a:t>
+            </a:r>
+          </a:p>
+          <a:p>
+            <a:r>
+              <a:rPr lang="he-IL" dirty="0" smtClean="0">
+                <a:latin typeface="David" panose="020E0502060401010101" pitchFamily="34" charset="-79"/>
+                <a:cs typeface="David" panose="020E0502060401010101" pitchFamily="34" charset="-79"/>
+              </a:rPr>
+              <a:t>אפשרות להחלפת כיוון.</a:t>
             </a:r>
           </a:p>
           <a:p>
@@ -24447,7 +24629,7 @@
       </p:pic>
       <p:pic>
         <p:nvPicPr>
-          <p:cNvPr id="6" name="Picture 2" descr="C:\Users\AVIRAM\Downloads\dcb3d173cf9b11a0ba246cfb76edc81b.png"/>
+          <p:cNvPr id="6" name="Picture 3" descr="C:\Users\AVIRAM\Downloads\658237177fbbf80651007520dbc4e024 (1).png"/>
           <p:cNvPicPr>
             <a:picLocks noChangeAspect="1" noChangeArrowheads="1"/>
           </p:cNvPicPr>
@@ -24468,8 +24650,8 @@
         </p:blipFill>
         <p:spPr bwMode="auto">
           <a:xfrm>
-            <a:off x="89756" y="116632"/>
-            <a:ext cx="665820" cy="665820"/>
+            <a:off x="50330" y="73200"/>
+            <a:ext cx="609996" cy="609996"/>
           </a:xfrm>
           <a:prstGeom prst="rect">
             <a:avLst/>
@@ -24691,7 +24873,7 @@
       </p:pic>
       <p:pic>
         <p:nvPicPr>
-          <p:cNvPr id="6" name="Picture 2" descr="C:\Users\AVIRAM\Downloads\dcb3d173cf9b11a0ba246cfb76edc81b.png"/>
+          <p:cNvPr id="6" name="Picture 3" descr="C:\Users\AVIRAM\Downloads\658237177fbbf80651007520dbc4e024 (1).png"/>
           <p:cNvPicPr>
             <a:picLocks noChangeAspect="1" noChangeArrowheads="1"/>
           </p:cNvPicPr>
@@ -24712,8 +24894,8 @@
         </p:blipFill>
         <p:spPr bwMode="auto">
           <a:xfrm>
-            <a:off x="89756" y="116632"/>
-            <a:ext cx="665820" cy="665820"/>
+            <a:off x="50330" y="73200"/>
+            <a:ext cx="609996" cy="609996"/>
           </a:xfrm>
           <a:prstGeom prst="rect">
             <a:avLst/>
@@ -24734,6 +24916,206 @@
     <p:extLst>
       <p:ext uri="{BB962C8B-B14F-4D97-AF65-F5344CB8AC3E}">
         <p14:creationId xmlns:p14="http://schemas.microsoft.com/office/powerpoint/2010/main" val="4146182093"/>
+      </p:ext>
+    </p:extLst>
+  </p:cSld>
+  <p:clrMapOvr>
+    <a:masterClrMapping/>
+  </p:clrMapOvr>
+  <p:timing>
+    <p:tnLst>
+      <p:par>
+        <p:cTn id="1" dur="indefinite" restart="never" nodeType="tmRoot"/>
+      </p:par>
+    </p:tnLst>
+  </p:timing>
+</p:sld>
+</file>
+
+<file path=ppt/slides/slide9.xml><?xml version="1.0" encoding="utf-8"?>
+<p:sld xmlns:a="http://schemas.openxmlformats.org/drawingml/2006/main" xmlns:r="http://schemas.openxmlformats.org/officeDocument/2006/relationships" xmlns:p="http://schemas.openxmlformats.org/presentationml/2006/main">
+  <p:cSld>
+    <p:spTree>
+      <p:nvGrpSpPr>
+        <p:cNvPr id="1" name=""/>
+        <p:cNvGrpSpPr/>
+        <p:nvPr/>
+      </p:nvGrpSpPr>
+      <p:grpSpPr>
+        <a:xfrm>
+          <a:off x="0" y="0"/>
+          <a:ext cx="0" cy="0"/>
+          <a:chOff x="0" y="0"/>
+          <a:chExt cx="0" cy="0"/>
+        </a:xfrm>
+      </p:grpSpPr>
+      <p:sp>
+        <p:nvSpPr>
+          <p:cNvPr id="2" name="כותרת 1"/>
+          <p:cNvSpPr>
+            <a:spLocks noGrp="1"/>
+          </p:cNvSpPr>
+          <p:nvPr>
+            <p:ph type="title"/>
+          </p:nvPr>
+        </p:nvSpPr>
+        <p:spPr/>
+        <p:txBody>
+          <a:bodyPr/>
+          <a:lstStyle/>
+          <a:p>
+            <a:r>
+              <a:rPr lang="he-IL" dirty="0" smtClean="0">
+                <a:latin typeface="David" panose="020E0502060401010101" pitchFamily="34" charset="-79"/>
+                <a:cs typeface="David" panose="020E0502060401010101" pitchFamily="34" charset="-79"/>
+              </a:rPr>
+              <a:t>שאלות?!</a:t>
+            </a:r>
+            <a:endParaRPr lang="he-IL" dirty="0">
+              <a:latin typeface="David" panose="020E0502060401010101" pitchFamily="34" charset="-79"/>
+              <a:cs typeface="David" panose="020E0502060401010101" pitchFamily="34" charset="-79"/>
+            </a:endParaRPr>
+          </a:p>
+        </p:txBody>
+      </p:sp>
+      <p:pic>
+        <p:nvPicPr>
+          <p:cNvPr id="4" name="תמונה 3"/>
+          <p:cNvPicPr/>
+          <p:nvPr/>
+        </p:nvPicPr>
+        <p:blipFill>
+          <a:blip r:embed="rId2">
+            <a:extLst>
+              <a:ext uri="{28A0092B-C50C-407E-A947-70E740481C1C}">
+                <a14:useLocalDpi xmlns:a14="http://schemas.microsoft.com/office/drawing/2010/main" val="0"/>
+              </a:ext>
+            </a:extLst>
+          </a:blip>
+          <a:srcRect/>
+          <a:stretch>
+            <a:fillRect/>
+          </a:stretch>
+        </p:blipFill>
+        <p:spPr bwMode="auto">
+          <a:xfrm>
+            <a:off x="7308304" y="6285267"/>
+            <a:ext cx="1689735" cy="405130"/>
+          </a:xfrm>
+          <a:prstGeom prst="rect">
+            <a:avLst/>
+          </a:prstGeom>
+          <a:noFill/>
+          <a:ln>
+            <a:noFill/>
+          </a:ln>
+        </p:spPr>
+      </p:pic>
+      <p:pic>
+        <p:nvPicPr>
+          <p:cNvPr id="5" name="Picture 2" descr="http://www.just5.com/content/img/android.png"/>
+          <p:cNvPicPr>
+            <a:picLocks noChangeAspect="1" noChangeArrowheads="1"/>
+          </p:cNvPicPr>
+          <p:nvPr/>
+        </p:nvPicPr>
+        <p:blipFill>
+          <a:blip r:embed="rId3" cstate="print">
+            <a:extLst>
+              <a:ext uri="{28A0092B-C50C-407E-A947-70E740481C1C}">
+                <a14:useLocalDpi xmlns:a14="http://schemas.microsoft.com/office/drawing/2010/main" val="0"/>
+              </a:ext>
+            </a:extLst>
+          </a:blip>
+          <a:srcRect/>
+          <a:stretch>
+            <a:fillRect/>
+          </a:stretch>
+        </p:blipFill>
+        <p:spPr bwMode="auto">
+          <a:xfrm>
+            <a:off x="179512" y="5877272"/>
+            <a:ext cx="864096" cy="864096"/>
+          </a:xfrm>
+          <a:prstGeom prst="rect">
+            <a:avLst/>
+          </a:prstGeom>
+          <a:noFill/>
+          <a:extLst>
+            <a:ext uri="{909E8E84-426E-40DD-AFC4-6F175D3DCCD1}">
+              <a14:hiddenFill xmlns:a14="http://schemas.microsoft.com/office/drawing/2010/main">
+                <a:solidFill>
+                  <a:srgbClr val="FFFFFF"/>
+                </a:solidFill>
+              </a14:hiddenFill>
+            </a:ext>
+          </a:extLst>
+        </p:spPr>
+      </p:pic>
+      <p:pic>
+        <p:nvPicPr>
+          <p:cNvPr id="6" name="Picture 3" descr="C:\Users\AVIRAM\Downloads\658237177fbbf80651007520dbc4e024 (1).png"/>
+          <p:cNvPicPr>
+            <a:picLocks noChangeAspect="1" noChangeArrowheads="1"/>
+          </p:cNvPicPr>
+          <p:nvPr/>
+        </p:nvPicPr>
+        <p:blipFill>
+          <a:blip r:embed="rId4" cstate="print">
+            <a:extLst>
+              <a:ext uri="{28A0092B-C50C-407E-A947-70E740481C1C}">
+                <a14:useLocalDpi xmlns:a14="http://schemas.microsoft.com/office/drawing/2010/main" val="0"/>
+              </a:ext>
+            </a:extLst>
+          </a:blip>
+          <a:srcRect/>
+          <a:stretch>
+            <a:fillRect/>
+          </a:stretch>
+        </p:blipFill>
+        <p:spPr bwMode="auto">
+          <a:xfrm>
+            <a:off x="50330" y="73200"/>
+            <a:ext cx="609996" cy="609996"/>
+          </a:xfrm>
+          <a:prstGeom prst="rect">
+            <a:avLst/>
+          </a:prstGeom>
+          <a:noFill/>
+          <a:extLst>
+            <a:ext uri="{909E8E84-426E-40DD-AFC4-6F175D3DCCD1}">
+              <a14:hiddenFill xmlns:a14="http://schemas.microsoft.com/office/drawing/2010/main">
+                <a:solidFill>
+                  <a:srgbClr val="FFFFFF"/>
+                </a:solidFill>
+              </a14:hiddenFill>
+            </a:ext>
+          </a:extLst>
+        </p:spPr>
+      </p:pic>
+      <p:sp>
+        <p:nvSpPr>
+          <p:cNvPr id="7" name="מציין מיקום תוכן 6"/>
+          <p:cNvSpPr>
+            <a:spLocks noGrp="1"/>
+          </p:cNvSpPr>
+          <p:nvPr>
+            <p:ph idx="1"/>
+          </p:nvPr>
+        </p:nvSpPr>
+        <p:spPr/>
+        <p:txBody>
+          <a:bodyPr/>
+          <a:lstStyle/>
+          <a:p>
+            <a:endParaRPr lang="he-IL" dirty="0"/>
+          </a:p>
+        </p:txBody>
+      </p:sp>
+    </p:spTree>
+    <p:extLst>
+      <p:ext uri="{BB962C8B-B14F-4D97-AF65-F5344CB8AC3E}">
+        <p14:creationId xmlns:p14="http://schemas.microsoft.com/office/powerpoint/2010/main" val="3013180620"/>
       </p:ext>
     </p:extLst>
   </p:cSld>
